--- a/Data Structure & Algorithm PDF/DSA.pptx
+++ b/Data Structure & Algorithm PDF/DSA.pptx
@@ -114,6 +114,11 @@
       </a:defRPr>
     </a:lvl9pPr>
   </p:defaultTextStyle>
+  <p:extLst>
+    <p:ext uri="{EFAFB233-063F-42B5-8137-9DF3F51BA10A}">
+      <p15:sldGuideLst xmlns:p15="http://schemas.microsoft.com/office/powerpoint/2012/main"/>
+    </p:ext>
+  </p:extLst>
 </p:presentation>
 </file>
 
@@ -264,7 +269,7 @@
           <a:p>
             <a:fld id="{1140D365-4777-40C3-A677-A04F761BF0D4}" type="datetimeFigureOut">
               <a:rPr lang="en-US" smtClean="0"/>
-              <a:t>7/27/2023</a:t>
+              <a:t>8/10/2023</a:t>
             </a:fld>
             <a:endParaRPr lang="en-US"/>
           </a:p>
@@ -462,7 +467,7 @@
           <a:p>
             <a:fld id="{1140D365-4777-40C3-A677-A04F761BF0D4}" type="datetimeFigureOut">
               <a:rPr lang="en-US" smtClean="0"/>
-              <a:t>7/27/2023</a:t>
+              <a:t>8/10/2023</a:t>
             </a:fld>
             <a:endParaRPr lang="en-US"/>
           </a:p>
@@ -670,7 +675,7 @@
           <a:p>
             <a:fld id="{1140D365-4777-40C3-A677-A04F761BF0D4}" type="datetimeFigureOut">
               <a:rPr lang="en-US" smtClean="0"/>
-              <a:t>7/27/2023</a:t>
+              <a:t>8/10/2023</a:t>
             </a:fld>
             <a:endParaRPr lang="en-US"/>
           </a:p>
@@ -868,7 +873,7 @@
           <a:p>
             <a:fld id="{1140D365-4777-40C3-A677-A04F761BF0D4}" type="datetimeFigureOut">
               <a:rPr lang="en-US" smtClean="0"/>
-              <a:t>7/27/2023</a:t>
+              <a:t>8/10/2023</a:t>
             </a:fld>
             <a:endParaRPr lang="en-US"/>
           </a:p>
@@ -1143,7 +1148,7 @@
           <a:p>
             <a:fld id="{1140D365-4777-40C3-A677-A04F761BF0D4}" type="datetimeFigureOut">
               <a:rPr lang="en-US" smtClean="0"/>
-              <a:t>7/27/2023</a:t>
+              <a:t>8/10/2023</a:t>
             </a:fld>
             <a:endParaRPr lang="en-US"/>
           </a:p>
@@ -1408,7 +1413,7 @@
           <a:p>
             <a:fld id="{1140D365-4777-40C3-A677-A04F761BF0D4}" type="datetimeFigureOut">
               <a:rPr lang="en-US" smtClean="0"/>
-              <a:t>7/27/2023</a:t>
+              <a:t>8/10/2023</a:t>
             </a:fld>
             <a:endParaRPr lang="en-US"/>
           </a:p>
@@ -1820,7 +1825,7 @@
           <a:p>
             <a:fld id="{1140D365-4777-40C3-A677-A04F761BF0D4}" type="datetimeFigureOut">
               <a:rPr lang="en-US" smtClean="0"/>
-              <a:t>7/27/2023</a:t>
+              <a:t>8/10/2023</a:t>
             </a:fld>
             <a:endParaRPr lang="en-US"/>
           </a:p>
@@ -1961,7 +1966,7 @@
           <a:p>
             <a:fld id="{1140D365-4777-40C3-A677-A04F761BF0D4}" type="datetimeFigureOut">
               <a:rPr lang="en-US" smtClean="0"/>
-              <a:t>7/27/2023</a:t>
+              <a:t>8/10/2023</a:t>
             </a:fld>
             <a:endParaRPr lang="en-US"/>
           </a:p>
@@ -2074,7 +2079,7 @@
           <a:p>
             <a:fld id="{1140D365-4777-40C3-A677-A04F761BF0D4}" type="datetimeFigureOut">
               <a:rPr lang="en-US" smtClean="0"/>
-              <a:t>7/27/2023</a:t>
+              <a:t>8/10/2023</a:t>
             </a:fld>
             <a:endParaRPr lang="en-US"/>
           </a:p>
@@ -2385,7 +2390,7 @@
           <a:p>
             <a:fld id="{1140D365-4777-40C3-A677-A04F761BF0D4}" type="datetimeFigureOut">
               <a:rPr lang="en-US" smtClean="0"/>
-              <a:t>7/27/2023</a:t>
+              <a:t>8/10/2023</a:t>
             </a:fld>
             <a:endParaRPr lang="en-US"/>
           </a:p>
@@ -2673,7 +2678,7 @@
           <a:p>
             <a:fld id="{1140D365-4777-40C3-A677-A04F761BF0D4}" type="datetimeFigureOut">
               <a:rPr lang="en-US" smtClean="0"/>
-              <a:t>7/27/2023</a:t>
+              <a:t>8/10/2023</a:t>
             </a:fld>
             <a:endParaRPr lang="en-US"/>
           </a:p>
@@ -2914,7 +2919,7 @@
           <a:p>
             <a:fld id="{1140D365-4777-40C3-A677-A04F761BF0D4}" type="datetimeFigureOut">
               <a:rPr lang="en-US" smtClean="0"/>
-              <a:t>7/27/2023</a:t>
+              <a:t>8/10/2023</a:t>
             </a:fld>
             <a:endParaRPr lang="en-US"/>
           </a:p>
@@ -3396,7 +3401,7 @@
           <a:lstStyle/>
           <a:p>
             <a:r>
-              <a:rPr lang="en-US" dirty="0">
+              <a:rPr lang="en-US" b="1" dirty="0">
                 <a:latin typeface="Arial" panose="020B0604020202020204" pitchFamily="34" charset="0"/>
                 <a:cs typeface="Arial" panose="020B0604020202020204" pitchFamily="34" charset="0"/>
               </a:rPr>
@@ -3852,12 +3857,14 @@
           </a:xfrm>
         </p:spPr>
         <p:txBody>
-          <a:bodyPr/>
+          <a:bodyPr>
+            <a:normAutofit/>
+          </a:bodyPr>
           <a:lstStyle/>
           <a:p>
             <a:pPr algn="ctr"/>
             <a:r>
-              <a:rPr lang="en-US" b="1" dirty="0"/>
+              <a:rPr lang="en-US" sz="5400" b="1" dirty="0"/>
               <a:t>Thank You</a:t>
             </a:r>
           </a:p>

--- a/Data Structure & Algorithm PDF/DSA.pptx
+++ b/Data Structure & Algorithm PDF/DSA.pptx
@@ -269,7 +269,7 @@
           <a:p>
             <a:fld id="{1140D365-4777-40C3-A677-A04F761BF0D4}" type="datetimeFigureOut">
               <a:rPr lang="en-US" smtClean="0"/>
-              <a:t>8/10/2023</a:t>
+              <a:t>9/13/2023</a:t>
             </a:fld>
             <a:endParaRPr lang="en-US"/>
           </a:p>
@@ -467,7 +467,7 @@
           <a:p>
             <a:fld id="{1140D365-4777-40C3-A677-A04F761BF0D4}" type="datetimeFigureOut">
               <a:rPr lang="en-US" smtClean="0"/>
-              <a:t>8/10/2023</a:t>
+              <a:t>9/13/2023</a:t>
             </a:fld>
             <a:endParaRPr lang="en-US"/>
           </a:p>
@@ -675,7 +675,7 @@
           <a:p>
             <a:fld id="{1140D365-4777-40C3-A677-A04F761BF0D4}" type="datetimeFigureOut">
               <a:rPr lang="en-US" smtClean="0"/>
-              <a:t>8/10/2023</a:t>
+              <a:t>9/13/2023</a:t>
             </a:fld>
             <a:endParaRPr lang="en-US"/>
           </a:p>
@@ -873,7 +873,7 @@
           <a:p>
             <a:fld id="{1140D365-4777-40C3-A677-A04F761BF0D4}" type="datetimeFigureOut">
               <a:rPr lang="en-US" smtClean="0"/>
-              <a:t>8/10/2023</a:t>
+              <a:t>9/13/2023</a:t>
             </a:fld>
             <a:endParaRPr lang="en-US"/>
           </a:p>
@@ -1148,7 +1148,7 @@
           <a:p>
             <a:fld id="{1140D365-4777-40C3-A677-A04F761BF0D4}" type="datetimeFigureOut">
               <a:rPr lang="en-US" smtClean="0"/>
-              <a:t>8/10/2023</a:t>
+              <a:t>9/13/2023</a:t>
             </a:fld>
             <a:endParaRPr lang="en-US"/>
           </a:p>
@@ -1413,7 +1413,7 @@
           <a:p>
             <a:fld id="{1140D365-4777-40C3-A677-A04F761BF0D4}" type="datetimeFigureOut">
               <a:rPr lang="en-US" smtClean="0"/>
-              <a:t>8/10/2023</a:t>
+              <a:t>9/13/2023</a:t>
             </a:fld>
             <a:endParaRPr lang="en-US"/>
           </a:p>
@@ -1825,7 +1825,7 @@
           <a:p>
             <a:fld id="{1140D365-4777-40C3-A677-A04F761BF0D4}" type="datetimeFigureOut">
               <a:rPr lang="en-US" smtClean="0"/>
-              <a:t>8/10/2023</a:t>
+              <a:t>9/13/2023</a:t>
             </a:fld>
             <a:endParaRPr lang="en-US"/>
           </a:p>
@@ -1966,7 +1966,7 @@
           <a:p>
             <a:fld id="{1140D365-4777-40C3-A677-A04F761BF0D4}" type="datetimeFigureOut">
               <a:rPr lang="en-US" smtClean="0"/>
-              <a:t>8/10/2023</a:t>
+              <a:t>9/13/2023</a:t>
             </a:fld>
             <a:endParaRPr lang="en-US"/>
           </a:p>
@@ -2079,7 +2079,7 @@
           <a:p>
             <a:fld id="{1140D365-4777-40C3-A677-A04F761BF0D4}" type="datetimeFigureOut">
               <a:rPr lang="en-US" smtClean="0"/>
-              <a:t>8/10/2023</a:t>
+              <a:t>9/13/2023</a:t>
             </a:fld>
             <a:endParaRPr lang="en-US"/>
           </a:p>
@@ -2390,7 +2390,7 @@
           <a:p>
             <a:fld id="{1140D365-4777-40C3-A677-A04F761BF0D4}" type="datetimeFigureOut">
               <a:rPr lang="en-US" smtClean="0"/>
-              <a:t>8/10/2023</a:t>
+              <a:t>9/13/2023</a:t>
             </a:fld>
             <a:endParaRPr lang="en-US"/>
           </a:p>
@@ -2678,7 +2678,7 @@
           <a:p>
             <a:fld id="{1140D365-4777-40C3-A677-A04F761BF0D4}" type="datetimeFigureOut">
               <a:rPr lang="en-US" smtClean="0"/>
-              <a:t>8/10/2023</a:t>
+              <a:t>9/13/2023</a:t>
             </a:fld>
             <a:endParaRPr lang="en-US"/>
           </a:p>
@@ -2919,7 +2919,7 @@
           <a:p>
             <a:fld id="{1140D365-4777-40C3-A677-A04F761BF0D4}" type="datetimeFigureOut">
               <a:rPr lang="en-US" smtClean="0"/>
-              <a:t>8/10/2023</a:t>
+              <a:t>9/13/2023</a:t>
             </a:fld>
             <a:endParaRPr lang="en-US"/>
           </a:p>
@@ -3475,7 +3475,7 @@
         <p:spPr>
           <a:xfrm>
             <a:off x="1049216" y="1526063"/>
-            <a:ext cx="10515600" cy="4255759"/>
+            <a:ext cx="10515600" cy="4803300"/>
           </a:xfrm>
           <a:prstGeom prst="rect">
             <a:avLst/>
@@ -3654,8 +3654,8 @@
               <a:buNone/>
             </a:pPr>
             <a:r>
-              <a:rPr lang="en-US" sz="1800" b="1" dirty="0">
-                <a:latin typeface="Arial" panose="020B0604020202020204" pitchFamily="34" charset="0"/>
+              <a:rPr lang="en-US" sz="2000" b="1" dirty="0">
+                <a:latin typeface="Bell MT" panose="02020503060305020303" pitchFamily="18" charset="0"/>
                 <a:cs typeface="Arial" panose="020B0604020202020204" pitchFamily="34" charset="0"/>
               </a:rPr>
               <a:t>Graphs:</a:t>
@@ -3664,8 +3664,8 @@
           <a:p>
             <a:pPr algn="just"/>
             <a:r>
-              <a:rPr lang="en-US" sz="1800" dirty="0">
-                <a:latin typeface="Arial" panose="020B0604020202020204" pitchFamily="34" charset="0"/>
+              <a:rPr lang="en-US" sz="2000" dirty="0">
+                <a:latin typeface="Bell MT" panose="02020503060305020303" pitchFamily="18" charset="0"/>
                 <a:cs typeface="Arial" panose="020B0604020202020204" pitchFamily="34" charset="0"/>
               </a:rPr>
               <a:t>Use graphs when you have complex relationships between data elements, like social networks, road networks, or project dependencies.</a:t>
@@ -3674,8 +3674,8 @@
           <a:p>
             <a:pPr algn="just"/>
             <a:r>
-              <a:rPr lang="en-US" sz="1800" dirty="0">
-                <a:latin typeface="Arial" panose="020B0604020202020204" pitchFamily="34" charset="0"/>
+              <a:rPr lang="en-US" sz="2000" dirty="0">
+                <a:latin typeface="Bell MT" panose="02020503060305020303" pitchFamily="18" charset="0"/>
                 <a:cs typeface="Arial" panose="020B0604020202020204" pitchFamily="34" charset="0"/>
               </a:rPr>
               <a:t>Suitable for tasks like pathfinding (Dijkstra's algorithm, A*), network flow, and graph traversal (BFS, DFS).</a:t>
@@ -3686,8 +3686,8 @@
               <a:buNone/>
             </a:pPr>
             <a:r>
-              <a:rPr lang="en-US" sz="1800" b="1" dirty="0">
-                <a:latin typeface="Arial" panose="020B0604020202020204" pitchFamily="34" charset="0"/>
+              <a:rPr lang="en-US" sz="2000" b="1" dirty="0">
+                <a:latin typeface="Bell MT" panose="02020503060305020303" pitchFamily="18" charset="0"/>
                 <a:cs typeface="Arial" panose="020B0604020202020204" pitchFamily="34" charset="0"/>
               </a:rPr>
               <a:t>Hash Tables:</a:t>
@@ -3696,8 +3696,8 @@
           <a:p>
             <a:pPr algn="just"/>
             <a:r>
-              <a:rPr lang="en-US" sz="1800" dirty="0">
-                <a:latin typeface="Arial" panose="020B0604020202020204" pitchFamily="34" charset="0"/>
+              <a:rPr lang="en-US" sz="2000" dirty="0">
+                <a:latin typeface="Bell MT" panose="02020503060305020303" pitchFamily="18" charset="0"/>
                 <a:cs typeface="Arial" panose="020B0604020202020204" pitchFamily="34" charset="0"/>
               </a:rPr>
               <a:t>Use hash tables when you need fast key-value pair lookups.</a:t>
@@ -3706,8 +3706,8 @@
           <a:p>
             <a:pPr algn="just"/>
             <a:r>
-              <a:rPr lang="en-US" sz="1800" dirty="0">
-                <a:latin typeface="Arial" panose="020B0604020202020204" pitchFamily="34" charset="0"/>
+              <a:rPr lang="en-US" sz="2000" dirty="0">
+                <a:latin typeface="Bell MT" panose="02020503060305020303" pitchFamily="18" charset="0"/>
                 <a:cs typeface="Arial" panose="020B0604020202020204" pitchFamily="34" charset="0"/>
               </a:rPr>
               <a:t>Suitable for implementing associative arrays, databases, caches, and symbol tables.</a:t>
@@ -3718,8 +3718,8 @@
               <a:buNone/>
             </a:pPr>
             <a:r>
-              <a:rPr lang="en-US" sz="1800" b="1" dirty="0">
-                <a:latin typeface="Arial" panose="020B0604020202020204" pitchFamily="34" charset="0"/>
+              <a:rPr lang="en-US" sz="2000" b="1" dirty="0">
+                <a:latin typeface="Bell MT" panose="02020503060305020303" pitchFamily="18" charset="0"/>
                 <a:cs typeface="Arial" panose="020B0604020202020204" pitchFamily="34" charset="0"/>
               </a:rPr>
               <a:t>Heaps:</a:t>
@@ -3728,8 +3728,8 @@
           <a:p>
             <a:pPr algn="just"/>
             <a:r>
-              <a:rPr lang="en-US" sz="1800" dirty="0">
-                <a:latin typeface="Arial" panose="020B0604020202020204" pitchFamily="34" charset="0"/>
+              <a:rPr lang="en-US" sz="2000" dirty="0">
+                <a:latin typeface="Bell MT" panose="02020503060305020303" pitchFamily="18" charset="0"/>
                 <a:cs typeface="Arial" panose="020B0604020202020204" pitchFamily="34" charset="0"/>
               </a:rPr>
               <a:t>Use heaps when you need efficient access to the smallest (or largest) element in a collection.</a:t>
@@ -3738,8 +3738,8 @@
           <a:p>
             <a:pPr algn="just"/>
             <a:r>
-              <a:rPr lang="en-US" sz="1800" dirty="0">
-                <a:latin typeface="Arial" panose="020B0604020202020204" pitchFamily="34" charset="0"/>
+              <a:rPr lang="en-US" sz="2000" dirty="0">
+                <a:latin typeface="Bell MT" panose="02020503060305020303" pitchFamily="18" charset="0"/>
                 <a:cs typeface="Arial" panose="020B0604020202020204" pitchFamily="34" charset="0"/>
               </a:rPr>
               <a:t>Suitable for priority queues, scheduling algorithms, and graph algorithms like Dijkstra's with a priority queue.</a:t>
@@ -3796,7 +3796,7 @@
           <a:p>
             <a:r>
               <a:rPr lang="en-US" sz="2800" b="1" dirty="0">
-                <a:latin typeface="Arial" panose="020B0604020202020204" pitchFamily="34" charset="0"/>
+                <a:latin typeface="Bell MT" panose="02020503060305020303" pitchFamily="18" charset="0"/>
                 <a:cs typeface="Arial" panose="020B0604020202020204" pitchFamily="34" charset="0"/>
               </a:rPr>
               <a:t>Where to use which data structure?</a:t>
@@ -3928,7 +3928,7 @@
           <a:p>
             <a:r>
               <a:rPr lang="en-US" b="1" dirty="0">
-                <a:latin typeface="Arial" panose="020B0604020202020204" pitchFamily="34" charset="0"/>
+                <a:latin typeface="Bell MT" panose="02020503060305020303" pitchFamily="18" charset="0"/>
                 <a:cs typeface="Arial" panose="020B0604020202020204" pitchFamily="34" charset="0"/>
               </a:rPr>
               <a:t>Outline</a:t>
@@ -3964,7 +3964,7 @@
           <a:p>
             <a:r>
               <a:rPr lang="en-US" dirty="0">
-                <a:latin typeface="Arial" panose="020B0604020202020204" pitchFamily="34" charset="0"/>
+                <a:latin typeface="Bell MT" panose="02020503060305020303" pitchFamily="18" charset="0"/>
                 <a:cs typeface="Arial" panose="020B0604020202020204" pitchFamily="34" charset="0"/>
               </a:rPr>
               <a:t>What is data structure &amp; algorithm?</a:t>
@@ -3973,7 +3973,7 @@
           <a:p>
             <a:r>
               <a:rPr lang="en-US" dirty="0">
-                <a:latin typeface="Arial" panose="020B0604020202020204" pitchFamily="34" charset="0"/>
+                <a:latin typeface="Bell MT" panose="02020503060305020303" pitchFamily="18" charset="0"/>
                 <a:cs typeface="Arial" panose="020B0604020202020204" pitchFamily="34" charset="0"/>
               </a:rPr>
               <a:t>What is data structure?</a:t>
@@ -3982,7 +3982,7 @@
           <a:p>
             <a:r>
               <a:rPr lang="en-US" dirty="0">
-                <a:latin typeface="Arial" panose="020B0604020202020204" pitchFamily="34" charset="0"/>
+                <a:latin typeface="Bell MT" panose="02020503060305020303" pitchFamily="18" charset="0"/>
                 <a:cs typeface="Arial" panose="020B0604020202020204" pitchFamily="34" charset="0"/>
               </a:rPr>
               <a:t>Why we need data structure?</a:t>
@@ -3991,7 +3991,7 @@
           <a:p>
             <a:r>
               <a:rPr lang="en-US" dirty="0">
-                <a:latin typeface="Arial" panose="020B0604020202020204" pitchFamily="34" charset="0"/>
+                <a:latin typeface="Bell MT" panose="02020503060305020303" pitchFamily="18" charset="0"/>
                 <a:cs typeface="Arial" panose="020B0604020202020204" pitchFamily="34" charset="0"/>
               </a:rPr>
               <a:t>Types of data structure?</a:t>
@@ -4000,7 +4000,7 @@
           <a:p>
             <a:r>
               <a:rPr lang="en-US" dirty="0">
-                <a:latin typeface="Arial" panose="020B0604020202020204" pitchFamily="34" charset="0"/>
+                <a:latin typeface="Bell MT" panose="02020503060305020303" pitchFamily="18" charset="0"/>
                 <a:cs typeface="Arial" panose="020B0604020202020204" pitchFamily="34" charset="0"/>
               </a:rPr>
               <a:t>Where to use which data structure?</a:t>
@@ -4068,7 +4068,7 @@
           <a:p>
             <a:r>
               <a:rPr lang="en-US" sz="2800" b="1" dirty="0">
-                <a:latin typeface="Arial" panose="020B0604020202020204" pitchFamily="34" charset="0"/>
+                <a:latin typeface="Bell MT" panose="02020503060305020303" pitchFamily="18" charset="0"/>
                 <a:cs typeface="Arial" panose="020B0604020202020204" pitchFamily="34" charset="0"/>
               </a:rPr>
               <a:t>What is data structure &amp; algorithm?</a:t>
@@ -4107,7 +4107,7 @@
             <a:pPr algn="just"/>
             <a:r>
               <a:rPr lang="en-US" sz="2000" dirty="0">
-                <a:latin typeface="Arial" panose="020B0604020202020204" pitchFamily="34" charset="0"/>
+                <a:latin typeface="Bell MT" panose="02020503060305020303" pitchFamily="18" charset="0"/>
                 <a:cs typeface="Arial" panose="020B0604020202020204" pitchFamily="34" charset="0"/>
               </a:rPr>
               <a:t>DSA is defined as a combination of two separate yet interrelated topics – Data Structure and Algorithms. DSA is one of the most important skills that every computer science student must-have. It is often seen that people with good knowledge of these technologies are better programmers than others.</a:t>
@@ -4210,7 +4210,7 @@
           <a:p>
             <a:r>
               <a:rPr lang="en-US" sz="2800" b="1" dirty="0">
-                <a:latin typeface="Arial" panose="020B0604020202020204" pitchFamily="34" charset="0"/>
+                <a:latin typeface="Bell MT" panose="02020503060305020303" pitchFamily="18" charset="0"/>
                 <a:cs typeface="Arial" panose="020B0604020202020204" pitchFamily="34" charset="0"/>
               </a:rPr>
               <a:t>What is data structure?</a:t>
@@ -4249,7 +4249,7 @@
             <a:pPr algn="just"/>
             <a:r>
               <a:rPr lang="en-US" sz="2000" dirty="0">
-                <a:latin typeface="Arial" panose="020B0604020202020204" pitchFamily="34" charset="0"/>
+                <a:latin typeface="Bell MT" panose="02020503060305020303" pitchFamily="18" charset="0"/>
                 <a:cs typeface="Arial" panose="020B0604020202020204" pitchFamily="34" charset="0"/>
               </a:rPr>
               <a:t>A data structure is a way of organizing and storing data in a computer or a programming language, enabling efficient access, manipulation, and management of the information it contains.</a:t>
@@ -4455,63 +4455,63 @@
             </a:pPr>
             <a:r>
               <a:rPr lang="en-US" sz="2000" dirty="0">
-                <a:latin typeface="Arial" panose="020B0604020202020204" pitchFamily="34" charset="0"/>
+                <a:latin typeface="Bell MT" panose="02020503060305020303" pitchFamily="18" charset="0"/>
                 <a:cs typeface="Arial" panose="020B0604020202020204" pitchFamily="34" charset="0"/>
               </a:rPr>
               <a:t>Data structures are essential in computer science and programming because they provide a </a:t>
             </a:r>
             <a:r>
               <a:rPr lang="en-US" sz="2000" b="1" dirty="0">
-                <a:latin typeface="Arial" panose="020B0604020202020204" pitchFamily="34" charset="0"/>
+                <a:latin typeface="Bell MT" panose="02020503060305020303" pitchFamily="18" charset="0"/>
                 <a:cs typeface="Arial" panose="020B0604020202020204" pitchFamily="34" charset="0"/>
               </a:rPr>
               <a:t>systematic</a:t>
             </a:r>
             <a:r>
               <a:rPr lang="en-US" sz="2000" dirty="0">
-                <a:latin typeface="Arial" panose="020B0604020202020204" pitchFamily="34" charset="0"/>
+                <a:latin typeface="Bell MT" panose="02020503060305020303" pitchFamily="18" charset="0"/>
                 <a:cs typeface="Arial" panose="020B0604020202020204" pitchFamily="34" charset="0"/>
               </a:rPr>
               <a:t> and </a:t>
             </a:r>
             <a:r>
               <a:rPr lang="en-US" sz="2000" b="1" dirty="0">
-                <a:latin typeface="Arial" panose="020B0604020202020204" pitchFamily="34" charset="0"/>
+                <a:latin typeface="Bell MT" panose="02020503060305020303" pitchFamily="18" charset="0"/>
                 <a:cs typeface="Arial" panose="020B0604020202020204" pitchFamily="34" charset="0"/>
               </a:rPr>
               <a:t>organized approach </a:t>
             </a:r>
             <a:r>
               <a:rPr lang="en-US" sz="2000" dirty="0">
-                <a:latin typeface="Arial" panose="020B0604020202020204" pitchFamily="34" charset="0"/>
+                <a:latin typeface="Bell MT" panose="02020503060305020303" pitchFamily="18" charset="0"/>
                 <a:cs typeface="Arial" panose="020B0604020202020204" pitchFamily="34" charset="0"/>
               </a:rPr>
               <a:t>to storing and managing data, allowing for efficient operations and problem-solving. Without data structures, the handling of information would be chaotic and inefficient, leading to significant challenges in designing algorithms, </a:t>
             </a:r>
             <a:r>
               <a:rPr lang="en-US" sz="2000" b="1" dirty="0">
-                <a:latin typeface="Arial" panose="020B0604020202020204" pitchFamily="34" charset="0"/>
+                <a:latin typeface="Bell MT" panose="02020503060305020303" pitchFamily="18" charset="0"/>
                 <a:cs typeface="Arial" panose="020B0604020202020204" pitchFamily="34" charset="0"/>
               </a:rPr>
               <a:t>managing memory</a:t>
             </a:r>
             <a:r>
               <a:rPr lang="en-US" sz="2000" dirty="0">
-                <a:latin typeface="Arial" panose="020B0604020202020204" pitchFamily="34" charset="0"/>
+                <a:latin typeface="Bell MT" panose="02020503060305020303" pitchFamily="18" charset="0"/>
                 <a:cs typeface="Arial" panose="020B0604020202020204" pitchFamily="34" charset="0"/>
               </a:rPr>
               <a:t>, and </a:t>
             </a:r>
             <a:r>
               <a:rPr lang="en-US" sz="2000" b="1" dirty="0">
-                <a:latin typeface="Arial" panose="020B0604020202020204" pitchFamily="34" charset="0"/>
+                <a:latin typeface="Bell MT" panose="02020503060305020303" pitchFamily="18" charset="0"/>
                 <a:cs typeface="Arial" panose="020B0604020202020204" pitchFamily="34" charset="0"/>
               </a:rPr>
               <a:t>processing data</a:t>
             </a:r>
             <a:r>
               <a:rPr lang="en-US" sz="2000" dirty="0">
-                <a:latin typeface="Arial" panose="020B0604020202020204" pitchFamily="34" charset="0"/>
+                <a:latin typeface="Bell MT" panose="02020503060305020303" pitchFamily="18" charset="0"/>
                 <a:cs typeface="Arial" panose="020B0604020202020204" pitchFamily="34" charset="0"/>
               </a:rPr>
               <a:t>.</a:t>
@@ -4568,7 +4568,7 @@
           <a:p>
             <a:r>
               <a:rPr lang="en-US" sz="2800" b="1" dirty="0">
-                <a:latin typeface="Arial" panose="020B0604020202020204" pitchFamily="34" charset="0"/>
+                <a:latin typeface="Bell MT" panose="02020503060305020303" pitchFamily="18" charset="0"/>
                 <a:cs typeface="Arial" panose="020B0604020202020204" pitchFamily="34" charset="0"/>
               </a:rPr>
               <a:t>Why we need data structure?</a:t>
@@ -4631,7 +4631,7 @@
         </p:spPr>
         <p:txBody>
           <a:bodyPr vert="horz" lIns="91440" tIns="45720" rIns="91440" bIns="45720" rtlCol="0">
-            <a:normAutofit/>
+            <a:normAutofit lnSpcReduction="10000"/>
           </a:bodyPr>
           <a:lstStyle>
             <a:lvl1pPr marL="228600" indent="-228600" algn="l" defTabSz="914400" rtl="0" eaLnBrk="1" latinLnBrk="0" hangingPunct="1">
@@ -4800,11 +4800,11 @@
           <a:p>
             <a:pPr marL="457200" indent="-457200" algn="just">
               <a:buFont typeface="+mj-lt"/>
-              <a:buAutoNum type="arabicPeriod"/>
+              <a:buAutoNum type="arabicPeriod" startAt="2"/>
             </a:pPr>
             <a:r>
-              <a:rPr lang="en-US" sz="1800" dirty="0">
-                <a:latin typeface="Arial" panose="020B0604020202020204" pitchFamily="34" charset="0"/>
+              <a:rPr lang="en-US" sz="2000" dirty="0">
+                <a:latin typeface="Bell MT" panose="02020503060305020303" pitchFamily="18" charset="0"/>
                 <a:cs typeface="Arial" panose="020B0604020202020204" pitchFamily="34" charset="0"/>
               </a:rPr>
               <a:t>Imagine a scenario where data is randomly scattered throughout the computer's memory with no specific order or structure. In such a situation, searching for a specific piece of information or performing common operations like insertion, deletion, or sorting would be extremely time-consuming and error-prone. Data structures address this problem by defining rules and techniques for organizing data in a logical manner, ensuring that the data can be accessed and modified with ease and speed.</a:t>
@@ -4813,11 +4813,11 @@
           <a:p>
             <a:pPr marL="457200" indent="-457200" algn="just">
               <a:buFont typeface="+mj-lt"/>
-              <a:buAutoNum type="arabicPeriod"/>
+              <a:buAutoNum type="arabicPeriod" startAt="2"/>
             </a:pPr>
             <a:r>
-              <a:rPr lang="en-US" sz="1800" dirty="0">
-                <a:latin typeface="Arial" panose="020B0604020202020204" pitchFamily="34" charset="0"/>
+              <a:rPr lang="en-US" sz="2000" dirty="0">
+                <a:latin typeface="Bell MT" panose="02020503060305020303" pitchFamily="18" charset="0"/>
                 <a:cs typeface="Arial" panose="020B0604020202020204" pitchFamily="34" charset="0"/>
               </a:rPr>
               <a:t>By utilizing data structures, programmers can optimize their algorithms and design efficient solutions for various computational problems. For instance, using an appropriate data structure, such as arrays, linked lists, trees, or hash tables, allows for faster searching, sorting, and retrieval of data, reducing the time and resources needed to perform specific tasks. Additionally, data structures help manage memory efficiently by allocating memory space as required and deallocating it when no longer needed, preventing memory wastage and fragmentation.</a:t>
@@ -4826,11 +4826,11 @@
           <a:p>
             <a:pPr marL="457200" indent="-457200" algn="just">
               <a:buFont typeface="+mj-lt"/>
-              <a:buAutoNum type="arabicPeriod"/>
+              <a:buAutoNum type="arabicPeriod" startAt="2"/>
             </a:pPr>
             <a:r>
-              <a:rPr lang="en-US" sz="1800" dirty="0">
-                <a:latin typeface="Arial" panose="020B0604020202020204" pitchFamily="34" charset="0"/>
+              <a:rPr lang="en-US" sz="2000" dirty="0">
+                <a:latin typeface="Bell MT" panose="02020503060305020303" pitchFamily="18" charset="0"/>
                 <a:cs typeface="Arial" panose="020B0604020202020204" pitchFamily="34" charset="0"/>
               </a:rPr>
               <a:t>Furthermore, data structures facilitate the creation of reusable and modular code, as they provide standardized methods for interacting with the stored data. This modularity enhances code readability and maintainability, making it easier for developers to collaborate and improve software over time.</a:t>
@@ -4839,10 +4839,10 @@
           <a:p>
             <a:pPr marL="457200" indent="-457200" algn="just">
               <a:buFont typeface="+mj-lt"/>
-              <a:buAutoNum type="arabicPeriod"/>
+              <a:buAutoNum type="arabicPeriod" startAt="2"/>
             </a:pPr>
             <a:endParaRPr lang="en-US" sz="2000" dirty="0">
-              <a:latin typeface="Arial" panose="020B0604020202020204" pitchFamily="34" charset="0"/>
+              <a:latin typeface="Bell MT" panose="02020503060305020303" pitchFamily="18" charset="0"/>
               <a:cs typeface="Arial" panose="020B0604020202020204" pitchFamily="34" charset="0"/>
             </a:endParaRPr>
           </a:p>
@@ -4897,7 +4897,7 @@
           <a:p>
             <a:r>
               <a:rPr lang="en-US" sz="2800" b="1" dirty="0">
-                <a:latin typeface="Arial" panose="020B0604020202020204" pitchFamily="34" charset="0"/>
+                <a:latin typeface="Bell MT" panose="02020503060305020303" pitchFamily="18" charset="0"/>
                 <a:cs typeface="Arial" panose="020B0604020202020204" pitchFamily="34" charset="0"/>
               </a:rPr>
               <a:t>Why we need data structure?</a:t>
@@ -5265,25 +5265,25 @@
               <a:buNone/>
             </a:pPr>
             <a:r>
-              <a:rPr lang="en-US" sz="1800" b="1" dirty="0">
+              <a:rPr lang="en-US" sz="2000" b="1" dirty="0">
                 <a:solidFill>
                   <a:srgbClr val="00B050"/>
                 </a:solidFill>
-                <a:latin typeface="Arial" panose="020B0604020202020204" pitchFamily="34" charset="0"/>
+                <a:latin typeface="Bell MT" panose="02020503060305020303" pitchFamily="18" charset="0"/>
                 <a:cs typeface="Arial" panose="020B0604020202020204" pitchFamily="34" charset="0"/>
               </a:rPr>
               <a:t>Linear data structure: </a:t>
             </a:r>
             <a:r>
-              <a:rPr lang="en-US" sz="1800" dirty="0">
-                <a:latin typeface="Arial" panose="020B0604020202020204" pitchFamily="34" charset="0"/>
+              <a:rPr lang="en-US" sz="2000" dirty="0">
+                <a:latin typeface="Bell MT" panose="02020503060305020303" pitchFamily="18" charset="0"/>
                 <a:cs typeface="Arial" panose="020B0604020202020204" pitchFamily="34" charset="0"/>
               </a:rPr>
               <a:t>Data structure in which data elements are arranged sequentially or linearly, where each element is attached to its previous and next adjacent elements, is called a linear data structure. </a:t>
             </a:r>
             <a:r>
-              <a:rPr lang="en-US" sz="1800" b="1" dirty="0">
-                <a:latin typeface="Arial" panose="020B0604020202020204" pitchFamily="34" charset="0"/>
+              <a:rPr lang="en-US" sz="2000" b="1" dirty="0">
+                <a:latin typeface="Bell MT" panose="02020503060305020303" pitchFamily="18" charset="0"/>
                 <a:cs typeface="Arial" panose="020B0604020202020204" pitchFamily="34" charset="0"/>
               </a:rPr>
               <a:t>Examples of linear data structures are array, stack, queue, linked list, etc.</a:t>
@@ -5293,33 +5293,33 @@
             <a:pPr marL="0" indent="0" algn="just">
               <a:buNone/>
             </a:pPr>
-            <a:endParaRPr lang="en-US" sz="1800" b="1" dirty="0">
-              <a:latin typeface="Arial" panose="020B0604020202020204" pitchFamily="34" charset="0"/>
+            <a:endParaRPr lang="en-US" sz="2000" b="1" dirty="0">
+              <a:latin typeface="Bell MT" panose="02020503060305020303" pitchFamily="18" charset="0"/>
               <a:cs typeface="Arial" panose="020B0604020202020204" pitchFamily="34" charset="0"/>
             </a:endParaRPr>
           </a:p>
           <a:p>
             <a:pPr lvl="1" algn="just"/>
             <a:r>
-              <a:rPr lang="en-US" sz="1800" b="1" dirty="0">
+              <a:rPr lang="en-US" sz="2000" b="1" dirty="0">
                 <a:solidFill>
                   <a:srgbClr val="FF0000"/>
                 </a:solidFill>
-                <a:latin typeface="Arial" panose="020B0604020202020204" pitchFamily="34" charset="0"/>
+                <a:latin typeface="Bell MT" panose="02020503060305020303" pitchFamily="18" charset="0"/>
                 <a:cs typeface="Arial" panose="020B0604020202020204" pitchFamily="34" charset="0"/>
               </a:rPr>
               <a:t>Static data structure: </a:t>
             </a:r>
             <a:r>
-              <a:rPr lang="en-US" sz="1800" dirty="0">
-                <a:latin typeface="Arial" panose="020B0604020202020204" pitchFamily="34" charset="0"/>
+              <a:rPr lang="en-US" sz="2000" dirty="0">
+                <a:latin typeface="Bell MT" panose="02020503060305020303" pitchFamily="18" charset="0"/>
                 <a:cs typeface="Arial" panose="020B0604020202020204" pitchFamily="34" charset="0"/>
               </a:rPr>
               <a:t>Static data structure has a fixed memory size. It is easier to access the elements in a static data structure. </a:t>
             </a:r>
             <a:r>
-              <a:rPr lang="en-US" sz="1800" b="1" dirty="0">
-                <a:latin typeface="Arial" panose="020B0604020202020204" pitchFamily="34" charset="0"/>
+              <a:rPr lang="en-US" sz="2000" b="1" dirty="0">
+                <a:latin typeface="Bell MT" panose="02020503060305020303" pitchFamily="18" charset="0"/>
                 <a:cs typeface="Arial" panose="020B0604020202020204" pitchFamily="34" charset="0"/>
               </a:rPr>
               <a:t>An example of this data structure is an array.</a:t>
@@ -5329,40 +5329,40 @@
             <a:pPr marL="457200" lvl="1" indent="0" algn="just">
               <a:buNone/>
             </a:pPr>
-            <a:endParaRPr lang="en-US" sz="1800" b="1" dirty="0">
-              <a:latin typeface="Arial" panose="020B0604020202020204" pitchFamily="34" charset="0"/>
+            <a:endParaRPr lang="en-US" sz="2000" b="1" dirty="0">
+              <a:latin typeface="Bell MT" panose="02020503060305020303" pitchFamily="18" charset="0"/>
               <a:cs typeface="Arial" panose="020B0604020202020204" pitchFamily="34" charset="0"/>
             </a:endParaRPr>
           </a:p>
           <a:p>
             <a:pPr lvl="1" algn="just"/>
             <a:r>
-              <a:rPr lang="en-US" sz="1800" b="1" dirty="0">
+              <a:rPr lang="en-US" sz="2000" b="1" dirty="0">
                 <a:solidFill>
                   <a:srgbClr val="FF0000"/>
                 </a:solidFill>
-                <a:latin typeface="Arial" panose="020B0604020202020204" pitchFamily="34" charset="0"/>
+                <a:latin typeface="Bell MT" panose="02020503060305020303" pitchFamily="18" charset="0"/>
                 <a:cs typeface="Arial" panose="020B0604020202020204" pitchFamily="34" charset="0"/>
               </a:rPr>
               <a:t>Dynamic data structure: </a:t>
             </a:r>
             <a:r>
-              <a:rPr lang="en-US" sz="1800" dirty="0">
-                <a:latin typeface="Arial" panose="020B0604020202020204" pitchFamily="34" charset="0"/>
+              <a:rPr lang="en-US" sz="2000" dirty="0">
+                <a:latin typeface="Bell MT" panose="02020503060305020303" pitchFamily="18" charset="0"/>
                 <a:cs typeface="Arial" panose="020B0604020202020204" pitchFamily="34" charset="0"/>
               </a:rPr>
               <a:t>In dynamic data structure, the size is not fixed. It can be randomly updated during the runtime which may be considered efficient concerning the memory (space) complexity of the code.</a:t>
             </a:r>
             <a:r>
-              <a:rPr lang="en-US" sz="1400" dirty="0">
-                <a:latin typeface="Arial" panose="020B0604020202020204" pitchFamily="34" charset="0"/>
+              <a:rPr lang="en-US" sz="1600" dirty="0">
+                <a:latin typeface="Bell MT" panose="02020503060305020303" pitchFamily="18" charset="0"/>
                 <a:cs typeface="Arial" panose="020B0604020202020204" pitchFamily="34" charset="0"/>
               </a:rPr>
               <a:t> </a:t>
             </a:r>
             <a:r>
-              <a:rPr lang="en-US" sz="1800" b="1" dirty="0">
-                <a:latin typeface="Arial" panose="020B0604020202020204" pitchFamily="34" charset="0"/>
+              <a:rPr lang="en-US" sz="2000" b="1" dirty="0">
+                <a:latin typeface="Bell MT" panose="02020503060305020303" pitchFamily="18" charset="0"/>
                 <a:cs typeface="Arial" panose="020B0604020202020204" pitchFamily="34" charset="0"/>
               </a:rPr>
               <a:t>Examples of this data structure are queue, stack, etc.</a:t>
@@ -5370,8 +5370,8 @@
           </a:p>
           <a:p>
             <a:pPr lvl="1" algn="just"/>
-            <a:endParaRPr lang="en-US" sz="1800" dirty="0">
-              <a:latin typeface="Arial" panose="020B0604020202020204" pitchFamily="34" charset="0"/>
+            <a:endParaRPr lang="en-US" sz="2000" dirty="0">
+              <a:latin typeface="Bell MT" panose="02020503060305020303" pitchFamily="18" charset="0"/>
               <a:cs typeface="Arial" panose="020B0604020202020204" pitchFamily="34" charset="0"/>
             </a:endParaRPr>
           </a:p>
@@ -5380,18 +5380,18 @@
               <a:buNone/>
             </a:pPr>
             <a:r>
-              <a:rPr lang="en-US" sz="1800" b="1" dirty="0">
+              <a:rPr lang="en-US" sz="2000" b="1" dirty="0">
                 <a:solidFill>
                   <a:srgbClr val="00B050"/>
                 </a:solidFill>
-                <a:latin typeface="Arial" panose="020B0604020202020204" pitchFamily="34" charset="0"/>
+                <a:latin typeface="Bell MT" panose="02020503060305020303" pitchFamily="18" charset="0"/>
                 <a:cs typeface="Arial" panose="020B0604020202020204" pitchFamily="34" charset="0"/>
               </a:rPr>
               <a:t>Non-linear data structure: </a:t>
             </a:r>
             <a:r>
-              <a:rPr lang="en-US" sz="1800" dirty="0">
-                <a:latin typeface="Arial" panose="020B0604020202020204" pitchFamily="34" charset="0"/>
+              <a:rPr lang="en-US" sz="2000" dirty="0">
+                <a:latin typeface="Bell MT" panose="02020503060305020303" pitchFamily="18" charset="0"/>
                 <a:cs typeface="Arial" panose="020B0604020202020204" pitchFamily="34" charset="0"/>
               </a:rPr>
               <a:t>Data structures where data elements are not placed sequentially or linearly are called non-linear data structures. In a non-linear data structure, we can’t traverse all the elements in a single run only. </a:t>
@@ -5402,8 +5402,8 @@
               <a:buNone/>
             </a:pPr>
             <a:r>
-              <a:rPr lang="en-US" sz="1800" b="1" dirty="0">
-                <a:latin typeface="Arial" panose="020B0604020202020204" pitchFamily="34" charset="0"/>
+              <a:rPr lang="en-US" sz="2000" b="1" dirty="0">
+                <a:latin typeface="Bell MT" panose="02020503060305020303" pitchFamily="18" charset="0"/>
                 <a:cs typeface="Arial" panose="020B0604020202020204" pitchFamily="34" charset="0"/>
               </a:rPr>
               <a:t>Examples of non-linear data structures are trees and graphs.</a:t>
@@ -5460,7 +5460,7 @@
           <a:p>
             <a:r>
               <a:rPr lang="en-US" sz="2800" b="1" dirty="0">
-                <a:latin typeface="Arial" panose="020B0604020202020204" pitchFamily="34" charset="0"/>
+                <a:latin typeface="Bell MT" panose="02020503060305020303" pitchFamily="18" charset="0"/>
                 <a:cs typeface="Arial" panose="020B0604020202020204" pitchFamily="34" charset="0"/>
               </a:rPr>
               <a:t>Types of data structure?</a:t>
@@ -5694,8 +5694,8 @@
               <a:buNone/>
             </a:pPr>
             <a:r>
-              <a:rPr lang="en-US" sz="1800" dirty="0">
-                <a:latin typeface="Arial" panose="020B0604020202020204" pitchFamily="34" charset="0"/>
+              <a:rPr lang="en-US" sz="2000" dirty="0">
+                <a:latin typeface="Bell MT" panose="02020503060305020303" pitchFamily="18" charset="0"/>
                 <a:cs typeface="Arial" panose="020B0604020202020204" pitchFamily="34" charset="0"/>
               </a:rPr>
               <a:t>The choice of data structure depends on the specific requirements and characteristics of the problem or task you are trying to solve. Each data structure has its own strengths and weaknesses, and selecting the right one can significantly impact the efficiency and performance of your program. Here are some guidelines on where to use which data structure:</a:t>
@@ -5706,8 +5706,8 @@
               <a:buNone/>
             </a:pPr>
             <a:r>
-              <a:rPr lang="en-US" sz="1800" b="1" dirty="0">
-                <a:latin typeface="Arial" panose="020B0604020202020204" pitchFamily="34" charset="0"/>
+              <a:rPr lang="en-US" sz="2000" b="1" dirty="0">
+                <a:latin typeface="Bell MT" panose="02020503060305020303" pitchFamily="18" charset="0"/>
                 <a:cs typeface="Arial" panose="020B0604020202020204" pitchFamily="34" charset="0"/>
               </a:rPr>
               <a:t>Arrays:</a:t>
@@ -5716,8 +5716,8 @@
           <a:p>
             <a:pPr algn="just"/>
             <a:r>
-              <a:rPr lang="en-US" sz="1800" dirty="0">
-                <a:latin typeface="Arial" panose="020B0604020202020204" pitchFamily="34" charset="0"/>
+              <a:rPr lang="en-US" sz="2000" dirty="0">
+                <a:latin typeface="Bell MT" panose="02020503060305020303" pitchFamily="18" charset="0"/>
                 <a:cs typeface="Arial" panose="020B0604020202020204" pitchFamily="34" charset="0"/>
               </a:rPr>
               <a:t>Use arrays when you have a fixed size of data and need direct access to elements using an index.</a:t>
@@ -5726,8 +5726,8 @@
           <a:p>
             <a:pPr algn="just"/>
             <a:r>
-              <a:rPr lang="en-US" sz="1800" dirty="0">
-                <a:latin typeface="Arial" panose="020B0604020202020204" pitchFamily="34" charset="0"/>
+              <a:rPr lang="en-US" sz="2000" dirty="0">
+                <a:latin typeface="Bell MT" panose="02020503060305020303" pitchFamily="18" charset="0"/>
                 <a:cs typeface="Arial" panose="020B0604020202020204" pitchFamily="34" charset="0"/>
               </a:rPr>
               <a:t>Suitable for simple lists or collections where elements are accessed frequently by their positions.</a:t>
@@ -5736,8 +5736,8 @@
           <a:p>
             <a:pPr algn="just"/>
             <a:r>
-              <a:rPr lang="en-US" sz="1800" dirty="0">
-                <a:latin typeface="Arial" panose="020B0604020202020204" pitchFamily="34" charset="0"/>
+              <a:rPr lang="en-US" sz="2000" dirty="0">
+                <a:latin typeface="Bell MT" panose="02020503060305020303" pitchFamily="18" charset="0"/>
                 <a:cs typeface="Arial" panose="020B0604020202020204" pitchFamily="34" charset="0"/>
               </a:rPr>
               <a:t>They offer constant time access to elements, but insertion and deletion can be inefficient.</a:t>
@@ -5748,8 +5748,8 @@
               <a:buNone/>
             </a:pPr>
             <a:r>
-              <a:rPr lang="en-US" sz="1800" b="1" dirty="0">
-                <a:latin typeface="Arial" panose="020B0604020202020204" pitchFamily="34" charset="0"/>
+              <a:rPr lang="en-US" sz="2000" b="1" dirty="0">
+                <a:latin typeface="Bell MT" panose="02020503060305020303" pitchFamily="18" charset="0"/>
                 <a:cs typeface="Arial" panose="020B0604020202020204" pitchFamily="34" charset="0"/>
               </a:rPr>
               <a:t>Linked-List:</a:t>
@@ -5758,8 +5758,8 @@
           <a:p>
             <a:pPr algn="just"/>
             <a:r>
-              <a:rPr lang="en-US" sz="1800" dirty="0">
-                <a:latin typeface="Arial" panose="020B0604020202020204" pitchFamily="34" charset="0"/>
+              <a:rPr lang="en-US" sz="2000" dirty="0">
+                <a:latin typeface="Bell MT" panose="02020503060305020303" pitchFamily="18" charset="0"/>
                 <a:cs typeface="Arial" panose="020B0604020202020204" pitchFamily="34" charset="0"/>
               </a:rPr>
               <a:t>Use linked lists when you require dynamic memory allocation and can tolerate slower element access but faster insertion and deletion.</a:t>
@@ -5768,8 +5768,8 @@
           <a:p>
             <a:pPr algn="just"/>
             <a:r>
-              <a:rPr lang="en-US" sz="1800" dirty="0">
-                <a:latin typeface="Arial" panose="020B0604020202020204" pitchFamily="34" charset="0"/>
+              <a:rPr lang="en-US" sz="2000" dirty="0">
+                <a:latin typeface="Bell MT" panose="02020503060305020303" pitchFamily="18" charset="0"/>
                 <a:cs typeface="Arial" panose="020B0604020202020204" pitchFamily="34" charset="0"/>
               </a:rPr>
               <a:t> Suitable for situations where you frequently insert or remove elements from the beginning, middle, or end of the list.</a:t>
@@ -5826,7 +5826,7 @@
           <a:p>
             <a:r>
               <a:rPr lang="en-US" sz="2800" b="1" dirty="0">
-                <a:latin typeface="Arial" panose="020B0604020202020204" pitchFamily="34" charset="0"/>
+                <a:latin typeface="Bell MT" panose="02020503060305020303" pitchFamily="18" charset="0"/>
                 <a:cs typeface="Arial" panose="020B0604020202020204" pitchFamily="34" charset="0"/>
               </a:rPr>
               <a:t>Where to use which data structure?</a:t>
@@ -5881,7 +5881,7 @@
         <p:spPr>
           <a:xfrm>
             <a:off x="1049216" y="1526063"/>
-            <a:ext cx="10515600" cy="4030675"/>
+            <a:ext cx="10515600" cy="4517550"/>
           </a:xfrm>
           <a:prstGeom prst="rect">
             <a:avLst/>
@@ -6060,8 +6060,8 @@
               <a:buNone/>
             </a:pPr>
             <a:r>
-              <a:rPr lang="en-US" sz="1800" b="1" dirty="0">
-                <a:latin typeface="Arial" panose="020B0604020202020204" pitchFamily="34" charset="0"/>
+              <a:rPr lang="en-US" sz="2000" b="1" dirty="0">
+                <a:latin typeface="Bell MT" panose="02020503060305020303" pitchFamily="18" charset="0"/>
                 <a:cs typeface="Arial" panose="020B0604020202020204" pitchFamily="34" charset="0"/>
               </a:rPr>
               <a:t>Stack:</a:t>
@@ -6070,8 +6070,8 @@
           <a:p>
             <a:pPr algn="just"/>
             <a:r>
-              <a:rPr lang="en-US" sz="1800" dirty="0">
-                <a:latin typeface="Arial" panose="020B0604020202020204" pitchFamily="34" charset="0"/>
+              <a:rPr lang="en-US" sz="2000" dirty="0">
+                <a:latin typeface="Bell MT" panose="02020503060305020303" pitchFamily="18" charset="0"/>
                 <a:cs typeface="Arial" panose="020B0604020202020204" pitchFamily="34" charset="0"/>
               </a:rPr>
               <a:t>Use stacks when you need a Last-In-First-Out (LIFO) data structure.</a:t>
@@ -6080,8 +6080,8 @@
           <a:p>
             <a:pPr algn="just"/>
             <a:r>
-              <a:rPr lang="en-US" sz="1800" dirty="0">
-                <a:latin typeface="Arial" panose="020B0604020202020204" pitchFamily="34" charset="0"/>
+              <a:rPr lang="en-US" sz="2000" dirty="0">
+                <a:latin typeface="Bell MT" panose="02020503060305020303" pitchFamily="18" charset="0"/>
                 <a:cs typeface="Arial" panose="020B0604020202020204" pitchFamily="34" charset="0"/>
               </a:rPr>
               <a:t>Suitable for implementing function calls, parsing expressions, and undo functionalities.</a:t>
@@ -6092,8 +6092,8 @@
               <a:buNone/>
             </a:pPr>
             <a:r>
-              <a:rPr lang="en-US" sz="1800" b="1" dirty="0">
-                <a:latin typeface="Arial" panose="020B0604020202020204" pitchFamily="34" charset="0"/>
+              <a:rPr lang="en-US" sz="2000" b="1" dirty="0">
+                <a:latin typeface="Bell MT" panose="02020503060305020303" pitchFamily="18" charset="0"/>
                 <a:cs typeface="Arial" panose="020B0604020202020204" pitchFamily="34" charset="0"/>
               </a:rPr>
               <a:t>Queues:</a:t>
@@ -6102,8 +6102,8 @@
           <a:p>
             <a:pPr algn="just"/>
             <a:r>
-              <a:rPr lang="en-US" sz="1800" dirty="0">
-                <a:latin typeface="Arial" panose="020B0604020202020204" pitchFamily="34" charset="0"/>
+              <a:rPr lang="en-US" sz="2000" dirty="0">
+                <a:latin typeface="Bell MT" panose="02020503060305020303" pitchFamily="18" charset="0"/>
                 <a:cs typeface="Arial" panose="020B0604020202020204" pitchFamily="34" charset="0"/>
               </a:rPr>
               <a:t>Use queues when you need a First-In-First-Out (FIFO) data structure.</a:t>
@@ -6112,8 +6112,8 @@
           <a:p>
             <a:pPr algn="just"/>
             <a:r>
-              <a:rPr lang="en-US" sz="1800" dirty="0">
-                <a:latin typeface="Arial" panose="020B0604020202020204" pitchFamily="34" charset="0"/>
+              <a:rPr lang="en-US" sz="2000" dirty="0">
+                <a:latin typeface="Bell MT" panose="02020503060305020303" pitchFamily="18" charset="0"/>
                 <a:cs typeface="Arial" panose="020B0604020202020204" pitchFamily="34" charset="0"/>
               </a:rPr>
               <a:t>Suitable for tasks like scheduling, task management, breadth-first search, etc.</a:t>
@@ -6124,8 +6124,8 @@
               <a:buNone/>
             </a:pPr>
             <a:r>
-              <a:rPr lang="en-US" sz="1800" b="1" dirty="0">
-                <a:latin typeface="Arial" panose="020B0604020202020204" pitchFamily="34" charset="0"/>
+              <a:rPr lang="en-US" sz="2000" b="1" dirty="0">
+                <a:latin typeface="Bell MT" panose="02020503060305020303" pitchFamily="18" charset="0"/>
                 <a:cs typeface="Arial" panose="020B0604020202020204" pitchFamily="34" charset="0"/>
               </a:rPr>
               <a:t>Trees:</a:t>
@@ -6134,8 +6134,8 @@
           <a:p>
             <a:pPr algn="just"/>
             <a:r>
-              <a:rPr lang="en-US" sz="1800" dirty="0">
-                <a:latin typeface="Arial" panose="020B0604020202020204" pitchFamily="34" charset="0"/>
+              <a:rPr lang="en-US" sz="2000" dirty="0">
+                <a:latin typeface="Bell MT" panose="02020503060305020303" pitchFamily="18" charset="0"/>
                 <a:cs typeface="Arial" panose="020B0604020202020204" pitchFamily="34" charset="0"/>
               </a:rPr>
               <a:t>Use trees when you need hierarchical data representation, like in directory structures, hierarchical databases, or parsing expressions.</a:t>
@@ -6144,8 +6144,8 @@
           <a:p>
             <a:pPr algn="just"/>
             <a:r>
-              <a:rPr lang="en-US" sz="1800" dirty="0">
-                <a:latin typeface="Arial" panose="020B0604020202020204" pitchFamily="34" charset="0"/>
+              <a:rPr lang="en-US" sz="2000" dirty="0">
+                <a:latin typeface="Bell MT" panose="02020503060305020303" pitchFamily="18" charset="0"/>
                 <a:cs typeface="Arial" panose="020B0604020202020204" pitchFamily="34" charset="0"/>
               </a:rPr>
               <a:t>Suitable for implementing binary search trees (BST) for efficient searching, insertion, and deletion.</a:t>
@@ -6155,8 +6155,8 @@
             <a:pPr marL="0" indent="0" algn="just">
               <a:buNone/>
             </a:pPr>
-            <a:endParaRPr lang="en-US" sz="1800" dirty="0">
-              <a:latin typeface="Arial" panose="020B0604020202020204" pitchFamily="34" charset="0"/>
+            <a:endParaRPr lang="en-US" sz="2000" dirty="0">
+              <a:latin typeface="Bell MT" panose="02020503060305020303" pitchFamily="18" charset="0"/>
               <a:cs typeface="Arial" panose="020B0604020202020204" pitchFamily="34" charset="0"/>
             </a:endParaRPr>
           </a:p>
@@ -6211,7 +6211,7 @@
           <a:p>
             <a:r>
               <a:rPr lang="en-US" sz="2800" b="1" dirty="0">
-                <a:latin typeface="Arial" panose="020B0604020202020204" pitchFamily="34" charset="0"/>
+                <a:latin typeface="Bell MT" panose="02020503060305020303" pitchFamily="18" charset="0"/>
                 <a:cs typeface="Arial" panose="020B0604020202020204" pitchFamily="34" charset="0"/>
               </a:rPr>
               <a:t>Where to use which data structure?</a:t>

--- a/Data Structure & Algorithm PDF/DSA.pptx
+++ b/Data Structure & Algorithm PDF/DSA.pptx
@@ -269,7 +269,7 @@
           <a:p>
             <a:fld id="{1140D365-4777-40C3-A677-A04F761BF0D4}" type="datetimeFigureOut">
               <a:rPr lang="en-US" smtClean="0"/>
-              <a:t>9/13/2023</a:t>
+              <a:t>9/6/2024</a:t>
             </a:fld>
             <a:endParaRPr lang="en-US"/>
           </a:p>
@@ -467,7 +467,7 @@
           <a:p>
             <a:fld id="{1140D365-4777-40C3-A677-A04F761BF0D4}" type="datetimeFigureOut">
               <a:rPr lang="en-US" smtClean="0"/>
-              <a:t>9/13/2023</a:t>
+              <a:t>9/6/2024</a:t>
             </a:fld>
             <a:endParaRPr lang="en-US"/>
           </a:p>
@@ -675,7 +675,7 @@
           <a:p>
             <a:fld id="{1140D365-4777-40C3-A677-A04F761BF0D4}" type="datetimeFigureOut">
               <a:rPr lang="en-US" smtClean="0"/>
-              <a:t>9/13/2023</a:t>
+              <a:t>9/6/2024</a:t>
             </a:fld>
             <a:endParaRPr lang="en-US"/>
           </a:p>
@@ -873,7 +873,7 @@
           <a:p>
             <a:fld id="{1140D365-4777-40C3-A677-A04F761BF0D4}" type="datetimeFigureOut">
               <a:rPr lang="en-US" smtClean="0"/>
-              <a:t>9/13/2023</a:t>
+              <a:t>9/6/2024</a:t>
             </a:fld>
             <a:endParaRPr lang="en-US"/>
           </a:p>
@@ -1148,7 +1148,7 @@
           <a:p>
             <a:fld id="{1140D365-4777-40C3-A677-A04F761BF0D4}" type="datetimeFigureOut">
               <a:rPr lang="en-US" smtClean="0"/>
-              <a:t>9/13/2023</a:t>
+              <a:t>9/6/2024</a:t>
             </a:fld>
             <a:endParaRPr lang="en-US"/>
           </a:p>
@@ -1413,7 +1413,7 @@
           <a:p>
             <a:fld id="{1140D365-4777-40C3-A677-A04F761BF0D4}" type="datetimeFigureOut">
               <a:rPr lang="en-US" smtClean="0"/>
-              <a:t>9/13/2023</a:t>
+              <a:t>9/6/2024</a:t>
             </a:fld>
             <a:endParaRPr lang="en-US"/>
           </a:p>
@@ -1825,7 +1825,7 @@
           <a:p>
             <a:fld id="{1140D365-4777-40C3-A677-A04F761BF0D4}" type="datetimeFigureOut">
               <a:rPr lang="en-US" smtClean="0"/>
-              <a:t>9/13/2023</a:t>
+              <a:t>9/6/2024</a:t>
             </a:fld>
             <a:endParaRPr lang="en-US"/>
           </a:p>
@@ -1966,7 +1966,7 @@
           <a:p>
             <a:fld id="{1140D365-4777-40C3-A677-A04F761BF0D4}" type="datetimeFigureOut">
               <a:rPr lang="en-US" smtClean="0"/>
-              <a:t>9/13/2023</a:t>
+              <a:t>9/6/2024</a:t>
             </a:fld>
             <a:endParaRPr lang="en-US"/>
           </a:p>
@@ -2079,7 +2079,7 @@
           <a:p>
             <a:fld id="{1140D365-4777-40C3-A677-A04F761BF0D4}" type="datetimeFigureOut">
               <a:rPr lang="en-US" smtClean="0"/>
-              <a:t>9/13/2023</a:t>
+              <a:t>9/6/2024</a:t>
             </a:fld>
             <a:endParaRPr lang="en-US"/>
           </a:p>
@@ -2390,7 +2390,7 @@
           <a:p>
             <a:fld id="{1140D365-4777-40C3-A677-A04F761BF0D4}" type="datetimeFigureOut">
               <a:rPr lang="en-US" smtClean="0"/>
-              <a:t>9/13/2023</a:t>
+              <a:t>9/6/2024</a:t>
             </a:fld>
             <a:endParaRPr lang="en-US"/>
           </a:p>
@@ -2678,7 +2678,7 @@
           <a:p>
             <a:fld id="{1140D365-4777-40C3-A677-A04F761BF0D4}" type="datetimeFigureOut">
               <a:rPr lang="en-US" smtClean="0"/>
-              <a:t>9/13/2023</a:t>
+              <a:t>9/6/2024</a:t>
             </a:fld>
             <a:endParaRPr lang="en-US"/>
           </a:p>
@@ -2919,7 +2919,7 @@
           <a:p>
             <a:fld id="{1140D365-4777-40C3-A677-A04F761BF0D4}" type="datetimeFigureOut">
               <a:rPr lang="en-US" smtClean="0"/>
-              <a:t>9/13/2023</a:t>
+              <a:t>9/6/2024</a:t>
             </a:fld>
             <a:endParaRPr lang="en-US"/>
           </a:p>
@@ -3405,17 +3405,28 @@
                 <a:latin typeface="Arial" panose="020B0604020202020204" pitchFamily="34" charset="0"/>
                 <a:cs typeface="Arial" panose="020B0604020202020204" pitchFamily="34" charset="0"/>
               </a:rPr>
-              <a:t>Alamin</a:t>
-            </a:r>
-          </a:p>
-          <a:p>
-            <a:r>
-              <a:rPr lang="en-US" dirty="0">
+              <a:t>Name: Alamin</a:t>
+            </a:r>
+          </a:p>
+          <a:p>
+            <a:r>
+              <a:rPr lang="en-GB" dirty="0">
                 <a:latin typeface="Arial" panose="020B0604020202020204" pitchFamily="34" charset="0"/>
                 <a:cs typeface="Arial" panose="020B0604020202020204" pitchFamily="34" charset="0"/>
               </a:rPr>
-              <a:t>MSCS</a:t>
-            </a:r>
+              <a:t>Master of Science in Computer Science (</a:t>
+            </a:r>
+            <a:r>
+              <a:rPr lang="en-US">
+                <a:latin typeface="Arial" panose="020B0604020202020204" pitchFamily="34" charset="0"/>
+                <a:cs typeface="Arial" panose="020B0604020202020204" pitchFamily="34" charset="0"/>
+              </a:rPr>
+              <a:t>MSCS)</a:t>
+            </a:r>
+            <a:endParaRPr lang="en-US" dirty="0">
+              <a:latin typeface="Arial" panose="020B0604020202020204" pitchFamily="34" charset="0"/>
+              <a:cs typeface="Arial" panose="020B0604020202020204" pitchFamily="34" charset="0"/>
+            </a:endParaRPr>
           </a:p>
           <a:p>
             <a:r>

--- a/Data Structure & Algorithm PDF/DSA.pptx
+++ b/Data Structure & Algorithm PDF/DSA.pptx
@@ -10,7 +10,7 @@
     <p:sldId id="258" r:id="rId4"/>
     <p:sldId id="259" r:id="rId5"/>
     <p:sldId id="260" r:id="rId6"/>
-    <p:sldId id="261" r:id="rId7"/>
+    <p:sldId id="268" r:id="rId7"/>
     <p:sldId id="262" r:id="rId8"/>
     <p:sldId id="263" r:id="rId9"/>
     <p:sldId id="265" r:id="rId10"/>
@@ -122,6 +122,2888 @@
 </p:presentation>
 </file>
 
+<file path=ppt/diagrams/colors1.xml><?xml version="1.0" encoding="utf-8"?>
+<dgm:colorsDef xmlns:dgm="http://schemas.openxmlformats.org/drawingml/2006/diagram" xmlns:a="http://schemas.openxmlformats.org/drawingml/2006/main" uniqueId="urn:microsoft.com/office/officeart/2005/8/colors/colorful2">
+  <dgm:title val=""/>
+  <dgm:desc val=""/>
+  <dgm:catLst>
+    <dgm:cat type="colorful" pri="10200"/>
+  </dgm:catLst>
+  <dgm:styleLbl name="node0">
+    <dgm:fillClrLst meth="repeat">
+      <a:schemeClr val="accent1"/>
+    </dgm:fillClrLst>
+    <dgm:linClrLst meth="repeat">
+      <a:schemeClr val="lt1"/>
+    </dgm:linClrLst>
+    <dgm:effectClrLst/>
+    <dgm:txLinClrLst/>
+    <dgm:txFillClrLst/>
+    <dgm:txEffectClrLst/>
+  </dgm:styleLbl>
+  <dgm:styleLbl name="node1">
+    <dgm:fillClrLst>
+      <a:schemeClr val="accent2"/>
+      <a:schemeClr val="accent3"/>
+    </dgm:fillClrLst>
+    <dgm:linClrLst meth="repeat">
+      <a:schemeClr val="lt1"/>
+    </dgm:linClrLst>
+    <dgm:effectClrLst/>
+    <dgm:txLinClrLst/>
+    <dgm:txFillClrLst/>
+    <dgm:txEffectClrLst/>
+  </dgm:styleLbl>
+  <dgm:styleLbl name="alignNode1">
+    <dgm:fillClrLst>
+      <a:schemeClr val="accent2"/>
+      <a:schemeClr val="accent3"/>
+    </dgm:fillClrLst>
+    <dgm:linClrLst>
+      <a:schemeClr val="accent2"/>
+      <a:schemeClr val="accent3"/>
+    </dgm:linClrLst>
+    <dgm:effectClrLst/>
+    <dgm:txLinClrLst/>
+    <dgm:txFillClrLst/>
+    <dgm:txEffectClrLst/>
+  </dgm:styleLbl>
+  <dgm:styleLbl name="lnNode1">
+    <dgm:fillClrLst>
+      <a:schemeClr val="accent2"/>
+      <a:schemeClr val="accent3"/>
+    </dgm:fillClrLst>
+    <dgm:linClrLst meth="repeat">
+      <a:schemeClr val="lt1"/>
+    </dgm:linClrLst>
+    <dgm:effectClrLst/>
+    <dgm:txLinClrLst/>
+    <dgm:txFillClrLst/>
+    <dgm:txEffectClrLst/>
+  </dgm:styleLbl>
+  <dgm:styleLbl name="vennNode1">
+    <dgm:fillClrLst>
+      <a:schemeClr val="accent2">
+        <a:alpha val="50000"/>
+      </a:schemeClr>
+      <a:schemeClr val="accent3">
+        <a:alpha val="50000"/>
+      </a:schemeClr>
+    </dgm:fillClrLst>
+    <dgm:linClrLst meth="repeat">
+      <a:schemeClr val="lt1"/>
+    </dgm:linClrLst>
+    <dgm:effectClrLst/>
+    <dgm:txLinClrLst/>
+    <dgm:txFillClrLst/>
+    <dgm:txEffectClrLst/>
+  </dgm:styleLbl>
+  <dgm:styleLbl name="node2">
+    <dgm:fillClrLst>
+      <a:schemeClr val="accent3"/>
+    </dgm:fillClrLst>
+    <dgm:linClrLst meth="repeat">
+      <a:schemeClr val="lt1"/>
+    </dgm:linClrLst>
+    <dgm:effectClrLst/>
+    <dgm:txLinClrLst/>
+    <dgm:txFillClrLst/>
+    <dgm:txEffectClrLst/>
+  </dgm:styleLbl>
+  <dgm:styleLbl name="node3">
+    <dgm:fillClrLst>
+      <a:schemeClr val="accent4"/>
+    </dgm:fillClrLst>
+    <dgm:linClrLst meth="repeat">
+      <a:schemeClr val="lt1"/>
+    </dgm:linClrLst>
+    <dgm:effectClrLst/>
+    <dgm:txLinClrLst/>
+    <dgm:txFillClrLst/>
+    <dgm:txEffectClrLst/>
+  </dgm:styleLbl>
+  <dgm:styleLbl name="node4">
+    <dgm:fillClrLst>
+      <a:schemeClr val="accent5"/>
+    </dgm:fillClrLst>
+    <dgm:linClrLst meth="repeat">
+      <a:schemeClr val="lt1"/>
+    </dgm:linClrLst>
+    <dgm:effectClrLst/>
+    <dgm:txLinClrLst/>
+    <dgm:txFillClrLst/>
+    <dgm:txEffectClrLst/>
+  </dgm:styleLbl>
+  <dgm:styleLbl name="fgImgPlace1">
+    <dgm:fillClrLst>
+      <a:schemeClr val="accent2">
+        <a:tint val="50000"/>
+      </a:schemeClr>
+      <a:schemeClr val="accent3">
+        <a:tint val="50000"/>
+      </a:schemeClr>
+    </dgm:fillClrLst>
+    <dgm:linClrLst meth="repeat">
+      <a:schemeClr val="lt1"/>
+    </dgm:linClrLst>
+    <dgm:effectClrLst/>
+    <dgm:txLinClrLst/>
+    <dgm:txFillClrLst meth="repeat">
+      <a:schemeClr val="lt1"/>
+    </dgm:txFillClrLst>
+    <dgm:txEffectClrLst/>
+  </dgm:styleLbl>
+  <dgm:styleLbl name="alignImgPlace1">
+    <dgm:fillClrLst>
+      <a:schemeClr val="accent2">
+        <a:tint val="50000"/>
+      </a:schemeClr>
+      <a:schemeClr val="accent3">
+        <a:tint val="20000"/>
+      </a:schemeClr>
+    </dgm:fillClrLst>
+    <dgm:linClrLst meth="repeat">
+      <a:schemeClr val="lt1"/>
+    </dgm:linClrLst>
+    <dgm:effectClrLst/>
+    <dgm:txLinClrLst/>
+    <dgm:txFillClrLst meth="repeat">
+      <a:schemeClr val="lt1"/>
+    </dgm:txFillClrLst>
+    <dgm:txEffectClrLst/>
+  </dgm:styleLbl>
+  <dgm:styleLbl name="bgImgPlace1">
+    <dgm:fillClrLst>
+      <a:schemeClr val="accent2">
+        <a:tint val="50000"/>
+      </a:schemeClr>
+      <a:schemeClr val="accent3">
+        <a:tint val="20000"/>
+      </a:schemeClr>
+    </dgm:fillClrLst>
+    <dgm:linClrLst meth="repeat">
+      <a:schemeClr val="lt1"/>
+    </dgm:linClrLst>
+    <dgm:effectClrLst/>
+    <dgm:txLinClrLst/>
+    <dgm:txFillClrLst meth="repeat">
+      <a:schemeClr val="lt1"/>
+    </dgm:txFillClrLst>
+    <dgm:txEffectClrLst/>
+  </dgm:styleLbl>
+  <dgm:styleLbl name="sibTrans2D1">
+    <dgm:fillClrLst>
+      <a:schemeClr val="accent2"/>
+      <a:schemeClr val="accent3"/>
+    </dgm:fillClrLst>
+    <dgm:linClrLst meth="repeat">
+      <a:schemeClr val="lt1"/>
+    </dgm:linClrLst>
+    <dgm:effectClrLst/>
+    <dgm:txLinClrLst/>
+    <dgm:txFillClrLst/>
+    <dgm:txEffectClrLst/>
+  </dgm:styleLbl>
+  <dgm:styleLbl name="fgSibTrans2D1">
+    <dgm:fillClrLst>
+      <a:schemeClr val="accent2"/>
+      <a:schemeClr val="accent3"/>
+    </dgm:fillClrLst>
+    <dgm:linClrLst meth="repeat">
+      <a:schemeClr val="lt1"/>
+    </dgm:linClrLst>
+    <dgm:effectClrLst/>
+    <dgm:txLinClrLst/>
+    <dgm:txFillClrLst meth="repeat">
+      <a:schemeClr val="lt1"/>
+    </dgm:txFillClrLst>
+    <dgm:txEffectClrLst/>
+  </dgm:styleLbl>
+  <dgm:styleLbl name="bgSibTrans2D1">
+    <dgm:fillClrLst>
+      <a:schemeClr val="accent2"/>
+      <a:schemeClr val="accent3"/>
+    </dgm:fillClrLst>
+    <dgm:linClrLst meth="repeat">
+      <a:schemeClr val="lt1"/>
+    </dgm:linClrLst>
+    <dgm:effectClrLst/>
+    <dgm:txLinClrLst/>
+    <dgm:txFillClrLst meth="repeat">
+      <a:schemeClr val="lt1"/>
+    </dgm:txFillClrLst>
+    <dgm:txEffectClrLst/>
+  </dgm:styleLbl>
+  <dgm:styleLbl name="sibTrans1D1">
+    <dgm:fillClrLst/>
+    <dgm:linClrLst>
+      <a:schemeClr val="accent2"/>
+      <a:schemeClr val="accent3"/>
+    </dgm:linClrLst>
+    <dgm:effectClrLst/>
+    <dgm:txLinClrLst/>
+    <dgm:txFillClrLst meth="repeat">
+      <a:schemeClr val="tx1"/>
+    </dgm:txFillClrLst>
+    <dgm:txEffectClrLst/>
+  </dgm:styleLbl>
+  <dgm:styleLbl name="callout">
+    <dgm:fillClrLst meth="repeat">
+      <a:schemeClr val="accent2"/>
+    </dgm:fillClrLst>
+    <dgm:linClrLst meth="repeat">
+      <a:schemeClr val="accent2">
+        <a:tint val="50000"/>
+      </a:schemeClr>
+    </dgm:linClrLst>
+    <dgm:effectClrLst/>
+    <dgm:txLinClrLst/>
+    <dgm:txFillClrLst meth="repeat">
+      <a:schemeClr val="tx1"/>
+    </dgm:txFillClrLst>
+    <dgm:txEffectClrLst/>
+  </dgm:styleLbl>
+  <dgm:styleLbl name="asst0">
+    <dgm:fillClrLst meth="repeat">
+      <a:schemeClr val="accent2"/>
+    </dgm:fillClrLst>
+    <dgm:linClrLst meth="repeat">
+      <a:schemeClr val="lt1">
+        <a:shade val="80000"/>
+      </a:schemeClr>
+    </dgm:linClrLst>
+    <dgm:effectClrLst/>
+    <dgm:txLinClrLst/>
+    <dgm:txFillClrLst/>
+    <dgm:txEffectClrLst/>
+  </dgm:styleLbl>
+  <dgm:styleLbl name="asst1">
+    <dgm:fillClrLst meth="repeat">
+      <a:schemeClr val="accent3"/>
+    </dgm:fillClrLst>
+    <dgm:linClrLst meth="repeat">
+      <a:schemeClr val="lt1">
+        <a:shade val="80000"/>
+      </a:schemeClr>
+    </dgm:linClrLst>
+    <dgm:effectClrLst/>
+    <dgm:txLinClrLst/>
+    <dgm:txFillClrLst/>
+    <dgm:txEffectClrLst/>
+  </dgm:styleLbl>
+  <dgm:styleLbl name="asst2">
+    <dgm:fillClrLst>
+      <a:schemeClr val="accent4"/>
+    </dgm:fillClrLst>
+    <dgm:linClrLst meth="repeat">
+      <a:schemeClr val="lt1"/>
+    </dgm:linClrLst>
+    <dgm:effectClrLst/>
+    <dgm:txLinClrLst/>
+    <dgm:txFillClrLst/>
+    <dgm:txEffectClrLst/>
+  </dgm:styleLbl>
+  <dgm:styleLbl name="asst3">
+    <dgm:fillClrLst>
+      <a:schemeClr val="accent5"/>
+    </dgm:fillClrLst>
+    <dgm:linClrLst meth="repeat">
+      <a:schemeClr val="lt1"/>
+    </dgm:linClrLst>
+    <dgm:effectClrLst/>
+    <dgm:txLinClrLst/>
+    <dgm:txFillClrLst/>
+    <dgm:txEffectClrLst/>
+  </dgm:styleLbl>
+  <dgm:styleLbl name="asst4">
+    <dgm:fillClrLst>
+      <a:schemeClr val="accent6"/>
+    </dgm:fillClrLst>
+    <dgm:linClrLst meth="repeat">
+      <a:schemeClr val="lt1"/>
+    </dgm:linClrLst>
+    <dgm:effectClrLst/>
+    <dgm:txLinClrLst/>
+    <dgm:txFillClrLst/>
+    <dgm:txEffectClrLst/>
+  </dgm:styleLbl>
+  <dgm:styleLbl name="parChTrans2D1">
+    <dgm:fillClrLst meth="repeat">
+      <a:schemeClr val="accent2"/>
+    </dgm:fillClrLst>
+    <dgm:linClrLst meth="repeat">
+      <a:schemeClr val="lt1"/>
+    </dgm:linClrLst>
+    <dgm:effectClrLst/>
+    <dgm:txLinClrLst/>
+    <dgm:txFillClrLst meth="repeat">
+      <a:schemeClr val="lt1"/>
+    </dgm:txFillClrLst>
+    <dgm:txEffectClrLst/>
+  </dgm:styleLbl>
+  <dgm:styleLbl name="parChTrans2D2">
+    <dgm:fillClrLst meth="repeat">
+      <a:schemeClr val="accent3"/>
+    </dgm:fillClrLst>
+    <dgm:linClrLst meth="repeat">
+      <a:schemeClr val="lt1"/>
+    </dgm:linClrLst>
+    <dgm:effectClrLst/>
+    <dgm:txLinClrLst/>
+    <dgm:txFillClrLst/>
+    <dgm:txEffectClrLst/>
+  </dgm:styleLbl>
+  <dgm:styleLbl name="parChTrans2D3">
+    <dgm:fillClrLst meth="repeat">
+      <a:schemeClr val="accent4"/>
+    </dgm:fillClrLst>
+    <dgm:linClrLst meth="repeat">
+      <a:schemeClr val="lt1"/>
+    </dgm:linClrLst>
+    <dgm:effectClrLst/>
+    <dgm:txLinClrLst/>
+    <dgm:txFillClrLst/>
+    <dgm:txEffectClrLst/>
+  </dgm:styleLbl>
+  <dgm:styleLbl name="parChTrans2D4">
+    <dgm:fillClrLst meth="repeat">
+      <a:schemeClr val="accent5"/>
+    </dgm:fillClrLst>
+    <dgm:linClrLst meth="repeat">
+      <a:schemeClr val="lt1"/>
+    </dgm:linClrLst>
+    <dgm:effectClrLst/>
+    <dgm:txLinClrLst/>
+    <dgm:txFillClrLst meth="repeat">
+      <a:schemeClr val="lt1"/>
+    </dgm:txFillClrLst>
+    <dgm:txEffectClrLst/>
+  </dgm:styleLbl>
+  <dgm:styleLbl name="parChTrans1D1">
+    <dgm:fillClrLst meth="repeat">
+      <a:schemeClr val="accent2"/>
+    </dgm:fillClrLst>
+    <dgm:linClrLst meth="repeat">
+      <a:schemeClr val="accent2"/>
+    </dgm:linClrLst>
+    <dgm:effectClrLst/>
+    <dgm:txLinClrLst/>
+    <dgm:txFillClrLst meth="repeat">
+      <a:schemeClr val="tx1"/>
+    </dgm:txFillClrLst>
+    <dgm:txEffectClrLst/>
+  </dgm:styleLbl>
+  <dgm:styleLbl name="parChTrans1D2">
+    <dgm:fillClrLst meth="repeat">
+      <a:schemeClr val="accent2">
+        <a:tint val="90000"/>
+      </a:schemeClr>
+    </dgm:fillClrLst>
+    <dgm:linClrLst meth="repeat">
+      <a:schemeClr val="accent3"/>
+    </dgm:linClrLst>
+    <dgm:effectClrLst/>
+    <dgm:txLinClrLst/>
+    <dgm:txFillClrLst meth="repeat">
+      <a:schemeClr val="tx1"/>
+    </dgm:txFillClrLst>
+    <dgm:txEffectClrLst/>
+  </dgm:styleLbl>
+  <dgm:styleLbl name="parChTrans1D3">
+    <dgm:fillClrLst meth="repeat">
+      <a:schemeClr val="accent2">
+        <a:tint val="70000"/>
+      </a:schemeClr>
+    </dgm:fillClrLst>
+    <dgm:linClrLst meth="repeat">
+      <a:schemeClr val="accent4"/>
+    </dgm:linClrLst>
+    <dgm:effectClrLst/>
+    <dgm:txLinClrLst/>
+    <dgm:txFillClrLst meth="repeat">
+      <a:schemeClr val="tx1"/>
+    </dgm:txFillClrLst>
+    <dgm:txEffectClrLst/>
+  </dgm:styleLbl>
+  <dgm:styleLbl name="parChTrans1D4">
+    <dgm:fillClrLst meth="repeat">
+      <a:schemeClr val="accent2">
+        <a:tint val="50000"/>
+      </a:schemeClr>
+    </dgm:fillClrLst>
+    <dgm:linClrLst meth="repeat">
+      <a:schemeClr val="accent5"/>
+    </dgm:linClrLst>
+    <dgm:effectClrLst/>
+    <dgm:txLinClrLst/>
+    <dgm:txFillClrLst meth="repeat">
+      <a:schemeClr val="tx1"/>
+    </dgm:txFillClrLst>
+    <dgm:txEffectClrLst/>
+  </dgm:styleLbl>
+  <dgm:styleLbl name="fgAcc1">
+    <dgm:fillClrLst meth="repeat">
+      <a:schemeClr val="lt1">
+        <a:alpha val="90000"/>
+      </a:schemeClr>
+    </dgm:fillClrLst>
+    <dgm:linClrLst>
+      <a:schemeClr val="accent2"/>
+      <a:schemeClr val="accent3"/>
+    </dgm:linClrLst>
+    <dgm:effectClrLst/>
+    <dgm:txLinClrLst/>
+    <dgm:txFillClrLst meth="repeat">
+      <a:schemeClr val="dk1"/>
+    </dgm:txFillClrLst>
+    <dgm:txEffectClrLst/>
+  </dgm:styleLbl>
+  <dgm:styleLbl name="conFgAcc1">
+    <dgm:fillClrLst meth="repeat">
+      <a:schemeClr val="lt1">
+        <a:alpha val="90000"/>
+      </a:schemeClr>
+    </dgm:fillClrLst>
+    <dgm:linClrLst>
+      <a:schemeClr val="accent2"/>
+      <a:schemeClr val="accent3"/>
+    </dgm:linClrLst>
+    <dgm:effectClrLst/>
+    <dgm:txLinClrLst/>
+    <dgm:txFillClrLst meth="repeat">
+      <a:schemeClr val="dk1"/>
+    </dgm:txFillClrLst>
+    <dgm:txEffectClrLst/>
+  </dgm:styleLbl>
+  <dgm:styleLbl name="alignAcc1">
+    <dgm:fillClrLst meth="repeat">
+      <a:schemeClr val="lt1">
+        <a:alpha val="90000"/>
+      </a:schemeClr>
+    </dgm:fillClrLst>
+    <dgm:linClrLst>
+      <a:schemeClr val="accent2"/>
+      <a:schemeClr val="accent3"/>
+    </dgm:linClrLst>
+    <dgm:effectClrLst/>
+    <dgm:txLinClrLst/>
+    <dgm:txFillClrLst meth="repeat">
+      <a:schemeClr val="dk1"/>
+    </dgm:txFillClrLst>
+    <dgm:txEffectClrLst/>
+  </dgm:styleLbl>
+  <dgm:styleLbl name="trAlignAcc1">
+    <dgm:fillClrLst meth="repeat">
+      <a:schemeClr val="lt1">
+        <a:alpha val="40000"/>
+      </a:schemeClr>
+    </dgm:fillClrLst>
+    <dgm:linClrLst meth="repeat">
+      <a:schemeClr val="accent2"/>
+    </dgm:linClrLst>
+    <dgm:effectClrLst/>
+    <dgm:txLinClrLst/>
+    <dgm:txFillClrLst meth="repeat">
+      <a:schemeClr val="dk1"/>
+    </dgm:txFillClrLst>
+    <dgm:txEffectClrLst/>
+  </dgm:styleLbl>
+  <dgm:styleLbl name="bgAcc1">
+    <dgm:fillClrLst meth="repeat">
+      <a:schemeClr val="lt1">
+        <a:alpha val="90000"/>
+      </a:schemeClr>
+    </dgm:fillClrLst>
+    <dgm:linClrLst>
+      <a:schemeClr val="accent2"/>
+      <a:schemeClr val="accent3"/>
+    </dgm:linClrLst>
+    <dgm:effectClrLst/>
+    <dgm:txLinClrLst/>
+    <dgm:txFillClrLst meth="repeat">
+      <a:schemeClr val="dk1"/>
+    </dgm:txFillClrLst>
+    <dgm:txEffectClrLst/>
+  </dgm:styleLbl>
+  <dgm:styleLbl name="solidFgAcc1">
+    <dgm:fillClrLst meth="repeat">
+      <a:schemeClr val="lt1"/>
+    </dgm:fillClrLst>
+    <dgm:linClrLst>
+      <a:schemeClr val="accent2"/>
+      <a:schemeClr val="accent3"/>
+    </dgm:linClrLst>
+    <dgm:effectClrLst/>
+    <dgm:txLinClrLst/>
+    <dgm:txFillClrLst meth="repeat">
+      <a:schemeClr val="dk1"/>
+    </dgm:txFillClrLst>
+    <dgm:txEffectClrLst/>
+  </dgm:styleLbl>
+  <dgm:styleLbl name="solidAlignAcc1">
+    <dgm:fillClrLst meth="repeat">
+      <a:schemeClr val="lt1"/>
+    </dgm:fillClrLst>
+    <dgm:linClrLst>
+      <a:schemeClr val="accent2"/>
+      <a:schemeClr val="accent3"/>
+    </dgm:linClrLst>
+    <dgm:effectClrLst/>
+    <dgm:txLinClrLst/>
+    <dgm:txFillClrLst meth="repeat">
+      <a:schemeClr val="dk1"/>
+    </dgm:txFillClrLst>
+    <dgm:txEffectClrLst/>
+  </dgm:styleLbl>
+  <dgm:styleLbl name="solidBgAcc1">
+    <dgm:fillClrLst meth="repeat">
+      <a:schemeClr val="lt1"/>
+    </dgm:fillClrLst>
+    <dgm:linClrLst>
+      <a:schemeClr val="accent2"/>
+      <a:schemeClr val="accent3"/>
+    </dgm:linClrLst>
+    <dgm:effectClrLst/>
+    <dgm:txLinClrLst/>
+    <dgm:txFillClrLst meth="repeat">
+      <a:schemeClr val="dk1"/>
+    </dgm:txFillClrLst>
+    <dgm:txEffectClrLst/>
+  </dgm:styleLbl>
+  <dgm:styleLbl name="fgAccFollowNode1">
+    <dgm:fillClrLst>
+      <a:schemeClr val="accent2">
+        <a:tint val="40000"/>
+        <a:alpha val="90000"/>
+      </a:schemeClr>
+      <a:schemeClr val="accent3">
+        <a:tint val="40000"/>
+        <a:alpha val="90000"/>
+      </a:schemeClr>
+    </dgm:fillClrLst>
+    <dgm:linClrLst>
+      <a:schemeClr val="accent2">
+        <a:tint val="40000"/>
+        <a:alpha val="90000"/>
+      </a:schemeClr>
+      <a:schemeClr val="accent3">
+        <a:tint val="40000"/>
+        <a:alpha val="90000"/>
+      </a:schemeClr>
+    </dgm:linClrLst>
+    <dgm:effectClrLst/>
+    <dgm:txLinClrLst/>
+    <dgm:txFillClrLst meth="repeat">
+      <a:schemeClr val="dk1"/>
+    </dgm:txFillClrLst>
+    <dgm:txEffectClrLst/>
+  </dgm:styleLbl>
+  <dgm:styleLbl name="alignAccFollowNode1">
+    <dgm:fillClrLst>
+      <a:schemeClr val="accent2">
+        <a:tint val="40000"/>
+        <a:alpha val="90000"/>
+      </a:schemeClr>
+      <a:schemeClr val="accent3">
+        <a:tint val="40000"/>
+        <a:alpha val="90000"/>
+      </a:schemeClr>
+    </dgm:fillClrLst>
+    <dgm:linClrLst>
+      <a:schemeClr val="accent2">
+        <a:tint val="40000"/>
+        <a:alpha val="90000"/>
+      </a:schemeClr>
+      <a:schemeClr val="accent3">
+        <a:tint val="40000"/>
+        <a:alpha val="90000"/>
+      </a:schemeClr>
+    </dgm:linClrLst>
+    <dgm:effectClrLst/>
+    <dgm:txLinClrLst/>
+    <dgm:txFillClrLst meth="repeat">
+      <a:schemeClr val="dk1"/>
+    </dgm:txFillClrLst>
+    <dgm:txEffectClrLst/>
+  </dgm:styleLbl>
+  <dgm:styleLbl name="bgAccFollowNode1">
+    <dgm:fillClrLst>
+      <a:schemeClr val="accent2">
+        <a:tint val="40000"/>
+        <a:alpha val="90000"/>
+      </a:schemeClr>
+      <a:schemeClr val="accent3">
+        <a:tint val="40000"/>
+        <a:alpha val="90000"/>
+      </a:schemeClr>
+    </dgm:fillClrLst>
+    <dgm:linClrLst>
+      <a:schemeClr val="accent2">
+        <a:tint val="40000"/>
+        <a:alpha val="90000"/>
+      </a:schemeClr>
+      <a:schemeClr val="accent3">
+        <a:tint val="40000"/>
+        <a:alpha val="90000"/>
+      </a:schemeClr>
+    </dgm:linClrLst>
+    <dgm:effectClrLst/>
+    <dgm:txLinClrLst/>
+    <dgm:txFillClrLst meth="repeat">
+      <a:schemeClr val="dk1"/>
+    </dgm:txFillClrLst>
+    <dgm:txEffectClrLst/>
+  </dgm:styleLbl>
+  <dgm:styleLbl name="fgAcc0">
+    <dgm:fillClrLst meth="repeat">
+      <a:schemeClr val="lt1">
+        <a:alpha val="90000"/>
+      </a:schemeClr>
+    </dgm:fillClrLst>
+    <dgm:linClrLst>
+      <a:schemeClr val="accent1"/>
+    </dgm:linClrLst>
+    <dgm:effectClrLst/>
+    <dgm:txLinClrLst/>
+    <dgm:txFillClrLst meth="repeat">
+      <a:schemeClr val="dk1"/>
+    </dgm:txFillClrLst>
+    <dgm:txEffectClrLst/>
+  </dgm:styleLbl>
+  <dgm:styleLbl name="fgAcc2">
+    <dgm:fillClrLst meth="repeat">
+      <a:schemeClr val="lt1">
+        <a:alpha val="90000"/>
+      </a:schemeClr>
+    </dgm:fillClrLst>
+    <dgm:linClrLst>
+      <a:schemeClr val="accent3"/>
+    </dgm:linClrLst>
+    <dgm:effectClrLst/>
+    <dgm:txLinClrLst/>
+    <dgm:txFillClrLst meth="repeat">
+      <a:schemeClr val="dk1"/>
+    </dgm:txFillClrLst>
+    <dgm:txEffectClrLst/>
+  </dgm:styleLbl>
+  <dgm:styleLbl name="fgAcc3">
+    <dgm:fillClrLst meth="repeat">
+      <a:schemeClr val="lt1">
+        <a:alpha val="90000"/>
+      </a:schemeClr>
+    </dgm:fillClrLst>
+    <dgm:linClrLst>
+      <a:schemeClr val="accent4"/>
+    </dgm:linClrLst>
+    <dgm:effectClrLst/>
+    <dgm:txLinClrLst/>
+    <dgm:txFillClrLst meth="repeat">
+      <a:schemeClr val="dk1"/>
+    </dgm:txFillClrLst>
+    <dgm:txEffectClrLst/>
+  </dgm:styleLbl>
+  <dgm:styleLbl name="fgAcc4">
+    <dgm:fillClrLst meth="repeat">
+      <a:schemeClr val="lt1">
+        <a:alpha val="90000"/>
+      </a:schemeClr>
+    </dgm:fillClrLst>
+    <dgm:linClrLst>
+      <a:schemeClr val="accent5"/>
+    </dgm:linClrLst>
+    <dgm:effectClrLst/>
+    <dgm:txLinClrLst/>
+    <dgm:txFillClrLst meth="repeat">
+      <a:schemeClr val="dk1"/>
+    </dgm:txFillClrLst>
+    <dgm:txEffectClrLst/>
+  </dgm:styleLbl>
+  <dgm:styleLbl name="bgShp">
+    <dgm:fillClrLst meth="repeat">
+      <a:schemeClr val="accent2">
+        <a:tint val="40000"/>
+      </a:schemeClr>
+    </dgm:fillClrLst>
+    <dgm:linClrLst meth="repeat">
+      <a:schemeClr val="dk1"/>
+    </dgm:linClrLst>
+    <dgm:effectClrLst/>
+    <dgm:txLinClrLst/>
+    <dgm:txFillClrLst meth="repeat">
+      <a:schemeClr val="dk1"/>
+    </dgm:txFillClrLst>
+    <dgm:txEffectClrLst/>
+  </dgm:styleLbl>
+  <dgm:styleLbl name="dkBgShp">
+    <dgm:fillClrLst meth="repeat">
+      <a:schemeClr val="accent2">
+        <a:shade val="90000"/>
+      </a:schemeClr>
+    </dgm:fillClrLst>
+    <dgm:linClrLst meth="repeat">
+      <a:schemeClr val="dk1"/>
+    </dgm:linClrLst>
+    <dgm:effectClrLst/>
+    <dgm:txLinClrLst/>
+    <dgm:txFillClrLst meth="repeat">
+      <a:schemeClr val="lt1"/>
+    </dgm:txFillClrLst>
+    <dgm:txEffectClrLst/>
+  </dgm:styleLbl>
+  <dgm:styleLbl name="trBgShp">
+    <dgm:fillClrLst meth="repeat">
+      <a:schemeClr val="accent2">
+        <a:tint val="50000"/>
+        <a:alpha val="40000"/>
+      </a:schemeClr>
+    </dgm:fillClrLst>
+    <dgm:linClrLst meth="repeat">
+      <a:schemeClr val="accent2"/>
+    </dgm:linClrLst>
+    <dgm:effectClrLst/>
+    <dgm:txLinClrLst/>
+    <dgm:txFillClrLst meth="repeat">
+      <a:schemeClr val="lt1"/>
+    </dgm:txFillClrLst>
+    <dgm:txEffectClrLst/>
+  </dgm:styleLbl>
+  <dgm:styleLbl name="fgShp">
+    <dgm:fillClrLst meth="repeat">
+      <a:schemeClr val="accent2">
+        <a:tint val="40000"/>
+      </a:schemeClr>
+    </dgm:fillClrLst>
+    <dgm:linClrLst meth="repeat">
+      <a:schemeClr val="lt1"/>
+    </dgm:linClrLst>
+    <dgm:effectClrLst/>
+    <dgm:txLinClrLst/>
+    <dgm:txFillClrLst meth="repeat">
+      <a:schemeClr val="dk1"/>
+    </dgm:txFillClrLst>
+    <dgm:txEffectClrLst/>
+  </dgm:styleLbl>
+  <dgm:styleLbl name="revTx">
+    <dgm:fillClrLst meth="repeat">
+      <a:schemeClr val="lt1">
+        <a:alpha val="0"/>
+      </a:schemeClr>
+    </dgm:fillClrLst>
+    <dgm:linClrLst meth="repeat">
+      <a:schemeClr val="dk1">
+        <a:alpha val="0"/>
+      </a:schemeClr>
+    </dgm:linClrLst>
+    <dgm:effectClrLst/>
+    <dgm:txLinClrLst/>
+    <dgm:txFillClrLst meth="repeat">
+      <a:schemeClr val="tx1"/>
+    </dgm:txFillClrLst>
+    <dgm:txEffectClrLst/>
+  </dgm:styleLbl>
+</dgm:colorsDef>
+</file>
+
+<file path=ppt/diagrams/data1.xml><?xml version="1.0" encoding="utf-8"?>
+<dgm:dataModel xmlns:dgm="http://schemas.openxmlformats.org/drawingml/2006/diagram" xmlns:a="http://schemas.openxmlformats.org/drawingml/2006/main">
+  <dgm:ptLst>
+    <dgm:pt modelId="{594B6B4C-EEEE-4647-95F0-D59F01B0AF59}" type="doc">
+      <dgm:prSet loTypeId="urn:microsoft.com/office/officeart/2005/8/layout/list1" loCatId="list" qsTypeId="urn:microsoft.com/office/officeart/2005/8/quickstyle/simple4" qsCatId="simple" csTypeId="urn:microsoft.com/office/officeart/2005/8/colors/colorful2" csCatId="colorful"/>
+      <dgm:spPr/>
+      <dgm:t>
+        <a:bodyPr/>
+        <a:lstStyle/>
+        <a:p>
+          <a:endParaRPr lang="en-US"/>
+        </a:p>
+      </dgm:t>
+    </dgm:pt>
+    <dgm:pt modelId="{983E5B11-F39B-4FF2-90E8-6D99F8B7194C}">
+      <dgm:prSet/>
+      <dgm:spPr/>
+      <dgm:t>
+        <a:bodyPr/>
+        <a:lstStyle/>
+        <a:p>
+          <a:r>
+            <a:rPr lang="en-US"/>
+            <a:t>Data structure two types:</a:t>
+          </a:r>
+        </a:p>
+      </dgm:t>
+    </dgm:pt>
+    <dgm:pt modelId="{0F5F29D9-1BCD-422A-880F-4880497D69D8}" type="parTrans" cxnId="{DE369531-603A-4136-920A-FBCD8C19B0CC}">
+      <dgm:prSet/>
+      <dgm:spPr/>
+      <dgm:t>
+        <a:bodyPr/>
+        <a:lstStyle/>
+        <a:p>
+          <a:endParaRPr lang="en-US"/>
+        </a:p>
+      </dgm:t>
+    </dgm:pt>
+    <dgm:pt modelId="{6443719A-AE94-4EE0-8A8D-A987EA36D3D7}" type="sibTrans" cxnId="{DE369531-603A-4136-920A-FBCD8C19B0CC}">
+      <dgm:prSet/>
+      <dgm:spPr/>
+      <dgm:t>
+        <a:bodyPr/>
+        <a:lstStyle/>
+        <a:p>
+          <a:endParaRPr lang="en-US"/>
+        </a:p>
+      </dgm:t>
+    </dgm:pt>
+    <dgm:pt modelId="{ABD6E1D1-DCB5-4418-A3E2-1EB8D256DB68}">
+      <dgm:prSet/>
+      <dgm:spPr/>
+      <dgm:t>
+        <a:bodyPr/>
+        <a:lstStyle/>
+        <a:p>
+          <a:r>
+            <a:rPr lang="en-US"/>
+            <a:t>Linear Data Structure</a:t>
+          </a:r>
+        </a:p>
+      </dgm:t>
+    </dgm:pt>
+    <dgm:pt modelId="{D582F350-92C2-4029-8B18-F51D7883864F}" type="parTrans" cxnId="{1965E4E1-553F-4C45-8841-C970F479C241}">
+      <dgm:prSet/>
+      <dgm:spPr/>
+      <dgm:t>
+        <a:bodyPr/>
+        <a:lstStyle/>
+        <a:p>
+          <a:endParaRPr lang="en-US"/>
+        </a:p>
+      </dgm:t>
+    </dgm:pt>
+    <dgm:pt modelId="{0801D4DA-A9B8-4B37-8413-45C4253BE8C9}" type="sibTrans" cxnId="{1965E4E1-553F-4C45-8841-C970F479C241}">
+      <dgm:prSet/>
+      <dgm:spPr/>
+      <dgm:t>
+        <a:bodyPr/>
+        <a:lstStyle/>
+        <a:p>
+          <a:endParaRPr lang="en-US"/>
+        </a:p>
+      </dgm:t>
+    </dgm:pt>
+    <dgm:pt modelId="{CF0F1309-E9D4-4017-978A-26BE9497FB0B}">
+      <dgm:prSet/>
+      <dgm:spPr/>
+      <dgm:t>
+        <a:bodyPr/>
+        <a:lstStyle/>
+        <a:p>
+          <a:r>
+            <a:rPr lang="en-US"/>
+            <a:t>Static data structure</a:t>
+          </a:r>
+        </a:p>
+      </dgm:t>
+    </dgm:pt>
+    <dgm:pt modelId="{59829E74-1DA1-4A49-86C6-FDCE7A37294F}" type="parTrans" cxnId="{7A1D744E-24A0-464C-8C27-6C0C2AF7FAA5}">
+      <dgm:prSet/>
+      <dgm:spPr/>
+      <dgm:t>
+        <a:bodyPr/>
+        <a:lstStyle/>
+        <a:p>
+          <a:endParaRPr lang="en-US"/>
+        </a:p>
+      </dgm:t>
+    </dgm:pt>
+    <dgm:pt modelId="{B7C95F0C-2322-440C-85B6-9539CFA3437C}" type="sibTrans" cxnId="{7A1D744E-24A0-464C-8C27-6C0C2AF7FAA5}">
+      <dgm:prSet/>
+      <dgm:spPr/>
+      <dgm:t>
+        <a:bodyPr/>
+        <a:lstStyle/>
+        <a:p>
+          <a:endParaRPr lang="en-US"/>
+        </a:p>
+      </dgm:t>
+    </dgm:pt>
+    <dgm:pt modelId="{D0F81ACC-ED2B-4EF5-B043-E1A5896F6E1E}">
+      <dgm:prSet/>
+      <dgm:spPr/>
+      <dgm:t>
+        <a:bodyPr/>
+        <a:lstStyle/>
+        <a:p>
+          <a:r>
+            <a:rPr lang="en-US"/>
+            <a:t>Array</a:t>
+          </a:r>
+        </a:p>
+      </dgm:t>
+    </dgm:pt>
+    <dgm:pt modelId="{129EF907-4AA7-4F92-99E7-5964D818BDCA}" type="parTrans" cxnId="{82EB9943-393C-459F-9BD7-62EBDF5730A2}">
+      <dgm:prSet/>
+      <dgm:spPr/>
+      <dgm:t>
+        <a:bodyPr/>
+        <a:lstStyle/>
+        <a:p>
+          <a:endParaRPr lang="en-US"/>
+        </a:p>
+      </dgm:t>
+    </dgm:pt>
+    <dgm:pt modelId="{00FCC9E3-3ADC-4F90-882F-6362EA980A79}" type="sibTrans" cxnId="{82EB9943-393C-459F-9BD7-62EBDF5730A2}">
+      <dgm:prSet/>
+      <dgm:spPr/>
+      <dgm:t>
+        <a:bodyPr/>
+        <a:lstStyle/>
+        <a:p>
+          <a:endParaRPr lang="en-US"/>
+        </a:p>
+      </dgm:t>
+    </dgm:pt>
+    <dgm:pt modelId="{9761BBB9-4B3E-4F2E-98AC-2763565FFCAD}">
+      <dgm:prSet/>
+      <dgm:spPr/>
+      <dgm:t>
+        <a:bodyPr/>
+        <a:lstStyle/>
+        <a:p>
+          <a:r>
+            <a:rPr lang="en-US"/>
+            <a:t>Dynamic data structure</a:t>
+          </a:r>
+        </a:p>
+      </dgm:t>
+    </dgm:pt>
+    <dgm:pt modelId="{EB5BFC85-7B25-448F-B4CC-A456BC98E42F}" type="parTrans" cxnId="{FB88015C-4654-47BA-A911-2D518209D221}">
+      <dgm:prSet/>
+      <dgm:spPr/>
+      <dgm:t>
+        <a:bodyPr/>
+        <a:lstStyle/>
+        <a:p>
+          <a:endParaRPr lang="en-US"/>
+        </a:p>
+      </dgm:t>
+    </dgm:pt>
+    <dgm:pt modelId="{311E3113-242D-4D0A-85FB-AE52587C7A94}" type="sibTrans" cxnId="{FB88015C-4654-47BA-A911-2D518209D221}">
+      <dgm:prSet/>
+      <dgm:spPr/>
+      <dgm:t>
+        <a:bodyPr/>
+        <a:lstStyle/>
+        <a:p>
+          <a:endParaRPr lang="en-US"/>
+        </a:p>
+      </dgm:t>
+    </dgm:pt>
+    <dgm:pt modelId="{B03514C7-A6E3-4871-86EF-ABA11074E690}">
+      <dgm:prSet/>
+      <dgm:spPr/>
+      <dgm:t>
+        <a:bodyPr/>
+        <a:lstStyle/>
+        <a:p>
+          <a:r>
+            <a:rPr lang="en-US"/>
+            <a:t>Queue</a:t>
+          </a:r>
+        </a:p>
+      </dgm:t>
+    </dgm:pt>
+    <dgm:pt modelId="{A443417D-5D70-4E64-A72C-3BD136EFE845}" type="parTrans" cxnId="{66355B94-0837-4F0B-BB4B-B1DEB300A9F5}">
+      <dgm:prSet/>
+      <dgm:spPr/>
+      <dgm:t>
+        <a:bodyPr/>
+        <a:lstStyle/>
+        <a:p>
+          <a:endParaRPr lang="en-US"/>
+        </a:p>
+      </dgm:t>
+    </dgm:pt>
+    <dgm:pt modelId="{28FCF245-3A09-4C29-A38E-43B9DB5239AF}" type="sibTrans" cxnId="{66355B94-0837-4F0B-BB4B-B1DEB300A9F5}">
+      <dgm:prSet/>
+      <dgm:spPr/>
+      <dgm:t>
+        <a:bodyPr/>
+        <a:lstStyle/>
+        <a:p>
+          <a:endParaRPr lang="en-US"/>
+        </a:p>
+      </dgm:t>
+    </dgm:pt>
+    <dgm:pt modelId="{FE329703-0FE4-4FAA-94C3-4BCF1868C848}">
+      <dgm:prSet/>
+      <dgm:spPr/>
+      <dgm:t>
+        <a:bodyPr/>
+        <a:lstStyle/>
+        <a:p>
+          <a:r>
+            <a:rPr lang="en-US"/>
+            <a:t>Stack</a:t>
+          </a:r>
+        </a:p>
+      </dgm:t>
+    </dgm:pt>
+    <dgm:pt modelId="{96D8EB7F-240D-4A0A-B406-BC6FC405FBB4}" type="parTrans" cxnId="{5B34C7B4-BABB-4F41-BC7F-5A4BE8E396A4}">
+      <dgm:prSet/>
+      <dgm:spPr/>
+      <dgm:t>
+        <a:bodyPr/>
+        <a:lstStyle/>
+        <a:p>
+          <a:endParaRPr lang="en-US"/>
+        </a:p>
+      </dgm:t>
+    </dgm:pt>
+    <dgm:pt modelId="{47E59D5F-FE10-4944-A25E-C518886B764D}" type="sibTrans" cxnId="{5B34C7B4-BABB-4F41-BC7F-5A4BE8E396A4}">
+      <dgm:prSet/>
+      <dgm:spPr/>
+      <dgm:t>
+        <a:bodyPr/>
+        <a:lstStyle/>
+        <a:p>
+          <a:endParaRPr lang="en-US"/>
+        </a:p>
+      </dgm:t>
+    </dgm:pt>
+    <dgm:pt modelId="{A4445E3F-EE7A-42CD-A09E-6E8CE167FEBE}">
+      <dgm:prSet/>
+      <dgm:spPr/>
+      <dgm:t>
+        <a:bodyPr/>
+        <a:lstStyle/>
+        <a:p>
+          <a:r>
+            <a:rPr lang="en-US"/>
+            <a:t>Linked list</a:t>
+          </a:r>
+        </a:p>
+      </dgm:t>
+    </dgm:pt>
+    <dgm:pt modelId="{1FCCFFBF-6D36-4CA1-B90A-F4463B68DDD8}" type="parTrans" cxnId="{9EA6F9BC-42D4-43C4-8664-75FC1AE1A477}">
+      <dgm:prSet/>
+      <dgm:spPr/>
+      <dgm:t>
+        <a:bodyPr/>
+        <a:lstStyle/>
+        <a:p>
+          <a:endParaRPr lang="en-US"/>
+        </a:p>
+      </dgm:t>
+    </dgm:pt>
+    <dgm:pt modelId="{AB3049D5-DA76-48B0-B800-646E151B6631}" type="sibTrans" cxnId="{9EA6F9BC-42D4-43C4-8664-75FC1AE1A477}">
+      <dgm:prSet/>
+      <dgm:spPr/>
+      <dgm:t>
+        <a:bodyPr/>
+        <a:lstStyle/>
+        <a:p>
+          <a:endParaRPr lang="en-US"/>
+        </a:p>
+      </dgm:t>
+    </dgm:pt>
+    <dgm:pt modelId="{9842E2DD-6022-4DD7-BEA5-757867150D70}">
+      <dgm:prSet/>
+      <dgm:spPr/>
+      <dgm:t>
+        <a:bodyPr/>
+        <a:lstStyle/>
+        <a:p>
+          <a:r>
+            <a:rPr lang="en-US"/>
+            <a:t>Non-linear Data Structure</a:t>
+          </a:r>
+        </a:p>
+      </dgm:t>
+    </dgm:pt>
+    <dgm:pt modelId="{17236140-4DC4-4B51-9FBB-B0AC9633A0F1}" type="parTrans" cxnId="{79D29997-AAC8-45DB-8966-0FF778227CC4}">
+      <dgm:prSet/>
+      <dgm:spPr/>
+      <dgm:t>
+        <a:bodyPr/>
+        <a:lstStyle/>
+        <a:p>
+          <a:endParaRPr lang="en-US"/>
+        </a:p>
+      </dgm:t>
+    </dgm:pt>
+    <dgm:pt modelId="{C6616F6B-4F42-472B-BBC9-EE301E55F913}" type="sibTrans" cxnId="{79D29997-AAC8-45DB-8966-0FF778227CC4}">
+      <dgm:prSet/>
+      <dgm:spPr/>
+      <dgm:t>
+        <a:bodyPr/>
+        <a:lstStyle/>
+        <a:p>
+          <a:endParaRPr lang="en-US"/>
+        </a:p>
+      </dgm:t>
+    </dgm:pt>
+    <dgm:pt modelId="{B59581C6-9CA7-4E63-ABA0-77C263AF9C6E}">
+      <dgm:prSet/>
+      <dgm:spPr/>
+      <dgm:t>
+        <a:bodyPr/>
+        <a:lstStyle/>
+        <a:p>
+          <a:r>
+            <a:rPr lang="en-US"/>
+            <a:t>Tree data structure</a:t>
+          </a:r>
+        </a:p>
+      </dgm:t>
+    </dgm:pt>
+    <dgm:pt modelId="{DDF459B0-DA86-4D30-99D7-69E328CC490B}" type="parTrans" cxnId="{F65F6C0D-E4C6-474D-B89F-43F7FF4E81F9}">
+      <dgm:prSet/>
+      <dgm:spPr/>
+      <dgm:t>
+        <a:bodyPr/>
+        <a:lstStyle/>
+        <a:p>
+          <a:endParaRPr lang="en-US"/>
+        </a:p>
+      </dgm:t>
+    </dgm:pt>
+    <dgm:pt modelId="{FF9B7BB9-2F44-4D6B-A4E2-F9505C7858FE}" type="sibTrans" cxnId="{F65F6C0D-E4C6-474D-B89F-43F7FF4E81F9}">
+      <dgm:prSet/>
+      <dgm:spPr/>
+      <dgm:t>
+        <a:bodyPr/>
+        <a:lstStyle/>
+        <a:p>
+          <a:endParaRPr lang="en-US"/>
+        </a:p>
+      </dgm:t>
+    </dgm:pt>
+    <dgm:pt modelId="{F54C5E3A-7ABC-4095-A81B-B71BF8333050}">
+      <dgm:prSet/>
+      <dgm:spPr/>
+      <dgm:t>
+        <a:bodyPr/>
+        <a:lstStyle/>
+        <a:p>
+          <a:r>
+            <a:rPr lang="en-US"/>
+            <a:t>Graph data structure</a:t>
+          </a:r>
+        </a:p>
+      </dgm:t>
+    </dgm:pt>
+    <dgm:pt modelId="{A29D5137-E9A1-4F62-AD4A-CAD3BCDBCEB4}" type="parTrans" cxnId="{CCDE5451-D546-4F3B-BB42-657292AA492D}">
+      <dgm:prSet/>
+      <dgm:spPr/>
+      <dgm:t>
+        <a:bodyPr/>
+        <a:lstStyle/>
+        <a:p>
+          <a:endParaRPr lang="en-US"/>
+        </a:p>
+      </dgm:t>
+    </dgm:pt>
+    <dgm:pt modelId="{9787068D-B254-41C5-9F2F-26513A097FA0}" type="sibTrans" cxnId="{CCDE5451-D546-4F3B-BB42-657292AA492D}">
+      <dgm:prSet/>
+      <dgm:spPr/>
+      <dgm:t>
+        <a:bodyPr/>
+        <a:lstStyle/>
+        <a:p>
+          <a:endParaRPr lang="en-US"/>
+        </a:p>
+      </dgm:t>
+    </dgm:pt>
+    <dgm:pt modelId="{343328DB-9EA6-4F25-AA5E-C176AAD92E7D}" type="pres">
+      <dgm:prSet presAssocID="{594B6B4C-EEEE-4647-95F0-D59F01B0AF59}" presName="linear" presStyleCnt="0">
+        <dgm:presLayoutVars>
+          <dgm:dir/>
+          <dgm:animLvl val="lvl"/>
+          <dgm:resizeHandles val="exact"/>
+        </dgm:presLayoutVars>
+      </dgm:prSet>
+      <dgm:spPr/>
+    </dgm:pt>
+    <dgm:pt modelId="{1254A2EF-0C07-4712-A1CA-2899E5176BF1}" type="pres">
+      <dgm:prSet presAssocID="{983E5B11-F39B-4FF2-90E8-6D99F8B7194C}" presName="parentLin" presStyleCnt="0"/>
+      <dgm:spPr/>
+    </dgm:pt>
+    <dgm:pt modelId="{6E059D79-61F2-469C-8BE0-724F80ECF7FF}" type="pres">
+      <dgm:prSet presAssocID="{983E5B11-F39B-4FF2-90E8-6D99F8B7194C}" presName="parentLeftMargin" presStyleLbl="node1" presStyleIdx="0" presStyleCnt="1"/>
+      <dgm:spPr/>
+    </dgm:pt>
+    <dgm:pt modelId="{AFC28D6A-2691-4297-9AEF-EC9ECF939E0A}" type="pres">
+      <dgm:prSet presAssocID="{983E5B11-F39B-4FF2-90E8-6D99F8B7194C}" presName="parentText" presStyleLbl="node1" presStyleIdx="0" presStyleCnt="1">
+        <dgm:presLayoutVars>
+          <dgm:chMax val="0"/>
+          <dgm:bulletEnabled val="1"/>
+        </dgm:presLayoutVars>
+      </dgm:prSet>
+      <dgm:spPr/>
+    </dgm:pt>
+    <dgm:pt modelId="{E7E86FFF-E7A3-44D8-A577-EB04C05CF123}" type="pres">
+      <dgm:prSet presAssocID="{983E5B11-F39B-4FF2-90E8-6D99F8B7194C}" presName="negativeSpace" presStyleCnt="0"/>
+      <dgm:spPr/>
+    </dgm:pt>
+    <dgm:pt modelId="{1DA83C85-7091-4A47-890A-2CEF6F5BC856}" type="pres">
+      <dgm:prSet presAssocID="{983E5B11-F39B-4FF2-90E8-6D99F8B7194C}" presName="childText" presStyleLbl="conFgAcc1" presStyleIdx="0" presStyleCnt="1">
+        <dgm:presLayoutVars>
+          <dgm:bulletEnabled val="1"/>
+        </dgm:presLayoutVars>
+      </dgm:prSet>
+      <dgm:spPr/>
+    </dgm:pt>
+  </dgm:ptLst>
+  <dgm:cxnLst>
+    <dgm:cxn modelId="{C8CE4F01-CC09-474E-995F-08057B66B482}" type="presOf" srcId="{ABD6E1D1-DCB5-4418-A3E2-1EB8D256DB68}" destId="{1DA83C85-7091-4A47-890A-2CEF6F5BC856}" srcOrd="0" destOrd="0" presId="urn:microsoft.com/office/officeart/2005/8/layout/list1"/>
+    <dgm:cxn modelId="{81C06407-2708-4590-BAF0-FE1FBEDE626E}" type="presOf" srcId="{D0F81ACC-ED2B-4EF5-B043-E1A5896F6E1E}" destId="{1DA83C85-7091-4A47-890A-2CEF6F5BC856}" srcOrd="0" destOrd="2" presId="urn:microsoft.com/office/officeart/2005/8/layout/list1"/>
+    <dgm:cxn modelId="{F823AD09-555D-447C-9EA8-93CBD16D069E}" type="presOf" srcId="{9761BBB9-4B3E-4F2E-98AC-2763565FFCAD}" destId="{1DA83C85-7091-4A47-890A-2CEF6F5BC856}" srcOrd="0" destOrd="3" presId="urn:microsoft.com/office/officeart/2005/8/layout/list1"/>
+    <dgm:cxn modelId="{F65F6C0D-E4C6-474D-B89F-43F7FF4E81F9}" srcId="{9842E2DD-6022-4DD7-BEA5-757867150D70}" destId="{B59581C6-9CA7-4E63-ABA0-77C263AF9C6E}" srcOrd="0" destOrd="0" parTransId="{DDF459B0-DA86-4D30-99D7-69E328CC490B}" sibTransId="{FF9B7BB9-2F44-4D6B-A4E2-F9505C7858FE}"/>
+    <dgm:cxn modelId="{E7817E23-B27F-4803-93B3-AC2A23F470A1}" type="presOf" srcId="{B03514C7-A6E3-4871-86EF-ABA11074E690}" destId="{1DA83C85-7091-4A47-890A-2CEF6F5BC856}" srcOrd="0" destOrd="4" presId="urn:microsoft.com/office/officeart/2005/8/layout/list1"/>
+    <dgm:cxn modelId="{DE369531-603A-4136-920A-FBCD8C19B0CC}" srcId="{594B6B4C-EEEE-4647-95F0-D59F01B0AF59}" destId="{983E5B11-F39B-4FF2-90E8-6D99F8B7194C}" srcOrd="0" destOrd="0" parTransId="{0F5F29D9-1BCD-422A-880F-4880497D69D8}" sibTransId="{6443719A-AE94-4EE0-8A8D-A987EA36D3D7}"/>
+    <dgm:cxn modelId="{7740A637-AB4F-41DA-B15B-ED8AE02AA43A}" type="presOf" srcId="{983E5B11-F39B-4FF2-90E8-6D99F8B7194C}" destId="{AFC28D6A-2691-4297-9AEF-EC9ECF939E0A}" srcOrd="1" destOrd="0" presId="urn:microsoft.com/office/officeart/2005/8/layout/list1"/>
+    <dgm:cxn modelId="{B5CA7D3E-DB74-40B6-A6A9-2BBCAA6E7A3C}" type="presOf" srcId="{983E5B11-F39B-4FF2-90E8-6D99F8B7194C}" destId="{6E059D79-61F2-469C-8BE0-724F80ECF7FF}" srcOrd="0" destOrd="0" presId="urn:microsoft.com/office/officeart/2005/8/layout/list1"/>
+    <dgm:cxn modelId="{FB88015C-4654-47BA-A911-2D518209D221}" srcId="{ABD6E1D1-DCB5-4418-A3E2-1EB8D256DB68}" destId="{9761BBB9-4B3E-4F2E-98AC-2763565FFCAD}" srcOrd="1" destOrd="0" parTransId="{EB5BFC85-7B25-448F-B4CC-A456BC98E42F}" sibTransId="{311E3113-242D-4D0A-85FB-AE52587C7A94}"/>
+    <dgm:cxn modelId="{82EB9943-393C-459F-9BD7-62EBDF5730A2}" srcId="{CF0F1309-E9D4-4017-978A-26BE9497FB0B}" destId="{D0F81ACC-ED2B-4EF5-B043-E1A5896F6E1E}" srcOrd="0" destOrd="0" parTransId="{129EF907-4AA7-4F92-99E7-5964D818BDCA}" sibTransId="{00FCC9E3-3ADC-4F90-882F-6362EA980A79}"/>
+    <dgm:cxn modelId="{C6000A4C-8E08-4DDD-99CC-6CDAA664F0B2}" type="presOf" srcId="{9842E2DD-6022-4DD7-BEA5-757867150D70}" destId="{1DA83C85-7091-4A47-890A-2CEF6F5BC856}" srcOrd="0" destOrd="7" presId="urn:microsoft.com/office/officeart/2005/8/layout/list1"/>
+    <dgm:cxn modelId="{7A1D744E-24A0-464C-8C27-6C0C2AF7FAA5}" srcId="{ABD6E1D1-DCB5-4418-A3E2-1EB8D256DB68}" destId="{CF0F1309-E9D4-4017-978A-26BE9497FB0B}" srcOrd="0" destOrd="0" parTransId="{59829E74-1DA1-4A49-86C6-FDCE7A37294F}" sibTransId="{B7C95F0C-2322-440C-85B6-9539CFA3437C}"/>
+    <dgm:cxn modelId="{CCDE5451-D546-4F3B-BB42-657292AA492D}" srcId="{9842E2DD-6022-4DD7-BEA5-757867150D70}" destId="{F54C5E3A-7ABC-4095-A81B-B71BF8333050}" srcOrd="1" destOrd="0" parTransId="{A29D5137-E9A1-4F62-AD4A-CAD3BCDBCEB4}" sibTransId="{9787068D-B254-41C5-9F2F-26513A097FA0}"/>
+    <dgm:cxn modelId="{CCB8C77D-18A0-4264-99DE-A41378DF2FB6}" type="presOf" srcId="{F54C5E3A-7ABC-4095-A81B-B71BF8333050}" destId="{1DA83C85-7091-4A47-890A-2CEF6F5BC856}" srcOrd="0" destOrd="9" presId="urn:microsoft.com/office/officeart/2005/8/layout/list1"/>
+    <dgm:cxn modelId="{37BAB582-2CE2-4FE9-80F1-EE9792F90731}" type="presOf" srcId="{B59581C6-9CA7-4E63-ABA0-77C263AF9C6E}" destId="{1DA83C85-7091-4A47-890A-2CEF6F5BC856}" srcOrd="0" destOrd="8" presId="urn:microsoft.com/office/officeart/2005/8/layout/list1"/>
+    <dgm:cxn modelId="{66355B94-0837-4F0B-BB4B-B1DEB300A9F5}" srcId="{9761BBB9-4B3E-4F2E-98AC-2763565FFCAD}" destId="{B03514C7-A6E3-4871-86EF-ABA11074E690}" srcOrd="0" destOrd="0" parTransId="{A443417D-5D70-4E64-A72C-3BD136EFE845}" sibTransId="{28FCF245-3A09-4C29-A38E-43B9DB5239AF}"/>
+    <dgm:cxn modelId="{79D29997-AAC8-45DB-8966-0FF778227CC4}" srcId="{983E5B11-F39B-4FF2-90E8-6D99F8B7194C}" destId="{9842E2DD-6022-4DD7-BEA5-757867150D70}" srcOrd="1" destOrd="0" parTransId="{17236140-4DC4-4B51-9FBB-B0AC9633A0F1}" sibTransId="{C6616F6B-4F42-472B-BBC9-EE301E55F913}"/>
+    <dgm:cxn modelId="{5B34C7B4-BABB-4F41-BC7F-5A4BE8E396A4}" srcId="{9761BBB9-4B3E-4F2E-98AC-2763565FFCAD}" destId="{FE329703-0FE4-4FAA-94C3-4BCF1868C848}" srcOrd="1" destOrd="0" parTransId="{96D8EB7F-240D-4A0A-B406-BC6FC405FBB4}" sibTransId="{47E59D5F-FE10-4944-A25E-C518886B764D}"/>
+    <dgm:cxn modelId="{9EA6F9BC-42D4-43C4-8664-75FC1AE1A477}" srcId="{9761BBB9-4B3E-4F2E-98AC-2763565FFCAD}" destId="{A4445E3F-EE7A-42CD-A09E-6E8CE167FEBE}" srcOrd="2" destOrd="0" parTransId="{1FCCFFBF-6D36-4CA1-B90A-F4463B68DDD8}" sibTransId="{AB3049D5-DA76-48B0-B800-646E151B6631}"/>
+    <dgm:cxn modelId="{4ADCD4BF-13EE-4865-8D37-45F0A67CA766}" type="presOf" srcId="{CF0F1309-E9D4-4017-978A-26BE9497FB0B}" destId="{1DA83C85-7091-4A47-890A-2CEF6F5BC856}" srcOrd="0" destOrd="1" presId="urn:microsoft.com/office/officeart/2005/8/layout/list1"/>
+    <dgm:cxn modelId="{65CDD3D9-47D0-43DA-AF2A-8130686E6531}" type="presOf" srcId="{A4445E3F-EE7A-42CD-A09E-6E8CE167FEBE}" destId="{1DA83C85-7091-4A47-890A-2CEF6F5BC856}" srcOrd="0" destOrd="6" presId="urn:microsoft.com/office/officeart/2005/8/layout/list1"/>
+    <dgm:cxn modelId="{1965E4E1-553F-4C45-8841-C970F479C241}" srcId="{983E5B11-F39B-4FF2-90E8-6D99F8B7194C}" destId="{ABD6E1D1-DCB5-4418-A3E2-1EB8D256DB68}" srcOrd="0" destOrd="0" parTransId="{D582F350-92C2-4029-8B18-F51D7883864F}" sibTransId="{0801D4DA-A9B8-4B37-8413-45C4253BE8C9}"/>
+    <dgm:cxn modelId="{6C2B3FF1-5B82-4426-A739-2F0995BD5ED2}" type="presOf" srcId="{594B6B4C-EEEE-4647-95F0-D59F01B0AF59}" destId="{343328DB-9EA6-4F25-AA5E-C176AAD92E7D}" srcOrd="0" destOrd="0" presId="urn:microsoft.com/office/officeart/2005/8/layout/list1"/>
+    <dgm:cxn modelId="{0AB02FF2-EB15-4B46-A3A1-B0D62C62F1AB}" type="presOf" srcId="{FE329703-0FE4-4FAA-94C3-4BCF1868C848}" destId="{1DA83C85-7091-4A47-890A-2CEF6F5BC856}" srcOrd="0" destOrd="5" presId="urn:microsoft.com/office/officeart/2005/8/layout/list1"/>
+    <dgm:cxn modelId="{271F1C67-2137-4A77-B6A1-A7E56276FFC9}" type="presParOf" srcId="{343328DB-9EA6-4F25-AA5E-C176AAD92E7D}" destId="{1254A2EF-0C07-4712-A1CA-2899E5176BF1}" srcOrd="0" destOrd="0" presId="urn:microsoft.com/office/officeart/2005/8/layout/list1"/>
+    <dgm:cxn modelId="{E7884AE7-7736-4689-8DC7-7A38ABF36572}" type="presParOf" srcId="{1254A2EF-0C07-4712-A1CA-2899E5176BF1}" destId="{6E059D79-61F2-469C-8BE0-724F80ECF7FF}" srcOrd="0" destOrd="0" presId="urn:microsoft.com/office/officeart/2005/8/layout/list1"/>
+    <dgm:cxn modelId="{779CC129-D047-49B0-AF0E-4A0A2C7834FE}" type="presParOf" srcId="{1254A2EF-0C07-4712-A1CA-2899E5176BF1}" destId="{AFC28D6A-2691-4297-9AEF-EC9ECF939E0A}" srcOrd="1" destOrd="0" presId="urn:microsoft.com/office/officeart/2005/8/layout/list1"/>
+    <dgm:cxn modelId="{E714DE92-883C-46FA-9349-9CC7463C62D0}" type="presParOf" srcId="{343328DB-9EA6-4F25-AA5E-C176AAD92E7D}" destId="{E7E86FFF-E7A3-44D8-A577-EB04C05CF123}" srcOrd="1" destOrd="0" presId="urn:microsoft.com/office/officeart/2005/8/layout/list1"/>
+    <dgm:cxn modelId="{038836F9-5A03-45CF-82A8-D928B8EE04D4}" type="presParOf" srcId="{343328DB-9EA6-4F25-AA5E-C176AAD92E7D}" destId="{1DA83C85-7091-4A47-890A-2CEF6F5BC856}" srcOrd="2" destOrd="0" presId="urn:microsoft.com/office/officeart/2005/8/layout/list1"/>
+  </dgm:cxnLst>
+  <dgm:bg/>
+  <dgm:whole/>
+  <dgm:extLst>
+    <a:ext uri="http://schemas.microsoft.com/office/drawing/2008/diagram">
+      <dsp:dataModelExt xmlns:dsp="http://schemas.microsoft.com/office/drawing/2008/diagram" relId="rId6" minVer="http://schemas.openxmlformats.org/drawingml/2006/diagram"/>
+    </a:ext>
+  </dgm:extLst>
+</dgm:dataModel>
+</file>
+
+<file path=ppt/diagrams/drawing1.xml><?xml version="1.0" encoding="utf-8"?>
+<dsp:drawing xmlns:dgm="http://schemas.openxmlformats.org/drawingml/2006/diagram" xmlns:dsp="http://schemas.microsoft.com/office/drawing/2008/diagram" xmlns:a="http://schemas.openxmlformats.org/drawingml/2006/main">
+  <dsp:spTree>
+    <dsp:nvGrpSpPr>
+      <dsp:cNvPr id="0" name=""/>
+      <dsp:cNvGrpSpPr/>
+    </dsp:nvGrpSpPr>
+    <dsp:grpSpPr/>
+    <dsp:sp modelId="{1DA83C85-7091-4A47-890A-2CEF6F5BC856}">
+      <dsp:nvSpPr>
+        <dsp:cNvPr id="0" name=""/>
+        <dsp:cNvSpPr/>
+      </dsp:nvSpPr>
+      <dsp:spPr>
+        <a:xfrm>
+          <a:off x="0" y="461839"/>
+          <a:ext cx="6666833" cy="4914000"/>
+        </a:xfrm>
+        <a:prstGeom prst="rect">
+          <a:avLst/>
+        </a:prstGeom>
+        <a:solidFill>
+          <a:schemeClr val="lt1">
+            <a:alpha val="90000"/>
+            <a:hueOff val="0"/>
+            <a:satOff val="0"/>
+            <a:lumOff val="0"/>
+            <a:alphaOff val="0"/>
+          </a:schemeClr>
+        </a:solidFill>
+        <a:ln w="6350" cap="flat" cmpd="sng" algn="ctr">
+          <a:solidFill>
+            <a:schemeClr val="accent2">
+              <a:hueOff val="0"/>
+              <a:satOff val="0"/>
+              <a:lumOff val="0"/>
+              <a:alphaOff val="0"/>
+            </a:schemeClr>
+          </a:solidFill>
+          <a:prstDash val="solid"/>
+          <a:miter lim="800000"/>
+        </a:ln>
+        <a:effectLst/>
+      </dsp:spPr>
+      <dsp:style>
+        <a:lnRef idx="1">
+          <a:scrgbClr r="0" g="0" b="0"/>
+        </a:lnRef>
+        <a:fillRef idx="1">
+          <a:scrgbClr r="0" g="0" b="0"/>
+        </a:fillRef>
+        <a:effectRef idx="0">
+          <a:scrgbClr r="0" g="0" b="0"/>
+        </a:effectRef>
+        <a:fontRef idx="minor"/>
+      </dsp:style>
+      <dsp:txBody>
+        <a:bodyPr spcFirstLastPara="0" vert="horz" wrap="square" lIns="517420" tIns="541528" rIns="517420" bIns="184912" numCol="1" spcCol="1270" anchor="t" anchorCtr="0">
+          <a:noAutofit/>
+        </a:bodyPr>
+        <a:lstStyle/>
+        <a:p>
+          <a:pPr marL="228600" lvl="1" indent="-228600" algn="l" defTabSz="1155700">
+            <a:lnSpc>
+              <a:spcPct val="90000"/>
+            </a:lnSpc>
+            <a:spcBef>
+              <a:spcPct val="0"/>
+            </a:spcBef>
+            <a:spcAft>
+              <a:spcPct val="15000"/>
+            </a:spcAft>
+            <a:buChar char="•"/>
+          </a:pPr>
+          <a:r>
+            <a:rPr lang="en-US" sz="2600" kern="1200"/>
+            <a:t>Linear Data Structure</a:t>
+          </a:r>
+        </a:p>
+        <a:p>
+          <a:pPr marL="457200" lvl="2" indent="-228600" algn="l" defTabSz="1155700">
+            <a:lnSpc>
+              <a:spcPct val="90000"/>
+            </a:lnSpc>
+            <a:spcBef>
+              <a:spcPct val="0"/>
+            </a:spcBef>
+            <a:spcAft>
+              <a:spcPct val="15000"/>
+            </a:spcAft>
+            <a:buChar char="•"/>
+          </a:pPr>
+          <a:r>
+            <a:rPr lang="en-US" sz="2600" kern="1200"/>
+            <a:t>Static data structure</a:t>
+          </a:r>
+        </a:p>
+        <a:p>
+          <a:pPr marL="685800" lvl="3" indent="-228600" algn="l" defTabSz="1155700">
+            <a:lnSpc>
+              <a:spcPct val="90000"/>
+            </a:lnSpc>
+            <a:spcBef>
+              <a:spcPct val="0"/>
+            </a:spcBef>
+            <a:spcAft>
+              <a:spcPct val="15000"/>
+            </a:spcAft>
+            <a:buChar char="•"/>
+          </a:pPr>
+          <a:r>
+            <a:rPr lang="en-US" sz="2600" kern="1200"/>
+            <a:t>Array</a:t>
+          </a:r>
+        </a:p>
+        <a:p>
+          <a:pPr marL="457200" lvl="2" indent="-228600" algn="l" defTabSz="1155700">
+            <a:lnSpc>
+              <a:spcPct val="90000"/>
+            </a:lnSpc>
+            <a:spcBef>
+              <a:spcPct val="0"/>
+            </a:spcBef>
+            <a:spcAft>
+              <a:spcPct val="15000"/>
+            </a:spcAft>
+            <a:buChar char="•"/>
+          </a:pPr>
+          <a:r>
+            <a:rPr lang="en-US" sz="2600" kern="1200"/>
+            <a:t>Dynamic data structure</a:t>
+          </a:r>
+        </a:p>
+        <a:p>
+          <a:pPr marL="685800" lvl="3" indent="-228600" algn="l" defTabSz="1155700">
+            <a:lnSpc>
+              <a:spcPct val="90000"/>
+            </a:lnSpc>
+            <a:spcBef>
+              <a:spcPct val="0"/>
+            </a:spcBef>
+            <a:spcAft>
+              <a:spcPct val="15000"/>
+            </a:spcAft>
+            <a:buChar char="•"/>
+          </a:pPr>
+          <a:r>
+            <a:rPr lang="en-US" sz="2600" kern="1200"/>
+            <a:t>Queue</a:t>
+          </a:r>
+        </a:p>
+        <a:p>
+          <a:pPr marL="685800" lvl="3" indent="-228600" algn="l" defTabSz="1155700">
+            <a:lnSpc>
+              <a:spcPct val="90000"/>
+            </a:lnSpc>
+            <a:spcBef>
+              <a:spcPct val="0"/>
+            </a:spcBef>
+            <a:spcAft>
+              <a:spcPct val="15000"/>
+            </a:spcAft>
+            <a:buChar char="•"/>
+          </a:pPr>
+          <a:r>
+            <a:rPr lang="en-US" sz="2600" kern="1200"/>
+            <a:t>Stack</a:t>
+          </a:r>
+        </a:p>
+        <a:p>
+          <a:pPr marL="685800" lvl="3" indent="-228600" algn="l" defTabSz="1155700">
+            <a:lnSpc>
+              <a:spcPct val="90000"/>
+            </a:lnSpc>
+            <a:spcBef>
+              <a:spcPct val="0"/>
+            </a:spcBef>
+            <a:spcAft>
+              <a:spcPct val="15000"/>
+            </a:spcAft>
+            <a:buChar char="•"/>
+          </a:pPr>
+          <a:r>
+            <a:rPr lang="en-US" sz="2600" kern="1200"/>
+            <a:t>Linked list</a:t>
+          </a:r>
+        </a:p>
+        <a:p>
+          <a:pPr marL="228600" lvl="1" indent="-228600" algn="l" defTabSz="1155700">
+            <a:lnSpc>
+              <a:spcPct val="90000"/>
+            </a:lnSpc>
+            <a:spcBef>
+              <a:spcPct val="0"/>
+            </a:spcBef>
+            <a:spcAft>
+              <a:spcPct val="15000"/>
+            </a:spcAft>
+            <a:buChar char="•"/>
+          </a:pPr>
+          <a:r>
+            <a:rPr lang="en-US" sz="2600" kern="1200"/>
+            <a:t>Non-linear Data Structure</a:t>
+          </a:r>
+        </a:p>
+        <a:p>
+          <a:pPr marL="457200" lvl="2" indent="-228600" algn="l" defTabSz="1155700">
+            <a:lnSpc>
+              <a:spcPct val="90000"/>
+            </a:lnSpc>
+            <a:spcBef>
+              <a:spcPct val="0"/>
+            </a:spcBef>
+            <a:spcAft>
+              <a:spcPct val="15000"/>
+            </a:spcAft>
+            <a:buChar char="•"/>
+          </a:pPr>
+          <a:r>
+            <a:rPr lang="en-US" sz="2600" kern="1200"/>
+            <a:t>Tree data structure</a:t>
+          </a:r>
+        </a:p>
+        <a:p>
+          <a:pPr marL="457200" lvl="2" indent="-228600" algn="l" defTabSz="1155700">
+            <a:lnSpc>
+              <a:spcPct val="90000"/>
+            </a:lnSpc>
+            <a:spcBef>
+              <a:spcPct val="0"/>
+            </a:spcBef>
+            <a:spcAft>
+              <a:spcPct val="15000"/>
+            </a:spcAft>
+            <a:buChar char="•"/>
+          </a:pPr>
+          <a:r>
+            <a:rPr lang="en-US" sz="2600" kern="1200"/>
+            <a:t>Graph data structure</a:t>
+          </a:r>
+        </a:p>
+      </dsp:txBody>
+      <dsp:txXfrm>
+        <a:off x="0" y="461839"/>
+        <a:ext cx="6666833" cy="4914000"/>
+      </dsp:txXfrm>
+    </dsp:sp>
+    <dsp:sp modelId="{AFC28D6A-2691-4297-9AEF-EC9ECF939E0A}">
+      <dsp:nvSpPr>
+        <dsp:cNvPr id="0" name=""/>
+        <dsp:cNvSpPr/>
+      </dsp:nvSpPr>
+      <dsp:spPr>
+        <a:xfrm>
+          <a:off x="333341" y="78079"/>
+          <a:ext cx="4666783" cy="767520"/>
+        </a:xfrm>
+        <a:prstGeom prst="roundRect">
+          <a:avLst/>
+        </a:prstGeom>
+        <a:gradFill rotWithShape="0">
+          <a:gsLst>
+            <a:gs pos="0">
+              <a:schemeClr val="accent2">
+                <a:hueOff val="0"/>
+                <a:satOff val="0"/>
+                <a:lumOff val="0"/>
+                <a:alphaOff val="0"/>
+                <a:satMod val="103000"/>
+                <a:lumMod val="102000"/>
+                <a:tint val="94000"/>
+              </a:schemeClr>
+            </a:gs>
+            <a:gs pos="50000">
+              <a:schemeClr val="accent2">
+                <a:hueOff val="0"/>
+                <a:satOff val="0"/>
+                <a:lumOff val="0"/>
+                <a:alphaOff val="0"/>
+                <a:satMod val="110000"/>
+                <a:lumMod val="100000"/>
+                <a:shade val="100000"/>
+              </a:schemeClr>
+            </a:gs>
+            <a:gs pos="100000">
+              <a:schemeClr val="accent2">
+                <a:hueOff val="0"/>
+                <a:satOff val="0"/>
+                <a:lumOff val="0"/>
+                <a:alphaOff val="0"/>
+                <a:lumMod val="99000"/>
+                <a:satMod val="120000"/>
+                <a:shade val="78000"/>
+              </a:schemeClr>
+            </a:gs>
+          </a:gsLst>
+          <a:lin ang="5400000" scaled="0"/>
+        </a:gradFill>
+        <a:ln>
+          <a:noFill/>
+        </a:ln>
+        <a:effectLst/>
+      </dsp:spPr>
+      <dsp:style>
+        <a:lnRef idx="0">
+          <a:scrgbClr r="0" g="0" b="0"/>
+        </a:lnRef>
+        <a:fillRef idx="3">
+          <a:scrgbClr r="0" g="0" b="0"/>
+        </a:fillRef>
+        <a:effectRef idx="2">
+          <a:scrgbClr r="0" g="0" b="0"/>
+        </a:effectRef>
+        <a:fontRef idx="minor">
+          <a:schemeClr val="lt1"/>
+        </a:fontRef>
+      </dsp:style>
+      <dsp:txBody>
+        <a:bodyPr spcFirstLastPara="0" vert="horz" wrap="square" lIns="176393" tIns="0" rIns="176393" bIns="0" numCol="1" spcCol="1270" anchor="ctr" anchorCtr="0">
+          <a:noAutofit/>
+        </a:bodyPr>
+        <a:lstStyle/>
+        <a:p>
+          <a:pPr marL="0" lvl="0" indent="0" algn="l" defTabSz="1155700">
+            <a:lnSpc>
+              <a:spcPct val="90000"/>
+            </a:lnSpc>
+            <a:spcBef>
+              <a:spcPct val="0"/>
+            </a:spcBef>
+            <a:spcAft>
+              <a:spcPct val="35000"/>
+            </a:spcAft>
+            <a:buNone/>
+          </a:pPr>
+          <a:r>
+            <a:rPr lang="en-US" sz="2600" kern="1200"/>
+            <a:t>Data structure two types:</a:t>
+          </a:r>
+        </a:p>
+      </dsp:txBody>
+      <dsp:txXfrm>
+        <a:off x="370808" y="115546"/>
+        <a:ext cx="4591849" cy="692586"/>
+      </dsp:txXfrm>
+    </dsp:sp>
+  </dsp:spTree>
+</dsp:drawing>
+</file>
+
+<file path=ppt/diagrams/layout1.xml><?xml version="1.0" encoding="utf-8"?>
+<dgm:layoutDef xmlns:dgm="http://schemas.openxmlformats.org/drawingml/2006/diagram" xmlns:a="http://schemas.openxmlformats.org/drawingml/2006/main" uniqueId="urn:microsoft.com/office/officeart/2005/8/layout/list1">
+  <dgm:title val=""/>
+  <dgm:desc val=""/>
+  <dgm:catLst>
+    <dgm:cat type="list" pri="4000"/>
+  </dgm:catLst>
+  <dgm:sampData>
+    <dgm:dataModel>
+      <dgm:ptLst>
+        <dgm:pt modelId="0" type="doc"/>
+        <dgm:pt modelId="1">
+          <dgm:prSet phldr="1"/>
+        </dgm:pt>
+        <dgm:pt modelId="2">
+          <dgm:prSet phldr="1"/>
+        </dgm:pt>
+        <dgm:pt modelId="3">
+          <dgm:prSet phldr="1"/>
+        </dgm:pt>
+      </dgm:ptLst>
+      <dgm:cxnLst>
+        <dgm:cxn modelId="4" srcId="0" destId="1" srcOrd="0" destOrd="0"/>
+        <dgm:cxn modelId="5" srcId="0" destId="2" srcOrd="1" destOrd="0"/>
+        <dgm:cxn modelId="6" srcId="0" destId="3" srcOrd="2" destOrd="0"/>
+      </dgm:cxnLst>
+      <dgm:bg/>
+      <dgm:whole/>
+    </dgm:dataModel>
+  </dgm:sampData>
+  <dgm:styleData>
+    <dgm:dataModel>
+      <dgm:ptLst>
+        <dgm:pt modelId="0" type="doc"/>
+        <dgm:pt modelId="1"/>
+        <dgm:pt modelId="2"/>
+      </dgm:ptLst>
+      <dgm:cxnLst>
+        <dgm:cxn modelId="4" srcId="0" destId="1" srcOrd="0" destOrd="0"/>
+        <dgm:cxn modelId="5" srcId="0" destId="2" srcOrd="1" destOrd="0"/>
+      </dgm:cxnLst>
+      <dgm:bg/>
+      <dgm:whole/>
+    </dgm:dataModel>
+  </dgm:styleData>
+  <dgm:clrData>
+    <dgm:dataModel>
+      <dgm:ptLst>
+        <dgm:pt modelId="0" type="doc"/>
+        <dgm:pt modelId="1"/>
+        <dgm:pt modelId="2"/>
+        <dgm:pt modelId="3"/>
+        <dgm:pt modelId="4"/>
+      </dgm:ptLst>
+      <dgm:cxnLst>
+        <dgm:cxn modelId="5" srcId="0" destId="1" srcOrd="0" destOrd="0"/>
+        <dgm:cxn modelId="6" srcId="0" destId="2" srcOrd="1" destOrd="0"/>
+        <dgm:cxn modelId="7" srcId="0" destId="3" srcOrd="2" destOrd="0"/>
+        <dgm:cxn modelId="8" srcId="0" destId="4" srcOrd="3" destOrd="0"/>
+      </dgm:cxnLst>
+      <dgm:bg/>
+      <dgm:whole/>
+    </dgm:dataModel>
+  </dgm:clrData>
+  <dgm:layoutNode name="linear">
+    <dgm:varLst>
+      <dgm:dir/>
+      <dgm:animLvl val="lvl"/>
+      <dgm:resizeHandles val="exact"/>
+    </dgm:varLst>
+    <dgm:choose name="Name0">
+      <dgm:if name="Name1" func="var" arg="dir" op="equ" val="norm">
+        <dgm:alg type="lin">
+          <dgm:param type="linDir" val="fromT"/>
+          <dgm:param type="vertAlign" val="mid"/>
+          <dgm:param type="horzAlign" val="l"/>
+          <dgm:param type="nodeHorzAlign" val="l"/>
+        </dgm:alg>
+      </dgm:if>
+      <dgm:else name="Name2">
+        <dgm:alg type="lin">
+          <dgm:param type="linDir" val="fromT"/>
+          <dgm:param type="vertAlign" val="mid"/>
+          <dgm:param type="horzAlign" val="r"/>
+          <dgm:param type="nodeHorzAlign" val="r"/>
+        </dgm:alg>
+      </dgm:else>
+    </dgm:choose>
+    <dgm:shape xmlns:r="http://schemas.openxmlformats.org/officeDocument/2006/relationships" r:blip="">
+      <dgm:adjLst/>
+    </dgm:shape>
+    <dgm:presOf/>
+    <dgm:constrLst>
+      <dgm:constr type="w" for="ch" forName="parentLin" refType="w"/>
+      <dgm:constr type="h" for="ch" forName="parentLin" val="INF"/>
+      <dgm:constr type="w" for="des" forName="parentLeftMargin" refType="w" fact="0.05"/>
+      <dgm:constr type="w" for="des" forName="parentText" refType="w" fact="0.7"/>
+      <dgm:constr type="h" for="des" forName="parentText" refType="primFontSz" refFor="des" refForName="parentText" fact="0.82"/>
+      <dgm:constr type="h" for="ch" forName="negativeSpace" refType="primFontSz" refFor="des" refForName="parentText" fact="-0.41"/>
+      <dgm:constr type="h" for="ch" forName="negativeSpace" refType="h" refFor="des" refForName="parentText" op="lte" fact="-0.82"/>
+      <dgm:constr type="h" for="ch" forName="negativeSpace" refType="h" refFor="des" refForName="parentText" op="gte" fact="-0.82"/>
+      <dgm:constr type="w" for="ch" forName="childText" refType="w"/>
+      <dgm:constr type="h" for="ch" forName="childText" refType="primFontSz" refFor="des" refForName="parentText" fact="0.7"/>
+      <dgm:constr type="primFontSz" for="des" forName="parentText" val="65"/>
+      <dgm:constr type="primFontSz" for="ch" forName="childText" refType="primFontSz" refFor="des" refForName="parentText"/>
+      <dgm:constr type="tMarg" for="ch" forName="childText" refType="primFontSz" refFor="des" refForName="parentText" fact="1.64"/>
+      <dgm:constr type="tMarg" for="ch" forName="childText" refType="h" refFor="des" refForName="parentText" op="lte" fact="3.28"/>
+      <dgm:constr type="tMarg" for="ch" forName="childText" refType="h" refFor="des" refForName="parentText" op="gte" fact="3.28"/>
+      <dgm:constr type="lMarg" for="ch" forName="childText" refType="w" fact="0.22"/>
+      <dgm:constr type="rMarg" for="ch" forName="childText" refType="lMarg" refFor="ch" refForName="childText"/>
+      <dgm:constr type="lMarg" for="des" forName="parentText" refType="w" fact="0.075"/>
+      <dgm:constr type="rMarg" for="des" forName="parentText" refType="lMarg" refFor="des" refForName="parentText"/>
+      <dgm:constr type="h" for="ch" forName="spaceBetweenRectangles" refType="primFontSz" refFor="des" refForName="parentText" fact="0.15"/>
+    </dgm:constrLst>
+    <dgm:ruleLst>
+      <dgm:rule type="primFontSz" for="des" forName="parentText" val="5" fact="NaN" max="NaN"/>
+    </dgm:ruleLst>
+    <dgm:forEach name="Name3" axis="ch" ptType="node">
+      <dgm:layoutNode name="parentLin">
+        <dgm:choose name="Name4">
+          <dgm:if name="Name5" func="var" arg="dir" op="equ" val="norm">
+            <dgm:alg type="lin">
+              <dgm:param type="linDir" val="fromL"/>
+              <dgm:param type="horzAlign" val="l"/>
+              <dgm:param type="nodeHorzAlign" val="l"/>
+            </dgm:alg>
+          </dgm:if>
+          <dgm:else name="Name6">
+            <dgm:alg type="lin">
+              <dgm:param type="linDir" val="fromR"/>
+              <dgm:param type="horzAlign" val="r"/>
+              <dgm:param type="nodeHorzAlign" val="r"/>
+            </dgm:alg>
+          </dgm:else>
+        </dgm:choose>
+        <dgm:shape xmlns:r="http://schemas.openxmlformats.org/officeDocument/2006/relationships" r:blip="">
+          <dgm:adjLst/>
+        </dgm:shape>
+        <dgm:presOf/>
+        <dgm:constrLst/>
+        <dgm:ruleLst/>
+        <dgm:layoutNode name="parentLeftMargin">
+          <dgm:alg type="sp"/>
+          <dgm:shape xmlns:r="http://schemas.openxmlformats.org/officeDocument/2006/relationships" type="rect" r:blip="" hideGeom="1">
+            <dgm:adjLst/>
+          </dgm:shape>
+          <dgm:presOf axis="self"/>
+          <dgm:constrLst>
+            <dgm:constr type="h"/>
+          </dgm:constrLst>
+          <dgm:ruleLst/>
+        </dgm:layoutNode>
+        <dgm:layoutNode name="parentText" styleLbl="node1">
+          <dgm:varLst>
+            <dgm:chMax val="0"/>
+            <dgm:bulletEnabled val="1"/>
+          </dgm:varLst>
+          <dgm:choose name="Name7">
+            <dgm:if name="Name8" func="var" arg="dir" op="equ" val="norm">
+              <dgm:alg type="tx">
+                <dgm:param type="parTxLTRAlign" val="l"/>
+                <dgm:param type="parTxRTLAlign" val="l"/>
+              </dgm:alg>
+            </dgm:if>
+            <dgm:else name="Name9">
+              <dgm:alg type="tx">
+                <dgm:param type="parTxLTRAlign" val="r"/>
+                <dgm:param type="parTxRTLAlign" val="r"/>
+              </dgm:alg>
+            </dgm:else>
+          </dgm:choose>
+          <dgm:shape xmlns:r="http://schemas.openxmlformats.org/officeDocument/2006/relationships" type="roundRect" r:blip="">
+            <dgm:adjLst/>
+          </dgm:shape>
+          <dgm:presOf axis="self" ptType="node"/>
+          <dgm:constrLst>
+            <dgm:constr type="tMarg"/>
+            <dgm:constr type="bMarg"/>
+          </dgm:constrLst>
+          <dgm:ruleLst/>
+        </dgm:layoutNode>
+      </dgm:layoutNode>
+      <dgm:layoutNode name="negativeSpace">
+        <dgm:alg type="sp"/>
+        <dgm:shape xmlns:r="http://schemas.openxmlformats.org/officeDocument/2006/relationships" r:blip="">
+          <dgm:adjLst/>
+        </dgm:shape>
+        <dgm:presOf/>
+        <dgm:constrLst/>
+        <dgm:ruleLst/>
+      </dgm:layoutNode>
+      <dgm:layoutNode name="childText" styleLbl="conFgAcc1">
+        <dgm:varLst>
+          <dgm:bulletEnabled val="1"/>
+        </dgm:varLst>
+        <dgm:alg type="tx">
+          <dgm:param type="stBulletLvl" val="1"/>
+        </dgm:alg>
+        <dgm:shape xmlns:r="http://schemas.openxmlformats.org/officeDocument/2006/relationships" type="rect" r:blip="" zOrderOff="-2">
+          <dgm:adjLst/>
+        </dgm:shape>
+        <dgm:presOf axis="des" ptType="node"/>
+        <dgm:constrLst>
+          <dgm:constr type="secFontSz" refType="primFontSz"/>
+        </dgm:constrLst>
+        <dgm:ruleLst>
+          <dgm:rule type="h" val="INF" fact="NaN" max="NaN"/>
+        </dgm:ruleLst>
+      </dgm:layoutNode>
+      <dgm:forEach name="Name10" axis="followSib" ptType="sibTrans" cnt="1">
+        <dgm:layoutNode name="spaceBetweenRectangles">
+          <dgm:alg type="sp"/>
+          <dgm:shape xmlns:r="http://schemas.openxmlformats.org/officeDocument/2006/relationships" r:blip="">
+            <dgm:adjLst/>
+          </dgm:shape>
+          <dgm:presOf/>
+          <dgm:constrLst/>
+          <dgm:ruleLst/>
+        </dgm:layoutNode>
+      </dgm:forEach>
+    </dgm:forEach>
+  </dgm:layoutNode>
+</dgm:layoutDef>
+</file>
+
+<file path=ppt/diagrams/quickStyle1.xml><?xml version="1.0" encoding="utf-8"?>
+<dgm:styleDef xmlns:dgm="http://schemas.openxmlformats.org/drawingml/2006/diagram" xmlns:a="http://schemas.openxmlformats.org/drawingml/2006/main" uniqueId="urn:microsoft.com/office/officeart/2005/8/quickstyle/simple4">
+  <dgm:title val=""/>
+  <dgm:desc val=""/>
+  <dgm:catLst>
+    <dgm:cat type="simple" pri="10400"/>
+  </dgm:catLst>
+  <dgm:scene3d>
+    <a:camera prst="orthographicFront"/>
+    <a:lightRig rig="threePt" dir="t"/>
+  </dgm:scene3d>
+  <dgm:styleLbl name="node0">
+    <dgm:scene3d>
+      <a:camera prst="orthographicFront"/>
+      <a:lightRig rig="threePt" dir="t"/>
+    </dgm:scene3d>
+    <dgm:sp3d/>
+    <dgm:txPr/>
+    <dgm:style>
+      <a:lnRef idx="0">
+        <a:scrgbClr r="0" g="0" b="0"/>
+      </a:lnRef>
+      <a:fillRef idx="3">
+        <a:scrgbClr r="0" g="0" b="0"/>
+      </a:fillRef>
+      <a:effectRef idx="2">
+        <a:scrgbClr r="0" g="0" b="0"/>
+      </a:effectRef>
+      <a:fontRef idx="minor">
+        <a:schemeClr val="lt1"/>
+      </a:fontRef>
+    </dgm:style>
+  </dgm:styleLbl>
+  <dgm:styleLbl name="lnNode1">
+    <dgm:scene3d>
+      <a:camera prst="orthographicFront"/>
+      <a:lightRig rig="threePt" dir="t"/>
+    </dgm:scene3d>
+    <dgm:sp3d/>
+    <dgm:txPr/>
+    <dgm:style>
+      <a:lnRef idx="1">
+        <a:scrgbClr r="0" g="0" b="0"/>
+      </a:lnRef>
+      <a:fillRef idx="3">
+        <a:scrgbClr r="0" g="0" b="0"/>
+      </a:fillRef>
+      <a:effectRef idx="2">
+        <a:scrgbClr r="0" g="0" b="0"/>
+      </a:effectRef>
+      <a:fontRef idx="minor">
+        <a:schemeClr val="lt1"/>
+      </a:fontRef>
+    </dgm:style>
+  </dgm:styleLbl>
+  <dgm:styleLbl name="vennNode1">
+    <dgm:scene3d>
+      <a:camera prst="orthographicFront"/>
+      <a:lightRig rig="threePt" dir="t"/>
+    </dgm:scene3d>
+    <dgm:sp3d/>
+    <dgm:txPr/>
+    <dgm:style>
+      <a:lnRef idx="0">
+        <a:scrgbClr r="0" g="0" b="0"/>
+      </a:lnRef>
+      <a:fillRef idx="3">
+        <a:scrgbClr r="0" g="0" b="0"/>
+      </a:fillRef>
+      <a:effectRef idx="0">
+        <a:scrgbClr r="0" g="0" b="0"/>
+      </a:effectRef>
+      <a:fontRef idx="minor">
+        <a:schemeClr val="tx1"/>
+      </a:fontRef>
+    </dgm:style>
+  </dgm:styleLbl>
+  <dgm:styleLbl name="alignNode1">
+    <dgm:scene3d>
+      <a:camera prst="orthographicFront"/>
+      <a:lightRig rig="threePt" dir="t"/>
+    </dgm:scene3d>
+    <dgm:sp3d/>
+    <dgm:txPr/>
+    <dgm:style>
+      <a:lnRef idx="1">
+        <a:scrgbClr r="0" g="0" b="0"/>
+      </a:lnRef>
+      <a:fillRef idx="3">
+        <a:scrgbClr r="0" g="0" b="0"/>
+      </a:fillRef>
+      <a:effectRef idx="2">
+        <a:scrgbClr r="0" g="0" b="0"/>
+      </a:effectRef>
+      <a:fontRef idx="minor">
+        <a:schemeClr val="lt1"/>
+      </a:fontRef>
+    </dgm:style>
+  </dgm:styleLbl>
+  <dgm:styleLbl name="node1">
+    <dgm:scene3d>
+      <a:camera prst="orthographicFront"/>
+      <a:lightRig rig="threePt" dir="t"/>
+    </dgm:scene3d>
+    <dgm:sp3d/>
+    <dgm:txPr/>
+    <dgm:style>
+      <a:lnRef idx="0">
+        <a:scrgbClr r="0" g="0" b="0"/>
+      </a:lnRef>
+      <a:fillRef idx="3">
+        <a:scrgbClr r="0" g="0" b="0"/>
+      </a:fillRef>
+      <a:effectRef idx="2">
+        <a:scrgbClr r="0" g="0" b="0"/>
+      </a:effectRef>
+      <a:fontRef idx="minor">
+        <a:schemeClr val="lt1"/>
+      </a:fontRef>
+    </dgm:style>
+  </dgm:styleLbl>
+  <dgm:styleLbl name="node2">
+    <dgm:scene3d>
+      <a:camera prst="orthographicFront"/>
+      <a:lightRig rig="threePt" dir="t"/>
+    </dgm:scene3d>
+    <dgm:sp3d/>
+    <dgm:txPr/>
+    <dgm:style>
+      <a:lnRef idx="0">
+        <a:scrgbClr r="0" g="0" b="0"/>
+      </a:lnRef>
+      <a:fillRef idx="3">
+        <a:scrgbClr r="0" g="0" b="0"/>
+      </a:fillRef>
+      <a:effectRef idx="2">
+        <a:scrgbClr r="0" g="0" b="0"/>
+      </a:effectRef>
+      <a:fontRef idx="minor">
+        <a:schemeClr val="lt1"/>
+      </a:fontRef>
+    </dgm:style>
+  </dgm:styleLbl>
+  <dgm:styleLbl name="node3">
+    <dgm:scene3d>
+      <a:camera prst="orthographicFront"/>
+      <a:lightRig rig="threePt" dir="t"/>
+    </dgm:scene3d>
+    <dgm:sp3d/>
+    <dgm:txPr/>
+    <dgm:style>
+      <a:lnRef idx="0">
+        <a:scrgbClr r="0" g="0" b="0"/>
+      </a:lnRef>
+      <a:fillRef idx="3">
+        <a:scrgbClr r="0" g="0" b="0"/>
+      </a:fillRef>
+      <a:effectRef idx="2">
+        <a:scrgbClr r="0" g="0" b="0"/>
+      </a:effectRef>
+      <a:fontRef idx="minor">
+        <a:schemeClr val="lt1"/>
+      </a:fontRef>
+    </dgm:style>
+  </dgm:styleLbl>
+  <dgm:styleLbl name="node4">
+    <dgm:scene3d>
+      <a:camera prst="orthographicFront"/>
+      <a:lightRig rig="threePt" dir="t"/>
+    </dgm:scene3d>
+    <dgm:sp3d/>
+    <dgm:txPr/>
+    <dgm:style>
+      <a:lnRef idx="0">
+        <a:scrgbClr r="0" g="0" b="0"/>
+      </a:lnRef>
+      <a:fillRef idx="3">
+        <a:scrgbClr r="0" g="0" b="0"/>
+      </a:fillRef>
+      <a:effectRef idx="2">
+        <a:scrgbClr r="0" g="0" b="0"/>
+      </a:effectRef>
+      <a:fontRef idx="minor">
+        <a:schemeClr val="lt1"/>
+      </a:fontRef>
+    </dgm:style>
+  </dgm:styleLbl>
+  <dgm:styleLbl name="fgImgPlace1">
+    <dgm:scene3d>
+      <a:camera prst="orthographicFront"/>
+      <a:lightRig rig="threePt" dir="t"/>
+    </dgm:scene3d>
+    <dgm:sp3d/>
+    <dgm:txPr/>
+    <dgm:style>
+      <a:lnRef idx="0">
+        <a:scrgbClr r="0" g="0" b="0"/>
+      </a:lnRef>
+      <a:fillRef idx="1">
+        <a:scrgbClr r="0" g="0" b="0"/>
+      </a:fillRef>
+      <a:effectRef idx="2">
+        <a:scrgbClr r="0" g="0" b="0"/>
+      </a:effectRef>
+      <a:fontRef idx="minor"/>
+    </dgm:style>
+  </dgm:styleLbl>
+  <dgm:styleLbl name="alignImgPlace1">
+    <dgm:scene3d>
+      <a:camera prst="orthographicFront"/>
+      <a:lightRig rig="threePt" dir="t"/>
+    </dgm:scene3d>
+    <dgm:sp3d/>
+    <dgm:txPr/>
+    <dgm:style>
+      <a:lnRef idx="0">
+        <a:scrgbClr r="0" g="0" b="0"/>
+      </a:lnRef>
+      <a:fillRef idx="1">
+        <a:scrgbClr r="0" g="0" b="0"/>
+      </a:fillRef>
+      <a:effectRef idx="2">
+        <a:scrgbClr r="0" g="0" b="0"/>
+      </a:effectRef>
+      <a:fontRef idx="minor"/>
+    </dgm:style>
+  </dgm:styleLbl>
+  <dgm:styleLbl name="bgImgPlace1">
+    <dgm:scene3d>
+      <a:camera prst="orthographicFront"/>
+      <a:lightRig rig="threePt" dir="t"/>
+    </dgm:scene3d>
+    <dgm:sp3d/>
+    <dgm:txPr/>
+    <dgm:style>
+      <a:lnRef idx="0">
+        <a:scrgbClr r="0" g="0" b="0"/>
+      </a:lnRef>
+      <a:fillRef idx="1">
+        <a:scrgbClr r="0" g="0" b="0"/>
+      </a:fillRef>
+      <a:effectRef idx="2">
+        <a:scrgbClr r="0" g="0" b="0"/>
+      </a:effectRef>
+      <a:fontRef idx="minor"/>
+    </dgm:style>
+  </dgm:styleLbl>
+  <dgm:styleLbl name="sibTrans2D1">
+    <dgm:scene3d>
+      <a:camera prst="orthographicFront"/>
+      <a:lightRig rig="threePt" dir="t"/>
+    </dgm:scene3d>
+    <dgm:sp3d/>
+    <dgm:txPr/>
+    <dgm:style>
+      <a:lnRef idx="0">
+        <a:scrgbClr r="0" g="0" b="0"/>
+      </a:lnRef>
+      <a:fillRef idx="3">
+        <a:scrgbClr r="0" g="0" b="0"/>
+      </a:fillRef>
+      <a:effectRef idx="2">
+        <a:scrgbClr r="0" g="0" b="0"/>
+      </a:effectRef>
+      <a:fontRef idx="minor">
+        <a:schemeClr val="lt1"/>
+      </a:fontRef>
+    </dgm:style>
+  </dgm:styleLbl>
+  <dgm:styleLbl name="fgSibTrans2D1">
+    <dgm:scene3d>
+      <a:camera prst="orthographicFront"/>
+      <a:lightRig rig="threePt" dir="t"/>
+    </dgm:scene3d>
+    <dgm:sp3d/>
+    <dgm:txPr/>
+    <dgm:style>
+      <a:lnRef idx="0">
+        <a:scrgbClr r="0" g="0" b="0"/>
+      </a:lnRef>
+      <a:fillRef idx="3">
+        <a:scrgbClr r="0" g="0" b="0"/>
+      </a:fillRef>
+      <a:effectRef idx="2">
+        <a:scrgbClr r="0" g="0" b="0"/>
+      </a:effectRef>
+      <a:fontRef idx="minor">
+        <a:schemeClr val="lt1"/>
+      </a:fontRef>
+    </dgm:style>
+  </dgm:styleLbl>
+  <dgm:styleLbl name="bgSibTrans2D1">
+    <dgm:scene3d>
+      <a:camera prst="orthographicFront"/>
+      <a:lightRig rig="threePt" dir="t"/>
+    </dgm:scene3d>
+    <dgm:sp3d/>
+    <dgm:txPr/>
+    <dgm:style>
+      <a:lnRef idx="0">
+        <a:scrgbClr r="0" g="0" b="0"/>
+      </a:lnRef>
+      <a:fillRef idx="3">
+        <a:scrgbClr r="0" g="0" b="0"/>
+      </a:fillRef>
+      <a:effectRef idx="2">
+        <a:scrgbClr r="0" g="0" b="0"/>
+      </a:effectRef>
+      <a:fontRef idx="minor">
+        <a:schemeClr val="lt1"/>
+      </a:fontRef>
+    </dgm:style>
+  </dgm:styleLbl>
+  <dgm:styleLbl name="sibTrans1D1">
+    <dgm:scene3d>
+      <a:camera prst="orthographicFront"/>
+      <a:lightRig rig="threePt" dir="t"/>
+    </dgm:scene3d>
+    <dgm:sp3d/>
+    <dgm:txPr/>
+    <dgm:style>
+      <a:lnRef idx="1">
+        <a:scrgbClr r="0" g="0" b="0"/>
+      </a:lnRef>
+      <a:fillRef idx="0">
+        <a:scrgbClr r="0" g="0" b="0"/>
+      </a:fillRef>
+      <a:effectRef idx="0">
+        <a:scrgbClr r="0" g="0" b="0"/>
+      </a:effectRef>
+      <a:fontRef idx="minor"/>
+    </dgm:style>
+  </dgm:styleLbl>
+  <dgm:styleLbl name="callout">
+    <dgm:scene3d>
+      <a:camera prst="orthographicFront"/>
+      <a:lightRig rig="threePt" dir="t"/>
+    </dgm:scene3d>
+    <dgm:sp3d/>
+    <dgm:txPr/>
+    <dgm:style>
+      <a:lnRef idx="2">
+        <a:scrgbClr r="0" g="0" b="0"/>
+      </a:lnRef>
+      <a:fillRef idx="1">
+        <a:scrgbClr r="0" g="0" b="0"/>
+      </a:fillRef>
+      <a:effectRef idx="1">
+        <a:scrgbClr r="0" g="0" b="0"/>
+      </a:effectRef>
+      <a:fontRef idx="minor"/>
+    </dgm:style>
+  </dgm:styleLbl>
+  <dgm:styleLbl name="asst0">
+    <dgm:scene3d>
+      <a:camera prst="orthographicFront"/>
+      <a:lightRig rig="threePt" dir="t"/>
+    </dgm:scene3d>
+    <dgm:sp3d/>
+    <dgm:txPr/>
+    <dgm:style>
+      <a:lnRef idx="0">
+        <a:scrgbClr r="0" g="0" b="0"/>
+      </a:lnRef>
+      <a:fillRef idx="3">
+        <a:scrgbClr r="0" g="0" b="0"/>
+      </a:fillRef>
+      <a:effectRef idx="2">
+        <a:scrgbClr r="0" g="0" b="0"/>
+      </a:effectRef>
+      <a:fontRef idx="minor">
+        <a:schemeClr val="lt1"/>
+      </a:fontRef>
+    </dgm:style>
+  </dgm:styleLbl>
+  <dgm:styleLbl name="asst1">
+    <dgm:scene3d>
+      <a:camera prst="orthographicFront"/>
+      <a:lightRig rig="threePt" dir="t"/>
+    </dgm:scene3d>
+    <dgm:sp3d/>
+    <dgm:txPr/>
+    <dgm:style>
+      <a:lnRef idx="0">
+        <a:scrgbClr r="0" g="0" b="0"/>
+      </a:lnRef>
+      <a:fillRef idx="3">
+        <a:scrgbClr r="0" g="0" b="0"/>
+      </a:fillRef>
+      <a:effectRef idx="2">
+        <a:scrgbClr r="0" g="0" b="0"/>
+      </a:effectRef>
+      <a:fontRef idx="minor">
+        <a:schemeClr val="lt1"/>
+      </a:fontRef>
+    </dgm:style>
+  </dgm:styleLbl>
+  <dgm:styleLbl name="asst2">
+    <dgm:scene3d>
+      <a:camera prst="orthographicFront"/>
+      <a:lightRig rig="threePt" dir="t"/>
+    </dgm:scene3d>
+    <dgm:sp3d/>
+    <dgm:txPr/>
+    <dgm:style>
+      <a:lnRef idx="0">
+        <a:scrgbClr r="0" g="0" b="0"/>
+      </a:lnRef>
+      <a:fillRef idx="3">
+        <a:scrgbClr r="0" g="0" b="0"/>
+      </a:fillRef>
+      <a:effectRef idx="2">
+        <a:scrgbClr r="0" g="0" b="0"/>
+      </a:effectRef>
+      <a:fontRef idx="minor">
+        <a:schemeClr val="lt1"/>
+      </a:fontRef>
+    </dgm:style>
+  </dgm:styleLbl>
+  <dgm:styleLbl name="asst3">
+    <dgm:scene3d>
+      <a:camera prst="orthographicFront"/>
+      <a:lightRig rig="threePt" dir="t"/>
+    </dgm:scene3d>
+    <dgm:sp3d/>
+    <dgm:txPr/>
+    <dgm:style>
+      <a:lnRef idx="0">
+        <a:scrgbClr r="0" g="0" b="0"/>
+      </a:lnRef>
+      <a:fillRef idx="3">
+        <a:scrgbClr r="0" g="0" b="0"/>
+      </a:fillRef>
+      <a:effectRef idx="2">
+        <a:scrgbClr r="0" g="0" b="0"/>
+      </a:effectRef>
+      <a:fontRef idx="minor">
+        <a:schemeClr val="lt1"/>
+      </a:fontRef>
+    </dgm:style>
+  </dgm:styleLbl>
+  <dgm:styleLbl name="asst4">
+    <dgm:scene3d>
+      <a:camera prst="orthographicFront"/>
+      <a:lightRig rig="threePt" dir="t"/>
+    </dgm:scene3d>
+    <dgm:sp3d/>
+    <dgm:txPr/>
+    <dgm:style>
+      <a:lnRef idx="0">
+        <a:scrgbClr r="0" g="0" b="0"/>
+      </a:lnRef>
+      <a:fillRef idx="3">
+        <a:scrgbClr r="0" g="0" b="0"/>
+      </a:fillRef>
+      <a:effectRef idx="2">
+        <a:scrgbClr r="0" g="0" b="0"/>
+      </a:effectRef>
+      <a:fontRef idx="minor">
+        <a:schemeClr val="lt1"/>
+      </a:fontRef>
+    </dgm:style>
+  </dgm:styleLbl>
+  <dgm:styleLbl name="parChTrans2D1">
+    <dgm:scene3d>
+      <a:camera prst="orthographicFront"/>
+      <a:lightRig rig="threePt" dir="t"/>
+    </dgm:scene3d>
+    <dgm:sp3d/>
+    <dgm:txPr/>
+    <dgm:style>
+      <a:lnRef idx="0">
+        <a:scrgbClr r="0" g="0" b="0"/>
+      </a:lnRef>
+      <a:fillRef idx="3">
+        <a:scrgbClr r="0" g="0" b="0"/>
+      </a:fillRef>
+      <a:effectRef idx="2">
+        <a:scrgbClr r="0" g="0" b="0"/>
+      </a:effectRef>
+      <a:fontRef idx="minor">
+        <a:schemeClr val="lt1"/>
+      </a:fontRef>
+    </dgm:style>
+  </dgm:styleLbl>
+  <dgm:styleLbl name="parChTrans2D2">
+    <dgm:scene3d>
+      <a:camera prst="orthographicFront"/>
+      <a:lightRig rig="threePt" dir="t"/>
+    </dgm:scene3d>
+    <dgm:sp3d/>
+    <dgm:txPr/>
+    <dgm:style>
+      <a:lnRef idx="0">
+        <a:scrgbClr r="0" g="0" b="0"/>
+      </a:lnRef>
+      <a:fillRef idx="3">
+        <a:scrgbClr r="0" g="0" b="0"/>
+      </a:fillRef>
+      <a:effectRef idx="2">
+        <a:scrgbClr r="0" g="0" b="0"/>
+      </a:effectRef>
+      <a:fontRef idx="minor">
+        <a:schemeClr val="lt1"/>
+      </a:fontRef>
+    </dgm:style>
+  </dgm:styleLbl>
+  <dgm:styleLbl name="parChTrans2D3">
+    <dgm:scene3d>
+      <a:camera prst="orthographicFront"/>
+      <a:lightRig rig="threePt" dir="t"/>
+    </dgm:scene3d>
+    <dgm:sp3d/>
+    <dgm:txPr/>
+    <dgm:style>
+      <a:lnRef idx="1">
+        <a:scrgbClr r="0" g="0" b="0"/>
+      </a:lnRef>
+      <a:fillRef idx="3">
+        <a:scrgbClr r="0" g="0" b="0"/>
+      </a:fillRef>
+      <a:effectRef idx="2">
+        <a:scrgbClr r="0" g="0" b="0"/>
+      </a:effectRef>
+      <a:fontRef idx="minor">
+        <a:schemeClr val="lt1"/>
+      </a:fontRef>
+    </dgm:style>
+  </dgm:styleLbl>
+  <dgm:styleLbl name="parChTrans2D4">
+    <dgm:scene3d>
+      <a:camera prst="orthographicFront"/>
+      <a:lightRig rig="threePt" dir="t"/>
+    </dgm:scene3d>
+    <dgm:sp3d/>
+    <dgm:txPr/>
+    <dgm:style>
+      <a:lnRef idx="1">
+        <a:scrgbClr r="0" g="0" b="0"/>
+      </a:lnRef>
+      <a:fillRef idx="3">
+        <a:scrgbClr r="0" g="0" b="0"/>
+      </a:fillRef>
+      <a:effectRef idx="2">
+        <a:scrgbClr r="0" g="0" b="0"/>
+      </a:effectRef>
+      <a:fontRef idx="minor">
+        <a:schemeClr val="lt1"/>
+      </a:fontRef>
+    </dgm:style>
+  </dgm:styleLbl>
+  <dgm:styleLbl name="parChTrans1D1">
+    <dgm:scene3d>
+      <a:camera prst="orthographicFront"/>
+      <a:lightRig rig="threePt" dir="t"/>
+    </dgm:scene3d>
+    <dgm:sp3d/>
+    <dgm:txPr/>
+    <dgm:style>
+      <a:lnRef idx="1">
+        <a:scrgbClr r="0" g="0" b="0"/>
+      </a:lnRef>
+      <a:fillRef idx="0">
+        <a:scrgbClr r="0" g="0" b="0"/>
+      </a:fillRef>
+      <a:effectRef idx="0">
+        <a:scrgbClr r="0" g="0" b="0"/>
+      </a:effectRef>
+      <a:fontRef idx="minor"/>
+    </dgm:style>
+  </dgm:styleLbl>
+  <dgm:styleLbl name="parChTrans1D2">
+    <dgm:scene3d>
+      <a:camera prst="orthographicFront"/>
+      <a:lightRig rig="threePt" dir="t"/>
+    </dgm:scene3d>
+    <dgm:sp3d/>
+    <dgm:txPr/>
+    <dgm:style>
+      <a:lnRef idx="1">
+        <a:scrgbClr r="0" g="0" b="0"/>
+      </a:lnRef>
+      <a:fillRef idx="0">
+        <a:scrgbClr r="0" g="0" b="0"/>
+      </a:fillRef>
+      <a:effectRef idx="0">
+        <a:scrgbClr r="0" g="0" b="0"/>
+      </a:effectRef>
+      <a:fontRef idx="minor"/>
+    </dgm:style>
+  </dgm:styleLbl>
+  <dgm:styleLbl name="parChTrans1D3">
+    <dgm:scene3d>
+      <a:camera prst="orthographicFront"/>
+      <a:lightRig rig="threePt" dir="t"/>
+    </dgm:scene3d>
+    <dgm:sp3d/>
+    <dgm:txPr/>
+    <dgm:style>
+      <a:lnRef idx="1">
+        <a:scrgbClr r="0" g="0" b="0"/>
+      </a:lnRef>
+      <a:fillRef idx="0">
+        <a:scrgbClr r="0" g="0" b="0"/>
+      </a:fillRef>
+      <a:effectRef idx="0">
+        <a:scrgbClr r="0" g="0" b="0"/>
+      </a:effectRef>
+      <a:fontRef idx="minor"/>
+    </dgm:style>
+  </dgm:styleLbl>
+  <dgm:styleLbl name="parChTrans1D4">
+    <dgm:scene3d>
+      <a:camera prst="orthographicFront"/>
+      <a:lightRig rig="threePt" dir="t"/>
+    </dgm:scene3d>
+    <dgm:sp3d/>
+    <dgm:txPr/>
+    <dgm:style>
+      <a:lnRef idx="1">
+        <a:scrgbClr r="0" g="0" b="0"/>
+      </a:lnRef>
+      <a:fillRef idx="0">
+        <a:scrgbClr r="0" g="0" b="0"/>
+      </a:fillRef>
+      <a:effectRef idx="0">
+        <a:scrgbClr r="0" g="0" b="0"/>
+      </a:effectRef>
+      <a:fontRef idx="minor"/>
+    </dgm:style>
+  </dgm:styleLbl>
+  <dgm:styleLbl name="fgAcc1">
+    <dgm:scene3d>
+      <a:camera prst="orthographicFront"/>
+      <a:lightRig rig="threePt" dir="t"/>
+    </dgm:scene3d>
+    <dgm:sp3d/>
+    <dgm:txPr/>
+    <dgm:style>
+      <a:lnRef idx="1">
+        <a:scrgbClr r="0" g="0" b="0"/>
+      </a:lnRef>
+      <a:fillRef idx="1">
+        <a:scrgbClr r="0" g="0" b="0"/>
+      </a:fillRef>
+      <a:effectRef idx="0">
+        <a:scrgbClr r="0" g="0" b="0"/>
+      </a:effectRef>
+      <a:fontRef idx="minor"/>
+    </dgm:style>
+  </dgm:styleLbl>
+  <dgm:styleLbl name="conFgAcc1">
+    <dgm:scene3d>
+      <a:camera prst="orthographicFront"/>
+      <a:lightRig rig="threePt" dir="t"/>
+    </dgm:scene3d>
+    <dgm:sp3d/>
+    <dgm:txPr/>
+    <dgm:style>
+      <a:lnRef idx="1">
+        <a:scrgbClr r="0" g="0" b="0"/>
+      </a:lnRef>
+      <a:fillRef idx="1">
+        <a:scrgbClr r="0" g="0" b="0"/>
+      </a:fillRef>
+      <a:effectRef idx="0">
+        <a:scrgbClr r="0" g="0" b="0"/>
+      </a:effectRef>
+      <a:fontRef idx="minor"/>
+    </dgm:style>
+  </dgm:styleLbl>
+  <dgm:styleLbl name="alignAcc1">
+    <dgm:scene3d>
+      <a:camera prst="orthographicFront"/>
+      <a:lightRig rig="threePt" dir="t"/>
+    </dgm:scene3d>
+    <dgm:sp3d/>
+    <dgm:txPr/>
+    <dgm:style>
+      <a:lnRef idx="1">
+        <a:scrgbClr r="0" g="0" b="0"/>
+      </a:lnRef>
+      <a:fillRef idx="1">
+        <a:scrgbClr r="0" g="0" b="0"/>
+      </a:fillRef>
+      <a:effectRef idx="0">
+        <a:scrgbClr r="0" g="0" b="0"/>
+      </a:effectRef>
+      <a:fontRef idx="minor"/>
+    </dgm:style>
+  </dgm:styleLbl>
+  <dgm:styleLbl name="trAlignAcc1">
+    <dgm:scene3d>
+      <a:camera prst="orthographicFront"/>
+      <a:lightRig rig="threePt" dir="t"/>
+    </dgm:scene3d>
+    <dgm:sp3d/>
+    <dgm:txPr/>
+    <dgm:style>
+      <a:lnRef idx="1">
+        <a:scrgbClr r="0" g="0" b="0"/>
+      </a:lnRef>
+      <a:fillRef idx="1">
+        <a:scrgbClr r="0" g="0" b="0"/>
+      </a:fillRef>
+      <a:effectRef idx="0">
+        <a:scrgbClr r="0" g="0" b="0"/>
+      </a:effectRef>
+      <a:fontRef idx="minor"/>
+    </dgm:style>
+  </dgm:styleLbl>
+  <dgm:styleLbl name="bgAcc1">
+    <dgm:scene3d>
+      <a:camera prst="orthographicFront"/>
+      <a:lightRig rig="threePt" dir="t"/>
+    </dgm:scene3d>
+    <dgm:sp3d/>
+    <dgm:txPr/>
+    <dgm:style>
+      <a:lnRef idx="1">
+        <a:scrgbClr r="0" g="0" b="0"/>
+      </a:lnRef>
+      <a:fillRef idx="1">
+        <a:scrgbClr r="0" g="0" b="0"/>
+      </a:fillRef>
+      <a:effectRef idx="0">
+        <a:scrgbClr r="0" g="0" b="0"/>
+      </a:effectRef>
+      <a:fontRef idx="minor"/>
+    </dgm:style>
+  </dgm:styleLbl>
+  <dgm:styleLbl name="solidFgAcc1">
+    <dgm:scene3d>
+      <a:camera prst="orthographicFront"/>
+      <a:lightRig rig="threePt" dir="t"/>
+    </dgm:scene3d>
+    <dgm:sp3d/>
+    <dgm:txPr/>
+    <dgm:style>
+      <a:lnRef idx="1">
+        <a:scrgbClr r="0" g="0" b="0"/>
+      </a:lnRef>
+      <a:fillRef idx="1">
+        <a:scrgbClr r="0" g="0" b="0"/>
+      </a:fillRef>
+      <a:effectRef idx="0">
+        <a:scrgbClr r="0" g="0" b="0"/>
+      </a:effectRef>
+      <a:fontRef idx="minor"/>
+    </dgm:style>
+  </dgm:styleLbl>
+  <dgm:styleLbl name="solidAlignAcc1">
+    <dgm:scene3d>
+      <a:camera prst="orthographicFront"/>
+      <a:lightRig rig="threePt" dir="t"/>
+    </dgm:scene3d>
+    <dgm:sp3d/>
+    <dgm:txPr/>
+    <dgm:style>
+      <a:lnRef idx="1">
+        <a:scrgbClr r="0" g="0" b="0"/>
+      </a:lnRef>
+      <a:fillRef idx="1">
+        <a:scrgbClr r="0" g="0" b="0"/>
+      </a:fillRef>
+      <a:effectRef idx="0">
+        <a:scrgbClr r="0" g="0" b="0"/>
+      </a:effectRef>
+      <a:fontRef idx="minor"/>
+    </dgm:style>
+  </dgm:styleLbl>
+  <dgm:styleLbl name="solidBgAcc1">
+    <dgm:scene3d>
+      <a:camera prst="orthographicFront"/>
+      <a:lightRig rig="threePt" dir="t"/>
+    </dgm:scene3d>
+    <dgm:sp3d/>
+    <dgm:txPr/>
+    <dgm:style>
+      <a:lnRef idx="1">
+        <a:scrgbClr r="0" g="0" b="0"/>
+      </a:lnRef>
+      <a:fillRef idx="1">
+        <a:scrgbClr r="0" g="0" b="0"/>
+      </a:fillRef>
+      <a:effectRef idx="0">
+        <a:scrgbClr r="0" g="0" b="0"/>
+      </a:effectRef>
+      <a:fontRef idx="minor"/>
+    </dgm:style>
+  </dgm:styleLbl>
+  <dgm:styleLbl name="fgAccFollowNode1">
+    <dgm:scene3d>
+      <a:camera prst="orthographicFront"/>
+      <a:lightRig rig="threePt" dir="t"/>
+    </dgm:scene3d>
+    <dgm:sp3d/>
+    <dgm:txPr/>
+    <dgm:style>
+      <a:lnRef idx="1">
+        <a:scrgbClr r="0" g="0" b="0"/>
+      </a:lnRef>
+      <a:fillRef idx="1">
+        <a:scrgbClr r="0" g="0" b="0"/>
+      </a:fillRef>
+      <a:effectRef idx="0">
+        <a:scrgbClr r="0" g="0" b="0"/>
+      </a:effectRef>
+      <a:fontRef idx="minor"/>
+    </dgm:style>
+  </dgm:styleLbl>
+  <dgm:styleLbl name="alignAccFollowNode1">
+    <dgm:scene3d>
+      <a:camera prst="orthographicFront"/>
+      <a:lightRig rig="threePt" dir="t"/>
+    </dgm:scene3d>
+    <dgm:sp3d/>
+    <dgm:txPr/>
+    <dgm:style>
+      <a:lnRef idx="1">
+        <a:scrgbClr r="0" g="0" b="0"/>
+      </a:lnRef>
+      <a:fillRef idx="1">
+        <a:scrgbClr r="0" g="0" b="0"/>
+      </a:fillRef>
+      <a:effectRef idx="0">
+        <a:scrgbClr r="0" g="0" b="0"/>
+      </a:effectRef>
+      <a:fontRef idx="minor"/>
+    </dgm:style>
+  </dgm:styleLbl>
+  <dgm:styleLbl name="bgAccFollowNode1">
+    <dgm:scene3d>
+      <a:camera prst="orthographicFront"/>
+      <a:lightRig rig="threePt" dir="t"/>
+    </dgm:scene3d>
+    <dgm:sp3d/>
+    <dgm:txPr/>
+    <dgm:style>
+      <a:lnRef idx="1">
+        <a:scrgbClr r="0" g="0" b="0"/>
+      </a:lnRef>
+      <a:fillRef idx="1">
+        <a:scrgbClr r="0" g="0" b="0"/>
+      </a:fillRef>
+      <a:effectRef idx="0">
+        <a:scrgbClr r="0" g="0" b="0"/>
+      </a:effectRef>
+      <a:fontRef idx="minor"/>
+    </dgm:style>
+  </dgm:styleLbl>
+  <dgm:styleLbl name="fgAcc0">
+    <dgm:scene3d>
+      <a:camera prst="orthographicFront"/>
+      <a:lightRig rig="threePt" dir="t"/>
+    </dgm:scene3d>
+    <dgm:sp3d/>
+    <dgm:txPr/>
+    <dgm:style>
+      <a:lnRef idx="1">
+        <a:scrgbClr r="0" g="0" b="0"/>
+      </a:lnRef>
+      <a:fillRef idx="1">
+        <a:scrgbClr r="0" g="0" b="0"/>
+      </a:fillRef>
+      <a:effectRef idx="0">
+        <a:scrgbClr r="0" g="0" b="0"/>
+      </a:effectRef>
+      <a:fontRef idx="minor"/>
+    </dgm:style>
+  </dgm:styleLbl>
+  <dgm:styleLbl name="fgAcc2">
+    <dgm:scene3d>
+      <a:camera prst="orthographicFront"/>
+      <a:lightRig rig="threePt" dir="t"/>
+    </dgm:scene3d>
+    <dgm:sp3d/>
+    <dgm:txPr/>
+    <dgm:style>
+      <a:lnRef idx="1">
+        <a:scrgbClr r="0" g="0" b="0"/>
+      </a:lnRef>
+      <a:fillRef idx="1">
+        <a:scrgbClr r="0" g="0" b="0"/>
+      </a:fillRef>
+      <a:effectRef idx="0">
+        <a:scrgbClr r="0" g="0" b="0"/>
+      </a:effectRef>
+      <a:fontRef idx="minor"/>
+    </dgm:style>
+  </dgm:styleLbl>
+  <dgm:styleLbl name="fgAcc3">
+    <dgm:scene3d>
+      <a:camera prst="orthographicFront"/>
+      <a:lightRig rig="threePt" dir="t"/>
+    </dgm:scene3d>
+    <dgm:sp3d/>
+    <dgm:txPr/>
+    <dgm:style>
+      <a:lnRef idx="1">
+        <a:scrgbClr r="0" g="0" b="0"/>
+      </a:lnRef>
+      <a:fillRef idx="1">
+        <a:scrgbClr r="0" g="0" b="0"/>
+      </a:fillRef>
+      <a:effectRef idx="0">
+        <a:scrgbClr r="0" g="0" b="0"/>
+      </a:effectRef>
+      <a:fontRef idx="minor"/>
+    </dgm:style>
+  </dgm:styleLbl>
+  <dgm:styleLbl name="fgAcc4">
+    <dgm:scene3d>
+      <a:camera prst="orthographicFront"/>
+      <a:lightRig rig="threePt" dir="t"/>
+    </dgm:scene3d>
+    <dgm:sp3d/>
+    <dgm:txPr/>
+    <dgm:style>
+      <a:lnRef idx="1">
+        <a:scrgbClr r="0" g="0" b="0"/>
+      </a:lnRef>
+      <a:fillRef idx="1">
+        <a:scrgbClr r="0" g="0" b="0"/>
+      </a:fillRef>
+      <a:effectRef idx="0">
+        <a:scrgbClr r="0" g="0" b="0"/>
+      </a:effectRef>
+      <a:fontRef idx="minor"/>
+    </dgm:style>
+  </dgm:styleLbl>
+  <dgm:styleLbl name="bgShp">
+    <dgm:scene3d>
+      <a:camera prst="orthographicFront"/>
+      <a:lightRig rig="threePt" dir="t"/>
+    </dgm:scene3d>
+    <dgm:sp3d/>
+    <dgm:txPr/>
+    <dgm:style>
+      <a:lnRef idx="0">
+        <a:scrgbClr r="0" g="0" b="0"/>
+      </a:lnRef>
+      <a:fillRef idx="1">
+        <a:scrgbClr r="0" g="0" b="0"/>
+      </a:fillRef>
+      <a:effectRef idx="2">
+        <a:scrgbClr r="0" g="0" b="0"/>
+      </a:effectRef>
+      <a:fontRef idx="minor"/>
+    </dgm:style>
+  </dgm:styleLbl>
+  <dgm:styleLbl name="dkBgShp">
+    <dgm:scene3d>
+      <a:camera prst="orthographicFront"/>
+      <a:lightRig rig="threePt" dir="t"/>
+    </dgm:scene3d>
+    <dgm:sp3d/>
+    <dgm:txPr/>
+    <dgm:style>
+      <a:lnRef idx="0">
+        <a:scrgbClr r="0" g="0" b="0"/>
+      </a:lnRef>
+      <a:fillRef idx="1">
+        <a:scrgbClr r="0" g="0" b="0"/>
+      </a:fillRef>
+      <a:effectRef idx="2">
+        <a:scrgbClr r="0" g="0" b="0"/>
+      </a:effectRef>
+      <a:fontRef idx="minor"/>
+    </dgm:style>
+  </dgm:styleLbl>
+  <dgm:styleLbl name="trBgShp">
+    <dgm:scene3d>
+      <a:camera prst="orthographicFront"/>
+      <a:lightRig rig="threePt" dir="t"/>
+    </dgm:scene3d>
+    <dgm:sp3d/>
+    <dgm:txPr/>
+    <dgm:style>
+      <a:lnRef idx="0">
+        <a:scrgbClr r="0" g="0" b="0"/>
+      </a:lnRef>
+      <a:fillRef idx="1">
+        <a:scrgbClr r="0" g="0" b="0"/>
+      </a:fillRef>
+      <a:effectRef idx="0">
+        <a:scrgbClr r="0" g="0" b="0"/>
+      </a:effectRef>
+      <a:fontRef idx="minor"/>
+    </dgm:style>
+  </dgm:styleLbl>
+  <dgm:styleLbl name="fgShp">
+    <dgm:scene3d>
+      <a:camera prst="orthographicFront"/>
+      <a:lightRig rig="threePt" dir="t"/>
+    </dgm:scene3d>
+    <dgm:sp3d/>
+    <dgm:txPr/>
+    <dgm:style>
+      <a:lnRef idx="0">
+        <a:scrgbClr r="0" g="0" b="0"/>
+      </a:lnRef>
+      <a:fillRef idx="3">
+        <a:scrgbClr r="0" g="0" b="0"/>
+      </a:fillRef>
+      <a:effectRef idx="2">
+        <a:scrgbClr r="0" g="0" b="0"/>
+      </a:effectRef>
+      <a:fontRef idx="minor"/>
+    </dgm:style>
+  </dgm:styleLbl>
+  <dgm:styleLbl name="revTx">
+    <dgm:scene3d>
+      <a:camera prst="orthographicFront"/>
+      <a:lightRig rig="threePt" dir="t"/>
+    </dgm:scene3d>
+    <dgm:sp3d/>
+    <dgm:txPr/>
+    <dgm:style>
+      <a:lnRef idx="0">
+        <a:scrgbClr r="0" g="0" b="0"/>
+      </a:lnRef>
+      <a:fillRef idx="0">
+        <a:scrgbClr r="0" g="0" b="0"/>
+      </a:fillRef>
+      <a:effectRef idx="0">
+        <a:scrgbClr r="0" g="0" b="0"/>
+      </a:effectRef>
+      <a:fontRef idx="minor"/>
+    </dgm:style>
+  </dgm:styleLbl>
+</dgm:styleDef>
+</file>
+
 <file path=ppt/slideLayouts/slideLayout1.xml><?xml version="1.0" encoding="utf-8"?>
 <p:sldLayout xmlns:a="http://schemas.openxmlformats.org/drawingml/2006/main" xmlns:r="http://schemas.openxmlformats.org/officeDocument/2006/relationships" xmlns:p="http://schemas.openxmlformats.org/presentationml/2006/main" type="title" preserve="1">
   <p:cSld name="Title Slide">
@@ -269,7 +3151,7 @@
           <a:p>
             <a:fld id="{1140D365-4777-40C3-A677-A04F761BF0D4}" type="datetimeFigureOut">
               <a:rPr lang="en-US" smtClean="0"/>
-              <a:t>9/6/2024</a:t>
+              <a:t>7/17/2025</a:t>
             </a:fld>
             <a:endParaRPr lang="en-US"/>
           </a:p>
@@ -467,7 +3349,7 @@
           <a:p>
             <a:fld id="{1140D365-4777-40C3-A677-A04F761BF0D4}" type="datetimeFigureOut">
               <a:rPr lang="en-US" smtClean="0"/>
-              <a:t>9/6/2024</a:t>
+              <a:t>7/17/2025</a:t>
             </a:fld>
             <a:endParaRPr lang="en-US"/>
           </a:p>
@@ -675,7 +3557,7 @@
           <a:p>
             <a:fld id="{1140D365-4777-40C3-A677-A04F761BF0D4}" type="datetimeFigureOut">
               <a:rPr lang="en-US" smtClean="0"/>
-              <a:t>9/6/2024</a:t>
+              <a:t>7/17/2025</a:t>
             </a:fld>
             <a:endParaRPr lang="en-US"/>
           </a:p>
@@ -873,7 +3755,7 @@
           <a:p>
             <a:fld id="{1140D365-4777-40C3-A677-A04F761BF0D4}" type="datetimeFigureOut">
               <a:rPr lang="en-US" smtClean="0"/>
-              <a:t>9/6/2024</a:t>
+              <a:t>7/17/2025</a:t>
             </a:fld>
             <a:endParaRPr lang="en-US"/>
           </a:p>
@@ -1148,7 +4030,7 @@
           <a:p>
             <a:fld id="{1140D365-4777-40C3-A677-A04F761BF0D4}" type="datetimeFigureOut">
               <a:rPr lang="en-US" smtClean="0"/>
-              <a:t>9/6/2024</a:t>
+              <a:t>7/17/2025</a:t>
             </a:fld>
             <a:endParaRPr lang="en-US"/>
           </a:p>
@@ -1413,7 +4295,7 @@
           <a:p>
             <a:fld id="{1140D365-4777-40C3-A677-A04F761BF0D4}" type="datetimeFigureOut">
               <a:rPr lang="en-US" smtClean="0"/>
-              <a:t>9/6/2024</a:t>
+              <a:t>7/17/2025</a:t>
             </a:fld>
             <a:endParaRPr lang="en-US"/>
           </a:p>
@@ -1825,7 +4707,7 @@
           <a:p>
             <a:fld id="{1140D365-4777-40C3-A677-A04F761BF0D4}" type="datetimeFigureOut">
               <a:rPr lang="en-US" smtClean="0"/>
-              <a:t>9/6/2024</a:t>
+              <a:t>7/17/2025</a:t>
             </a:fld>
             <a:endParaRPr lang="en-US"/>
           </a:p>
@@ -1966,7 +4848,7 @@
           <a:p>
             <a:fld id="{1140D365-4777-40C3-A677-A04F761BF0D4}" type="datetimeFigureOut">
               <a:rPr lang="en-US" smtClean="0"/>
-              <a:t>9/6/2024</a:t>
+              <a:t>7/17/2025</a:t>
             </a:fld>
             <a:endParaRPr lang="en-US"/>
           </a:p>
@@ -2079,7 +4961,7 @@
           <a:p>
             <a:fld id="{1140D365-4777-40C3-A677-A04F761BF0D4}" type="datetimeFigureOut">
               <a:rPr lang="en-US" smtClean="0"/>
-              <a:t>9/6/2024</a:t>
+              <a:t>7/17/2025</a:t>
             </a:fld>
             <a:endParaRPr lang="en-US"/>
           </a:p>
@@ -2390,7 +5272,7 @@
           <a:p>
             <a:fld id="{1140D365-4777-40C3-A677-A04F761BF0D4}" type="datetimeFigureOut">
               <a:rPr lang="en-US" smtClean="0"/>
-              <a:t>9/6/2024</a:t>
+              <a:t>7/17/2025</a:t>
             </a:fld>
             <a:endParaRPr lang="en-US"/>
           </a:p>
@@ -2678,7 +5560,7 @@
           <a:p>
             <a:fld id="{1140D365-4777-40C3-A677-A04F761BF0D4}" type="datetimeFigureOut">
               <a:rPr lang="en-US" smtClean="0"/>
-              <a:t>9/6/2024</a:t>
+              <a:t>7/17/2025</a:t>
             </a:fld>
             <a:endParaRPr lang="en-US"/>
           </a:p>
@@ -2919,7 +5801,7 @@
           <a:p>
             <a:fld id="{1140D365-4777-40C3-A677-A04F761BF0D4}" type="datetimeFigureOut">
               <a:rPr lang="en-US" smtClean="0"/>
-              <a:t>9/6/2024</a:t>
+              <a:t>7/17/2025</a:t>
             </a:fld>
             <a:endParaRPr lang="en-US"/>
           </a:p>
@@ -4932,6 +7814,14 @@
 <file path=ppt/slides/slide6.xml><?xml version="1.0" encoding="utf-8"?>
 <p:sld xmlns:a="http://schemas.openxmlformats.org/drawingml/2006/main" xmlns:r="http://schemas.openxmlformats.org/officeDocument/2006/relationships" xmlns:p="http://schemas.openxmlformats.org/presentationml/2006/main">
   <p:cSld>
+    <p:bg>
+      <p:bgPr>
+        <a:solidFill>
+          <a:schemeClr val="bg1"/>
+        </a:solidFill>
+        <a:effectLst/>
+      </p:bgPr>
+    </p:bg>
     <p:spTree>
       <p:nvGrpSpPr>
         <p:cNvPr id="1" name=""/>
@@ -4946,6 +7836,552 @@
           <a:chExt cx="0" cy="0"/>
         </a:xfrm>
       </p:grpSpPr>
+      <p:sp useBgFill="1">
+        <p:nvSpPr>
+          <p:cNvPr id="13" name="Rectangle 12">
+            <a:extLst>
+              <a:ext uri="{FF2B5EF4-FFF2-40B4-BE49-F238E27FC236}">
+                <a16:creationId xmlns:a16="http://schemas.microsoft.com/office/drawing/2014/main" id="{BACC6370-2D7E-4714-9D71-7542949D7D5D}"/>
+              </a:ext>
+              <a:ext uri="{C183D7F6-B498-43B3-948B-1728B52AA6E4}">
+                <adec:decorative xmlns:adec="http://schemas.microsoft.com/office/drawing/2017/decorative" val="1"/>
+              </a:ext>
+            </a:extLst>
+          </p:cNvPr>
+          <p:cNvSpPr>
+            <a:spLocks noGrp="1" noRot="1" noChangeAspect="1" noMove="1" noResize="1" noEditPoints="1" noAdjustHandles="1" noChangeArrowheads="1" noChangeShapeType="1" noTextEdit="1"/>
+          </p:cNvSpPr>
+          <p:nvPr>
+            <p:extLst>
+              <p:ext uri="{386F3935-93C4-4BCD-93E2-E3B085C9AB24}">
+                <p16:designElem xmlns:p16="http://schemas.microsoft.com/office/powerpoint/2015/main" val="1"/>
+              </p:ext>
+            </p:extLst>
+          </p:nvPr>
+        </p:nvSpPr>
+        <p:spPr>
+          <a:xfrm>
+            <a:off x="0" y="0"/>
+            <a:ext cx="12192000" cy="6858000"/>
+          </a:xfrm>
+          <a:prstGeom prst="rect">
+            <a:avLst/>
+          </a:prstGeom>
+          <a:ln w="12700" cap="flat" cmpd="sng" algn="ctr">
+            <a:noFill/>
+            <a:prstDash val="solid"/>
+            <a:miter lim="800000"/>
+          </a:ln>
+          <a:effectLst/>
+          <a:extLst>
+            <a:ext uri="{91240B29-F687-4F45-9708-019B960494DF}">
+              <a14:hiddenLine xmlns:a14="http://schemas.microsoft.com/office/drawing/2010/main" w="12700" cap="flat" cmpd="sng" algn="ctr">
+                <a:solidFill>
+                  <a:schemeClr val="accent1">
+                    <a:shade val="50000"/>
+                  </a:schemeClr>
+                </a:solidFill>
+                <a:prstDash val="solid"/>
+                <a:miter lim="800000"/>
+              </a14:hiddenLine>
+            </a:ext>
+          </a:extLst>
+        </p:spPr>
+        <p:style>
+          <a:lnRef idx="2">
+            <a:schemeClr val="accent1">
+              <a:shade val="50000"/>
+            </a:schemeClr>
+          </a:lnRef>
+          <a:fillRef idx="1">
+            <a:schemeClr val="accent1"/>
+          </a:fillRef>
+          <a:effectRef idx="0">
+            <a:schemeClr val="accent1"/>
+          </a:effectRef>
+          <a:fontRef idx="minor">
+            <a:schemeClr val="lt1"/>
+          </a:fontRef>
+        </p:style>
+        <p:txBody>
+          <a:bodyPr rtlCol="0" anchor="ctr"/>
+          <a:lstStyle/>
+          <a:p>
+            <a:pPr algn="ctr"/>
+            <a:endParaRPr lang="en-US"/>
+          </a:p>
+        </p:txBody>
+      </p:sp>
+      <p:sp>
+        <p:nvSpPr>
+          <p:cNvPr id="15" name="Rectangle 14">
+            <a:extLst>
+              <a:ext uri="{FF2B5EF4-FFF2-40B4-BE49-F238E27FC236}">
+                <a16:creationId xmlns:a16="http://schemas.microsoft.com/office/drawing/2014/main" id="{256B2C21-A230-48C0-8DF1-C46611373C44}"/>
+              </a:ext>
+              <a:ext uri="{C183D7F6-B498-43B3-948B-1728B52AA6E4}">
+                <adec:decorative xmlns:adec="http://schemas.microsoft.com/office/drawing/2017/decorative" val="1"/>
+              </a:ext>
+            </a:extLst>
+          </p:cNvPr>
+          <p:cNvSpPr>
+            <a:spLocks noGrp="1" noRot="1" noChangeAspect="1" noMove="1" noResize="1" noEditPoints="1" noAdjustHandles="1" noChangeArrowheads="1" noChangeShapeType="1" noTextEdit="1"/>
+          </p:cNvSpPr>
+          <p:nvPr>
+            <p:extLst>
+              <p:ext uri="{386F3935-93C4-4BCD-93E2-E3B085C9AB24}">
+                <p16:designElem xmlns:p16="http://schemas.microsoft.com/office/powerpoint/2015/main" val="1"/>
+              </p:ext>
+            </p:extLst>
+          </p:nvPr>
+        </p:nvSpPr>
+        <p:spPr>
+          <a:xfrm rot="5400000" flipH="1">
+            <a:off x="-1410084" y="1410082"/>
+            <a:ext cx="6858000" cy="4037836"/>
+          </a:xfrm>
+          <a:prstGeom prst="rect">
+            <a:avLst/>
+          </a:prstGeom>
+          <a:gradFill>
+            <a:gsLst>
+              <a:gs pos="8000">
+                <a:srgbClr val="000000"/>
+              </a:gs>
+              <a:gs pos="100000">
+                <a:schemeClr val="accent1">
+                  <a:lumMod val="75000"/>
+                </a:schemeClr>
+              </a:gs>
+            </a:gsLst>
+            <a:lin ang="3000000" scaled="0"/>
+          </a:gradFill>
+          <a:ln>
+            <a:noFill/>
+          </a:ln>
+        </p:spPr>
+        <p:style>
+          <a:lnRef idx="2">
+            <a:schemeClr val="accent1">
+              <a:shade val="50000"/>
+            </a:schemeClr>
+          </a:lnRef>
+          <a:fillRef idx="1">
+            <a:schemeClr val="accent1"/>
+          </a:fillRef>
+          <a:effectRef idx="0">
+            <a:schemeClr val="accent1"/>
+          </a:effectRef>
+          <a:fontRef idx="minor">
+            <a:schemeClr val="lt1"/>
+          </a:fontRef>
+        </p:style>
+        <p:txBody>
+          <a:bodyPr rtlCol="0" anchor="ctr"/>
+          <a:lstStyle/>
+          <a:p>
+            <a:pPr algn="ctr"/>
+            <a:endParaRPr lang="en-US"/>
+          </a:p>
+        </p:txBody>
+      </p:sp>
+      <p:sp>
+        <p:nvSpPr>
+          <p:cNvPr id="17" name="Rectangle 16">
+            <a:extLst>
+              <a:ext uri="{FF2B5EF4-FFF2-40B4-BE49-F238E27FC236}">
+                <a16:creationId xmlns:a16="http://schemas.microsoft.com/office/drawing/2014/main" id="{3847E18C-932D-4C95-AABA-FEC7C9499AD7}"/>
+              </a:ext>
+              <a:ext uri="{C183D7F6-B498-43B3-948B-1728B52AA6E4}">
+                <adec:decorative xmlns:adec="http://schemas.microsoft.com/office/drawing/2017/decorative" val="1"/>
+              </a:ext>
+            </a:extLst>
+          </p:cNvPr>
+          <p:cNvSpPr>
+            <a:spLocks noGrp="1" noRot="1" noChangeAspect="1" noMove="1" noResize="1" noEditPoints="1" noAdjustHandles="1" noChangeArrowheads="1" noChangeShapeType="1" noTextEdit="1"/>
+          </p:cNvSpPr>
+          <p:nvPr>
+            <p:extLst>
+              <p:ext uri="{386F3935-93C4-4BCD-93E2-E3B085C9AB24}">
+                <p16:designElem xmlns:p16="http://schemas.microsoft.com/office/powerpoint/2015/main" val="1"/>
+              </p:ext>
+            </p:extLst>
+          </p:nvPr>
+        </p:nvSpPr>
+        <p:spPr>
+          <a:xfrm rot="5400000" flipH="1">
+            <a:off x="-1410085" y="1420219"/>
+            <a:ext cx="6857999" cy="4037839"/>
+          </a:xfrm>
+          <a:prstGeom prst="rect">
+            <a:avLst/>
+          </a:prstGeom>
+          <a:gradFill>
+            <a:gsLst>
+              <a:gs pos="0">
+                <a:srgbClr val="000000">
+                  <a:alpha val="0"/>
+                </a:srgbClr>
+              </a:gs>
+              <a:gs pos="99000">
+                <a:schemeClr val="accent1">
+                  <a:alpha val="46000"/>
+                </a:schemeClr>
+              </a:gs>
+            </a:gsLst>
+            <a:lin ang="1800000" scaled="0"/>
+          </a:gradFill>
+          <a:ln>
+            <a:noFill/>
+          </a:ln>
+        </p:spPr>
+        <p:style>
+          <a:lnRef idx="2">
+            <a:schemeClr val="accent1">
+              <a:shade val="50000"/>
+            </a:schemeClr>
+          </a:lnRef>
+          <a:fillRef idx="1">
+            <a:schemeClr val="accent1"/>
+          </a:fillRef>
+          <a:effectRef idx="0">
+            <a:schemeClr val="accent1"/>
+          </a:effectRef>
+          <a:fontRef idx="minor">
+            <a:schemeClr val="lt1"/>
+          </a:fontRef>
+        </p:style>
+        <p:txBody>
+          <a:bodyPr rtlCol="0" anchor="ctr"/>
+          <a:lstStyle/>
+          <a:p>
+            <a:pPr algn="ctr"/>
+            <a:endParaRPr lang="en-US"/>
+          </a:p>
+        </p:txBody>
+      </p:sp>
+      <p:sp>
+        <p:nvSpPr>
+          <p:cNvPr id="19" name="Rectangle 18">
+            <a:extLst>
+              <a:ext uri="{FF2B5EF4-FFF2-40B4-BE49-F238E27FC236}">
+                <a16:creationId xmlns:a16="http://schemas.microsoft.com/office/drawing/2014/main" id="{3150CB11-0C61-439E-910F-5787759E72A0}"/>
+              </a:ext>
+              <a:ext uri="{C183D7F6-B498-43B3-948B-1728B52AA6E4}">
+                <adec:decorative xmlns:adec="http://schemas.microsoft.com/office/drawing/2017/decorative" val="1"/>
+              </a:ext>
+            </a:extLst>
+          </p:cNvPr>
+          <p:cNvSpPr>
+            <a:spLocks noGrp="1" noRot="1" noChangeAspect="1" noMove="1" noResize="1" noEditPoints="1" noAdjustHandles="1" noChangeArrowheads="1" noChangeShapeType="1" noTextEdit="1"/>
+          </p:cNvSpPr>
+          <p:nvPr>
+            <p:extLst>
+              <p:ext uri="{386F3935-93C4-4BCD-93E2-E3B085C9AB24}">
+                <p16:designElem xmlns:p16="http://schemas.microsoft.com/office/powerpoint/2015/main" val="1"/>
+              </p:ext>
+            </p:extLst>
+          </p:nvPr>
+        </p:nvSpPr>
+        <p:spPr>
+          <a:xfrm rot="5400000" flipH="1">
+            <a:off x="767923" y="3588085"/>
+            <a:ext cx="2501979" cy="4037841"/>
+          </a:xfrm>
+          <a:prstGeom prst="rect">
+            <a:avLst/>
+          </a:prstGeom>
+          <a:gradFill>
+            <a:gsLst>
+              <a:gs pos="2000">
+                <a:schemeClr val="accent1">
+                  <a:alpha val="29000"/>
+                </a:schemeClr>
+              </a:gs>
+              <a:gs pos="100000">
+                <a:srgbClr val="000000">
+                  <a:alpha val="30000"/>
+                </a:srgbClr>
+              </a:gs>
+            </a:gsLst>
+            <a:lin ang="7800000" scaled="0"/>
+          </a:gradFill>
+          <a:ln>
+            <a:noFill/>
+          </a:ln>
+        </p:spPr>
+        <p:style>
+          <a:lnRef idx="2">
+            <a:schemeClr val="accent1">
+              <a:shade val="50000"/>
+            </a:schemeClr>
+          </a:lnRef>
+          <a:fillRef idx="1">
+            <a:schemeClr val="accent1"/>
+          </a:fillRef>
+          <a:effectRef idx="0">
+            <a:schemeClr val="accent1"/>
+          </a:effectRef>
+          <a:fontRef idx="minor">
+            <a:schemeClr val="lt1"/>
+          </a:fontRef>
+        </p:style>
+        <p:txBody>
+          <a:bodyPr rtlCol="0" anchor="ctr"/>
+          <a:lstStyle/>
+          <a:p>
+            <a:pPr algn="ctr"/>
+            <a:endParaRPr lang="en-US" dirty="0"/>
+          </a:p>
+        </p:txBody>
+      </p:sp>
+      <p:sp>
+        <p:nvSpPr>
+          <p:cNvPr id="21" name="Freeform: Shape 20">
+            <a:extLst>
+              <a:ext uri="{FF2B5EF4-FFF2-40B4-BE49-F238E27FC236}">
+                <a16:creationId xmlns:a16="http://schemas.microsoft.com/office/drawing/2014/main" id="{43F8A58B-5155-44CE-A5FF-7647B47D0A7A}"/>
+              </a:ext>
+              <a:ext uri="{C183D7F6-B498-43B3-948B-1728B52AA6E4}">
+                <adec:decorative xmlns:adec="http://schemas.microsoft.com/office/drawing/2017/decorative" val="1"/>
+              </a:ext>
+            </a:extLst>
+          </p:cNvPr>
+          <p:cNvSpPr>
+            <a:spLocks noGrp="1" noRot="1" noChangeAspect="1" noMove="1" noResize="1" noEditPoints="1" noAdjustHandles="1" noChangeArrowheads="1" noChangeShapeType="1" noTextEdit="1"/>
+          </p:cNvSpPr>
+          <p:nvPr>
+            <p:extLst>
+              <p:ext uri="{386F3935-93C4-4BCD-93E2-E3B085C9AB24}">
+                <p16:designElem xmlns:p16="http://schemas.microsoft.com/office/powerpoint/2015/main" val="1"/>
+              </p:ext>
+            </p:extLst>
+          </p:nvPr>
+        </p:nvSpPr>
+        <p:spPr>
+          <a:xfrm rot="20635413">
+            <a:off x="-501737" y="969718"/>
+            <a:ext cx="3900357" cy="4178958"/>
+          </a:xfrm>
+          <a:custGeom>
+            <a:avLst/>
+            <a:gdLst>
+              <a:gd name="connsiteX0" fmla="*/ 2432225 w 3900357"/>
+              <a:gd name="connsiteY0" fmla="*/ 93939 h 4178958"/>
+              <a:gd name="connsiteX1" fmla="*/ 3900357 w 3900357"/>
+              <a:gd name="connsiteY1" fmla="*/ 2089479 h 4178958"/>
+              <a:gd name="connsiteX2" fmla="*/ 1810878 w 3900357"/>
+              <a:gd name="connsiteY2" fmla="*/ 4178958 h 4178958"/>
+              <a:gd name="connsiteX3" fmla="*/ 78249 w 3900357"/>
+              <a:gd name="connsiteY3" fmla="*/ 3257727 h 4178958"/>
+              <a:gd name="connsiteX4" fmla="*/ 0 w 3900357"/>
+              <a:gd name="connsiteY4" fmla="*/ 3128923 h 4178958"/>
+              <a:gd name="connsiteX5" fmla="*/ 831324 w 3900357"/>
+              <a:gd name="connsiteY5" fmla="*/ 244281 h 4178958"/>
+              <a:gd name="connsiteX6" fmla="*/ 997559 w 3900357"/>
+              <a:gd name="connsiteY6" fmla="*/ 164202 h 4178958"/>
+              <a:gd name="connsiteX7" fmla="*/ 1810878 w 3900357"/>
+              <a:gd name="connsiteY7" fmla="*/ 0 h 4178958"/>
+              <a:gd name="connsiteX8" fmla="*/ 2432225 w 3900357"/>
+              <a:gd name="connsiteY8" fmla="*/ 93939 h 4178958"/>
+            </a:gdLst>
+            <a:ahLst/>
+            <a:cxnLst>
+              <a:cxn ang="0">
+                <a:pos x="connsiteX0" y="connsiteY0"/>
+              </a:cxn>
+              <a:cxn ang="0">
+                <a:pos x="connsiteX1" y="connsiteY1"/>
+              </a:cxn>
+              <a:cxn ang="0">
+                <a:pos x="connsiteX2" y="connsiteY2"/>
+              </a:cxn>
+              <a:cxn ang="0">
+                <a:pos x="connsiteX3" y="connsiteY3"/>
+              </a:cxn>
+              <a:cxn ang="0">
+                <a:pos x="connsiteX4" y="connsiteY4"/>
+              </a:cxn>
+              <a:cxn ang="0">
+                <a:pos x="connsiteX5" y="connsiteY5"/>
+              </a:cxn>
+              <a:cxn ang="0">
+                <a:pos x="connsiteX6" y="connsiteY6"/>
+              </a:cxn>
+              <a:cxn ang="0">
+                <a:pos x="connsiteX7" y="connsiteY7"/>
+              </a:cxn>
+              <a:cxn ang="0">
+                <a:pos x="connsiteX8" y="connsiteY8"/>
+              </a:cxn>
+            </a:cxnLst>
+            <a:rect l="l" t="t" r="r" b="b"/>
+            <a:pathLst>
+              <a:path w="3900357" h="4178958">
+                <a:moveTo>
+                  <a:pt x="2432225" y="93939"/>
+                </a:moveTo>
+                <a:cubicBezTo>
+                  <a:pt x="3282786" y="358491"/>
+                  <a:pt x="3900357" y="1151865"/>
+                  <a:pt x="3900357" y="2089479"/>
+                </a:cubicBezTo>
+                <a:cubicBezTo>
+                  <a:pt x="3900357" y="3243466"/>
+                  <a:pt x="2964865" y="4178958"/>
+                  <a:pt x="1810878" y="4178958"/>
+                </a:cubicBezTo>
+                <a:cubicBezTo>
+                  <a:pt x="1089636" y="4178958"/>
+                  <a:pt x="453744" y="3813531"/>
+                  <a:pt x="78249" y="3257727"/>
+                </a:cubicBezTo>
+                <a:lnTo>
+                  <a:pt x="0" y="3128923"/>
+                </a:lnTo>
+                <a:lnTo>
+                  <a:pt x="831324" y="244281"/>
+                </a:lnTo>
+                <a:lnTo>
+                  <a:pt x="997559" y="164202"/>
+                </a:lnTo>
+                <a:cubicBezTo>
+                  <a:pt x="1247540" y="58468"/>
+                  <a:pt x="1522381" y="0"/>
+                  <a:pt x="1810878" y="0"/>
+                </a:cubicBezTo>
+                <a:cubicBezTo>
+                  <a:pt x="2027251" y="0"/>
+                  <a:pt x="2235942" y="32888"/>
+                  <a:pt x="2432225" y="93939"/>
+                </a:cubicBezTo>
+                <a:close/>
+              </a:path>
+            </a:pathLst>
+          </a:custGeom>
+          <a:gradFill>
+            <a:gsLst>
+              <a:gs pos="29000">
+                <a:srgbClr val="000000">
+                  <a:alpha val="0"/>
+                </a:srgbClr>
+              </a:gs>
+              <a:gs pos="100000">
+                <a:schemeClr val="accent1">
+                  <a:alpha val="43000"/>
+                </a:schemeClr>
+              </a:gs>
+            </a:gsLst>
+            <a:lin ang="1800000" scaled="0"/>
+          </a:gradFill>
+          <a:ln>
+            <a:noFill/>
+          </a:ln>
+        </p:spPr>
+        <p:style>
+          <a:lnRef idx="2">
+            <a:schemeClr val="accent1">
+              <a:shade val="50000"/>
+            </a:schemeClr>
+          </a:lnRef>
+          <a:fillRef idx="1">
+            <a:schemeClr val="accent1"/>
+          </a:fillRef>
+          <a:effectRef idx="0">
+            <a:schemeClr val="accent1"/>
+          </a:effectRef>
+          <a:fontRef idx="minor">
+            <a:schemeClr val="lt1"/>
+          </a:fontRef>
+        </p:style>
+        <p:txBody>
+          <a:bodyPr wrap="square" rtlCol="0" anchor="ctr">
+            <a:noAutofit/>
+          </a:bodyPr>
+          <a:lstStyle/>
+          <a:p>
+            <a:pPr algn="ctr"/>
+            <a:endParaRPr lang="en-US" dirty="0"/>
+          </a:p>
+        </p:txBody>
+      </p:sp>
+      <p:sp>
+        <p:nvSpPr>
+          <p:cNvPr id="23" name="Rectangle 22">
+            <a:extLst>
+              <a:ext uri="{FF2B5EF4-FFF2-40B4-BE49-F238E27FC236}">
+                <a16:creationId xmlns:a16="http://schemas.microsoft.com/office/drawing/2014/main" id="{443F2ACA-E6D6-4028-82DD-F03C262D5DE6}"/>
+              </a:ext>
+              <a:ext uri="{C183D7F6-B498-43B3-948B-1728B52AA6E4}">
+                <adec:decorative xmlns:adec="http://schemas.microsoft.com/office/drawing/2017/decorative" val="1"/>
+              </a:ext>
+            </a:extLst>
+          </p:cNvPr>
+          <p:cNvSpPr>
+            <a:spLocks noGrp="1" noRot="1" noChangeAspect="1" noMove="1" noResize="1" noEditPoints="1" noAdjustHandles="1" noChangeArrowheads="1" noChangeShapeType="1" noTextEdit="1"/>
+          </p:cNvSpPr>
+          <p:nvPr>
+            <p:extLst>
+              <p:ext uri="{386F3935-93C4-4BCD-93E2-E3B085C9AB24}">
+                <p16:designElem xmlns:p16="http://schemas.microsoft.com/office/powerpoint/2015/main" val="1"/>
+              </p:ext>
+            </p:extLst>
+          </p:nvPr>
+        </p:nvSpPr>
+        <p:spPr>
+          <a:xfrm rot="5400000" flipH="1">
+            <a:off x="-1410095" y="1410079"/>
+            <a:ext cx="6858003" cy="4037835"/>
+          </a:xfrm>
+          <a:prstGeom prst="rect">
+            <a:avLst/>
+          </a:prstGeom>
+          <a:gradFill>
+            <a:gsLst>
+              <a:gs pos="0">
+                <a:srgbClr val="000000">
+                  <a:alpha val="0"/>
+                </a:srgbClr>
+              </a:gs>
+              <a:gs pos="99000">
+                <a:schemeClr val="accent1">
+                  <a:lumMod val="60000"/>
+                  <a:lumOff val="40000"/>
+                  <a:alpha val="11000"/>
+                </a:schemeClr>
+              </a:gs>
+            </a:gsLst>
+            <a:lin ang="7200000" scaled="0"/>
+          </a:gradFill>
+          <a:ln>
+            <a:noFill/>
+          </a:ln>
+        </p:spPr>
+        <p:style>
+          <a:lnRef idx="2">
+            <a:schemeClr val="accent1">
+              <a:shade val="50000"/>
+            </a:schemeClr>
+          </a:lnRef>
+          <a:fillRef idx="1">
+            <a:schemeClr val="accent1"/>
+          </a:fillRef>
+          <a:effectRef idx="0">
+            <a:schemeClr val="accent1"/>
+          </a:effectRef>
+          <a:fontRef idx="minor">
+            <a:schemeClr val="lt1"/>
+          </a:fontRef>
+        </p:style>
+        <p:txBody>
+          <a:bodyPr rtlCol="0" anchor="ctr"/>
+          <a:lstStyle/>
+          <a:p>
+            <a:pPr algn="ctr"/>
+            <a:endParaRPr lang="en-US"/>
+          </a:p>
+        </p:txBody>
+      </p:sp>
       <p:sp>
         <p:nvSpPr>
           <p:cNvPr id="7" name="Title 1">
@@ -4962,15 +8398,15 @@
         </p:nvSpPr>
         <p:spPr>
           <a:xfrm>
-            <a:off x="1724466" y="379974"/>
-            <a:ext cx="6673948" cy="893226"/>
+            <a:off x="586478" y="1683756"/>
+            <a:ext cx="3115265" cy="2396359"/>
           </a:xfrm>
           <a:prstGeom prst="rect">
             <a:avLst/>
           </a:prstGeom>
         </p:spPr>
         <p:txBody>
-          <a:bodyPr vert="horz" lIns="91440" tIns="45720" rIns="91440" bIns="45720" rtlCol="0" anchor="ctr">
+          <a:bodyPr vert="horz" lIns="91440" tIns="45720" rIns="91440" bIns="45720" rtlCol="0" anchor="b">
             <a:normAutofit/>
           </a:bodyPr>
           <a:lstStyle>
@@ -4993,67 +8429,57 @@
             </a:lvl1pPr>
           </a:lstStyle>
           <a:p>
-            <a:r>
-              <a:rPr lang="en-US" sz="2800" b="1" dirty="0">
-                <a:latin typeface="Arial" panose="020B0604020202020204" pitchFamily="34" charset="0"/>
-                <a:cs typeface="Arial" panose="020B0604020202020204" pitchFamily="34" charset="0"/>
+            <a:pPr algn="r">
+              <a:spcAft>
+                <a:spcPts val="600"/>
+              </a:spcAft>
+            </a:pPr>
+            <a:r>
+              <a:rPr lang="en-US" sz="4000" b="1" kern="1200">
+                <a:solidFill>
+                  <a:srgbClr val="FFFFFF"/>
+                </a:solidFill>
+                <a:latin typeface="+mj-lt"/>
+                <a:ea typeface="+mj-ea"/>
+                <a:cs typeface="+mj-cs"/>
               </a:rPr>
               <a:t>Types of data structure?</a:t>
             </a:r>
           </a:p>
         </p:txBody>
       </p:sp>
-      <p:pic>
-        <p:nvPicPr>
-          <p:cNvPr id="1026" name="Picture 2" descr="Lightbox">
+      <p:graphicFrame>
+        <p:nvGraphicFramePr>
+          <p:cNvPr id="9" name="Content Placeholder 2">
             <a:extLst>
               <a:ext uri="{FF2B5EF4-FFF2-40B4-BE49-F238E27FC236}">
-                <a16:creationId xmlns:a16="http://schemas.microsoft.com/office/drawing/2014/main" id="{34445336-CBC9-4FB6-B3C4-0DC7DCEE9D2A}"/>
+                <a16:creationId xmlns:a16="http://schemas.microsoft.com/office/drawing/2014/main" id="{7252D519-AC9E-9243-637D-2EF680AF52B4}"/>
               </a:ext>
             </a:extLst>
           </p:cNvPr>
-          <p:cNvPicPr>
-            <a:picLocks noChangeAspect="1" noChangeArrowheads="1"/>
-          </p:cNvPicPr>
-          <p:nvPr/>
-        </p:nvPicPr>
-        <p:blipFill>
-          <a:blip r:embed="rId2">
-            <a:extLst>
-              <a:ext uri="{28A0092B-C50C-407E-A947-70E740481C1C}">
-                <a14:useLocalDpi xmlns:a14="http://schemas.microsoft.com/office/drawing/2010/main" val="0"/>
-              </a:ext>
-            </a:extLst>
-          </a:blip>
-          <a:srcRect/>
-          <a:stretch>
-            <a:fillRect/>
-          </a:stretch>
-        </p:blipFill>
-        <p:spPr bwMode="auto">
-          <a:xfrm>
-            <a:off x="1912224" y="1656225"/>
-            <a:ext cx="8921070" cy="4871111"/>
-          </a:xfrm>
-          <a:prstGeom prst="rect">
-            <a:avLst/>
-          </a:prstGeom>
-          <a:noFill/>
-          <a:extLst>
-            <a:ext uri="{909E8E84-426E-40DD-AFC4-6F175D3DCCD1}">
-              <a14:hiddenFill xmlns:a14="http://schemas.microsoft.com/office/drawing/2010/main">
-                <a:solidFill>
-                  <a:srgbClr val="FFFFFF"/>
-                </a:solidFill>
-              </a14:hiddenFill>
-            </a:ext>
-          </a:extLst>
-        </p:spPr>
-      </p:pic>
+          <p:cNvGraphicFramePr/>
+          <p:nvPr>
+            <p:extLst>
+              <p:ext uri="{D42A27DB-BD31-4B8C-83A1-F6EECF244321}">
+                <p14:modId xmlns:p14="http://schemas.microsoft.com/office/powerpoint/2010/main" val="1565442214"/>
+              </p:ext>
+            </p:extLst>
+          </p:nvPr>
+        </p:nvGraphicFramePr>
+        <p:xfrm>
+          <a:off x="4905052" y="750440"/>
+          <a:ext cx="6666833" cy="5453920"/>
+        </p:xfrm>
+        <a:graphic>
+          <a:graphicData uri="http://schemas.openxmlformats.org/drawingml/2006/diagram">
+            <dgm:relIds xmlns:dgm="http://schemas.openxmlformats.org/drawingml/2006/diagram" xmlns:r="http://schemas.openxmlformats.org/officeDocument/2006/relationships" r:dm="rId2" r:lo="rId3" r:qs="rId4" r:cs="rId5"/>
+          </a:graphicData>
+        </a:graphic>
+      </p:graphicFrame>
     </p:spTree>
     <p:extLst>
       <p:ext uri="{BB962C8B-B14F-4D97-AF65-F5344CB8AC3E}">
-        <p14:creationId xmlns:p14="http://schemas.microsoft.com/office/powerpoint/2010/main" val="2831567764"/>
+        <p14:creationId xmlns:p14="http://schemas.microsoft.com/office/powerpoint/2010/main" val="1928563026"/>
       </p:ext>
     </p:extLst>
   </p:cSld>

--- a/Data Structure & Algorithm PDF/DSA.pptx
+++ b/Data Structure & Algorithm PDF/DSA.pptx
@@ -6204,6 +6204,14 @@
 <file path=ppt/slides/slide1.xml><?xml version="1.0" encoding="utf-8"?>
 <p:sld xmlns:a="http://schemas.openxmlformats.org/drawingml/2006/main" xmlns:r="http://schemas.openxmlformats.org/officeDocument/2006/relationships" xmlns:p="http://schemas.openxmlformats.org/presentationml/2006/main">
   <p:cSld>
+    <p:bg>
+      <p:bgPr>
+        <a:solidFill>
+          <a:schemeClr val="bg1"/>
+        </a:solidFill>
+        <a:effectLst/>
+      </p:bgPr>
+    </p:bg>
     <p:spTree>
       <p:nvGrpSpPr>
         <p:cNvPr id="1" name=""/>
@@ -6218,6 +6226,469 @@
           <a:chExt cx="0" cy="0"/>
         </a:xfrm>
       </p:grpSpPr>
+      <p:sp useBgFill="1">
+        <p:nvSpPr>
+          <p:cNvPr id="9" name="Rectangle 8">
+            <a:extLst>
+              <a:ext uri="{FF2B5EF4-FFF2-40B4-BE49-F238E27FC236}">
+                <a16:creationId xmlns:a16="http://schemas.microsoft.com/office/drawing/2014/main" id="{55666830-9A19-4E01-8505-D6C7F9AC5665}"/>
+              </a:ext>
+              <a:ext uri="{C183D7F6-B498-43B3-948B-1728B52AA6E4}">
+                <adec:decorative xmlns:adec="http://schemas.microsoft.com/office/drawing/2017/decorative" val="1"/>
+              </a:ext>
+            </a:extLst>
+          </p:cNvPr>
+          <p:cNvSpPr>
+            <a:spLocks noGrp="1" noRot="1" noChangeAspect="1" noMove="1" noResize="1" noEditPoints="1" noAdjustHandles="1" noChangeArrowheads="1" noChangeShapeType="1" noTextEdit="1"/>
+          </p:cNvSpPr>
+          <p:nvPr>
+            <p:extLst>
+              <p:ext uri="{386F3935-93C4-4BCD-93E2-E3B085C9AB24}">
+                <p16:designElem xmlns:p16="http://schemas.microsoft.com/office/powerpoint/2015/main" val="1"/>
+              </p:ext>
+            </p:extLst>
+          </p:nvPr>
+        </p:nvSpPr>
+        <p:spPr>
+          <a:xfrm>
+            <a:off x="0" y="0"/>
+            <a:ext cx="12192000" cy="6858000"/>
+          </a:xfrm>
+          <a:prstGeom prst="rect">
+            <a:avLst/>
+          </a:prstGeom>
+          <a:ln>
+            <a:noFill/>
+          </a:ln>
+        </p:spPr>
+        <p:style>
+          <a:lnRef idx="2">
+            <a:schemeClr val="accent1">
+              <a:shade val="50000"/>
+            </a:schemeClr>
+          </a:lnRef>
+          <a:fillRef idx="1">
+            <a:schemeClr val="accent1"/>
+          </a:fillRef>
+          <a:effectRef idx="0">
+            <a:schemeClr val="accent1"/>
+          </a:effectRef>
+          <a:fontRef idx="minor">
+            <a:schemeClr val="lt1"/>
+          </a:fontRef>
+        </p:style>
+        <p:txBody>
+          <a:bodyPr rtlCol="0" anchor="ctr"/>
+          <a:lstStyle/>
+          <a:p>
+            <a:pPr algn="ctr"/>
+            <a:endParaRPr lang="en-US"/>
+          </a:p>
+        </p:txBody>
+      </p:sp>
+      <p:pic>
+        <p:nvPicPr>
+          <p:cNvPr id="5" name="Picture 4">
+            <a:extLst>
+              <a:ext uri="{FF2B5EF4-FFF2-40B4-BE49-F238E27FC236}">
+                <a16:creationId xmlns:a16="http://schemas.microsoft.com/office/drawing/2014/main" id="{CEA8CF6A-A224-CC71-830F-DF4B5348CF76}"/>
+              </a:ext>
+            </a:extLst>
+          </p:cNvPr>
+          <p:cNvPicPr>
+            <a:picLocks noChangeAspect="1"/>
+          </p:cNvPicPr>
+          <p:nvPr/>
+        </p:nvPicPr>
+        <p:blipFill>
+          <a:blip r:embed="rId2"/>
+          <a:srcRect t="12968" r="2" b="2"/>
+          <a:stretch>
+            <a:fillRect/>
+          </a:stretch>
+        </p:blipFill>
+        <p:spPr>
+          <a:xfrm>
+            <a:off x="4110127" y="10"/>
+            <a:ext cx="8081873" cy="6857990"/>
+          </a:xfrm>
+          <a:custGeom>
+            <a:avLst/>
+            <a:gdLst/>
+            <a:ahLst/>
+            <a:cxnLst/>
+            <a:rect l="l" t="t" r="r" b="b"/>
+            <a:pathLst>
+              <a:path w="8081873" h="6858000">
+                <a:moveTo>
+                  <a:pt x="0" y="0"/>
+                </a:moveTo>
+                <a:lnTo>
+                  <a:pt x="8081873" y="0"/>
+                </a:lnTo>
+                <a:lnTo>
+                  <a:pt x="8081873" y="6858000"/>
+                </a:lnTo>
+                <a:lnTo>
+                  <a:pt x="0" y="6858000"/>
+                </a:lnTo>
+                <a:lnTo>
+                  <a:pt x="68897" y="6734633"/>
+                </a:lnTo>
+                <a:cubicBezTo>
+                  <a:pt x="558802" y="5812845"/>
+                  <a:pt x="848920" y="4668597"/>
+                  <a:pt x="848920" y="3429000"/>
+                </a:cubicBezTo>
+                <a:cubicBezTo>
+                  <a:pt x="848920" y="2189404"/>
+                  <a:pt x="558802" y="1045156"/>
+                  <a:pt x="68897" y="123368"/>
+                </a:cubicBezTo>
+                <a:close/>
+              </a:path>
+            </a:pathLst>
+          </a:custGeom>
+        </p:spPr>
+      </p:pic>
+      <p:sp useBgFill="1">
+        <p:nvSpPr>
+          <p:cNvPr id="11" name="Freeform: Shape 10">
+            <a:extLst>
+              <a:ext uri="{FF2B5EF4-FFF2-40B4-BE49-F238E27FC236}">
+                <a16:creationId xmlns:a16="http://schemas.microsoft.com/office/drawing/2014/main" id="{AE9FC877-7FB6-4D22-9988-35420644E202}"/>
+              </a:ext>
+              <a:ext uri="{C183D7F6-B498-43B3-948B-1728B52AA6E4}">
+                <adec:decorative xmlns:adec="http://schemas.microsoft.com/office/drawing/2017/decorative" val="1"/>
+              </a:ext>
+            </a:extLst>
+          </p:cNvPr>
+          <p:cNvSpPr>
+            <a:spLocks noGrp="1" noRot="1" noChangeAspect="1" noMove="1" noResize="1" noEditPoints="1" noAdjustHandles="1" noChangeArrowheads="1" noChangeShapeType="1" noTextEdit="1"/>
+          </p:cNvSpPr>
+          <p:nvPr>
+            <p:extLst>
+              <p:ext uri="{386F3935-93C4-4BCD-93E2-E3B085C9AB24}">
+                <p16:designElem xmlns:p16="http://schemas.microsoft.com/office/powerpoint/2015/main" val="1"/>
+              </p:ext>
+            </p:extLst>
+          </p:nvPr>
+        </p:nvSpPr>
+        <p:spPr>
+          <a:xfrm>
+            <a:off x="0" y="0"/>
+            <a:ext cx="4959047" cy="6858000"/>
+          </a:xfrm>
+          <a:custGeom>
+            <a:avLst/>
+            <a:gdLst>
+              <a:gd name="connsiteX0" fmla="*/ 0 w 4959047"/>
+              <a:gd name="connsiteY0" fmla="*/ 0 h 6858000"/>
+              <a:gd name="connsiteX1" fmla="*/ 4110127 w 4959047"/>
+              <a:gd name="connsiteY1" fmla="*/ 0 h 6858000"/>
+              <a:gd name="connsiteX2" fmla="*/ 4179024 w 4959047"/>
+              <a:gd name="connsiteY2" fmla="*/ 123368 h 6858000"/>
+              <a:gd name="connsiteX3" fmla="*/ 4959047 w 4959047"/>
+              <a:gd name="connsiteY3" fmla="*/ 3429000 h 6858000"/>
+              <a:gd name="connsiteX4" fmla="*/ 4179024 w 4959047"/>
+              <a:gd name="connsiteY4" fmla="*/ 6734633 h 6858000"/>
+              <a:gd name="connsiteX5" fmla="*/ 4110127 w 4959047"/>
+              <a:gd name="connsiteY5" fmla="*/ 6858000 h 6858000"/>
+              <a:gd name="connsiteX6" fmla="*/ 0 w 4959047"/>
+              <a:gd name="connsiteY6" fmla="*/ 6858000 h 6858000"/>
+            </a:gdLst>
+            <a:ahLst/>
+            <a:cxnLst>
+              <a:cxn ang="0">
+                <a:pos x="connsiteX0" y="connsiteY0"/>
+              </a:cxn>
+              <a:cxn ang="0">
+                <a:pos x="connsiteX1" y="connsiteY1"/>
+              </a:cxn>
+              <a:cxn ang="0">
+                <a:pos x="connsiteX2" y="connsiteY2"/>
+              </a:cxn>
+              <a:cxn ang="0">
+                <a:pos x="connsiteX3" y="connsiteY3"/>
+              </a:cxn>
+              <a:cxn ang="0">
+                <a:pos x="connsiteX4" y="connsiteY4"/>
+              </a:cxn>
+              <a:cxn ang="0">
+                <a:pos x="connsiteX5" y="connsiteY5"/>
+              </a:cxn>
+              <a:cxn ang="0">
+                <a:pos x="connsiteX6" y="connsiteY6"/>
+              </a:cxn>
+            </a:cxnLst>
+            <a:rect l="l" t="t" r="r" b="b"/>
+            <a:pathLst>
+              <a:path w="4959047" h="6858000">
+                <a:moveTo>
+                  <a:pt x="0" y="0"/>
+                </a:moveTo>
+                <a:lnTo>
+                  <a:pt x="4110127" y="0"/>
+                </a:lnTo>
+                <a:lnTo>
+                  <a:pt x="4179024" y="123368"/>
+                </a:lnTo>
+                <a:cubicBezTo>
+                  <a:pt x="4668929" y="1045156"/>
+                  <a:pt x="4959047" y="2189404"/>
+                  <a:pt x="4959047" y="3429000"/>
+                </a:cubicBezTo>
+                <a:cubicBezTo>
+                  <a:pt x="4959047" y="4668597"/>
+                  <a:pt x="4668929" y="5812845"/>
+                  <a:pt x="4179024" y="6734633"/>
+                </a:cubicBezTo>
+                <a:lnTo>
+                  <a:pt x="4110127" y="6858000"/>
+                </a:lnTo>
+                <a:lnTo>
+                  <a:pt x="0" y="6858000"/>
+                </a:lnTo>
+                <a:close/>
+              </a:path>
+            </a:pathLst>
+          </a:custGeom>
+          <a:ln w="9525">
+            <a:solidFill>
+              <a:schemeClr val="tx2">
+                <a:lumMod val="10000"/>
+                <a:lumOff val="90000"/>
+              </a:schemeClr>
+            </a:solidFill>
+          </a:ln>
+          <a:effectLst>
+            <a:outerShdw blurRad="50800" dist="38100" algn="l" rotWithShape="0">
+              <a:schemeClr val="bg1">
+                <a:lumMod val="85000"/>
+                <a:alpha val="30000"/>
+              </a:schemeClr>
+            </a:outerShdw>
+          </a:effectLst>
+        </p:spPr>
+        <p:style>
+          <a:lnRef idx="2">
+            <a:schemeClr val="accent1">
+              <a:shade val="50000"/>
+            </a:schemeClr>
+          </a:lnRef>
+          <a:fillRef idx="1">
+            <a:schemeClr val="accent1"/>
+          </a:fillRef>
+          <a:effectRef idx="0">
+            <a:schemeClr val="accent1"/>
+          </a:effectRef>
+          <a:fontRef idx="minor">
+            <a:schemeClr val="lt1"/>
+          </a:fontRef>
+        </p:style>
+        <p:txBody>
+          <a:bodyPr wrap="square" rtlCol="0" anchor="ctr">
+            <a:noAutofit/>
+          </a:bodyPr>
+          <a:lstStyle/>
+          <a:p>
+            <a:pPr marL="0" marR="0" lvl="0" indent="0" algn="ctr" defTabSz="914400" rtl="0" eaLnBrk="1" fontAlgn="auto" latinLnBrk="0" hangingPunct="1">
+              <a:lnSpc>
+                <a:spcPct val="100000"/>
+              </a:lnSpc>
+              <a:spcBef>
+                <a:spcPts val="0"/>
+              </a:spcBef>
+              <a:spcAft>
+                <a:spcPts val="0"/>
+              </a:spcAft>
+              <a:buClrTx/>
+              <a:buSzTx/>
+              <a:buFontTx/>
+              <a:buNone/>
+              <a:tabLst/>
+              <a:defRPr/>
+            </a:pPr>
+            <a:endParaRPr kumimoji="0" lang="en-US" sz="1800" b="0" i="0" u="none" strike="noStrike" kern="1200" cap="none" spc="0" normalizeH="0" baseline="0" noProof="0">
+              <a:ln>
+                <a:noFill/>
+              </a:ln>
+              <a:solidFill>
+                <a:prstClr val="white"/>
+              </a:solidFill>
+              <a:effectLst/>
+              <a:uLnTx/>
+              <a:uFillTx/>
+              <a:latin typeface="Calibri" panose="020F0502020204030204"/>
+              <a:ea typeface="+mn-ea"/>
+              <a:cs typeface="+mn-cs"/>
+            </a:endParaRPr>
+          </a:p>
+        </p:txBody>
+      </p:sp>
+      <p:sp useBgFill="1">
+        <p:nvSpPr>
+          <p:cNvPr id="13" name="Freeform: Shape 12">
+            <a:extLst>
+              <a:ext uri="{FF2B5EF4-FFF2-40B4-BE49-F238E27FC236}">
+                <a16:creationId xmlns:a16="http://schemas.microsoft.com/office/drawing/2014/main" id="{E41809D1-F12E-46BB-B804-5F209D325E8B}"/>
+              </a:ext>
+              <a:ext uri="{C183D7F6-B498-43B3-948B-1728B52AA6E4}">
+                <adec:decorative xmlns:adec="http://schemas.microsoft.com/office/drawing/2017/decorative" val="1"/>
+              </a:ext>
+            </a:extLst>
+          </p:cNvPr>
+          <p:cNvSpPr>
+            <a:spLocks noGrp="1" noRot="1" noChangeAspect="1" noMove="1" noResize="1" noEditPoints="1" noAdjustHandles="1" noChangeArrowheads="1" noChangeShapeType="1" noTextEdit="1"/>
+          </p:cNvSpPr>
+          <p:nvPr>
+            <p:extLst>
+              <p:ext uri="{386F3935-93C4-4BCD-93E2-E3B085C9AB24}">
+                <p16:designElem xmlns:p16="http://schemas.microsoft.com/office/powerpoint/2015/main" val="1"/>
+              </p:ext>
+            </p:extLst>
+          </p:nvPr>
+        </p:nvSpPr>
+        <p:spPr>
+          <a:xfrm>
+            <a:off x="0" y="0"/>
+            <a:ext cx="4948887" cy="6858000"/>
+          </a:xfrm>
+          <a:custGeom>
+            <a:avLst/>
+            <a:gdLst>
+              <a:gd name="connsiteX0" fmla="*/ 0 w 4948887"/>
+              <a:gd name="connsiteY0" fmla="*/ 0 h 6858000"/>
+              <a:gd name="connsiteX1" fmla="*/ 4099967 w 4948887"/>
+              <a:gd name="connsiteY1" fmla="*/ 0 h 6858000"/>
+              <a:gd name="connsiteX2" fmla="*/ 4168864 w 4948887"/>
+              <a:gd name="connsiteY2" fmla="*/ 123368 h 6858000"/>
+              <a:gd name="connsiteX3" fmla="*/ 4948887 w 4948887"/>
+              <a:gd name="connsiteY3" fmla="*/ 3429000 h 6858000"/>
+              <a:gd name="connsiteX4" fmla="*/ 4168864 w 4948887"/>
+              <a:gd name="connsiteY4" fmla="*/ 6734633 h 6858000"/>
+              <a:gd name="connsiteX5" fmla="*/ 4099967 w 4948887"/>
+              <a:gd name="connsiteY5" fmla="*/ 6858000 h 6858000"/>
+              <a:gd name="connsiteX6" fmla="*/ 0 w 4948887"/>
+              <a:gd name="connsiteY6" fmla="*/ 6858000 h 6858000"/>
+            </a:gdLst>
+            <a:ahLst/>
+            <a:cxnLst>
+              <a:cxn ang="0">
+                <a:pos x="connsiteX0" y="connsiteY0"/>
+              </a:cxn>
+              <a:cxn ang="0">
+                <a:pos x="connsiteX1" y="connsiteY1"/>
+              </a:cxn>
+              <a:cxn ang="0">
+                <a:pos x="connsiteX2" y="connsiteY2"/>
+              </a:cxn>
+              <a:cxn ang="0">
+                <a:pos x="connsiteX3" y="connsiteY3"/>
+              </a:cxn>
+              <a:cxn ang="0">
+                <a:pos x="connsiteX4" y="connsiteY4"/>
+              </a:cxn>
+              <a:cxn ang="0">
+                <a:pos x="connsiteX5" y="connsiteY5"/>
+              </a:cxn>
+              <a:cxn ang="0">
+                <a:pos x="connsiteX6" y="connsiteY6"/>
+              </a:cxn>
+            </a:cxnLst>
+            <a:rect l="l" t="t" r="r" b="b"/>
+            <a:pathLst>
+              <a:path w="4948887" h="6858000">
+                <a:moveTo>
+                  <a:pt x="0" y="0"/>
+                </a:moveTo>
+                <a:lnTo>
+                  <a:pt x="4099967" y="0"/>
+                </a:lnTo>
+                <a:lnTo>
+                  <a:pt x="4168864" y="123368"/>
+                </a:lnTo>
+                <a:cubicBezTo>
+                  <a:pt x="4658769" y="1045156"/>
+                  <a:pt x="4948887" y="2189404"/>
+                  <a:pt x="4948887" y="3429000"/>
+                </a:cubicBezTo>
+                <a:cubicBezTo>
+                  <a:pt x="4948887" y="4668597"/>
+                  <a:pt x="4658769" y="5812845"/>
+                  <a:pt x="4168864" y="6734633"/>
+                </a:cubicBezTo>
+                <a:lnTo>
+                  <a:pt x="4099967" y="6858000"/>
+                </a:lnTo>
+                <a:lnTo>
+                  <a:pt x="0" y="6858000"/>
+                </a:lnTo>
+                <a:close/>
+              </a:path>
+            </a:pathLst>
+          </a:custGeom>
+          <a:ln w="9525">
+            <a:noFill/>
+          </a:ln>
+          <a:effectLst/>
+        </p:spPr>
+        <p:style>
+          <a:lnRef idx="2">
+            <a:schemeClr val="accent1">
+              <a:shade val="50000"/>
+            </a:schemeClr>
+          </a:lnRef>
+          <a:fillRef idx="1">
+            <a:schemeClr val="accent1"/>
+          </a:fillRef>
+          <a:effectRef idx="0">
+            <a:schemeClr val="accent1"/>
+          </a:effectRef>
+          <a:fontRef idx="minor">
+            <a:schemeClr val="lt1"/>
+          </a:fontRef>
+        </p:style>
+        <p:txBody>
+          <a:bodyPr wrap="square" rtlCol="0" anchor="ctr">
+            <a:noAutofit/>
+          </a:bodyPr>
+          <a:lstStyle/>
+          <a:p>
+            <a:pPr marL="0" marR="0" lvl="0" indent="0" algn="ctr" defTabSz="914400" rtl="0" eaLnBrk="1" fontAlgn="auto" latinLnBrk="0" hangingPunct="1">
+              <a:lnSpc>
+                <a:spcPct val="100000"/>
+              </a:lnSpc>
+              <a:spcBef>
+                <a:spcPts val="0"/>
+              </a:spcBef>
+              <a:spcAft>
+                <a:spcPts val="0"/>
+              </a:spcAft>
+              <a:buClrTx/>
+              <a:buSzTx/>
+              <a:buFontTx/>
+              <a:buNone/>
+              <a:tabLst/>
+              <a:defRPr/>
+            </a:pPr>
+            <a:endParaRPr kumimoji="0" lang="en-US" sz="1800" b="0" i="0" u="none" strike="noStrike" kern="1200" cap="none" spc="0" normalizeH="0" baseline="0" noProof="0">
+              <a:ln>
+                <a:noFill/>
+              </a:ln>
+              <a:solidFill>
+                <a:prstClr val="white"/>
+              </a:solidFill>
+              <a:effectLst/>
+              <a:uLnTx/>
+              <a:uFillTx/>
+              <a:latin typeface="Calibri" panose="020F0502020204030204"/>
+              <a:ea typeface="+mn-ea"/>
+              <a:cs typeface="+mn-cs"/>
+            </a:endParaRPr>
+          </a:p>
+        </p:txBody>
+      </p:sp>
       <p:sp>
         <p:nvSpPr>
           <p:cNvPr id="2" name="Title 1">
@@ -6236,18 +6707,19 @@
         </p:nvSpPr>
         <p:spPr>
           <a:xfrm>
-            <a:off x="1622474" y="1463039"/>
-            <a:ext cx="9144000" cy="879305"/>
+            <a:off x="477981" y="1122363"/>
+            <a:ext cx="4023360" cy="3204134"/>
           </a:xfrm>
         </p:spPr>
         <p:txBody>
-          <a:bodyPr>
-            <a:normAutofit fontScale="90000"/>
+          <a:bodyPr anchor="b">
+            <a:normAutofit/>
           </a:bodyPr>
           <a:lstStyle/>
           <a:p>
-            <a:r>
-              <a:rPr lang="en-US" b="1" dirty="0">
+            <a:pPr algn="l"/>
+            <a:r>
+              <a:rPr lang="en-US" sz="4800" b="1">
                 <a:latin typeface="Arial" panose="020B0604020202020204" pitchFamily="34" charset="0"/>
                 <a:cs typeface="Arial" panose="020B0604020202020204" pitchFamily="34" charset="0"/>
               </a:rPr>
@@ -6274,16 +6746,19 @@
         </p:nvSpPr>
         <p:spPr>
           <a:xfrm>
-            <a:off x="1524000" y="2859894"/>
-            <a:ext cx="9144000" cy="1655762"/>
+            <a:off x="477981" y="4872922"/>
+            <a:ext cx="3933306" cy="1208141"/>
           </a:xfrm>
         </p:spPr>
         <p:txBody>
-          <a:bodyPr/>
+          <a:bodyPr>
+            <a:normAutofit/>
+          </a:bodyPr>
           <a:lstStyle/>
           <a:p>
-            <a:r>
-              <a:rPr lang="en-US" b="1" dirty="0">
+            <a:pPr algn="l"/>
+            <a:r>
+              <a:rPr lang="en-US" sz="1200" b="1" dirty="0">
                 <a:latin typeface="Arial" panose="020B0604020202020204" pitchFamily="34" charset="0"/>
                 <a:cs typeface="Arial" panose="020B0604020202020204" pitchFamily="34" charset="0"/>
               </a:rPr>
@@ -6291,33 +6766,216 @@
             </a:r>
           </a:p>
           <a:p>
-            <a:r>
-              <a:rPr lang="en-GB" dirty="0">
+            <a:pPr algn="l"/>
+            <a:r>
+              <a:rPr lang="en-GB" sz="1200" dirty="0">
                 <a:latin typeface="Arial" panose="020B0604020202020204" pitchFamily="34" charset="0"/>
                 <a:cs typeface="Arial" panose="020B0604020202020204" pitchFamily="34" charset="0"/>
               </a:rPr>
               <a:t>Master of Science in Computer Science (</a:t>
             </a:r>
             <a:r>
-              <a:rPr lang="en-US">
+              <a:rPr lang="en-US" sz="1200" dirty="0">
                 <a:latin typeface="Arial" panose="020B0604020202020204" pitchFamily="34" charset="0"/>
                 <a:cs typeface="Arial" panose="020B0604020202020204" pitchFamily="34" charset="0"/>
               </a:rPr>
               <a:t>MSCS)</a:t>
             </a:r>
-            <a:endParaRPr lang="en-US" dirty="0">
-              <a:latin typeface="Arial" panose="020B0604020202020204" pitchFamily="34" charset="0"/>
-              <a:cs typeface="Arial" panose="020B0604020202020204" pitchFamily="34" charset="0"/>
-            </a:endParaRPr>
-          </a:p>
-          <a:p>
-            <a:r>
-              <a:rPr lang="en-US" dirty="0">
+          </a:p>
+          <a:p>
+            <a:pPr algn="l"/>
+            <a:r>
+              <a:rPr lang="en-US" sz="1200" dirty="0">
                 <a:latin typeface="Arial" panose="020B0604020202020204" pitchFamily="34" charset="0"/>
                 <a:cs typeface="Arial" panose="020B0604020202020204" pitchFamily="34" charset="0"/>
               </a:rPr>
               <a:t>American International University of Bangladesh (AIUB)</a:t>
             </a:r>
+          </a:p>
+        </p:txBody>
+      </p:sp>
+      <p:sp>
+        <p:nvSpPr>
+          <p:cNvPr id="15" name="Rectangle 14">
+            <a:extLst>
+              <a:ext uri="{FF2B5EF4-FFF2-40B4-BE49-F238E27FC236}">
+                <a16:creationId xmlns:a16="http://schemas.microsoft.com/office/drawing/2014/main" id="{AF2F604E-43BE-4DC3-B983-E071523364F8}"/>
+              </a:ext>
+              <a:ext uri="{C183D7F6-B498-43B3-948B-1728B52AA6E4}">
+                <adec:decorative xmlns:adec="http://schemas.microsoft.com/office/drawing/2017/decorative" val="1"/>
+              </a:ext>
+            </a:extLst>
+          </p:cNvPr>
+          <p:cNvSpPr>
+            <a:spLocks noGrp="1" noRot="1" noChangeAspect="1" noMove="1" noResize="1" noEditPoints="1" noAdjustHandles="1" noChangeArrowheads="1" noChangeShapeType="1" noTextEdit="1"/>
+          </p:cNvSpPr>
+          <p:nvPr>
+            <p:extLst>
+              <p:ext uri="{386F3935-93C4-4BCD-93E2-E3B085C9AB24}">
+                <p16:designElem xmlns:p16="http://schemas.microsoft.com/office/powerpoint/2015/main" val="1"/>
+              </p:ext>
+            </p:extLst>
+          </p:nvPr>
+        </p:nvSpPr>
+        <p:spPr>
+          <a:xfrm rot="5400000">
+            <a:off x="759921" y="346791"/>
+            <a:ext cx="146304" cy="704088"/>
+          </a:xfrm>
+          <a:prstGeom prst="rect">
+            <a:avLst/>
+          </a:prstGeom>
+          <a:solidFill>
+            <a:schemeClr val="accent2"/>
+          </a:solidFill>
+          <a:ln>
+            <a:noFill/>
+          </a:ln>
+        </p:spPr>
+        <p:style>
+          <a:lnRef idx="2">
+            <a:schemeClr val="accent1">
+              <a:shade val="50000"/>
+            </a:schemeClr>
+          </a:lnRef>
+          <a:fillRef idx="1">
+            <a:schemeClr val="accent1"/>
+          </a:fillRef>
+          <a:effectRef idx="0">
+            <a:schemeClr val="accent1"/>
+          </a:effectRef>
+          <a:fontRef idx="minor">
+            <a:schemeClr val="lt1"/>
+          </a:fontRef>
+        </p:style>
+        <p:txBody>
+          <a:bodyPr rtlCol="0" anchor="ctr"/>
+          <a:lstStyle/>
+          <a:p>
+            <a:pPr marL="0" marR="0" lvl="0" indent="0" algn="ctr" defTabSz="914400" rtl="0" eaLnBrk="1" fontAlgn="auto" latinLnBrk="0" hangingPunct="1">
+              <a:lnSpc>
+                <a:spcPct val="100000"/>
+              </a:lnSpc>
+              <a:spcBef>
+                <a:spcPts val="0"/>
+              </a:spcBef>
+              <a:spcAft>
+                <a:spcPts val="0"/>
+              </a:spcAft>
+              <a:buClrTx/>
+              <a:buSzTx/>
+              <a:buFontTx/>
+              <a:buNone/>
+              <a:tabLst/>
+              <a:defRPr/>
+            </a:pPr>
+            <a:endParaRPr kumimoji="0" lang="en-US" sz="1800" b="0" i="0" u="none" strike="noStrike" kern="1200" cap="none" spc="0" normalizeH="0" baseline="0" noProof="0">
+              <a:ln>
+                <a:noFill/>
+              </a:ln>
+              <a:solidFill>
+                <a:prstClr val="white"/>
+              </a:solidFill>
+              <a:effectLst/>
+              <a:uLnTx/>
+              <a:uFillTx/>
+              <a:latin typeface="Calibri" panose="020F0502020204030204"/>
+              <a:ea typeface="+mn-ea"/>
+              <a:cs typeface="+mn-cs"/>
+            </a:endParaRPr>
+          </a:p>
+        </p:txBody>
+      </p:sp>
+      <p:sp>
+        <p:nvSpPr>
+          <p:cNvPr id="17" name="Rectangle 16">
+            <a:extLst>
+              <a:ext uri="{FF2B5EF4-FFF2-40B4-BE49-F238E27FC236}">
+                <a16:creationId xmlns:a16="http://schemas.microsoft.com/office/drawing/2014/main" id="{08C9B587-E65E-4B52-B37C-ABEBB6E87928}"/>
+              </a:ext>
+              <a:ext uri="{C183D7F6-B498-43B3-948B-1728B52AA6E4}">
+                <adec:decorative xmlns:adec="http://schemas.microsoft.com/office/drawing/2017/decorative" val="1"/>
+              </a:ext>
+            </a:extLst>
+          </p:cNvPr>
+          <p:cNvSpPr>
+            <a:spLocks noGrp="1" noRot="1" noChangeAspect="1" noMove="1" noResize="1" noEditPoints="1" noAdjustHandles="1" noChangeArrowheads="1" noChangeShapeType="1" noTextEdit="1"/>
+          </p:cNvSpPr>
+          <p:nvPr>
+            <p:extLst>
+              <p:ext uri="{386F3935-93C4-4BCD-93E2-E3B085C9AB24}">
+                <p16:designElem xmlns:p16="http://schemas.microsoft.com/office/powerpoint/2015/main" val="1"/>
+              </p:ext>
+            </p:extLst>
+          </p:nvPr>
+        </p:nvSpPr>
+        <p:spPr>
+          <a:xfrm>
+            <a:off x="481029" y="4546920"/>
+            <a:ext cx="4023360" cy="18288"/>
+          </a:xfrm>
+          <a:prstGeom prst="rect">
+            <a:avLst/>
+          </a:prstGeom>
+          <a:solidFill>
+            <a:srgbClr val="D5D5D5"/>
+          </a:solidFill>
+          <a:ln w="3175">
+            <a:noFill/>
+          </a:ln>
+          <a:effectLst/>
+        </p:spPr>
+        <p:style>
+          <a:lnRef idx="2">
+            <a:schemeClr val="accent1">
+              <a:shade val="50000"/>
+            </a:schemeClr>
+          </a:lnRef>
+          <a:fillRef idx="1">
+            <a:schemeClr val="accent1"/>
+          </a:fillRef>
+          <a:effectRef idx="0">
+            <a:schemeClr val="accent1"/>
+          </a:effectRef>
+          <a:fontRef idx="minor">
+            <a:schemeClr val="lt1"/>
+          </a:fontRef>
+        </p:style>
+        <p:txBody>
+          <a:bodyPr rtlCol="0" anchor="ctr"/>
+          <a:lstStyle/>
+          <a:p>
+            <a:pPr marL="0" marR="0" lvl="0" indent="0" algn="ctr" defTabSz="914400" rtl="0" eaLnBrk="1" fontAlgn="auto" latinLnBrk="0" hangingPunct="1">
+              <a:lnSpc>
+                <a:spcPct val="100000"/>
+              </a:lnSpc>
+              <a:spcBef>
+                <a:spcPts val="0"/>
+              </a:spcBef>
+              <a:spcAft>
+                <a:spcPts val="0"/>
+              </a:spcAft>
+              <a:buClrTx/>
+              <a:buSzTx/>
+              <a:buFontTx/>
+              <a:buNone/>
+              <a:tabLst/>
+              <a:defRPr/>
+            </a:pPr>
+            <a:endParaRPr kumimoji="0" lang="en-US" sz="1800" b="0" i="0" u="none" strike="noStrike" kern="1200" cap="none" spc="0" normalizeH="0" baseline="0" noProof="0">
+              <a:ln>
+                <a:noFill/>
+              </a:ln>
+              <a:solidFill>
+                <a:prstClr val="white"/>
+              </a:solidFill>
+              <a:effectLst/>
+              <a:uLnTx/>
+              <a:uFillTx/>
+              <a:latin typeface="Calibri" panose="020F0502020204030204"/>
+              <a:ea typeface="+mn-ea"/>
+              <a:cs typeface="+mn-cs"/>
+            </a:endParaRPr>
           </a:p>
         </p:txBody>
       </p:sp>
@@ -6337,6 +6995,14 @@
 <file path=ppt/slides/slide10.xml><?xml version="1.0" encoding="utf-8"?>
 <p:sld xmlns:a="http://schemas.openxmlformats.org/drawingml/2006/main" xmlns:r="http://schemas.openxmlformats.org/officeDocument/2006/relationships" xmlns:p="http://schemas.openxmlformats.org/presentationml/2006/main">
   <p:cSld>
+    <p:bg>
+      <p:bgPr>
+        <a:solidFill>
+          <a:schemeClr val="bg1"/>
+        </a:solidFill>
+        <a:effectLst/>
+      </p:bgPr>
+    </p:bg>
     <p:spTree>
       <p:nvGrpSpPr>
         <p:cNvPr id="1" name=""/>
@@ -6351,12 +7017,261 @@
           <a:chExt cx="0" cy="0"/>
         </a:xfrm>
       </p:grpSpPr>
+      <p:sp useBgFill="1">
+        <p:nvSpPr>
+          <p:cNvPr id="12" name="Rectangle 11">
+            <a:extLst>
+              <a:ext uri="{FF2B5EF4-FFF2-40B4-BE49-F238E27FC236}">
+                <a16:creationId xmlns:a16="http://schemas.microsoft.com/office/drawing/2014/main" id="{DAF1966E-FD40-4A4A-B61B-C4DF7FA05F06}"/>
+              </a:ext>
+              <a:ext uri="{C183D7F6-B498-43B3-948B-1728B52AA6E4}">
+                <adec:decorative xmlns:adec="http://schemas.microsoft.com/office/drawing/2017/decorative" val="1"/>
+              </a:ext>
+            </a:extLst>
+          </p:cNvPr>
+          <p:cNvSpPr>
+            <a:spLocks noGrp="1" noRot="1" noChangeAspect="1" noMove="1" noResize="1" noEditPoints="1" noAdjustHandles="1" noChangeArrowheads="1" noChangeShapeType="1" noTextEdit="1"/>
+          </p:cNvSpPr>
+          <p:nvPr>
+            <p:extLst>
+              <p:ext uri="{386F3935-93C4-4BCD-93E2-E3B085C9AB24}">
+                <p16:designElem xmlns:p16="http://schemas.microsoft.com/office/powerpoint/2015/main" val="1"/>
+              </p:ext>
+            </p:extLst>
+          </p:nvPr>
+        </p:nvSpPr>
+        <p:spPr>
+          <a:xfrm>
+            <a:off x="0" y="0"/>
+            <a:ext cx="12192000" cy="6858000"/>
+          </a:xfrm>
+          <a:prstGeom prst="rect">
+            <a:avLst/>
+          </a:prstGeom>
+          <a:ln>
+            <a:noFill/>
+          </a:ln>
+        </p:spPr>
+        <p:style>
+          <a:lnRef idx="2">
+            <a:schemeClr val="accent1">
+              <a:shade val="50000"/>
+            </a:schemeClr>
+          </a:lnRef>
+          <a:fillRef idx="1">
+            <a:schemeClr val="accent1"/>
+          </a:fillRef>
+          <a:effectRef idx="0">
+            <a:schemeClr val="accent1"/>
+          </a:effectRef>
+          <a:fontRef idx="minor">
+            <a:schemeClr val="lt1"/>
+          </a:fontRef>
+        </p:style>
+        <p:txBody>
+          <a:bodyPr rtlCol="0" anchor="ctr"/>
+          <a:lstStyle/>
+          <a:p>
+            <a:pPr algn="ctr"/>
+            <a:endParaRPr lang="en-US"/>
+          </a:p>
+        </p:txBody>
+      </p:sp>
+      <p:sp useBgFill="1">
+        <p:nvSpPr>
+          <p:cNvPr id="14" name="Rectangle 13">
+            <a:extLst>
+              <a:ext uri="{FF2B5EF4-FFF2-40B4-BE49-F238E27FC236}">
+                <a16:creationId xmlns:a16="http://schemas.microsoft.com/office/drawing/2014/main" id="{047BFA19-D45E-416B-A404-7AF2F3F27017}"/>
+              </a:ext>
+              <a:ext uri="{C183D7F6-B498-43B3-948B-1728B52AA6E4}">
+                <adec:decorative xmlns:adec="http://schemas.microsoft.com/office/drawing/2017/decorative" val="1"/>
+              </a:ext>
+            </a:extLst>
+          </p:cNvPr>
+          <p:cNvSpPr>
+            <a:spLocks noGrp="1" noRot="1" noChangeAspect="1" noMove="1" noResize="1" noEditPoints="1" noAdjustHandles="1" noChangeArrowheads="1" noChangeShapeType="1" noTextEdit="1"/>
+          </p:cNvSpPr>
+          <p:nvPr>
+            <p:extLst>
+              <p:ext uri="{386F3935-93C4-4BCD-93E2-E3B085C9AB24}">
+                <p16:designElem xmlns:p16="http://schemas.microsoft.com/office/powerpoint/2015/main" val="1"/>
+              </p:ext>
+            </p:extLst>
+          </p:nvPr>
+        </p:nvSpPr>
+        <p:spPr>
+          <a:xfrm>
+            <a:off x="558209" y="0"/>
+            <a:ext cx="11167447" cy="2018806"/>
+          </a:xfrm>
+          <a:prstGeom prst="rect">
+            <a:avLst/>
+          </a:prstGeom>
+          <a:ln w="9525">
+            <a:solidFill>
+              <a:srgbClr val="E1E1E1"/>
+            </a:solidFill>
+          </a:ln>
+          <a:effectLst>
+            <a:outerShdw blurRad="50800" dist="38100" dir="2700000" algn="tl" rotWithShape="0">
+              <a:schemeClr val="bg1">
+                <a:lumMod val="85000"/>
+                <a:alpha val="50000"/>
+              </a:schemeClr>
+            </a:outerShdw>
+          </a:effectLst>
+        </p:spPr>
+        <p:style>
+          <a:lnRef idx="2">
+            <a:schemeClr val="accent1">
+              <a:shade val="50000"/>
+            </a:schemeClr>
+          </a:lnRef>
+          <a:fillRef idx="1">
+            <a:schemeClr val="accent1"/>
+          </a:fillRef>
+          <a:effectRef idx="0">
+            <a:schemeClr val="accent1"/>
+          </a:effectRef>
+          <a:fontRef idx="minor">
+            <a:schemeClr val="lt1"/>
+          </a:fontRef>
+        </p:style>
+        <p:txBody>
+          <a:bodyPr rtlCol="0" anchor="ctr"/>
+          <a:lstStyle/>
+          <a:p>
+            <a:pPr marL="0" marR="0" lvl="0" indent="0" algn="ctr" defTabSz="914400" rtl="0" eaLnBrk="1" fontAlgn="auto" latinLnBrk="0" hangingPunct="1">
+              <a:lnSpc>
+                <a:spcPct val="100000"/>
+              </a:lnSpc>
+              <a:spcBef>
+                <a:spcPts val="0"/>
+              </a:spcBef>
+              <a:spcAft>
+                <a:spcPts val="0"/>
+              </a:spcAft>
+              <a:buClrTx/>
+              <a:buSzTx/>
+              <a:buFontTx/>
+              <a:buNone/>
+              <a:tabLst/>
+              <a:defRPr/>
+            </a:pPr>
+            <a:endParaRPr kumimoji="0" lang="en-US" sz="1800" b="0" i="0" u="none" strike="noStrike" kern="1200" cap="none" spc="0" normalizeH="0" baseline="0" noProof="0">
+              <a:ln>
+                <a:noFill/>
+              </a:ln>
+              <a:solidFill>
+                <a:prstClr val="white"/>
+              </a:solidFill>
+              <a:effectLst/>
+              <a:uLnTx/>
+              <a:uFillTx/>
+              <a:latin typeface="Calibri" panose="020F0502020204030204"/>
+              <a:ea typeface="+mn-ea"/>
+              <a:cs typeface="+mn-cs"/>
+            </a:endParaRPr>
+          </a:p>
+        </p:txBody>
+      </p:sp>
+      <p:sp useBgFill="1">
+        <p:nvSpPr>
+          <p:cNvPr id="16" name="Rectangle 15">
+            <a:extLst>
+              <a:ext uri="{FF2B5EF4-FFF2-40B4-BE49-F238E27FC236}">
+                <a16:creationId xmlns:a16="http://schemas.microsoft.com/office/drawing/2014/main" id="{8E0105E7-23DB-4CF2-8258-FF47C7620F6E}"/>
+              </a:ext>
+              <a:ext uri="{C183D7F6-B498-43B3-948B-1728B52AA6E4}">
+                <adec:decorative xmlns:adec="http://schemas.microsoft.com/office/drawing/2017/decorative" val="1"/>
+              </a:ext>
+            </a:extLst>
+          </p:cNvPr>
+          <p:cNvSpPr>
+            <a:spLocks noGrp="1" noRot="1" noChangeAspect="1" noMove="1" noResize="1" noEditPoints="1" noAdjustHandles="1" noChangeArrowheads="1" noChangeShapeType="1" noTextEdit="1"/>
+          </p:cNvSpPr>
+          <p:nvPr>
+            <p:extLst>
+              <p:ext uri="{386F3935-93C4-4BCD-93E2-E3B085C9AB24}">
+                <p16:designElem xmlns:p16="http://schemas.microsoft.com/office/powerpoint/2015/main" val="1"/>
+              </p:ext>
+            </p:extLst>
+          </p:nvPr>
+        </p:nvSpPr>
+        <p:spPr>
+          <a:xfrm>
+            <a:off x="566928" y="0"/>
+            <a:ext cx="11155680" cy="2011680"/>
+          </a:xfrm>
+          <a:prstGeom prst="rect">
+            <a:avLst/>
+          </a:prstGeom>
+          <a:ln w="9525">
+            <a:noFill/>
+          </a:ln>
+          <a:effectLst/>
+        </p:spPr>
+        <p:style>
+          <a:lnRef idx="2">
+            <a:schemeClr val="accent1">
+              <a:shade val="50000"/>
+            </a:schemeClr>
+          </a:lnRef>
+          <a:fillRef idx="1">
+            <a:schemeClr val="accent1"/>
+          </a:fillRef>
+          <a:effectRef idx="0">
+            <a:schemeClr val="accent1"/>
+          </a:effectRef>
+          <a:fontRef idx="minor">
+            <a:schemeClr val="lt1"/>
+          </a:fontRef>
+        </p:style>
+        <p:txBody>
+          <a:bodyPr rtlCol="0" anchor="ctr"/>
+          <a:lstStyle/>
+          <a:p>
+            <a:pPr marL="0" marR="0" lvl="0" indent="0" algn="ctr" defTabSz="914400" rtl="0" eaLnBrk="1" fontAlgn="auto" latinLnBrk="0" hangingPunct="1">
+              <a:lnSpc>
+                <a:spcPct val="100000"/>
+              </a:lnSpc>
+              <a:spcBef>
+                <a:spcPts val="0"/>
+              </a:spcBef>
+              <a:spcAft>
+                <a:spcPts val="0"/>
+              </a:spcAft>
+              <a:buClrTx/>
+              <a:buSzTx/>
+              <a:buFontTx/>
+              <a:buNone/>
+              <a:tabLst/>
+              <a:defRPr/>
+            </a:pPr>
+            <a:endParaRPr kumimoji="0" lang="en-US" sz="1800" b="0" i="0" u="none" strike="noStrike" kern="1200" cap="none" spc="0" normalizeH="0" baseline="0" noProof="0">
+              <a:ln>
+                <a:noFill/>
+              </a:ln>
+              <a:solidFill>
+                <a:prstClr val="white"/>
+              </a:solidFill>
+              <a:effectLst/>
+              <a:uLnTx/>
+              <a:uFillTx/>
+              <a:latin typeface="Calibri" panose="020F0502020204030204"/>
+              <a:ea typeface="+mn-ea"/>
+              <a:cs typeface="+mn-cs"/>
+            </a:endParaRPr>
+          </a:p>
+        </p:txBody>
+      </p:sp>
       <p:sp>
         <p:nvSpPr>
-          <p:cNvPr id="6" name="Content Placeholder 2">
+          <p:cNvPr id="7" name="Title 1">
             <a:extLst>
               <a:ext uri="{FF2B5EF4-FFF2-40B4-BE49-F238E27FC236}">
-                <a16:creationId xmlns:a16="http://schemas.microsoft.com/office/drawing/2014/main" id="{772EE466-CDA9-4290-98F9-4A4CEC0A1E73}"/>
+                <a16:creationId xmlns:a16="http://schemas.microsoft.com/office/drawing/2014/main" id="{9D71E5D7-0ABA-46A8-9CF0-4E4D26AF9BE7}"/>
               </a:ext>
             </a:extLst>
           </p:cNvPr>
@@ -6367,8 +7282,142 @@
         </p:nvSpPr>
         <p:spPr>
           <a:xfrm>
-            <a:off x="1049216" y="1526063"/>
-            <a:ext cx="10515600" cy="4803300"/>
+            <a:off x="1115568" y="548640"/>
+            <a:ext cx="10168128" cy="1179576"/>
+          </a:xfrm>
+          <a:prstGeom prst="rect">
+            <a:avLst/>
+          </a:prstGeom>
+        </p:spPr>
+        <p:txBody>
+          <a:bodyPr vert="horz" lIns="91440" tIns="45720" rIns="91440" bIns="45720" rtlCol="0" anchor="ctr">
+            <a:normAutofit/>
+          </a:bodyPr>
+          <a:lstStyle>
+            <a:lvl1pPr algn="l" defTabSz="914400" rtl="0" eaLnBrk="1" latinLnBrk="0" hangingPunct="1">
+              <a:lnSpc>
+                <a:spcPct val="90000"/>
+              </a:lnSpc>
+              <a:spcBef>
+                <a:spcPct val="0"/>
+              </a:spcBef>
+              <a:buNone/>
+              <a:defRPr sz="4400" kern="1200">
+                <a:solidFill>
+                  <a:schemeClr val="tx1"/>
+                </a:solidFill>
+                <a:latin typeface="+mj-lt"/>
+                <a:ea typeface="+mj-ea"/>
+                <a:cs typeface="+mj-cs"/>
+              </a:defRPr>
+            </a:lvl1pPr>
+          </a:lstStyle>
+          <a:p>
+            <a:pPr>
+              <a:spcAft>
+                <a:spcPts val="600"/>
+              </a:spcAft>
+            </a:pPr>
+            <a:r>
+              <a:rPr lang="en-US" sz="4000" b="1" kern="1200">
+                <a:solidFill>
+                  <a:schemeClr val="tx1"/>
+                </a:solidFill>
+                <a:latin typeface="+mj-lt"/>
+                <a:ea typeface="+mj-ea"/>
+                <a:cs typeface="+mj-cs"/>
+              </a:rPr>
+              <a:t>Where to use which data structure?</a:t>
+            </a:r>
+          </a:p>
+        </p:txBody>
+      </p:sp>
+      <p:sp>
+        <p:nvSpPr>
+          <p:cNvPr id="18" name="Rectangle 17">
+            <a:extLst>
+              <a:ext uri="{FF2B5EF4-FFF2-40B4-BE49-F238E27FC236}">
+                <a16:creationId xmlns:a16="http://schemas.microsoft.com/office/drawing/2014/main" id="{074B4F7D-14B2-478B-8BF5-01E4E0C5D263}"/>
+              </a:ext>
+              <a:ext uri="{C183D7F6-B498-43B3-948B-1728B52AA6E4}">
+                <adec:decorative xmlns:adec="http://schemas.microsoft.com/office/drawing/2017/decorative" val="1"/>
+              </a:ext>
+            </a:extLst>
+          </p:cNvPr>
+          <p:cNvSpPr>
+            <a:spLocks noGrp="1" noRot="1" noChangeAspect="1" noMove="1" noResize="1" noEditPoints="1" noAdjustHandles="1" noChangeArrowheads="1" noChangeShapeType="1" noTextEdit="1"/>
+          </p:cNvSpPr>
+          <p:nvPr>
+            <p:extLst>
+              <p:ext uri="{386F3935-93C4-4BCD-93E2-E3B085C9AB24}">
+                <p16:designElem xmlns:p16="http://schemas.microsoft.com/office/powerpoint/2015/main" val="1"/>
+              </p:ext>
+            </p:extLst>
+          </p:nvPr>
+        </p:nvSpPr>
+        <p:spPr>
+          <a:xfrm>
+            <a:off x="498834" y="758952"/>
+            <a:ext cx="128016" cy="704088"/>
+          </a:xfrm>
+          <a:prstGeom prst="rect">
+            <a:avLst/>
+          </a:prstGeom>
+          <a:solidFill>
+            <a:schemeClr val="accent2"/>
+          </a:solidFill>
+          <a:ln>
+            <a:noFill/>
+          </a:ln>
+        </p:spPr>
+        <p:style>
+          <a:lnRef idx="2">
+            <a:schemeClr val="accent1">
+              <a:shade val="50000"/>
+            </a:schemeClr>
+          </a:lnRef>
+          <a:fillRef idx="1">
+            <a:schemeClr val="accent1"/>
+          </a:fillRef>
+          <a:effectRef idx="0">
+            <a:schemeClr val="accent1"/>
+          </a:effectRef>
+          <a:fontRef idx="minor">
+            <a:schemeClr val="lt1"/>
+          </a:fontRef>
+        </p:style>
+        <p:txBody>
+          <a:bodyPr rtlCol="0" anchor="ctr"/>
+          <a:lstStyle/>
+          <a:p>
+            <a:pPr algn="ctr"/>
+            <a:endParaRPr lang="en-US">
+              <a:solidFill>
+                <a:prstClr val="white"/>
+              </a:solidFill>
+              <a:latin typeface="Calibri" panose="020F0502020204030204"/>
+            </a:endParaRPr>
+          </a:p>
+        </p:txBody>
+      </p:sp>
+      <p:sp>
+        <p:nvSpPr>
+          <p:cNvPr id="6" name="Content Placeholder 2">
+            <a:extLst>
+              <a:ext uri="{FF2B5EF4-FFF2-40B4-BE49-F238E27FC236}">
+                <a16:creationId xmlns:a16="http://schemas.microsoft.com/office/drawing/2014/main" id="{772EE466-CDA9-4290-98F9-4A4CEC0A1E73}"/>
+              </a:ext>
+            </a:extLst>
+          </p:cNvPr>
+          <p:cNvSpPr txBox="1">
+            <a:spLocks/>
+          </p:cNvSpPr>
+          <p:nvPr/>
+        </p:nvSpPr>
+        <p:spPr>
+          <a:xfrm>
+            <a:off x="1115568" y="2481943"/>
+            <a:ext cx="10168128" cy="3695020"/>
           </a:xfrm>
           <a:prstGeom prst="rect">
             <a:avLst/>
@@ -6543,17 +7592,1084 @@
             </a:lvl9pPr>
           </a:lstStyle>
           <a:p>
-            <a:pPr marL="0" indent="0" algn="just">
-              <a:buNone/>
-            </a:pPr>
-            <a:r>
-              <a:rPr lang="en-US" sz="2000" b="1" dirty="0">
+            <a:pPr marL="0"/>
+            <a:r>
+              <a:rPr lang="en-US" sz="1700" b="1" dirty="0"/>
+              <a:t>Graphs:</a:t>
+            </a:r>
+          </a:p>
+          <a:p>
+            <a:pPr lvl="1"/>
+            <a:r>
+              <a:rPr lang="en-US" sz="1400" dirty="0"/>
+              <a:t>Use graphs when you have complex relationships between data elements, like social networks, road networks, or project dependencies.</a:t>
+            </a:r>
+          </a:p>
+          <a:p>
+            <a:pPr lvl="1"/>
+            <a:r>
+              <a:rPr lang="en-US" sz="1400" dirty="0"/>
+              <a:t>Suitable for tasks like pathfinding (Dijkstra's algorithm, A*), network flow, and graph traversal (BFS, DFS).</a:t>
+            </a:r>
+          </a:p>
+          <a:p>
+            <a:pPr marL="0"/>
+            <a:r>
+              <a:rPr lang="en-US" sz="1700" b="1" dirty="0"/>
+              <a:t>Hash Tables:</a:t>
+            </a:r>
+          </a:p>
+          <a:p>
+            <a:pPr lvl="1"/>
+            <a:r>
+              <a:rPr lang="en-US" sz="1400" dirty="0"/>
+              <a:t>Use hash tables when you need fast key-value pair lookups.</a:t>
+            </a:r>
+          </a:p>
+          <a:p>
+            <a:pPr lvl="1"/>
+            <a:r>
+              <a:rPr lang="en-US" sz="1400" dirty="0"/>
+              <a:t>Suitable for implementing associative arrays, databases, caches, and symbol tables.</a:t>
+            </a:r>
+          </a:p>
+          <a:p>
+            <a:pPr marL="0"/>
+            <a:r>
+              <a:rPr lang="en-US" sz="1700" b="1" dirty="0"/>
+              <a:t>Heaps:</a:t>
+            </a:r>
+          </a:p>
+          <a:p>
+            <a:pPr lvl="1"/>
+            <a:r>
+              <a:rPr lang="en-US" sz="1400" dirty="0"/>
+              <a:t>Use heaps when you need efficient access to the smallest (or largest) element in a collection.</a:t>
+            </a:r>
+          </a:p>
+          <a:p>
+            <a:pPr lvl="1"/>
+            <a:r>
+              <a:rPr lang="en-US" sz="1400" dirty="0"/>
+              <a:t>Suitable for priority queues, scheduling algorithms, and graph algorithms like Dijkstra's with a priority queue.</a:t>
+            </a:r>
+          </a:p>
+        </p:txBody>
+      </p:sp>
+    </p:spTree>
+    <p:extLst>
+      <p:ext uri="{BB962C8B-B14F-4D97-AF65-F5344CB8AC3E}">
+        <p14:creationId xmlns:p14="http://schemas.microsoft.com/office/powerpoint/2010/main" val="869293068"/>
+      </p:ext>
+    </p:extLst>
+  </p:cSld>
+  <p:clrMapOvr>
+    <a:masterClrMapping/>
+  </p:clrMapOvr>
+</p:sld>
+</file>
+
+<file path=ppt/slides/slide11.xml><?xml version="1.0" encoding="utf-8"?>
+<p:sld xmlns:a="http://schemas.openxmlformats.org/drawingml/2006/main" xmlns:r="http://schemas.openxmlformats.org/officeDocument/2006/relationships" xmlns:p="http://schemas.openxmlformats.org/presentationml/2006/main">
+  <p:cSld>
+    <p:bg>
+      <p:bgPr>
+        <a:solidFill>
+          <a:schemeClr val="bg1"/>
+        </a:solidFill>
+        <a:effectLst/>
+      </p:bgPr>
+    </p:bg>
+    <p:spTree>
+      <p:nvGrpSpPr>
+        <p:cNvPr id="1" name=""/>
+        <p:cNvGrpSpPr/>
+        <p:nvPr/>
+      </p:nvGrpSpPr>
+      <p:grpSpPr>
+        <a:xfrm>
+          <a:off x="0" y="0"/>
+          <a:ext cx="0" cy="0"/>
+          <a:chOff x="0" y="0"/>
+          <a:chExt cx="0" cy="0"/>
+        </a:xfrm>
+      </p:grpSpPr>
+      <p:sp useBgFill="1">
+        <p:nvSpPr>
+          <p:cNvPr id="7" name="Rectangle 6">
+            <a:extLst>
+              <a:ext uri="{FF2B5EF4-FFF2-40B4-BE49-F238E27FC236}">
+                <a16:creationId xmlns:a16="http://schemas.microsoft.com/office/drawing/2014/main" id="{1ACA2EA0-FFD3-42EC-9406-B595015ED96E}"/>
+              </a:ext>
+              <a:ext uri="{C183D7F6-B498-43B3-948B-1728B52AA6E4}">
+                <adec:decorative xmlns:adec="http://schemas.microsoft.com/office/drawing/2017/decorative" val="1"/>
+              </a:ext>
+            </a:extLst>
+          </p:cNvPr>
+          <p:cNvSpPr>
+            <a:spLocks noGrp="1" noRot="1" noChangeAspect="1" noMove="1" noResize="1" noEditPoints="1" noAdjustHandles="1" noChangeArrowheads="1" noChangeShapeType="1" noTextEdit="1"/>
+          </p:cNvSpPr>
+          <p:nvPr>
+            <p:extLst>
+              <p:ext uri="{386F3935-93C4-4BCD-93E2-E3B085C9AB24}">
+                <p16:designElem xmlns:p16="http://schemas.microsoft.com/office/powerpoint/2015/main" val="1"/>
+              </p:ext>
+            </p:extLst>
+          </p:nvPr>
+        </p:nvSpPr>
+        <p:spPr>
+          <a:xfrm>
+            <a:off x="0" y="0"/>
+            <a:ext cx="12192000" cy="6858000"/>
+          </a:xfrm>
+          <a:prstGeom prst="rect">
+            <a:avLst/>
+          </a:prstGeom>
+          <a:ln>
+            <a:noFill/>
+          </a:ln>
+        </p:spPr>
+        <p:style>
+          <a:lnRef idx="2">
+            <a:schemeClr val="accent1">
+              <a:shade val="50000"/>
+            </a:schemeClr>
+          </a:lnRef>
+          <a:fillRef idx="1">
+            <a:schemeClr val="accent1"/>
+          </a:fillRef>
+          <a:effectRef idx="0">
+            <a:schemeClr val="accent1"/>
+          </a:effectRef>
+          <a:fontRef idx="minor">
+            <a:schemeClr val="lt1"/>
+          </a:fontRef>
+        </p:style>
+        <p:txBody>
+          <a:bodyPr rtlCol="0" anchor="ctr"/>
+          <a:lstStyle/>
+          <a:p>
+            <a:pPr algn="ctr"/>
+            <a:endParaRPr lang="en-US"/>
+          </a:p>
+        </p:txBody>
+      </p:sp>
+      <p:sp useBgFill="1">
+        <p:nvSpPr>
+          <p:cNvPr id="9" name="Rectangle 8">
+            <a:extLst>
+              <a:ext uri="{FF2B5EF4-FFF2-40B4-BE49-F238E27FC236}">
+                <a16:creationId xmlns:a16="http://schemas.microsoft.com/office/drawing/2014/main" id="{D5288BCE-665C-472A-8C43-664BCFA31E43}"/>
+              </a:ext>
+              <a:ext uri="{C183D7F6-B498-43B3-948B-1728B52AA6E4}">
+                <adec:decorative xmlns:adec="http://schemas.microsoft.com/office/drawing/2017/decorative" val="1"/>
+              </a:ext>
+            </a:extLst>
+          </p:cNvPr>
+          <p:cNvSpPr>
+            <a:spLocks noGrp="1" noRot="1" noChangeAspect="1" noMove="1" noResize="1" noEditPoints="1" noAdjustHandles="1" noChangeArrowheads="1" noChangeShapeType="1" noTextEdit="1"/>
+          </p:cNvSpPr>
+          <p:nvPr>
+            <p:extLst>
+              <p:ext uri="{386F3935-93C4-4BCD-93E2-E3B085C9AB24}">
+                <p16:designElem xmlns:p16="http://schemas.microsoft.com/office/powerpoint/2015/main" val="1"/>
+              </p:ext>
+            </p:extLst>
+          </p:nvPr>
+        </p:nvSpPr>
+        <p:spPr>
+          <a:xfrm>
+            <a:off x="1528762" y="1247775"/>
+            <a:ext cx="9144000" cy="3007447"/>
+          </a:xfrm>
+          <a:prstGeom prst="rect">
+            <a:avLst/>
+          </a:prstGeom>
+          <a:solidFill>
+            <a:schemeClr val="bg1"/>
+          </a:solidFill>
+          <a:ln w="12700">
+            <a:solidFill>
+              <a:srgbClr val="E1E1E1"/>
+            </a:solidFill>
+          </a:ln>
+          <a:effectLst>
+            <a:outerShdw blurRad="50800" dist="38100" dir="2700000" algn="tl" rotWithShape="0">
+              <a:schemeClr val="bg1">
+                <a:lumMod val="85000"/>
+                <a:alpha val="50000"/>
+              </a:schemeClr>
+            </a:outerShdw>
+          </a:effectLst>
+        </p:spPr>
+        <p:style>
+          <a:lnRef idx="2">
+            <a:schemeClr val="accent1">
+              <a:shade val="50000"/>
+            </a:schemeClr>
+          </a:lnRef>
+          <a:fillRef idx="1">
+            <a:schemeClr val="accent1"/>
+          </a:fillRef>
+          <a:effectRef idx="0">
+            <a:schemeClr val="accent1"/>
+          </a:effectRef>
+          <a:fontRef idx="minor">
+            <a:schemeClr val="lt1"/>
+          </a:fontRef>
+        </p:style>
+        <p:txBody>
+          <a:bodyPr rtlCol="0" anchor="ctr"/>
+          <a:lstStyle/>
+          <a:p>
+            <a:pPr algn="ctr"/>
+            <a:endParaRPr lang="en-US">
+              <a:solidFill>
+                <a:prstClr val="white"/>
+              </a:solidFill>
+              <a:latin typeface="Calibri" panose="020F0502020204030204"/>
+            </a:endParaRPr>
+          </a:p>
+        </p:txBody>
+      </p:sp>
+      <p:sp>
+        <p:nvSpPr>
+          <p:cNvPr id="2" name="Title 1">
+            <a:extLst>
+              <a:ext uri="{FF2B5EF4-FFF2-40B4-BE49-F238E27FC236}">
+                <a16:creationId xmlns:a16="http://schemas.microsoft.com/office/drawing/2014/main" id="{11E9A29C-F6B4-406F-AB2D-291704A86D6F}"/>
+              </a:ext>
+            </a:extLst>
+          </p:cNvPr>
+          <p:cNvSpPr>
+            <a:spLocks noGrp="1"/>
+          </p:cNvSpPr>
+          <p:nvPr>
+            <p:ph type="title"/>
+          </p:nvPr>
+        </p:nvSpPr>
+        <p:spPr>
+          <a:xfrm>
+            <a:off x="1804988" y="1442172"/>
+            <a:ext cx="8582025" cy="2177328"/>
+          </a:xfrm>
+        </p:spPr>
+        <p:txBody>
+          <a:bodyPr vert="horz" lIns="91440" tIns="45720" rIns="91440" bIns="45720" rtlCol="0" anchor="ctr">
+            <a:normAutofit/>
+          </a:bodyPr>
+          <a:lstStyle/>
+          <a:p>
+            <a:pPr algn="ctr"/>
+            <a:r>
+              <a:rPr lang="en-US" sz="6600" b="1" kern="1200">
+                <a:solidFill>
+                  <a:schemeClr val="tx1"/>
+                </a:solidFill>
+                <a:latin typeface="+mj-lt"/>
+                <a:ea typeface="+mj-ea"/>
+                <a:cs typeface="+mj-cs"/>
+              </a:rPr>
+              <a:t>Thank You</a:t>
+            </a:r>
+          </a:p>
+        </p:txBody>
+      </p:sp>
+      <p:sp>
+        <p:nvSpPr>
+          <p:cNvPr id="11" name="Rectangle: Rounded Corners 10">
+            <a:extLst>
+              <a:ext uri="{FF2B5EF4-FFF2-40B4-BE49-F238E27FC236}">
+                <a16:creationId xmlns:a16="http://schemas.microsoft.com/office/drawing/2014/main" id="{46C57131-53A7-4C1A-BEA8-25F06A06AD29}"/>
+              </a:ext>
+              <a:ext uri="{C183D7F6-B498-43B3-948B-1728B52AA6E4}">
+                <adec:decorative xmlns:adec="http://schemas.microsoft.com/office/drawing/2017/decorative" val="1"/>
+              </a:ext>
+            </a:extLst>
+          </p:cNvPr>
+          <p:cNvSpPr>
+            <a:spLocks noGrp="1" noRot="1" noChangeAspect="1" noMove="1" noResize="1" noEditPoints="1" noAdjustHandles="1" noChangeArrowheads="1" noChangeShapeType="1" noTextEdit="1"/>
+          </p:cNvSpPr>
+          <p:nvPr>
+            <p:extLst>
+              <p:ext uri="{386F3935-93C4-4BCD-93E2-E3B085C9AB24}">
+                <p16:designElem xmlns:p16="http://schemas.microsoft.com/office/powerpoint/2015/main" val="1"/>
+              </p:ext>
+            </p:extLst>
+          </p:nvPr>
+        </p:nvSpPr>
+        <p:spPr>
+          <a:xfrm>
+            <a:off x="2487872" y="3912322"/>
+            <a:ext cx="7225780" cy="685800"/>
+          </a:xfrm>
+          <a:prstGeom prst="roundRect">
+            <a:avLst>
+              <a:gd name="adj" fmla="val 0"/>
+            </a:avLst>
+          </a:prstGeom>
+          <a:solidFill>
+            <a:schemeClr val="accent2"/>
+          </a:solidFill>
+          <a:ln>
+            <a:noFill/>
+          </a:ln>
+        </p:spPr>
+        <p:style>
+          <a:lnRef idx="2">
+            <a:schemeClr val="accent1">
+              <a:shade val="50000"/>
+            </a:schemeClr>
+          </a:lnRef>
+          <a:fillRef idx="1">
+            <a:schemeClr val="accent1"/>
+          </a:fillRef>
+          <a:effectRef idx="0">
+            <a:schemeClr val="accent1"/>
+          </a:effectRef>
+          <a:fontRef idx="minor">
+            <a:schemeClr val="lt1"/>
+          </a:fontRef>
+        </p:style>
+        <p:txBody>
+          <a:bodyPr rtlCol="0" anchor="ctr"/>
+          <a:lstStyle/>
+          <a:p>
+            <a:pPr algn="ctr"/>
+            <a:endParaRPr lang="en-US"/>
+          </a:p>
+        </p:txBody>
+      </p:sp>
+    </p:spTree>
+    <p:extLst>
+      <p:ext uri="{BB962C8B-B14F-4D97-AF65-F5344CB8AC3E}">
+        <p14:creationId xmlns:p14="http://schemas.microsoft.com/office/powerpoint/2010/main" val="760401833"/>
+      </p:ext>
+    </p:extLst>
+  </p:cSld>
+  <p:clrMapOvr>
+    <a:masterClrMapping/>
+  </p:clrMapOvr>
+</p:sld>
+</file>
+
+<file path=ppt/slides/slide2.xml><?xml version="1.0" encoding="utf-8"?>
+<p:sld xmlns:a="http://schemas.openxmlformats.org/drawingml/2006/main" xmlns:r="http://schemas.openxmlformats.org/officeDocument/2006/relationships" xmlns:p="http://schemas.openxmlformats.org/presentationml/2006/main">
+  <p:cSld>
+    <p:bg>
+      <p:bgPr>
+        <a:solidFill>
+          <a:schemeClr val="bg1"/>
+        </a:solidFill>
+        <a:effectLst/>
+      </p:bgPr>
+    </p:bg>
+    <p:spTree>
+      <p:nvGrpSpPr>
+        <p:cNvPr id="1" name=""/>
+        <p:cNvGrpSpPr/>
+        <p:nvPr/>
+      </p:nvGrpSpPr>
+      <p:grpSpPr>
+        <a:xfrm>
+          <a:off x="0" y="0"/>
+          <a:ext cx="0" cy="0"/>
+          <a:chOff x="0" y="0"/>
+          <a:chExt cx="0" cy="0"/>
+        </a:xfrm>
+      </p:grpSpPr>
+      <p:sp useBgFill="1">
+        <p:nvSpPr>
+          <p:cNvPr id="8" name="Rectangle 7">
+            <a:extLst>
+              <a:ext uri="{FF2B5EF4-FFF2-40B4-BE49-F238E27FC236}">
+                <a16:creationId xmlns:a16="http://schemas.microsoft.com/office/drawing/2014/main" id="{DBF61EA3-B236-439E-9C0B-340980D56BEE}"/>
+              </a:ext>
+              <a:ext uri="{C183D7F6-B498-43B3-948B-1728B52AA6E4}">
+                <adec:decorative xmlns:adec="http://schemas.microsoft.com/office/drawing/2017/decorative" val="1"/>
+              </a:ext>
+            </a:extLst>
+          </p:cNvPr>
+          <p:cNvSpPr>
+            <a:spLocks noGrp="1" noRot="1" noChangeAspect="1" noMove="1" noResize="1" noEditPoints="1" noAdjustHandles="1" noChangeArrowheads="1" noChangeShapeType="1" noTextEdit="1"/>
+          </p:cNvSpPr>
+          <p:nvPr>
+            <p:extLst>
+              <p:ext uri="{386F3935-93C4-4BCD-93E2-E3B085C9AB24}">
+                <p16:designElem xmlns:p16="http://schemas.microsoft.com/office/powerpoint/2015/main" val="1"/>
+              </p:ext>
+            </p:extLst>
+          </p:nvPr>
+        </p:nvSpPr>
+        <p:spPr>
+          <a:xfrm>
+            <a:off x="0" y="0"/>
+            <a:ext cx="12191999" cy="6857365"/>
+          </a:xfrm>
+          <a:prstGeom prst="rect">
+            <a:avLst/>
+          </a:prstGeom>
+          <a:ln>
+            <a:noFill/>
+          </a:ln>
+        </p:spPr>
+        <p:style>
+          <a:lnRef idx="2">
+            <a:schemeClr val="accent1">
+              <a:shade val="50000"/>
+            </a:schemeClr>
+          </a:lnRef>
+          <a:fillRef idx="1">
+            <a:schemeClr val="accent1"/>
+          </a:fillRef>
+          <a:effectRef idx="0">
+            <a:schemeClr val="accent1"/>
+          </a:effectRef>
+          <a:fontRef idx="minor">
+            <a:schemeClr val="lt1"/>
+          </a:fontRef>
+        </p:style>
+        <p:txBody>
+          <a:bodyPr rtlCol="0" anchor="ctr"/>
+          <a:lstStyle/>
+          <a:p>
+            <a:pPr algn="ctr"/>
+            <a:endParaRPr lang="en-US"/>
+          </a:p>
+        </p:txBody>
+      </p:sp>
+      <p:sp>
+        <p:nvSpPr>
+          <p:cNvPr id="2" name="Title 1">
+            <a:extLst>
+              <a:ext uri="{FF2B5EF4-FFF2-40B4-BE49-F238E27FC236}">
+                <a16:creationId xmlns:a16="http://schemas.microsoft.com/office/drawing/2014/main" id="{D9B1EB5F-4A71-4D27-B319-F0CB9B060D31}"/>
+              </a:ext>
+            </a:extLst>
+          </p:cNvPr>
+          <p:cNvSpPr>
+            <a:spLocks noGrp="1"/>
+          </p:cNvSpPr>
+          <p:nvPr>
+            <p:ph type="title"/>
+          </p:nvPr>
+        </p:nvSpPr>
+        <p:spPr>
+          <a:xfrm>
+            <a:off x="808638" y="386930"/>
+            <a:ext cx="9236700" cy="1188950"/>
+          </a:xfrm>
+        </p:spPr>
+        <p:txBody>
+          <a:bodyPr anchor="b">
+            <a:normAutofit/>
+          </a:bodyPr>
+          <a:lstStyle/>
+          <a:p>
+            <a:r>
+              <a:rPr lang="en-US" sz="5400" b="1">
                 <a:latin typeface="Bell MT" panose="02020503060305020303" pitchFamily="18" charset="0"/>
                 <a:cs typeface="Arial" panose="020B0604020202020204" pitchFamily="34" charset="0"/>
               </a:rPr>
-              <a:t>Graphs:</a:t>
-            </a:r>
-          </a:p>
+              <a:t>Outline</a:t>
+            </a:r>
+          </a:p>
+        </p:txBody>
+      </p:sp>
+      <p:grpSp>
+        <p:nvGrpSpPr>
+          <p:cNvPr id="10" name="Group 9">
+            <a:extLst>
+              <a:ext uri="{FF2B5EF4-FFF2-40B4-BE49-F238E27FC236}">
+                <a16:creationId xmlns:a16="http://schemas.microsoft.com/office/drawing/2014/main" id="{28FAF094-D087-493F-8DF9-A486C2D6BBAA}"/>
+              </a:ext>
+              <a:ext uri="{C183D7F6-B498-43B3-948B-1728B52AA6E4}">
+                <adec:decorative xmlns:adec="http://schemas.microsoft.com/office/drawing/2017/decorative" val="1"/>
+              </a:ext>
+            </a:extLst>
+          </p:cNvPr>
+          <p:cNvGrpSpPr>
+            <a:grpSpLocks noGrp="1" noUngrp="1" noRot="1" noChangeAspect="1" noMove="1" noResize="1"/>
+          </p:cNvGrpSpPr>
+          <p:nvPr>
+            <p:extLst>
+              <p:ext uri="{386F3935-93C4-4BCD-93E2-E3B085C9AB24}">
+                <p16:designElem xmlns:p16="http://schemas.microsoft.com/office/powerpoint/2015/main" val="1"/>
+              </p:ext>
+            </p:extLst>
+          </p:nvPr>
+        </p:nvGrpSpPr>
+        <p:grpSpPr>
+          <a:xfrm>
+            <a:off x="-2" y="1998368"/>
+            <a:ext cx="11695083" cy="782176"/>
+            <a:chOff x="-2" y="1998368"/>
+            <a:chExt cx="11695083" cy="782176"/>
+          </a:xfrm>
+        </p:grpSpPr>
+        <p:sp>
+          <p:nvSpPr>
+            <p:cNvPr id="11" name="Rectangle 10">
+              <a:extLst>
+                <a:ext uri="{FF2B5EF4-FFF2-40B4-BE49-F238E27FC236}">
+                  <a16:creationId xmlns:a16="http://schemas.microsoft.com/office/drawing/2014/main" id="{8D7C88D8-5509-4514-925A-9CE148E5CBD6}"/>
+                </a:ext>
+                <a:ext uri="{C183D7F6-B498-43B3-948B-1728B52AA6E4}">
+                  <adec:decorative xmlns:adec="http://schemas.microsoft.com/office/drawing/2017/decorative" val="1"/>
+                </a:ext>
+              </a:extLst>
+            </p:cNvPr>
+            <p:cNvSpPr/>
+            <p:nvPr>
+              <p:extLst>
+                <p:ext uri="{386F3935-93C4-4BCD-93E2-E3B085C9AB24}">
+                  <p16:designElem xmlns:p16="http://schemas.microsoft.com/office/powerpoint/2015/main" val="1"/>
+                </p:ext>
+              </p:extLst>
+            </p:nvPr>
+          </p:nvSpPr>
+          <p:spPr>
+            <a:xfrm rot="5400000">
+              <a:off x="11228040" y="2313027"/>
+              <a:ext cx="781700" cy="152382"/>
+            </a:xfrm>
+            <a:prstGeom prst="rect">
+              <a:avLst/>
+            </a:prstGeom>
+            <a:solidFill>
+              <a:schemeClr val="accent4"/>
+            </a:solidFill>
+            <a:ln>
+              <a:noFill/>
+            </a:ln>
+          </p:spPr>
+          <p:style>
+            <a:lnRef idx="2">
+              <a:schemeClr val="accent1">
+                <a:shade val="50000"/>
+              </a:schemeClr>
+            </a:lnRef>
+            <a:fillRef idx="1">
+              <a:schemeClr val="accent1"/>
+            </a:fillRef>
+            <a:effectRef idx="0">
+              <a:schemeClr val="accent1"/>
+            </a:effectRef>
+            <a:fontRef idx="minor">
+              <a:schemeClr val="lt1"/>
+            </a:fontRef>
+          </p:style>
+          <p:txBody>
+            <a:bodyPr rtlCol="0" anchor="ctr"/>
+            <a:lstStyle/>
+            <a:p>
+              <a:pPr algn="ctr"/>
+              <a:endParaRPr lang="en-US"/>
+            </a:p>
+          </p:txBody>
+        </p:sp>
+        <p:sp>
+          <p:nvSpPr>
+            <p:cNvPr id="12" name="Rectangle 11">
+              <a:extLst>
+                <a:ext uri="{FF2B5EF4-FFF2-40B4-BE49-F238E27FC236}">
+                  <a16:creationId xmlns:a16="http://schemas.microsoft.com/office/drawing/2014/main" id="{7275593D-F75E-4426-AE3E-2CDEFD228D25}"/>
+                </a:ext>
+                <a:ext uri="{C183D7F6-B498-43B3-948B-1728B52AA6E4}">
+                  <adec:decorative xmlns:adec="http://schemas.microsoft.com/office/drawing/2017/decorative" val="1"/>
+                </a:ext>
+              </a:extLst>
+            </p:cNvPr>
+            <p:cNvSpPr/>
+            <p:nvPr>
+              <p:extLst>
+                <p:ext uri="{386F3935-93C4-4BCD-93E2-E3B085C9AB24}">
+                  <p16:designElem xmlns:p16="http://schemas.microsoft.com/office/powerpoint/2015/main" val="1"/>
+                </p:ext>
+              </p:extLst>
+            </p:nvPr>
+          </p:nvSpPr>
+          <p:spPr>
+            <a:xfrm flipH="1" flipV="1">
+              <a:off x="-2" y="1998845"/>
+              <a:ext cx="11454595" cy="781699"/>
+            </a:xfrm>
+            <a:prstGeom prst="rect">
+              <a:avLst/>
+            </a:prstGeom>
+            <a:solidFill>
+              <a:schemeClr val="accent4"/>
+            </a:solidFill>
+            <a:ln>
+              <a:noFill/>
+            </a:ln>
+          </p:spPr>
+          <p:style>
+            <a:lnRef idx="2">
+              <a:schemeClr val="accent1">
+                <a:shade val="50000"/>
+              </a:schemeClr>
+            </a:lnRef>
+            <a:fillRef idx="1">
+              <a:schemeClr val="accent1"/>
+            </a:fillRef>
+            <a:effectRef idx="0">
+              <a:schemeClr val="accent1"/>
+            </a:effectRef>
+            <a:fontRef idx="minor">
+              <a:schemeClr val="lt1"/>
+            </a:fontRef>
+          </p:style>
+          <p:txBody>
+            <a:bodyPr rtlCol="0" anchor="ctr"/>
+            <a:lstStyle/>
+            <a:p>
+              <a:pPr algn="ctr"/>
+              <a:endParaRPr lang="en-US"/>
+            </a:p>
+          </p:txBody>
+        </p:sp>
+      </p:grpSp>
+      <p:sp>
+        <p:nvSpPr>
+          <p:cNvPr id="14" name="Rectangle 13">
+            <a:extLst>
+              <a:ext uri="{FF2B5EF4-FFF2-40B4-BE49-F238E27FC236}">
+                <a16:creationId xmlns:a16="http://schemas.microsoft.com/office/drawing/2014/main" id="{E659831F-0D9A-4C63-9EBB-8435B85A440F}"/>
+              </a:ext>
+              <a:ext uri="{C183D7F6-B498-43B3-948B-1728B52AA6E4}">
+                <adec:decorative xmlns:adec="http://schemas.microsoft.com/office/drawing/2017/decorative" val="1"/>
+              </a:ext>
+            </a:extLst>
+          </p:cNvPr>
+          <p:cNvSpPr>
+            <a:spLocks noGrp="1" noRot="1" noChangeAspect="1" noMove="1" noResize="1" noEditPoints="1" noAdjustHandles="1" noChangeArrowheads="1" noChangeShapeType="1" noTextEdit="1"/>
+          </p:cNvSpPr>
+          <p:nvPr>
+            <p:extLst>
+              <p:ext uri="{386F3935-93C4-4BCD-93E2-E3B085C9AB24}">
+                <p16:designElem xmlns:p16="http://schemas.microsoft.com/office/powerpoint/2015/main" val="1"/>
+              </p:ext>
+            </p:extLst>
+          </p:nvPr>
+        </p:nvSpPr>
+        <p:spPr>
+          <a:xfrm>
+            <a:off x="0" y="2203079"/>
+            <a:ext cx="11383362" cy="4147845"/>
+          </a:xfrm>
+          <a:prstGeom prst="rect">
+            <a:avLst/>
+          </a:prstGeom>
+          <a:solidFill>
+            <a:schemeClr val="bg1"/>
+          </a:solidFill>
+          <a:ln>
+            <a:noFill/>
+          </a:ln>
+          <a:effectLst>
+            <a:outerShdw blurRad="139700" dist="127000" dir="5400000" algn="t" rotWithShape="0">
+              <a:prstClr val="black">
+                <a:alpha val="15000"/>
+              </a:prstClr>
+            </a:outerShdw>
+          </a:effectLst>
+        </p:spPr>
+        <p:style>
+          <a:lnRef idx="2">
+            <a:schemeClr val="accent1">
+              <a:shade val="50000"/>
+            </a:schemeClr>
+          </a:lnRef>
+          <a:fillRef idx="1">
+            <a:schemeClr val="accent1"/>
+          </a:fillRef>
+          <a:effectRef idx="0">
+            <a:schemeClr val="accent1"/>
+          </a:effectRef>
+          <a:fontRef idx="minor">
+            <a:schemeClr val="lt1"/>
+          </a:fontRef>
+        </p:style>
+        <p:txBody>
+          <a:bodyPr rtlCol="0" anchor="ctr"/>
+          <a:lstStyle/>
+          <a:p>
+            <a:pPr algn="ctr"/>
+            <a:endParaRPr lang="en-US"/>
+          </a:p>
+        </p:txBody>
+      </p:sp>
+      <p:sp>
+        <p:nvSpPr>
+          <p:cNvPr id="3" name="Content Placeholder 2">
+            <a:extLst>
+              <a:ext uri="{FF2B5EF4-FFF2-40B4-BE49-F238E27FC236}">
+                <a16:creationId xmlns:a16="http://schemas.microsoft.com/office/drawing/2014/main" id="{C046796C-8A9A-49A2-97D1-AB6496A3772C}"/>
+              </a:ext>
+            </a:extLst>
+          </p:cNvPr>
+          <p:cNvSpPr>
+            <a:spLocks noGrp="1"/>
+          </p:cNvSpPr>
+          <p:nvPr>
+            <p:ph idx="1"/>
+          </p:nvPr>
+        </p:nvSpPr>
+        <p:spPr>
+          <a:xfrm>
+            <a:off x="793660" y="2599509"/>
+            <a:ext cx="10143668" cy="3435531"/>
+          </a:xfrm>
+        </p:spPr>
+        <p:txBody>
+          <a:bodyPr anchor="ctr">
+            <a:normAutofit/>
+          </a:bodyPr>
+          <a:lstStyle/>
+          <a:p>
+            <a:r>
+              <a:rPr lang="en-US" sz="2400">
+                <a:latin typeface="Bell MT" panose="02020503060305020303" pitchFamily="18" charset="0"/>
+                <a:cs typeface="Arial" panose="020B0604020202020204" pitchFamily="34" charset="0"/>
+              </a:rPr>
+              <a:t>What is data structure &amp; algorithm?</a:t>
+            </a:r>
+          </a:p>
+          <a:p>
+            <a:r>
+              <a:rPr lang="en-US" sz="2400">
+                <a:latin typeface="Bell MT" panose="02020503060305020303" pitchFamily="18" charset="0"/>
+                <a:cs typeface="Arial" panose="020B0604020202020204" pitchFamily="34" charset="0"/>
+              </a:rPr>
+              <a:t>What is data structure?</a:t>
+            </a:r>
+          </a:p>
+          <a:p>
+            <a:r>
+              <a:rPr lang="en-US" sz="2400">
+                <a:latin typeface="Bell MT" panose="02020503060305020303" pitchFamily="18" charset="0"/>
+                <a:cs typeface="Arial" panose="020B0604020202020204" pitchFamily="34" charset="0"/>
+              </a:rPr>
+              <a:t>Why we need data structure?</a:t>
+            </a:r>
+          </a:p>
+          <a:p>
+            <a:r>
+              <a:rPr lang="en-US" sz="2400">
+                <a:latin typeface="Bell MT" panose="02020503060305020303" pitchFamily="18" charset="0"/>
+                <a:cs typeface="Arial" panose="020B0604020202020204" pitchFamily="34" charset="0"/>
+              </a:rPr>
+              <a:t>Types of data structure?</a:t>
+            </a:r>
+          </a:p>
+          <a:p>
+            <a:r>
+              <a:rPr lang="en-US" sz="2400">
+                <a:latin typeface="Bell MT" panose="02020503060305020303" pitchFamily="18" charset="0"/>
+                <a:cs typeface="Arial" panose="020B0604020202020204" pitchFamily="34" charset="0"/>
+              </a:rPr>
+              <a:t>Where to use which data structure?</a:t>
+            </a:r>
+          </a:p>
+        </p:txBody>
+      </p:sp>
+    </p:spTree>
+    <p:extLst>
+      <p:ext uri="{BB962C8B-B14F-4D97-AF65-F5344CB8AC3E}">
+        <p14:creationId xmlns:p14="http://schemas.microsoft.com/office/powerpoint/2010/main" val="1269715602"/>
+      </p:ext>
+    </p:extLst>
+  </p:cSld>
+  <p:clrMapOvr>
+    <a:masterClrMapping/>
+  </p:clrMapOvr>
+</p:sld>
+</file>
+
+<file path=ppt/slides/slide3.xml><?xml version="1.0" encoding="utf-8"?>
+<p:sld xmlns:a="http://schemas.openxmlformats.org/drawingml/2006/main" xmlns:r="http://schemas.openxmlformats.org/officeDocument/2006/relationships" xmlns:p="http://schemas.openxmlformats.org/presentationml/2006/main">
+  <p:cSld>
+    <p:bg>
+      <p:bgPr>
+        <a:solidFill>
+          <a:schemeClr val="bg1"/>
+        </a:solidFill>
+        <a:effectLst/>
+      </p:bgPr>
+    </p:bg>
+    <p:spTree>
+      <p:nvGrpSpPr>
+        <p:cNvPr id="1" name=""/>
+        <p:cNvGrpSpPr/>
+        <p:nvPr/>
+      </p:nvGrpSpPr>
+      <p:grpSpPr>
+        <a:xfrm>
+          <a:off x="0" y="0"/>
+          <a:ext cx="0" cy="0"/>
+          <a:chOff x="0" y="0"/>
+          <a:chExt cx="0" cy="0"/>
+        </a:xfrm>
+      </p:grpSpPr>
+      <p:sp useBgFill="1">
+        <p:nvSpPr>
+          <p:cNvPr id="10" name="Rectangle 9">
+            <a:extLst>
+              <a:ext uri="{FF2B5EF4-FFF2-40B4-BE49-F238E27FC236}">
+                <a16:creationId xmlns:a16="http://schemas.microsoft.com/office/drawing/2014/main" id="{058A14AF-9FB5-4CC7-BA35-E8E85D3EDF0E}"/>
+              </a:ext>
+              <a:ext uri="{C183D7F6-B498-43B3-948B-1728B52AA6E4}">
+                <adec:decorative xmlns:adec="http://schemas.microsoft.com/office/drawing/2017/decorative" val="1"/>
+              </a:ext>
+            </a:extLst>
+          </p:cNvPr>
+          <p:cNvSpPr>
+            <a:spLocks noGrp="1" noRot="1" noChangeAspect="1" noMove="1" noResize="1" noEditPoints="1" noAdjustHandles="1" noChangeArrowheads="1" noChangeShapeType="1" noTextEdit="1"/>
+          </p:cNvSpPr>
+          <p:nvPr>
+            <p:extLst>
+              <p:ext uri="{386F3935-93C4-4BCD-93E2-E3B085C9AB24}">
+                <p16:designElem xmlns:p16="http://schemas.microsoft.com/office/powerpoint/2015/main" val="1"/>
+              </p:ext>
+            </p:extLst>
+          </p:nvPr>
+        </p:nvSpPr>
+        <p:spPr>
+          <a:xfrm>
+            <a:off x="0" y="0"/>
+            <a:ext cx="12191999" cy="6857365"/>
+          </a:xfrm>
+          <a:prstGeom prst="rect">
+            <a:avLst/>
+          </a:prstGeom>
+          <a:ln>
+            <a:noFill/>
+          </a:ln>
+        </p:spPr>
+        <p:style>
+          <a:lnRef idx="2">
+            <a:schemeClr val="accent1">
+              <a:shade val="50000"/>
+            </a:schemeClr>
+          </a:lnRef>
+          <a:fillRef idx="1">
+            <a:schemeClr val="accent1"/>
+          </a:fillRef>
+          <a:effectRef idx="0">
+            <a:schemeClr val="accent1"/>
+          </a:effectRef>
+          <a:fontRef idx="minor">
+            <a:schemeClr val="lt1"/>
+          </a:fontRef>
+        </p:style>
+        <p:txBody>
+          <a:bodyPr rtlCol="0" anchor="ctr"/>
+          <a:lstStyle/>
+          <a:p>
+            <a:pPr algn="ctr"/>
+            <a:endParaRPr lang="en-US"/>
+          </a:p>
+        </p:txBody>
+      </p:sp>
+      <p:sp>
+        <p:nvSpPr>
+          <p:cNvPr id="2" name="Title 1">
+            <a:extLst>
+              <a:ext uri="{FF2B5EF4-FFF2-40B4-BE49-F238E27FC236}">
+                <a16:creationId xmlns:a16="http://schemas.microsoft.com/office/drawing/2014/main" id="{DF3DFFFC-EB35-41FF-AF56-D0CE5A73A852}"/>
+              </a:ext>
+            </a:extLst>
+          </p:cNvPr>
+          <p:cNvSpPr>
+            <a:spLocks noGrp="1"/>
+          </p:cNvSpPr>
+          <p:nvPr>
+            <p:ph type="title"/>
+          </p:nvPr>
+        </p:nvSpPr>
+        <p:spPr>
+          <a:xfrm>
+            <a:off x="793662" y="386930"/>
+            <a:ext cx="10066122" cy="1298448"/>
+          </a:xfrm>
+        </p:spPr>
+        <p:txBody>
+          <a:bodyPr anchor="b">
+            <a:normAutofit/>
+          </a:bodyPr>
+          <a:lstStyle/>
+          <a:p>
+            <a:r>
+              <a:rPr lang="en-US" sz="4800" b="1">
+                <a:latin typeface="Bell MT" panose="02020503060305020303" pitchFamily="18" charset="0"/>
+                <a:cs typeface="Arial" panose="020B0604020202020204" pitchFamily="34" charset="0"/>
+              </a:rPr>
+              <a:t>What is data structure &amp; algorithm?</a:t>
+            </a:r>
+          </a:p>
+        </p:txBody>
+      </p:sp>
+      <p:sp>
+        <p:nvSpPr>
+          <p:cNvPr id="12" name="Rectangle 11">
+            <a:extLst>
+              <a:ext uri="{FF2B5EF4-FFF2-40B4-BE49-F238E27FC236}">
+                <a16:creationId xmlns:a16="http://schemas.microsoft.com/office/drawing/2014/main" id="{3A9A4357-BD1D-4622-A4FE-766E6AB8DE84}"/>
+              </a:ext>
+              <a:ext uri="{C183D7F6-B498-43B3-948B-1728B52AA6E4}">
+                <adec:decorative xmlns:adec="http://schemas.microsoft.com/office/drawing/2017/decorative" val="1"/>
+              </a:ext>
+            </a:extLst>
+          </p:cNvPr>
+          <p:cNvSpPr>
+            <a:spLocks noGrp="1" noRot="1" noChangeAspect="1" noMove="1" noResize="1" noEditPoints="1" noAdjustHandles="1" noChangeArrowheads="1" noChangeShapeType="1" noTextEdit="1"/>
+          </p:cNvSpPr>
+          <p:nvPr>
+            <p:extLst>
+              <p:ext uri="{386F3935-93C4-4BCD-93E2-E3B085C9AB24}">
+                <p16:designElem xmlns:p16="http://schemas.microsoft.com/office/powerpoint/2015/main" val="1"/>
+              </p:ext>
+            </p:extLst>
+          </p:nvPr>
+        </p:nvSpPr>
+        <p:spPr>
+          <a:xfrm flipH="1" flipV="1">
+            <a:off x="-2" y="1998845"/>
+            <a:ext cx="11454595" cy="781699"/>
+          </a:xfrm>
+          <a:prstGeom prst="rect">
+            <a:avLst/>
+          </a:prstGeom>
+          <a:solidFill>
+            <a:schemeClr val="accent4"/>
+          </a:solidFill>
+          <a:ln>
+            <a:noFill/>
+          </a:ln>
+        </p:spPr>
+        <p:style>
+          <a:lnRef idx="2">
+            <a:schemeClr val="accent1">
+              <a:shade val="50000"/>
+            </a:schemeClr>
+          </a:lnRef>
+          <a:fillRef idx="1">
+            <a:schemeClr val="accent1"/>
+          </a:fillRef>
+          <a:effectRef idx="0">
+            <a:schemeClr val="accent1"/>
+          </a:effectRef>
+          <a:fontRef idx="minor">
+            <a:schemeClr val="lt1"/>
+          </a:fontRef>
+        </p:style>
+        <p:txBody>
+          <a:bodyPr rtlCol="0" anchor="ctr"/>
+          <a:lstStyle/>
+          <a:p>
+            <a:pPr algn="ctr"/>
+            <a:endParaRPr lang="en-US"/>
+          </a:p>
+        </p:txBody>
+      </p:sp>
+      <p:sp>
+        <p:nvSpPr>
+          <p:cNvPr id="14" name="Rectangle 13">
+            <a:extLst>
+              <a:ext uri="{FF2B5EF4-FFF2-40B4-BE49-F238E27FC236}">
+                <a16:creationId xmlns:a16="http://schemas.microsoft.com/office/drawing/2014/main" id="{E659831F-0D9A-4C63-9EBB-8435B85A440F}"/>
+              </a:ext>
+              <a:ext uri="{C183D7F6-B498-43B3-948B-1728B52AA6E4}">
+                <adec:decorative xmlns:adec="http://schemas.microsoft.com/office/drawing/2017/decorative" val="1"/>
+              </a:ext>
+            </a:extLst>
+          </p:cNvPr>
+          <p:cNvSpPr>
+            <a:spLocks noGrp="1" noRot="1" noChangeAspect="1" noMove="1" noResize="1" noEditPoints="1" noAdjustHandles="1" noChangeArrowheads="1" noChangeShapeType="1" noTextEdit="1"/>
+          </p:cNvSpPr>
+          <p:nvPr>
+            <p:extLst>
+              <p:ext uri="{386F3935-93C4-4BCD-93E2-E3B085C9AB24}">
+                <p16:designElem xmlns:p16="http://schemas.microsoft.com/office/powerpoint/2015/main" val="1"/>
+              </p:ext>
+            </p:extLst>
+          </p:nvPr>
+        </p:nvSpPr>
+        <p:spPr>
+          <a:xfrm>
+            <a:off x="0" y="2203079"/>
+            <a:ext cx="11383362" cy="4267991"/>
+          </a:xfrm>
+          <a:prstGeom prst="rect">
+            <a:avLst/>
+          </a:prstGeom>
+          <a:solidFill>
+            <a:schemeClr val="bg1"/>
+          </a:solidFill>
+          <a:ln>
+            <a:noFill/>
+          </a:ln>
+          <a:effectLst>
+            <a:outerShdw blurRad="139700" dist="127000" dir="5400000" algn="t" rotWithShape="0">
+              <a:prstClr val="black">
+                <a:alpha val="15000"/>
+              </a:prstClr>
+            </a:outerShdw>
+          </a:effectLst>
+        </p:spPr>
+        <p:style>
+          <a:lnRef idx="2">
+            <a:schemeClr val="accent1">
+              <a:shade val="50000"/>
+            </a:schemeClr>
+          </a:lnRef>
+          <a:fillRef idx="1">
+            <a:schemeClr val="accent1"/>
+          </a:fillRef>
+          <a:effectRef idx="0">
+            <a:schemeClr val="accent1"/>
+          </a:effectRef>
+          <a:fontRef idx="minor">
+            <a:schemeClr val="lt1"/>
+          </a:fontRef>
+        </p:style>
+        <p:txBody>
+          <a:bodyPr rtlCol="0" anchor="ctr"/>
+          <a:lstStyle/>
+          <a:p>
+            <a:pPr algn="ctr"/>
+            <a:endParaRPr lang="en-US"/>
+          </a:p>
+        </p:txBody>
+      </p:sp>
+      <p:sp>
+        <p:nvSpPr>
+          <p:cNvPr id="3" name="Content Placeholder 2">
+            <a:extLst>
+              <a:ext uri="{FF2B5EF4-FFF2-40B4-BE49-F238E27FC236}">
+                <a16:creationId xmlns:a16="http://schemas.microsoft.com/office/drawing/2014/main" id="{781D95DD-8BD1-477E-B19D-506968ECD878}"/>
+              </a:ext>
+            </a:extLst>
+          </p:cNvPr>
+          <p:cNvSpPr>
+            <a:spLocks noGrp="1"/>
+          </p:cNvSpPr>
+          <p:nvPr>
+            <p:ph idx="1"/>
+          </p:nvPr>
+        </p:nvSpPr>
+        <p:spPr>
+          <a:xfrm>
+            <a:off x="793661" y="2599509"/>
+            <a:ext cx="4530898" cy="3639450"/>
+          </a:xfrm>
+        </p:spPr>
+        <p:txBody>
+          <a:bodyPr anchor="ctr">
+            <a:normAutofit/>
+          </a:bodyPr>
+          <a:lstStyle/>
           <a:p>
             <a:pPr algn="just"/>
             <a:r>
@@ -6561,82 +8677,1163 @@
                 <a:latin typeface="Bell MT" panose="02020503060305020303" pitchFamily="18" charset="0"/>
                 <a:cs typeface="Arial" panose="020B0604020202020204" pitchFamily="34" charset="0"/>
               </a:rPr>
-              <a:t>Use graphs when you have complex relationships between data elements, like social networks, road networks, or project dependencies.</a:t>
-            </a:r>
-          </a:p>
-          <a:p>
-            <a:pPr algn="just"/>
-            <a:r>
-              <a:rPr lang="en-US" sz="2000" dirty="0">
+              <a:t>DSA is defined as a combination of two separate yet interrelated topics – Data Structure and Algorithms. DSA is one of the most important skills that every computer science student must-have. It is often seen that people with good knowledge of these technologies are better programmers than others.</a:t>
+            </a:r>
+          </a:p>
+        </p:txBody>
+      </p:sp>
+      <p:pic>
+        <p:nvPicPr>
+          <p:cNvPr id="5" name="Picture 4" descr="A diagram of data structure&#10;&#10;AI-generated content may be incorrect.">
+            <a:extLst>
+              <a:ext uri="{FF2B5EF4-FFF2-40B4-BE49-F238E27FC236}">
+                <a16:creationId xmlns:a16="http://schemas.microsoft.com/office/drawing/2014/main" id="{DBEA1F90-4C78-41C8-A055-4383A9052FB4}"/>
+              </a:ext>
+            </a:extLst>
+          </p:cNvPr>
+          <p:cNvPicPr>
+            <a:picLocks noChangeAspect="1"/>
+          </p:cNvPicPr>
+          <p:nvPr/>
+        </p:nvPicPr>
+        <p:blipFill>
+          <a:blip r:embed="rId2"/>
+          <a:stretch>
+            <a:fillRect/>
+          </a:stretch>
+        </p:blipFill>
+        <p:spPr>
+          <a:xfrm>
+            <a:off x="5911532" y="3002305"/>
+            <a:ext cx="5150277" cy="2678144"/>
+          </a:xfrm>
+          <a:prstGeom prst="rect">
+            <a:avLst/>
+          </a:prstGeom>
+        </p:spPr>
+      </p:pic>
+      <p:sp>
+        <p:nvSpPr>
+          <p:cNvPr id="16" name="Rectangle 15">
+            <a:extLst>
+              <a:ext uri="{FF2B5EF4-FFF2-40B4-BE49-F238E27FC236}">
+                <a16:creationId xmlns:a16="http://schemas.microsoft.com/office/drawing/2014/main" id="{E6995CE5-F890-4ABA-82A2-26507CE8D2A3}"/>
+              </a:ext>
+              <a:ext uri="{C183D7F6-B498-43B3-948B-1728B52AA6E4}">
+                <adec:decorative xmlns:adec="http://schemas.microsoft.com/office/drawing/2017/decorative" val="1"/>
+              </a:ext>
+            </a:extLst>
+          </p:cNvPr>
+          <p:cNvSpPr>
+            <a:spLocks noGrp="1" noRot="1" noChangeAspect="1" noMove="1" noResize="1" noEditPoints="1" noAdjustHandles="1" noChangeArrowheads="1" noChangeShapeType="1" noTextEdit="1"/>
+          </p:cNvSpPr>
+          <p:nvPr>
+            <p:extLst>
+              <p:ext uri="{386F3935-93C4-4BCD-93E2-E3B085C9AB24}">
+                <p16:designElem xmlns:p16="http://schemas.microsoft.com/office/powerpoint/2015/main" val="1"/>
+              </p:ext>
+            </p:extLst>
+          </p:nvPr>
+        </p:nvSpPr>
+        <p:spPr>
+          <a:xfrm rot="5400000">
+            <a:off x="11228040" y="2313027"/>
+            <a:ext cx="781700" cy="152382"/>
+          </a:xfrm>
+          <a:prstGeom prst="rect">
+            <a:avLst/>
+          </a:prstGeom>
+          <a:solidFill>
+            <a:schemeClr val="accent4"/>
+          </a:solidFill>
+          <a:ln>
+            <a:noFill/>
+          </a:ln>
+        </p:spPr>
+        <p:style>
+          <a:lnRef idx="2">
+            <a:schemeClr val="accent1">
+              <a:shade val="50000"/>
+            </a:schemeClr>
+          </a:lnRef>
+          <a:fillRef idx="1">
+            <a:schemeClr val="accent1"/>
+          </a:fillRef>
+          <a:effectRef idx="0">
+            <a:schemeClr val="accent1"/>
+          </a:effectRef>
+          <a:fontRef idx="minor">
+            <a:schemeClr val="lt1"/>
+          </a:fontRef>
+        </p:style>
+        <p:txBody>
+          <a:bodyPr rtlCol="0" anchor="ctr"/>
+          <a:lstStyle/>
+          <a:p>
+            <a:pPr algn="ctr"/>
+            <a:endParaRPr lang="en-US"/>
+          </a:p>
+        </p:txBody>
+      </p:sp>
+    </p:spTree>
+    <p:extLst>
+      <p:ext uri="{BB962C8B-B14F-4D97-AF65-F5344CB8AC3E}">
+        <p14:creationId xmlns:p14="http://schemas.microsoft.com/office/powerpoint/2010/main" val="2868643443"/>
+      </p:ext>
+    </p:extLst>
+  </p:cSld>
+  <p:clrMapOvr>
+    <a:masterClrMapping/>
+  </p:clrMapOvr>
+</p:sld>
+</file>
+
+<file path=ppt/slides/slide4.xml><?xml version="1.0" encoding="utf-8"?>
+<p:sld xmlns:a="http://schemas.openxmlformats.org/drawingml/2006/main" xmlns:r="http://schemas.openxmlformats.org/officeDocument/2006/relationships" xmlns:p="http://schemas.openxmlformats.org/presentationml/2006/main">
+  <p:cSld>
+    <p:bg>
+      <p:bgPr>
+        <a:solidFill>
+          <a:schemeClr val="bg1"/>
+        </a:solidFill>
+        <a:effectLst/>
+      </p:bgPr>
+    </p:bg>
+    <p:spTree>
+      <p:nvGrpSpPr>
+        <p:cNvPr id="1" name=""/>
+        <p:cNvGrpSpPr/>
+        <p:nvPr/>
+      </p:nvGrpSpPr>
+      <p:grpSpPr>
+        <a:xfrm>
+          <a:off x="0" y="0"/>
+          <a:ext cx="0" cy="0"/>
+          <a:chOff x="0" y="0"/>
+          <a:chExt cx="0" cy="0"/>
+        </a:xfrm>
+      </p:grpSpPr>
+      <p:sp useBgFill="1">
+        <p:nvSpPr>
+          <p:cNvPr id="9" name="Rectangle 8">
+            <a:extLst>
+              <a:ext uri="{FF2B5EF4-FFF2-40B4-BE49-F238E27FC236}">
+                <a16:creationId xmlns:a16="http://schemas.microsoft.com/office/drawing/2014/main" id="{2C61293E-6EBE-43EF-A52C-9BEBFD7679D4}"/>
+              </a:ext>
+              <a:ext uri="{C183D7F6-B498-43B3-948B-1728B52AA6E4}">
+                <adec:decorative xmlns:adec="http://schemas.microsoft.com/office/drawing/2017/decorative" val="1"/>
+              </a:ext>
+            </a:extLst>
+          </p:cNvPr>
+          <p:cNvSpPr>
+            <a:spLocks noGrp="1" noRot="1" noChangeAspect="1" noMove="1" noResize="1" noEditPoints="1" noAdjustHandles="1" noChangeArrowheads="1" noChangeShapeType="1" noTextEdit="1"/>
+          </p:cNvSpPr>
+          <p:nvPr>
+            <p:extLst>
+              <p:ext uri="{386F3935-93C4-4BCD-93E2-E3B085C9AB24}">
+                <p16:designElem xmlns:p16="http://schemas.microsoft.com/office/powerpoint/2015/main" val="1"/>
+              </p:ext>
+            </p:extLst>
+          </p:nvPr>
+        </p:nvSpPr>
+        <p:spPr>
+          <a:xfrm>
+            <a:off x="0" y="0"/>
+            <a:ext cx="12188952" cy="6858000"/>
+          </a:xfrm>
+          <a:prstGeom prst="rect">
+            <a:avLst/>
+          </a:prstGeom>
+          <a:ln>
+            <a:noFill/>
+          </a:ln>
+        </p:spPr>
+        <p:style>
+          <a:lnRef idx="2">
+            <a:schemeClr val="accent1">
+              <a:shade val="50000"/>
+            </a:schemeClr>
+          </a:lnRef>
+          <a:fillRef idx="1">
+            <a:schemeClr val="accent1"/>
+          </a:fillRef>
+          <a:effectRef idx="0">
+            <a:schemeClr val="accent1"/>
+          </a:effectRef>
+          <a:fontRef idx="minor">
+            <a:schemeClr val="lt1"/>
+          </a:fontRef>
+        </p:style>
+        <p:txBody>
+          <a:bodyPr rtlCol="0" anchor="ctr"/>
+          <a:lstStyle/>
+          <a:p>
+            <a:pPr algn="ctr"/>
+            <a:endParaRPr lang="en-US"/>
+          </a:p>
+        </p:txBody>
+      </p:sp>
+      <p:sp>
+        <p:nvSpPr>
+          <p:cNvPr id="2" name="Title 1">
+            <a:extLst>
+              <a:ext uri="{FF2B5EF4-FFF2-40B4-BE49-F238E27FC236}">
+                <a16:creationId xmlns:a16="http://schemas.microsoft.com/office/drawing/2014/main" id="{DF3DFFFC-EB35-41FF-AF56-D0CE5A73A852}"/>
+              </a:ext>
+            </a:extLst>
+          </p:cNvPr>
+          <p:cNvSpPr>
+            <a:spLocks noGrp="1"/>
+          </p:cNvSpPr>
+          <p:nvPr>
+            <p:ph type="title"/>
+          </p:nvPr>
+        </p:nvSpPr>
+        <p:spPr>
+          <a:xfrm>
+            <a:off x="5297762" y="329184"/>
+            <a:ext cx="6251110" cy="1783080"/>
+          </a:xfrm>
+        </p:spPr>
+        <p:txBody>
+          <a:bodyPr anchor="b">
+            <a:normAutofit/>
+          </a:bodyPr>
+          <a:lstStyle/>
+          <a:p>
+            <a:r>
+              <a:rPr lang="en-US" sz="5400" b="1">
                 <a:latin typeface="Bell MT" panose="02020503060305020303" pitchFamily="18" charset="0"/>
                 <a:cs typeface="Arial" panose="020B0604020202020204" pitchFamily="34" charset="0"/>
               </a:rPr>
-              <a:t>Suitable for tasks like pathfinding (Dijkstra's algorithm, A*), network flow, and graph traversal (BFS, DFS).</a:t>
+              <a:t>What is data structure?</a:t>
+            </a:r>
+          </a:p>
+        </p:txBody>
+      </p:sp>
+      <p:pic>
+        <p:nvPicPr>
+          <p:cNvPr id="5" name="Picture 4" descr="A green cubes with lights&#10;&#10;AI-generated content may be incorrect.">
+            <a:extLst>
+              <a:ext uri="{FF2B5EF4-FFF2-40B4-BE49-F238E27FC236}">
+                <a16:creationId xmlns:a16="http://schemas.microsoft.com/office/drawing/2014/main" id="{7364A5A8-73DB-913D-6E78-6A43800551D4}"/>
+              </a:ext>
+            </a:extLst>
+          </p:cNvPr>
+          <p:cNvPicPr>
+            <a:picLocks noChangeAspect="1"/>
+          </p:cNvPicPr>
+          <p:nvPr/>
+        </p:nvPicPr>
+        <p:blipFill>
+          <a:blip r:embed="rId2"/>
+          <a:srcRect l="13431" r="48369"/>
+          <a:stretch>
+            <a:fillRect/>
+          </a:stretch>
+        </p:blipFill>
+        <p:spPr>
+          <a:xfrm>
+            <a:off x="1" y="10"/>
+            <a:ext cx="4657344" cy="6857990"/>
+          </a:xfrm>
+          <a:custGeom>
+            <a:avLst/>
+            <a:gdLst/>
+            <a:ahLst/>
+            <a:cxnLst/>
+            <a:rect l="l" t="t" r="r" b="b"/>
+            <a:pathLst>
+              <a:path w="4657344" h="6858000">
+                <a:moveTo>
+                  <a:pt x="0" y="0"/>
+                </a:moveTo>
+                <a:lnTo>
+                  <a:pt x="3429755" y="0"/>
+                </a:lnTo>
+                <a:lnTo>
+                  <a:pt x="3526016" y="148742"/>
+                </a:lnTo>
+                <a:cubicBezTo>
+                  <a:pt x="3657740" y="365513"/>
+                  <a:pt x="3777402" y="589569"/>
+                  <a:pt x="3886489" y="819975"/>
+                </a:cubicBezTo>
+                <a:cubicBezTo>
+                  <a:pt x="3891856" y="833492"/>
+                  <a:pt x="3900663" y="845393"/>
+                  <a:pt x="3912049" y="854514"/>
+                </a:cubicBezTo>
+                <a:cubicBezTo>
+                  <a:pt x="3897352" y="819849"/>
+                  <a:pt x="3883037" y="784928"/>
+                  <a:pt x="3868083" y="750263"/>
+                </a:cubicBezTo>
+                <a:cubicBezTo>
+                  <a:pt x="3806989" y="608712"/>
+                  <a:pt x="3742478" y="469145"/>
+                  <a:pt x="3674155" y="331786"/>
+                </a:cubicBezTo>
+                <a:lnTo>
+                  <a:pt x="3496656" y="0"/>
+                </a:lnTo>
+                <a:lnTo>
+                  <a:pt x="3554371" y="0"/>
+                </a:lnTo>
+                <a:lnTo>
+                  <a:pt x="3661621" y="196614"/>
+                </a:lnTo>
+                <a:cubicBezTo>
+                  <a:pt x="3856899" y="573253"/>
+                  <a:pt x="4021071" y="966066"/>
+                  <a:pt x="4161279" y="1371196"/>
+                </a:cubicBezTo>
+                <a:cubicBezTo>
+                  <a:pt x="4379525" y="2007265"/>
+                  <a:pt x="4530141" y="2664286"/>
+                  <a:pt x="4610660" y="3331516"/>
+                </a:cubicBezTo>
+                <a:cubicBezTo>
+                  <a:pt x="4652837" y="3672965"/>
+                  <a:pt x="4671625" y="4013908"/>
+                  <a:pt x="4645040" y="4357388"/>
+                </a:cubicBezTo>
+                <a:cubicBezTo>
+                  <a:pt x="4613599" y="4758899"/>
+                  <a:pt x="4566181" y="5157998"/>
+                  <a:pt x="4485789" y="5552906"/>
+                </a:cubicBezTo>
+                <a:cubicBezTo>
+                  <a:pt x="4397121" y="5988893"/>
+                  <a:pt x="4276748" y="6414594"/>
+                  <a:pt x="4117769" y="6828295"/>
+                </a:cubicBezTo>
+                <a:lnTo>
+                  <a:pt x="4105288" y="6858000"/>
+                </a:lnTo>
+                <a:lnTo>
+                  <a:pt x="4052520" y="6858000"/>
+                </a:lnTo>
+                <a:lnTo>
+                  <a:pt x="4059369" y="6841549"/>
+                </a:lnTo>
+                <a:cubicBezTo>
+                  <a:pt x="4147276" y="6614016"/>
+                  <a:pt x="4224193" y="6380817"/>
+                  <a:pt x="4291518" y="6142729"/>
+                </a:cubicBezTo>
+                <a:cubicBezTo>
+                  <a:pt x="4350055" y="5935370"/>
+                  <a:pt x="4393256" y="5723695"/>
+                  <a:pt x="4443357" y="5513923"/>
+                </a:cubicBezTo>
+                <a:cubicBezTo>
+                  <a:pt x="4444541" y="5502788"/>
+                  <a:pt x="4445137" y="5491601"/>
+                  <a:pt x="4445146" y="5480401"/>
+                </a:cubicBezTo>
+                <a:cubicBezTo>
+                  <a:pt x="4408465" y="5607635"/>
+                  <a:pt x="4379196" y="5719759"/>
+                  <a:pt x="4344559" y="5830359"/>
+                </a:cubicBezTo>
+                <a:cubicBezTo>
+                  <a:pt x="4254261" y="6118381"/>
+                  <a:pt x="4150112" y="6398531"/>
+                  <a:pt x="4031702" y="6670527"/>
+                </a:cubicBezTo>
+                <a:lnTo>
+                  <a:pt x="3943824" y="6858000"/>
+                </a:lnTo>
+                <a:lnTo>
+                  <a:pt x="0" y="6858000"/>
+                </a:lnTo>
+                <a:close/>
+              </a:path>
+            </a:pathLst>
+          </a:custGeom>
+        </p:spPr>
+      </p:pic>
+      <p:sp>
+        <p:nvSpPr>
+          <p:cNvPr id="11" name="sketchy line">
+            <a:extLst>
+              <a:ext uri="{FF2B5EF4-FFF2-40B4-BE49-F238E27FC236}">
+                <a16:creationId xmlns:a16="http://schemas.microsoft.com/office/drawing/2014/main" id="{21540236-BFD5-4A9D-8840-4703E7F76825}"/>
+              </a:ext>
+              <a:ext uri="{C183D7F6-B498-43B3-948B-1728B52AA6E4}">
+                <adec:decorative xmlns:adec="http://schemas.microsoft.com/office/drawing/2017/decorative" val="1"/>
+              </a:ext>
+            </a:extLst>
+          </p:cNvPr>
+          <p:cNvSpPr>
+            <a:spLocks noGrp="1" noRot="1" noChangeAspect="1" noMove="1" noResize="1" noEditPoints="1" noAdjustHandles="1" noChangeArrowheads="1" noChangeShapeType="1" noTextEdit="1"/>
+          </p:cNvSpPr>
+          <p:nvPr>
+            <p:extLst>
+              <p:ext uri="{386F3935-93C4-4BCD-93E2-E3B085C9AB24}">
+                <p16:designElem xmlns:p16="http://schemas.microsoft.com/office/powerpoint/2015/main" val="1"/>
+              </p:ext>
+            </p:extLst>
+          </p:nvPr>
+        </p:nvSpPr>
+        <p:spPr>
+          <a:xfrm>
+            <a:off x="5297762" y="2374947"/>
+            <a:ext cx="4243589" cy="18288"/>
+          </a:xfrm>
+          <a:custGeom>
+            <a:avLst/>
+            <a:gdLst>
+              <a:gd name="connsiteX0" fmla="*/ 0 w 4243589"/>
+              <a:gd name="connsiteY0" fmla="*/ 0 h 18288"/>
+              <a:gd name="connsiteX1" fmla="*/ 478919 w 4243589"/>
+              <a:gd name="connsiteY1" fmla="*/ 0 h 18288"/>
+              <a:gd name="connsiteX2" fmla="*/ 957839 w 4243589"/>
+              <a:gd name="connsiteY2" fmla="*/ 0 h 18288"/>
+              <a:gd name="connsiteX3" fmla="*/ 1521630 w 4243589"/>
+              <a:gd name="connsiteY3" fmla="*/ 0 h 18288"/>
+              <a:gd name="connsiteX4" fmla="*/ 2212729 w 4243589"/>
+              <a:gd name="connsiteY4" fmla="*/ 0 h 18288"/>
+              <a:gd name="connsiteX5" fmla="*/ 2734084 w 4243589"/>
+              <a:gd name="connsiteY5" fmla="*/ 0 h 18288"/>
+              <a:gd name="connsiteX6" fmla="*/ 3255439 w 4243589"/>
+              <a:gd name="connsiteY6" fmla="*/ 0 h 18288"/>
+              <a:gd name="connsiteX7" fmla="*/ 4243589 w 4243589"/>
+              <a:gd name="connsiteY7" fmla="*/ 0 h 18288"/>
+              <a:gd name="connsiteX8" fmla="*/ 4243589 w 4243589"/>
+              <a:gd name="connsiteY8" fmla="*/ 18288 h 18288"/>
+              <a:gd name="connsiteX9" fmla="*/ 3594926 w 4243589"/>
+              <a:gd name="connsiteY9" fmla="*/ 18288 h 18288"/>
+              <a:gd name="connsiteX10" fmla="*/ 3073571 w 4243589"/>
+              <a:gd name="connsiteY10" fmla="*/ 18288 h 18288"/>
+              <a:gd name="connsiteX11" fmla="*/ 2552216 w 4243589"/>
+              <a:gd name="connsiteY11" fmla="*/ 18288 h 18288"/>
+              <a:gd name="connsiteX12" fmla="*/ 1903553 w 4243589"/>
+              <a:gd name="connsiteY12" fmla="*/ 18288 h 18288"/>
+              <a:gd name="connsiteX13" fmla="*/ 1212454 w 4243589"/>
+              <a:gd name="connsiteY13" fmla="*/ 18288 h 18288"/>
+              <a:gd name="connsiteX14" fmla="*/ 733535 w 4243589"/>
+              <a:gd name="connsiteY14" fmla="*/ 18288 h 18288"/>
+              <a:gd name="connsiteX15" fmla="*/ 0 w 4243589"/>
+              <a:gd name="connsiteY15" fmla="*/ 18288 h 18288"/>
+              <a:gd name="connsiteX16" fmla="*/ 0 w 4243589"/>
+              <a:gd name="connsiteY16" fmla="*/ 0 h 18288"/>
+            </a:gdLst>
+            <a:ahLst/>
+            <a:cxnLst>
+              <a:cxn ang="0">
+                <a:pos x="connsiteX0" y="connsiteY0"/>
+              </a:cxn>
+              <a:cxn ang="0">
+                <a:pos x="connsiteX1" y="connsiteY1"/>
+              </a:cxn>
+              <a:cxn ang="0">
+                <a:pos x="connsiteX2" y="connsiteY2"/>
+              </a:cxn>
+              <a:cxn ang="0">
+                <a:pos x="connsiteX3" y="connsiteY3"/>
+              </a:cxn>
+              <a:cxn ang="0">
+                <a:pos x="connsiteX4" y="connsiteY4"/>
+              </a:cxn>
+              <a:cxn ang="0">
+                <a:pos x="connsiteX5" y="connsiteY5"/>
+              </a:cxn>
+              <a:cxn ang="0">
+                <a:pos x="connsiteX6" y="connsiteY6"/>
+              </a:cxn>
+              <a:cxn ang="0">
+                <a:pos x="connsiteX7" y="connsiteY7"/>
+              </a:cxn>
+              <a:cxn ang="0">
+                <a:pos x="connsiteX8" y="connsiteY8"/>
+              </a:cxn>
+              <a:cxn ang="0">
+                <a:pos x="connsiteX9" y="connsiteY9"/>
+              </a:cxn>
+              <a:cxn ang="0">
+                <a:pos x="connsiteX10" y="connsiteY10"/>
+              </a:cxn>
+              <a:cxn ang="0">
+                <a:pos x="connsiteX11" y="connsiteY11"/>
+              </a:cxn>
+              <a:cxn ang="0">
+                <a:pos x="connsiteX12" y="connsiteY12"/>
+              </a:cxn>
+              <a:cxn ang="0">
+                <a:pos x="connsiteX13" y="connsiteY13"/>
+              </a:cxn>
+              <a:cxn ang="0">
+                <a:pos x="connsiteX14" y="connsiteY14"/>
+              </a:cxn>
+              <a:cxn ang="0">
+                <a:pos x="connsiteX15" y="connsiteY15"/>
+              </a:cxn>
+              <a:cxn ang="0">
+                <a:pos x="connsiteX16" y="connsiteY16"/>
+              </a:cxn>
+            </a:cxnLst>
+            <a:rect l="l" t="t" r="r" b="b"/>
+            <a:pathLst>
+              <a:path w="4243589" h="18288" fill="none" extrusionOk="0">
+                <a:moveTo>
+                  <a:pt x="0" y="0"/>
+                </a:moveTo>
+                <a:cubicBezTo>
+                  <a:pt x="213395" y="-21006"/>
+                  <a:pt x="307421" y="-18116"/>
+                  <a:pt x="478919" y="0"/>
+                </a:cubicBezTo>
+                <a:cubicBezTo>
+                  <a:pt x="650417" y="18116"/>
+                  <a:pt x="831092" y="-21237"/>
+                  <a:pt x="957839" y="0"/>
+                </a:cubicBezTo>
+                <a:cubicBezTo>
+                  <a:pt x="1084586" y="21237"/>
+                  <a:pt x="1301682" y="25124"/>
+                  <a:pt x="1521630" y="0"/>
+                </a:cubicBezTo>
+                <a:cubicBezTo>
+                  <a:pt x="1741578" y="-25124"/>
+                  <a:pt x="1970269" y="-29139"/>
+                  <a:pt x="2212729" y="0"/>
+                </a:cubicBezTo>
+                <a:cubicBezTo>
+                  <a:pt x="2455189" y="29139"/>
+                  <a:pt x="2558847" y="-4796"/>
+                  <a:pt x="2734084" y="0"/>
+                </a:cubicBezTo>
+                <a:cubicBezTo>
+                  <a:pt x="2909321" y="4796"/>
+                  <a:pt x="3097217" y="-13409"/>
+                  <a:pt x="3255439" y="0"/>
+                </a:cubicBezTo>
+                <a:cubicBezTo>
+                  <a:pt x="3413662" y="13409"/>
+                  <a:pt x="3979999" y="-10121"/>
+                  <a:pt x="4243589" y="0"/>
+                </a:cubicBezTo>
+                <a:cubicBezTo>
+                  <a:pt x="4244484" y="8974"/>
+                  <a:pt x="4243043" y="9359"/>
+                  <a:pt x="4243589" y="18288"/>
+                </a:cubicBezTo>
+                <a:cubicBezTo>
+                  <a:pt x="4058777" y="31246"/>
+                  <a:pt x="3910348" y="3158"/>
+                  <a:pt x="3594926" y="18288"/>
+                </a:cubicBezTo>
+                <a:cubicBezTo>
+                  <a:pt x="3279504" y="33418"/>
+                  <a:pt x="3319955" y="-3977"/>
+                  <a:pt x="3073571" y="18288"/>
+                </a:cubicBezTo>
+                <a:cubicBezTo>
+                  <a:pt x="2827187" y="40553"/>
+                  <a:pt x="2767387" y="1863"/>
+                  <a:pt x="2552216" y="18288"/>
+                </a:cubicBezTo>
+                <a:cubicBezTo>
+                  <a:pt x="2337046" y="34713"/>
+                  <a:pt x="2181871" y="19527"/>
+                  <a:pt x="1903553" y="18288"/>
+                </a:cubicBezTo>
+                <a:cubicBezTo>
+                  <a:pt x="1625235" y="17049"/>
+                  <a:pt x="1557672" y="24174"/>
+                  <a:pt x="1212454" y="18288"/>
+                </a:cubicBezTo>
+                <a:cubicBezTo>
+                  <a:pt x="867236" y="12402"/>
+                  <a:pt x="874382" y="15627"/>
+                  <a:pt x="733535" y="18288"/>
+                </a:cubicBezTo>
+                <a:cubicBezTo>
+                  <a:pt x="592688" y="20949"/>
+                  <a:pt x="183477" y="14753"/>
+                  <a:pt x="0" y="18288"/>
+                </a:cubicBezTo>
+                <a:cubicBezTo>
+                  <a:pt x="-229" y="14222"/>
+                  <a:pt x="509" y="5816"/>
+                  <a:pt x="0" y="0"/>
+                </a:cubicBezTo>
+                <a:close/>
+              </a:path>
+              <a:path w="4243589" h="18288" stroke="0" extrusionOk="0">
+                <a:moveTo>
+                  <a:pt x="0" y="0"/>
+                </a:moveTo>
+                <a:cubicBezTo>
+                  <a:pt x="143690" y="16630"/>
+                  <a:pt x="266667" y="14847"/>
+                  <a:pt x="521355" y="0"/>
+                </a:cubicBezTo>
+                <a:cubicBezTo>
+                  <a:pt x="776043" y="-14847"/>
+                  <a:pt x="814491" y="-17363"/>
+                  <a:pt x="1000275" y="0"/>
+                </a:cubicBezTo>
+                <a:cubicBezTo>
+                  <a:pt x="1186059" y="17363"/>
+                  <a:pt x="1352504" y="-23507"/>
+                  <a:pt x="1521630" y="0"/>
+                </a:cubicBezTo>
+                <a:cubicBezTo>
+                  <a:pt x="1690756" y="23507"/>
+                  <a:pt x="1889525" y="5871"/>
+                  <a:pt x="2127857" y="0"/>
+                </a:cubicBezTo>
+                <a:cubicBezTo>
+                  <a:pt x="2366189" y="-5871"/>
+                  <a:pt x="2620628" y="-27997"/>
+                  <a:pt x="2776520" y="0"/>
+                </a:cubicBezTo>
+                <a:cubicBezTo>
+                  <a:pt x="2932412" y="27997"/>
+                  <a:pt x="3131683" y="-25073"/>
+                  <a:pt x="3467618" y="0"/>
+                </a:cubicBezTo>
+                <a:cubicBezTo>
+                  <a:pt x="3803553" y="25073"/>
+                  <a:pt x="4017371" y="3071"/>
+                  <a:pt x="4243589" y="0"/>
+                </a:cubicBezTo>
+                <a:cubicBezTo>
+                  <a:pt x="4243134" y="6162"/>
+                  <a:pt x="4243492" y="11775"/>
+                  <a:pt x="4243589" y="18288"/>
+                </a:cubicBezTo>
+                <a:cubicBezTo>
+                  <a:pt x="4017834" y="-5779"/>
+                  <a:pt x="3834586" y="13376"/>
+                  <a:pt x="3594926" y="18288"/>
+                </a:cubicBezTo>
+                <a:cubicBezTo>
+                  <a:pt x="3355266" y="23200"/>
+                  <a:pt x="3204179" y="2869"/>
+                  <a:pt x="2903827" y="18288"/>
+                </a:cubicBezTo>
+                <a:cubicBezTo>
+                  <a:pt x="2603475" y="33707"/>
+                  <a:pt x="2526187" y="46187"/>
+                  <a:pt x="2212729" y="18288"/>
+                </a:cubicBezTo>
+                <a:cubicBezTo>
+                  <a:pt x="1899271" y="-9611"/>
+                  <a:pt x="1966289" y="29692"/>
+                  <a:pt x="1733809" y="18288"/>
+                </a:cubicBezTo>
+                <a:cubicBezTo>
+                  <a:pt x="1501329" y="6884"/>
+                  <a:pt x="1343612" y="12492"/>
+                  <a:pt x="1085146" y="18288"/>
+                </a:cubicBezTo>
+                <a:cubicBezTo>
+                  <a:pt x="826680" y="24084"/>
+                  <a:pt x="778184" y="35607"/>
+                  <a:pt x="521355" y="18288"/>
+                </a:cubicBezTo>
+                <a:cubicBezTo>
+                  <a:pt x="264526" y="969"/>
+                  <a:pt x="120277" y="4268"/>
+                  <a:pt x="0" y="18288"/>
+                </a:cubicBezTo>
+                <a:cubicBezTo>
+                  <a:pt x="766" y="10800"/>
+                  <a:pt x="-457" y="8180"/>
+                  <a:pt x="0" y="0"/>
+                </a:cubicBezTo>
+                <a:close/>
+              </a:path>
+            </a:pathLst>
+          </a:custGeom>
+          <a:solidFill>
+            <a:schemeClr val="accent2"/>
+          </a:solidFill>
+          <a:ln w="44450" cap="rnd">
+            <a:solidFill>
+              <a:schemeClr val="accent2"/>
+            </a:solidFill>
+            <a:round/>
+            <a:extLst>
+              <a:ext uri="{C807C97D-BFC1-408E-A445-0C87EB9F89A2}">
+                <ask:lineSketchStyleProps xmlns:ask="http://schemas.microsoft.com/office/drawing/2018/sketchyshapes" sd="2727557108">
+                  <a:prstGeom prst="rect">
+                    <a:avLst/>
+                  </a:prstGeom>
+                  <ask:type>
+                    <ask:lineSketchFreehand/>
+                  </ask:type>
+                </ask:lineSketchStyleProps>
+              </a:ext>
+            </a:extLst>
+          </a:ln>
+        </p:spPr>
+        <p:style>
+          <a:lnRef idx="2">
+            <a:schemeClr val="accent1">
+              <a:shade val="50000"/>
+            </a:schemeClr>
+          </a:lnRef>
+          <a:fillRef idx="1">
+            <a:schemeClr val="accent1"/>
+          </a:fillRef>
+          <a:effectRef idx="0">
+            <a:schemeClr val="accent1"/>
+          </a:effectRef>
+          <a:fontRef idx="minor">
+            <a:schemeClr val="lt1"/>
+          </a:fontRef>
+        </p:style>
+        <p:txBody>
+          <a:bodyPr rtlCol="0" anchor="ctr"/>
+          <a:lstStyle/>
+          <a:p>
+            <a:pPr algn="ctr"/>
+            <a:endParaRPr lang="en-US"/>
+          </a:p>
+        </p:txBody>
+      </p:sp>
+      <p:sp>
+        <p:nvSpPr>
+          <p:cNvPr id="3" name="Content Placeholder 2">
+            <a:extLst>
+              <a:ext uri="{FF2B5EF4-FFF2-40B4-BE49-F238E27FC236}">
+                <a16:creationId xmlns:a16="http://schemas.microsoft.com/office/drawing/2014/main" id="{781D95DD-8BD1-477E-B19D-506968ECD878}"/>
+              </a:ext>
+            </a:extLst>
+          </p:cNvPr>
+          <p:cNvSpPr>
+            <a:spLocks noGrp="1"/>
+          </p:cNvSpPr>
+          <p:nvPr>
+            <p:ph idx="1"/>
+          </p:nvPr>
+        </p:nvSpPr>
+        <p:spPr>
+          <a:xfrm>
+            <a:off x="5297762" y="2706624"/>
+            <a:ext cx="6251110" cy="3483864"/>
+          </a:xfrm>
+        </p:spPr>
+        <p:txBody>
+          <a:bodyPr>
+            <a:normAutofit/>
+          </a:bodyPr>
+          <a:lstStyle/>
+          <a:p>
+            <a:pPr algn="just"/>
+            <a:r>
+              <a:rPr lang="en-US" sz="1500" dirty="0">
+                <a:latin typeface="Bell MT" panose="02020503060305020303" pitchFamily="18" charset="0"/>
+                <a:cs typeface="Arial" panose="020B0604020202020204" pitchFamily="34" charset="0"/>
+              </a:rPr>
+              <a:t>A data structure is a way of organizing and storing data in a computer or a programming language, enabling efficient access, manipulation, and management of the information it contains.</a:t>
             </a:r>
           </a:p>
           <a:p>
             <a:pPr marL="0" indent="0" algn="just">
               <a:buNone/>
             </a:pPr>
-            <a:r>
-              <a:rPr lang="en-US" sz="2000" b="1" dirty="0">
+            <a:endParaRPr lang="en-US" sz="1500" b="1" dirty="0">
+              <a:latin typeface="Bell MT" panose="02020503060305020303" pitchFamily="18" charset="0"/>
+              <a:cs typeface="Arial" panose="020B0604020202020204" pitchFamily="34" charset="0"/>
+            </a:endParaRPr>
+          </a:p>
+          <a:p>
+            <a:pPr marL="0" indent="0" algn="just">
+              <a:buNone/>
+            </a:pPr>
+            <a:endParaRPr lang="en-US" sz="1500" b="1" dirty="0">
+              <a:latin typeface="Bell MT" panose="02020503060305020303" pitchFamily="18" charset="0"/>
+              <a:cs typeface="Arial" panose="020B0604020202020204" pitchFamily="34" charset="0"/>
+            </a:endParaRPr>
+          </a:p>
+          <a:p>
+            <a:pPr marL="0" indent="0" algn="just">
+              <a:buNone/>
+            </a:pPr>
+            <a:r>
+              <a:rPr lang="en-US" sz="1500" b="1" dirty="0">
                 <a:latin typeface="Bell MT" panose="02020503060305020303" pitchFamily="18" charset="0"/>
                 <a:cs typeface="Arial" panose="020B0604020202020204" pitchFamily="34" charset="0"/>
               </a:rPr>
-              <a:t>Hash Tables:</a:t>
+              <a:t>Why we need data structure?</a:t>
             </a:r>
           </a:p>
           <a:p>
             <a:pPr algn="just"/>
             <a:r>
-              <a:rPr lang="en-US" sz="2000" dirty="0">
+              <a:rPr lang="en-US" sz="1500" dirty="0">
                 <a:latin typeface="Bell MT" panose="02020503060305020303" pitchFamily="18" charset="0"/>
                 <a:cs typeface="Arial" panose="020B0604020202020204" pitchFamily="34" charset="0"/>
               </a:rPr>
-              <a:t>Use hash tables when you need fast key-value pair lookups.</a:t>
-            </a:r>
-          </a:p>
-          <a:p>
-            <a:pPr algn="just"/>
-            <a:r>
-              <a:rPr lang="en-US" sz="2000" dirty="0">
+              <a:t>Data structures are essential in computer science and programming because they provide a </a:t>
+            </a:r>
+            <a:r>
+              <a:rPr lang="en-US" sz="1500" b="1" dirty="0">
                 <a:latin typeface="Bell MT" panose="02020503060305020303" pitchFamily="18" charset="0"/>
                 <a:cs typeface="Arial" panose="020B0604020202020204" pitchFamily="34" charset="0"/>
               </a:rPr>
-              <a:t>Suitable for implementing associative arrays, databases, caches, and symbol tables.</a:t>
+              <a:t>systematic</a:t>
+            </a:r>
+            <a:r>
+              <a:rPr lang="en-US" sz="1500" dirty="0">
+                <a:latin typeface="Bell MT" panose="02020503060305020303" pitchFamily="18" charset="0"/>
+                <a:cs typeface="Arial" panose="020B0604020202020204" pitchFamily="34" charset="0"/>
+              </a:rPr>
+              <a:t> and </a:t>
+            </a:r>
+            <a:r>
+              <a:rPr lang="en-US" sz="1500" b="1" dirty="0">
+                <a:latin typeface="Bell MT" panose="02020503060305020303" pitchFamily="18" charset="0"/>
+                <a:cs typeface="Arial" panose="020B0604020202020204" pitchFamily="34" charset="0"/>
+              </a:rPr>
+              <a:t>organized approach </a:t>
+            </a:r>
+            <a:r>
+              <a:rPr lang="en-US" sz="1500" dirty="0">
+                <a:latin typeface="Bell MT" panose="02020503060305020303" pitchFamily="18" charset="0"/>
+                <a:cs typeface="Arial" panose="020B0604020202020204" pitchFamily="34" charset="0"/>
+              </a:rPr>
+              <a:t>to storing and managing data, allowing for efficient operations and problem-solving. Without data structures, the handling of information would be chaotic and inefficient, leading to significant challenges in designing algorithms, </a:t>
+            </a:r>
+            <a:r>
+              <a:rPr lang="en-US" sz="1500" b="1" dirty="0">
+                <a:latin typeface="Bell MT" panose="02020503060305020303" pitchFamily="18" charset="0"/>
+                <a:cs typeface="Arial" panose="020B0604020202020204" pitchFamily="34" charset="0"/>
+              </a:rPr>
+              <a:t>managing memory</a:t>
+            </a:r>
+            <a:r>
+              <a:rPr lang="en-US" sz="1500" dirty="0">
+                <a:latin typeface="Bell MT" panose="02020503060305020303" pitchFamily="18" charset="0"/>
+                <a:cs typeface="Arial" panose="020B0604020202020204" pitchFamily="34" charset="0"/>
+              </a:rPr>
+              <a:t>, and </a:t>
+            </a:r>
+            <a:r>
+              <a:rPr lang="en-US" sz="1500" b="1" dirty="0">
+                <a:latin typeface="Bell MT" panose="02020503060305020303" pitchFamily="18" charset="0"/>
+                <a:cs typeface="Arial" panose="020B0604020202020204" pitchFamily="34" charset="0"/>
+              </a:rPr>
+              <a:t>processing data</a:t>
+            </a:r>
+            <a:r>
+              <a:rPr lang="en-US" sz="1500" dirty="0">
+                <a:latin typeface="Bell MT" panose="02020503060305020303" pitchFamily="18" charset="0"/>
+                <a:cs typeface="Arial" panose="020B0604020202020204" pitchFamily="34" charset="0"/>
+              </a:rPr>
+              <a:t>.</a:t>
             </a:r>
           </a:p>
           <a:p>
             <a:pPr marL="0" indent="0" algn="just">
               <a:buNone/>
             </a:pPr>
-            <a:r>
-              <a:rPr lang="en-US" sz="2000" b="1" dirty="0">
-                <a:latin typeface="Bell MT" panose="02020503060305020303" pitchFamily="18" charset="0"/>
-                <a:cs typeface="Arial" panose="020B0604020202020204" pitchFamily="34" charset="0"/>
-              </a:rPr>
-              <a:t>Heaps:</a:t>
-            </a:r>
-          </a:p>
-          <a:p>
-            <a:pPr algn="just"/>
-            <a:r>
-              <a:rPr lang="en-US" sz="2000" dirty="0">
-                <a:latin typeface="Bell MT" panose="02020503060305020303" pitchFamily="18" charset="0"/>
-                <a:cs typeface="Arial" panose="020B0604020202020204" pitchFamily="34" charset="0"/>
-              </a:rPr>
-              <a:t>Use heaps when you need efficient access to the smallest (or largest) element in a collection.</a:t>
-            </a:r>
-          </a:p>
-          <a:p>
-            <a:pPr algn="just"/>
-            <a:r>
-              <a:rPr lang="en-US" sz="2000" dirty="0">
-                <a:latin typeface="Bell MT" panose="02020503060305020303" pitchFamily="18" charset="0"/>
-                <a:cs typeface="Arial" panose="020B0604020202020204" pitchFamily="34" charset="0"/>
-              </a:rPr>
-              <a:t>Suitable for priority queues, scheduling algorithms, and graph algorithms like Dijkstra's with a priority queue.</a:t>
-            </a:r>
+            <a:endParaRPr lang="en-US" sz="1500" b="1" dirty="0">
+              <a:latin typeface="Bell MT" panose="02020503060305020303" pitchFamily="18" charset="0"/>
+              <a:cs typeface="Arial" panose="020B0604020202020204" pitchFamily="34" charset="0"/>
+            </a:endParaRPr>
+          </a:p>
+          <a:p>
+            <a:pPr marL="0" indent="0" algn="just">
+              <a:buNone/>
+            </a:pPr>
+            <a:endParaRPr lang="en-US" sz="1500" dirty="0">
+              <a:latin typeface="Bell MT" panose="02020503060305020303" pitchFamily="18" charset="0"/>
+              <a:cs typeface="Arial" panose="020B0604020202020204" pitchFamily="34" charset="0"/>
+            </a:endParaRPr>
+          </a:p>
+        </p:txBody>
+      </p:sp>
+    </p:spTree>
+    <p:extLst>
+      <p:ext uri="{BB962C8B-B14F-4D97-AF65-F5344CB8AC3E}">
+        <p14:creationId xmlns:p14="http://schemas.microsoft.com/office/powerpoint/2010/main" val="445043124"/>
+      </p:ext>
+    </p:extLst>
+  </p:cSld>
+  <p:clrMapOvr>
+    <a:masterClrMapping/>
+  </p:clrMapOvr>
+</p:sld>
+</file>
+
+<file path=ppt/slides/slide5.xml><?xml version="1.0" encoding="utf-8"?>
+<p:sld xmlns:a="http://schemas.openxmlformats.org/drawingml/2006/main" xmlns:r="http://schemas.openxmlformats.org/officeDocument/2006/relationships" xmlns:p="http://schemas.openxmlformats.org/presentationml/2006/main">
+  <p:cSld>
+    <p:bg>
+      <p:bgPr>
+        <a:solidFill>
+          <a:schemeClr val="bg1"/>
+        </a:solidFill>
+        <a:effectLst/>
+      </p:bgPr>
+    </p:bg>
+    <p:spTree>
+      <p:nvGrpSpPr>
+        <p:cNvPr id="1" name=""/>
+        <p:cNvGrpSpPr/>
+        <p:nvPr/>
+      </p:nvGrpSpPr>
+      <p:grpSpPr>
+        <a:xfrm>
+          <a:off x="0" y="0"/>
+          <a:ext cx="0" cy="0"/>
+          <a:chOff x="0" y="0"/>
+          <a:chExt cx="0" cy="0"/>
+        </a:xfrm>
+      </p:grpSpPr>
+      <p:sp useBgFill="1">
+        <p:nvSpPr>
+          <p:cNvPr id="12" name="Rectangle 11">
+            <a:extLst>
+              <a:ext uri="{FF2B5EF4-FFF2-40B4-BE49-F238E27FC236}">
+                <a16:creationId xmlns:a16="http://schemas.microsoft.com/office/drawing/2014/main" id="{DAF1966E-FD40-4A4A-B61B-C4DF7FA05F06}"/>
+              </a:ext>
+              <a:ext uri="{C183D7F6-B498-43B3-948B-1728B52AA6E4}">
+                <adec:decorative xmlns:adec="http://schemas.microsoft.com/office/drawing/2017/decorative" val="1"/>
+              </a:ext>
+            </a:extLst>
+          </p:cNvPr>
+          <p:cNvSpPr>
+            <a:spLocks noGrp="1" noRot="1" noChangeAspect="1" noMove="1" noResize="1" noEditPoints="1" noAdjustHandles="1" noChangeArrowheads="1" noChangeShapeType="1" noTextEdit="1"/>
+          </p:cNvSpPr>
+          <p:nvPr>
+            <p:extLst>
+              <p:ext uri="{386F3935-93C4-4BCD-93E2-E3B085C9AB24}">
+                <p16:designElem xmlns:p16="http://schemas.microsoft.com/office/powerpoint/2015/main" val="1"/>
+              </p:ext>
+            </p:extLst>
+          </p:nvPr>
+        </p:nvSpPr>
+        <p:spPr>
+          <a:xfrm>
+            <a:off x="0" y="0"/>
+            <a:ext cx="12192000" cy="6858000"/>
+          </a:xfrm>
+          <a:prstGeom prst="rect">
+            <a:avLst/>
+          </a:prstGeom>
+          <a:ln>
+            <a:noFill/>
+          </a:ln>
+        </p:spPr>
+        <p:style>
+          <a:lnRef idx="2">
+            <a:schemeClr val="accent1">
+              <a:shade val="50000"/>
+            </a:schemeClr>
+          </a:lnRef>
+          <a:fillRef idx="1">
+            <a:schemeClr val="accent1"/>
+          </a:fillRef>
+          <a:effectRef idx="0">
+            <a:schemeClr val="accent1"/>
+          </a:effectRef>
+          <a:fontRef idx="minor">
+            <a:schemeClr val="lt1"/>
+          </a:fontRef>
+        </p:style>
+        <p:txBody>
+          <a:bodyPr rtlCol="0" anchor="ctr"/>
+          <a:lstStyle/>
+          <a:p>
+            <a:pPr algn="ctr"/>
+            <a:endParaRPr lang="en-US"/>
+          </a:p>
+        </p:txBody>
+      </p:sp>
+      <p:sp useBgFill="1">
+        <p:nvSpPr>
+          <p:cNvPr id="14" name="Rectangle 13">
+            <a:extLst>
+              <a:ext uri="{FF2B5EF4-FFF2-40B4-BE49-F238E27FC236}">
+                <a16:creationId xmlns:a16="http://schemas.microsoft.com/office/drawing/2014/main" id="{047BFA19-D45E-416B-A404-7AF2F3F27017}"/>
+              </a:ext>
+              <a:ext uri="{C183D7F6-B498-43B3-948B-1728B52AA6E4}">
+                <adec:decorative xmlns:adec="http://schemas.microsoft.com/office/drawing/2017/decorative" val="1"/>
+              </a:ext>
+            </a:extLst>
+          </p:cNvPr>
+          <p:cNvSpPr>
+            <a:spLocks noGrp="1" noRot="1" noChangeAspect="1" noMove="1" noResize="1" noEditPoints="1" noAdjustHandles="1" noChangeArrowheads="1" noChangeShapeType="1" noTextEdit="1"/>
+          </p:cNvSpPr>
+          <p:nvPr>
+            <p:extLst>
+              <p:ext uri="{386F3935-93C4-4BCD-93E2-E3B085C9AB24}">
+                <p16:designElem xmlns:p16="http://schemas.microsoft.com/office/powerpoint/2015/main" val="1"/>
+              </p:ext>
+            </p:extLst>
+          </p:nvPr>
+        </p:nvSpPr>
+        <p:spPr>
+          <a:xfrm>
+            <a:off x="558209" y="0"/>
+            <a:ext cx="11167447" cy="2018806"/>
+          </a:xfrm>
+          <a:prstGeom prst="rect">
+            <a:avLst/>
+          </a:prstGeom>
+          <a:ln w="9525">
+            <a:solidFill>
+              <a:srgbClr val="E1E1E1"/>
+            </a:solidFill>
+          </a:ln>
+          <a:effectLst>
+            <a:outerShdw blurRad="50800" dist="38100" dir="2700000" algn="tl" rotWithShape="0">
+              <a:schemeClr val="bg1">
+                <a:lumMod val="85000"/>
+                <a:alpha val="50000"/>
+              </a:schemeClr>
+            </a:outerShdw>
+          </a:effectLst>
+        </p:spPr>
+        <p:style>
+          <a:lnRef idx="2">
+            <a:schemeClr val="accent1">
+              <a:shade val="50000"/>
+            </a:schemeClr>
+          </a:lnRef>
+          <a:fillRef idx="1">
+            <a:schemeClr val="accent1"/>
+          </a:fillRef>
+          <a:effectRef idx="0">
+            <a:schemeClr val="accent1"/>
+          </a:effectRef>
+          <a:fontRef idx="minor">
+            <a:schemeClr val="lt1"/>
+          </a:fontRef>
+        </p:style>
+        <p:txBody>
+          <a:bodyPr rtlCol="0" anchor="ctr"/>
+          <a:lstStyle/>
+          <a:p>
+            <a:pPr marL="0" marR="0" lvl="0" indent="0" algn="ctr" defTabSz="914400" rtl="0" eaLnBrk="1" fontAlgn="auto" latinLnBrk="0" hangingPunct="1">
+              <a:lnSpc>
+                <a:spcPct val="100000"/>
+              </a:lnSpc>
+              <a:spcBef>
+                <a:spcPts val="0"/>
+              </a:spcBef>
+              <a:spcAft>
+                <a:spcPts val="0"/>
+              </a:spcAft>
+              <a:buClrTx/>
+              <a:buSzTx/>
+              <a:buFontTx/>
+              <a:buNone/>
+              <a:tabLst/>
+              <a:defRPr/>
+            </a:pPr>
+            <a:endParaRPr kumimoji="0" lang="en-US" sz="1800" b="0" i="0" u="none" strike="noStrike" kern="1200" cap="none" spc="0" normalizeH="0" baseline="0" noProof="0">
+              <a:ln>
+                <a:noFill/>
+              </a:ln>
+              <a:solidFill>
+                <a:prstClr val="white"/>
+              </a:solidFill>
+              <a:effectLst/>
+              <a:uLnTx/>
+              <a:uFillTx/>
+              <a:latin typeface="Calibri" panose="020F0502020204030204"/>
+              <a:ea typeface="+mn-ea"/>
+              <a:cs typeface="+mn-cs"/>
+            </a:endParaRPr>
+          </a:p>
+        </p:txBody>
+      </p:sp>
+      <p:sp useBgFill="1">
+        <p:nvSpPr>
+          <p:cNvPr id="16" name="Rectangle 15">
+            <a:extLst>
+              <a:ext uri="{FF2B5EF4-FFF2-40B4-BE49-F238E27FC236}">
+                <a16:creationId xmlns:a16="http://schemas.microsoft.com/office/drawing/2014/main" id="{8E0105E7-23DB-4CF2-8258-FF47C7620F6E}"/>
+              </a:ext>
+              <a:ext uri="{C183D7F6-B498-43B3-948B-1728B52AA6E4}">
+                <adec:decorative xmlns:adec="http://schemas.microsoft.com/office/drawing/2017/decorative" val="1"/>
+              </a:ext>
+            </a:extLst>
+          </p:cNvPr>
+          <p:cNvSpPr>
+            <a:spLocks noGrp="1" noRot="1" noChangeAspect="1" noMove="1" noResize="1" noEditPoints="1" noAdjustHandles="1" noChangeArrowheads="1" noChangeShapeType="1" noTextEdit="1"/>
+          </p:cNvSpPr>
+          <p:nvPr>
+            <p:extLst>
+              <p:ext uri="{386F3935-93C4-4BCD-93E2-E3B085C9AB24}">
+                <p16:designElem xmlns:p16="http://schemas.microsoft.com/office/powerpoint/2015/main" val="1"/>
+              </p:ext>
+            </p:extLst>
+          </p:nvPr>
+        </p:nvSpPr>
+        <p:spPr>
+          <a:xfrm>
+            <a:off x="566928" y="0"/>
+            <a:ext cx="11155680" cy="2011680"/>
+          </a:xfrm>
+          <a:prstGeom prst="rect">
+            <a:avLst/>
+          </a:prstGeom>
+          <a:ln w="9525">
+            <a:noFill/>
+          </a:ln>
+          <a:effectLst/>
+        </p:spPr>
+        <p:style>
+          <a:lnRef idx="2">
+            <a:schemeClr val="accent1">
+              <a:shade val="50000"/>
+            </a:schemeClr>
+          </a:lnRef>
+          <a:fillRef idx="1">
+            <a:schemeClr val="accent1"/>
+          </a:fillRef>
+          <a:effectRef idx="0">
+            <a:schemeClr val="accent1"/>
+          </a:effectRef>
+          <a:fontRef idx="minor">
+            <a:schemeClr val="lt1"/>
+          </a:fontRef>
+        </p:style>
+        <p:txBody>
+          <a:bodyPr rtlCol="0" anchor="ctr"/>
+          <a:lstStyle/>
+          <a:p>
+            <a:pPr marL="0" marR="0" lvl="0" indent="0" algn="ctr" defTabSz="914400" rtl="0" eaLnBrk="1" fontAlgn="auto" latinLnBrk="0" hangingPunct="1">
+              <a:lnSpc>
+                <a:spcPct val="100000"/>
+              </a:lnSpc>
+              <a:spcBef>
+                <a:spcPts val="0"/>
+              </a:spcBef>
+              <a:spcAft>
+                <a:spcPts val="0"/>
+              </a:spcAft>
+              <a:buClrTx/>
+              <a:buSzTx/>
+              <a:buFontTx/>
+              <a:buNone/>
+              <a:tabLst/>
+              <a:defRPr/>
+            </a:pPr>
+            <a:endParaRPr kumimoji="0" lang="en-US" sz="1800" b="0" i="0" u="none" strike="noStrike" kern="1200" cap="none" spc="0" normalizeH="0" baseline="0" noProof="0">
+              <a:ln>
+                <a:noFill/>
+              </a:ln>
+              <a:solidFill>
+                <a:prstClr val="white"/>
+              </a:solidFill>
+              <a:effectLst/>
+              <a:uLnTx/>
+              <a:uFillTx/>
+              <a:latin typeface="Calibri" panose="020F0502020204030204"/>
+              <a:ea typeface="+mn-ea"/>
+              <a:cs typeface="+mn-cs"/>
+            </a:endParaRPr>
           </a:p>
         </p:txBody>
       </p:sp>
@@ -6656,8 +9853,8 @@
         </p:nvSpPr>
         <p:spPr>
           <a:xfrm>
-            <a:off x="1049216" y="327110"/>
-            <a:ext cx="6673948" cy="1325563"/>
+            <a:off x="1115568" y="548640"/>
+            <a:ext cx="10168128" cy="1179576"/>
           </a:xfrm>
           <a:prstGeom prst="rect">
             <a:avLst/>
@@ -6687,466 +9884,90 @@
             </a:lvl1pPr>
           </a:lstStyle>
           <a:p>
-            <a:r>
-              <a:rPr lang="en-US" sz="2800" b="1" dirty="0">
-                <a:latin typeface="Bell MT" panose="02020503060305020303" pitchFamily="18" charset="0"/>
-                <a:cs typeface="Arial" panose="020B0604020202020204" pitchFamily="34" charset="0"/>
+            <a:pPr>
+              <a:spcAft>
+                <a:spcPts val="600"/>
+              </a:spcAft>
+            </a:pPr>
+            <a:r>
+              <a:rPr lang="en-US" sz="4000" b="1" kern="1200">
+                <a:solidFill>
+                  <a:schemeClr val="tx1"/>
+                </a:solidFill>
+                <a:latin typeface="+mj-lt"/>
+                <a:ea typeface="+mj-ea"/>
+                <a:cs typeface="+mj-cs"/>
               </a:rPr>
-              <a:t>Where to use which data structure?</a:t>
+              <a:t>Why we need data structure?</a:t>
             </a:r>
           </a:p>
         </p:txBody>
       </p:sp>
-    </p:spTree>
-    <p:extLst>
-      <p:ext uri="{BB962C8B-B14F-4D97-AF65-F5344CB8AC3E}">
-        <p14:creationId xmlns:p14="http://schemas.microsoft.com/office/powerpoint/2010/main" val="869293068"/>
-      </p:ext>
-    </p:extLst>
-  </p:cSld>
-  <p:clrMapOvr>
-    <a:masterClrMapping/>
-  </p:clrMapOvr>
-</p:sld>
-</file>
-
-<file path=ppt/slides/slide11.xml><?xml version="1.0" encoding="utf-8"?>
-<p:sld xmlns:a="http://schemas.openxmlformats.org/drawingml/2006/main" xmlns:r="http://schemas.openxmlformats.org/officeDocument/2006/relationships" xmlns:p="http://schemas.openxmlformats.org/presentationml/2006/main">
-  <p:cSld>
-    <p:spTree>
-      <p:nvGrpSpPr>
-        <p:cNvPr id="1" name=""/>
-        <p:cNvGrpSpPr/>
-        <p:nvPr/>
-      </p:nvGrpSpPr>
-      <p:grpSpPr>
-        <a:xfrm>
-          <a:off x="0" y="0"/>
-          <a:ext cx="0" cy="0"/>
-          <a:chOff x="0" y="0"/>
-          <a:chExt cx="0" cy="0"/>
-        </a:xfrm>
-      </p:grpSpPr>
       <p:sp>
         <p:nvSpPr>
-          <p:cNvPr id="2" name="Title 1">
+          <p:cNvPr id="18" name="Rectangle 17">
             <a:extLst>
               <a:ext uri="{FF2B5EF4-FFF2-40B4-BE49-F238E27FC236}">
-                <a16:creationId xmlns:a16="http://schemas.microsoft.com/office/drawing/2014/main" id="{11E9A29C-F6B4-406F-AB2D-291704A86D6F}"/>
+                <a16:creationId xmlns:a16="http://schemas.microsoft.com/office/drawing/2014/main" id="{074B4F7D-14B2-478B-8BF5-01E4E0C5D263}"/>
+              </a:ext>
+              <a:ext uri="{C183D7F6-B498-43B3-948B-1728B52AA6E4}">
+                <adec:decorative xmlns:adec="http://schemas.microsoft.com/office/drawing/2017/decorative" val="1"/>
               </a:ext>
             </a:extLst>
           </p:cNvPr>
           <p:cNvSpPr>
-            <a:spLocks noGrp="1"/>
+            <a:spLocks noGrp="1" noRot="1" noChangeAspect="1" noMove="1" noResize="1" noEditPoints="1" noAdjustHandles="1" noChangeArrowheads="1" noChangeShapeType="1" noTextEdit="1"/>
           </p:cNvSpPr>
           <p:nvPr>
-            <p:ph type="title"/>
+            <p:extLst>
+              <p:ext uri="{386F3935-93C4-4BCD-93E2-E3B085C9AB24}">
+                <p16:designElem xmlns:p16="http://schemas.microsoft.com/office/powerpoint/2015/main" val="1"/>
+              </p:ext>
+            </p:extLst>
           </p:nvPr>
         </p:nvSpPr>
         <p:spPr>
           <a:xfrm>
-            <a:off x="950741" y="2766218"/>
-            <a:ext cx="10515600" cy="1325563"/>
-          </a:xfrm>
-        </p:spPr>
-        <p:txBody>
-          <a:bodyPr>
-            <a:normAutofit/>
-          </a:bodyPr>
-          <a:lstStyle/>
-          <a:p>
-            <a:pPr algn="ctr"/>
-            <a:r>
-              <a:rPr lang="en-US" sz="5400" b="1" dirty="0"/>
-              <a:t>Thank You</a:t>
-            </a:r>
-          </a:p>
-        </p:txBody>
-      </p:sp>
-    </p:spTree>
-    <p:extLst>
-      <p:ext uri="{BB962C8B-B14F-4D97-AF65-F5344CB8AC3E}">
-        <p14:creationId xmlns:p14="http://schemas.microsoft.com/office/powerpoint/2010/main" val="760401833"/>
-      </p:ext>
-    </p:extLst>
-  </p:cSld>
-  <p:clrMapOvr>
-    <a:masterClrMapping/>
-  </p:clrMapOvr>
-</p:sld>
-</file>
-
-<file path=ppt/slides/slide2.xml><?xml version="1.0" encoding="utf-8"?>
-<p:sld xmlns:a="http://schemas.openxmlformats.org/drawingml/2006/main" xmlns:r="http://schemas.openxmlformats.org/officeDocument/2006/relationships" xmlns:p="http://schemas.openxmlformats.org/presentationml/2006/main">
-  <p:cSld>
-    <p:spTree>
-      <p:nvGrpSpPr>
-        <p:cNvPr id="1" name=""/>
-        <p:cNvGrpSpPr/>
-        <p:nvPr/>
-      </p:nvGrpSpPr>
-      <p:grpSpPr>
-        <a:xfrm>
-          <a:off x="0" y="0"/>
-          <a:ext cx="0" cy="0"/>
-          <a:chOff x="0" y="0"/>
-          <a:chExt cx="0" cy="0"/>
-        </a:xfrm>
-      </p:grpSpPr>
-      <p:sp>
-        <p:nvSpPr>
-          <p:cNvPr id="2" name="Title 1">
-            <a:extLst>
-              <a:ext uri="{FF2B5EF4-FFF2-40B4-BE49-F238E27FC236}">
-                <a16:creationId xmlns:a16="http://schemas.microsoft.com/office/drawing/2014/main" id="{D9B1EB5F-4A71-4D27-B319-F0CB9B060D31}"/>
-              </a:ext>
-            </a:extLst>
-          </p:cNvPr>
-          <p:cNvSpPr>
-            <a:spLocks noGrp="1"/>
-          </p:cNvSpPr>
-          <p:nvPr>
-            <p:ph type="title"/>
-          </p:nvPr>
-        </p:nvSpPr>
-        <p:spPr>
-          <a:xfrm>
-            <a:off x="1007012" y="365125"/>
-            <a:ext cx="5365652" cy="1325563"/>
-          </a:xfrm>
-        </p:spPr>
-        <p:txBody>
-          <a:bodyPr/>
-          <a:lstStyle/>
-          <a:p>
-            <a:r>
-              <a:rPr lang="en-US" b="1" dirty="0">
-                <a:latin typeface="Bell MT" panose="02020503060305020303" pitchFamily="18" charset="0"/>
-                <a:cs typeface="Arial" panose="020B0604020202020204" pitchFamily="34" charset="0"/>
-              </a:rPr>
-              <a:t>Outline</a:t>
-            </a:r>
-          </a:p>
-        </p:txBody>
-      </p:sp>
-      <p:sp>
-        <p:nvSpPr>
-          <p:cNvPr id="3" name="Content Placeholder 2">
-            <a:extLst>
-              <a:ext uri="{FF2B5EF4-FFF2-40B4-BE49-F238E27FC236}">
-                <a16:creationId xmlns:a16="http://schemas.microsoft.com/office/drawing/2014/main" id="{C046796C-8A9A-49A2-97D1-AB6496A3772C}"/>
-              </a:ext>
-            </a:extLst>
-          </p:cNvPr>
-          <p:cNvSpPr>
-            <a:spLocks noGrp="1"/>
-          </p:cNvSpPr>
-          <p:nvPr>
-            <p:ph idx="1"/>
-          </p:nvPr>
-        </p:nvSpPr>
-        <p:spPr>
-          <a:xfrm>
-            <a:off x="838200" y="1690688"/>
-            <a:ext cx="7081911" cy="2585890"/>
-          </a:xfrm>
-        </p:spPr>
-        <p:txBody>
-          <a:bodyPr/>
-          <a:lstStyle/>
-          <a:p>
-            <a:r>
-              <a:rPr lang="en-US" dirty="0">
-                <a:latin typeface="Bell MT" panose="02020503060305020303" pitchFamily="18" charset="0"/>
-                <a:cs typeface="Arial" panose="020B0604020202020204" pitchFamily="34" charset="0"/>
-              </a:rPr>
-              <a:t>What is data structure &amp; algorithm?</a:t>
-            </a:r>
-          </a:p>
-          <a:p>
-            <a:r>
-              <a:rPr lang="en-US" dirty="0">
-                <a:latin typeface="Bell MT" panose="02020503060305020303" pitchFamily="18" charset="0"/>
-                <a:cs typeface="Arial" panose="020B0604020202020204" pitchFamily="34" charset="0"/>
-              </a:rPr>
-              <a:t>What is data structure?</a:t>
-            </a:r>
-          </a:p>
-          <a:p>
-            <a:r>
-              <a:rPr lang="en-US" dirty="0">
-                <a:latin typeface="Bell MT" panose="02020503060305020303" pitchFamily="18" charset="0"/>
-                <a:cs typeface="Arial" panose="020B0604020202020204" pitchFamily="34" charset="0"/>
-              </a:rPr>
-              <a:t>Why we need data structure?</a:t>
-            </a:r>
-          </a:p>
-          <a:p>
-            <a:r>
-              <a:rPr lang="en-US" dirty="0">
-                <a:latin typeface="Bell MT" panose="02020503060305020303" pitchFamily="18" charset="0"/>
-                <a:cs typeface="Arial" panose="020B0604020202020204" pitchFamily="34" charset="0"/>
-              </a:rPr>
-              <a:t>Types of data structure?</a:t>
-            </a:r>
-          </a:p>
-          <a:p>
-            <a:r>
-              <a:rPr lang="en-US" dirty="0">
-                <a:latin typeface="Bell MT" panose="02020503060305020303" pitchFamily="18" charset="0"/>
-                <a:cs typeface="Arial" panose="020B0604020202020204" pitchFamily="34" charset="0"/>
-              </a:rPr>
-              <a:t>Where to use which data structure?</a:t>
-            </a:r>
-          </a:p>
-        </p:txBody>
-      </p:sp>
-    </p:spTree>
-    <p:extLst>
-      <p:ext uri="{BB962C8B-B14F-4D97-AF65-F5344CB8AC3E}">
-        <p14:creationId xmlns:p14="http://schemas.microsoft.com/office/powerpoint/2010/main" val="1269715602"/>
-      </p:ext>
-    </p:extLst>
-  </p:cSld>
-  <p:clrMapOvr>
-    <a:masterClrMapping/>
-  </p:clrMapOvr>
-</p:sld>
-</file>
-
-<file path=ppt/slides/slide3.xml><?xml version="1.0" encoding="utf-8"?>
-<p:sld xmlns:a="http://schemas.openxmlformats.org/drawingml/2006/main" xmlns:r="http://schemas.openxmlformats.org/officeDocument/2006/relationships" xmlns:p="http://schemas.openxmlformats.org/presentationml/2006/main">
-  <p:cSld>
-    <p:spTree>
-      <p:nvGrpSpPr>
-        <p:cNvPr id="1" name=""/>
-        <p:cNvGrpSpPr/>
-        <p:nvPr/>
-      </p:nvGrpSpPr>
-      <p:grpSpPr>
-        <a:xfrm>
-          <a:off x="0" y="0"/>
-          <a:ext cx="0" cy="0"/>
-          <a:chOff x="0" y="0"/>
-          <a:chExt cx="0" cy="0"/>
-        </a:xfrm>
-      </p:grpSpPr>
-      <p:sp>
-        <p:nvSpPr>
-          <p:cNvPr id="2" name="Title 1">
-            <a:extLst>
-              <a:ext uri="{FF2B5EF4-FFF2-40B4-BE49-F238E27FC236}">
-                <a16:creationId xmlns:a16="http://schemas.microsoft.com/office/drawing/2014/main" id="{DF3DFFFC-EB35-41FF-AF56-D0CE5A73A852}"/>
-              </a:ext>
-            </a:extLst>
-          </p:cNvPr>
-          <p:cNvSpPr>
-            <a:spLocks noGrp="1"/>
-          </p:cNvSpPr>
-          <p:nvPr>
-            <p:ph type="title"/>
-          </p:nvPr>
-        </p:nvSpPr>
-        <p:spPr>
-          <a:xfrm>
-            <a:off x="1063284" y="365125"/>
-            <a:ext cx="6673948" cy="1325563"/>
-          </a:xfrm>
-        </p:spPr>
-        <p:txBody>
-          <a:bodyPr>
-            <a:normAutofit/>
-          </a:bodyPr>
-          <a:lstStyle/>
-          <a:p>
-            <a:r>
-              <a:rPr lang="en-US" sz="2800" b="1" dirty="0">
-                <a:latin typeface="Bell MT" panose="02020503060305020303" pitchFamily="18" charset="0"/>
-                <a:cs typeface="Arial" panose="020B0604020202020204" pitchFamily="34" charset="0"/>
-              </a:rPr>
-              <a:t>What is data structure &amp; algorithm?</a:t>
-            </a:r>
-          </a:p>
-        </p:txBody>
-      </p:sp>
-      <p:sp>
-        <p:nvSpPr>
-          <p:cNvPr id="3" name="Content Placeholder 2">
-            <a:extLst>
-              <a:ext uri="{FF2B5EF4-FFF2-40B4-BE49-F238E27FC236}">
-                <a16:creationId xmlns:a16="http://schemas.microsoft.com/office/drawing/2014/main" id="{781D95DD-8BD1-477E-B19D-506968ECD878}"/>
-              </a:ext>
-            </a:extLst>
-          </p:cNvPr>
-          <p:cNvSpPr>
-            <a:spLocks noGrp="1"/>
-          </p:cNvSpPr>
-          <p:nvPr>
-            <p:ph idx="1"/>
-          </p:nvPr>
-        </p:nvSpPr>
-        <p:spPr>
-          <a:xfrm>
-            <a:off x="838200" y="1825625"/>
-            <a:ext cx="10515600" cy="2605698"/>
-          </a:xfrm>
-        </p:spPr>
-        <p:txBody>
-          <a:bodyPr>
-            <a:normAutofit/>
-          </a:bodyPr>
-          <a:lstStyle/>
-          <a:p>
-            <a:pPr algn="just"/>
-            <a:r>
-              <a:rPr lang="en-US" sz="2000" dirty="0">
-                <a:latin typeface="Bell MT" panose="02020503060305020303" pitchFamily="18" charset="0"/>
-                <a:cs typeface="Arial" panose="020B0604020202020204" pitchFamily="34" charset="0"/>
-              </a:rPr>
-              <a:t>DSA is defined as a combination of two separate yet interrelated topics – Data Structure and Algorithms. DSA is one of the most important skills that every computer science student must-have. It is often seen that people with good knowledge of these technologies are better programmers than others.</a:t>
-            </a:r>
-          </a:p>
-        </p:txBody>
-      </p:sp>
-      <p:pic>
-        <p:nvPicPr>
-          <p:cNvPr id="5" name="Picture 4">
-            <a:extLst>
-              <a:ext uri="{FF2B5EF4-FFF2-40B4-BE49-F238E27FC236}">
-                <a16:creationId xmlns:a16="http://schemas.microsoft.com/office/drawing/2014/main" id="{DBEA1F90-4C78-41C8-A055-4383A9052FB4}"/>
-              </a:ext>
-            </a:extLst>
-          </p:cNvPr>
-          <p:cNvPicPr>
-            <a:picLocks noChangeAspect="1"/>
-          </p:cNvPicPr>
-          <p:nvPr/>
-        </p:nvPicPr>
-        <p:blipFill>
-          <a:blip r:embed="rId2"/>
-          <a:stretch>
-            <a:fillRect/>
-          </a:stretch>
-        </p:blipFill>
-        <p:spPr>
-          <a:xfrm>
-            <a:off x="2933700" y="3128474"/>
-            <a:ext cx="6324600" cy="3295650"/>
+            <a:off x="498834" y="758952"/>
+            <a:ext cx="128016" cy="704088"/>
           </a:xfrm>
           <a:prstGeom prst="rect">
             <a:avLst/>
           </a:prstGeom>
+          <a:solidFill>
+            <a:schemeClr val="accent2"/>
+          </a:solidFill>
           <a:ln>
-            <a:solidFill>
-              <a:schemeClr val="tx1"/>
-            </a:solidFill>
+            <a:noFill/>
           </a:ln>
         </p:spPr>
-      </p:pic>
-    </p:spTree>
-    <p:extLst>
-      <p:ext uri="{BB962C8B-B14F-4D97-AF65-F5344CB8AC3E}">
-        <p14:creationId xmlns:p14="http://schemas.microsoft.com/office/powerpoint/2010/main" val="2868643443"/>
-      </p:ext>
-    </p:extLst>
-  </p:cSld>
-  <p:clrMapOvr>
-    <a:masterClrMapping/>
-  </p:clrMapOvr>
-</p:sld>
-</file>
-
-<file path=ppt/slides/slide4.xml><?xml version="1.0" encoding="utf-8"?>
-<p:sld xmlns:a="http://schemas.openxmlformats.org/drawingml/2006/main" xmlns:r="http://schemas.openxmlformats.org/officeDocument/2006/relationships" xmlns:p="http://schemas.openxmlformats.org/presentationml/2006/main">
-  <p:cSld>
-    <p:spTree>
-      <p:nvGrpSpPr>
-        <p:cNvPr id="1" name=""/>
-        <p:cNvGrpSpPr/>
-        <p:nvPr/>
-      </p:nvGrpSpPr>
-      <p:grpSpPr>
-        <a:xfrm>
-          <a:off x="0" y="0"/>
-          <a:ext cx="0" cy="0"/>
-          <a:chOff x="0" y="0"/>
-          <a:chExt cx="0" cy="0"/>
-        </a:xfrm>
-      </p:grpSpPr>
-      <p:sp>
-        <p:nvSpPr>
-          <p:cNvPr id="2" name="Title 1">
-            <a:extLst>
-              <a:ext uri="{FF2B5EF4-FFF2-40B4-BE49-F238E27FC236}">
-                <a16:creationId xmlns:a16="http://schemas.microsoft.com/office/drawing/2014/main" id="{DF3DFFFC-EB35-41FF-AF56-D0CE5A73A852}"/>
-              </a:ext>
-            </a:extLst>
-          </p:cNvPr>
-          <p:cNvSpPr>
-            <a:spLocks noGrp="1"/>
-          </p:cNvSpPr>
-          <p:nvPr>
-            <p:ph type="title"/>
-          </p:nvPr>
-        </p:nvSpPr>
-        <p:spPr>
-          <a:xfrm>
-            <a:off x="1063284" y="365125"/>
-            <a:ext cx="6673948" cy="1325563"/>
-          </a:xfrm>
-        </p:spPr>
+        <p:style>
+          <a:lnRef idx="2">
+            <a:schemeClr val="accent1">
+              <a:shade val="50000"/>
+            </a:schemeClr>
+          </a:lnRef>
+          <a:fillRef idx="1">
+            <a:schemeClr val="accent1"/>
+          </a:fillRef>
+          <a:effectRef idx="0">
+            <a:schemeClr val="accent1"/>
+          </a:effectRef>
+          <a:fontRef idx="minor">
+            <a:schemeClr val="lt1"/>
+          </a:fontRef>
+        </p:style>
         <p:txBody>
-          <a:bodyPr>
-            <a:normAutofit/>
-          </a:bodyPr>
+          <a:bodyPr rtlCol="0" anchor="ctr"/>
           <a:lstStyle/>
           <a:p>
-            <a:r>
-              <a:rPr lang="en-US" sz="2800" b="1" dirty="0">
-                <a:latin typeface="Bell MT" panose="02020503060305020303" pitchFamily="18" charset="0"/>
-                <a:cs typeface="Arial" panose="020B0604020202020204" pitchFamily="34" charset="0"/>
-              </a:rPr>
-              <a:t>What is data structure?</a:t>
-            </a:r>
-          </a:p>
-        </p:txBody>
-      </p:sp>
-      <p:sp>
-        <p:nvSpPr>
-          <p:cNvPr id="3" name="Content Placeholder 2">
-            <a:extLst>
-              <a:ext uri="{FF2B5EF4-FFF2-40B4-BE49-F238E27FC236}">
-                <a16:creationId xmlns:a16="http://schemas.microsoft.com/office/drawing/2014/main" id="{781D95DD-8BD1-477E-B19D-506968ECD878}"/>
-              </a:ext>
-            </a:extLst>
-          </p:cNvPr>
-          <p:cNvSpPr>
-            <a:spLocks noGrp="1"/>
-          </p:cNvSpPr>
-          <p:nvPr>
-            <p:ph idx="1"/>
-          </p:nvPr>
-        </p:nvSpPr>
-        <p:spPr>
-          <a:xfrm>
-            <a:off x="838200" y="1825625"/>
-            <a:ext cx="10515600" cy="973846"/>
-          </a:xfrm>
-        </p:spPr>
-        <p:txBody>
-          <a:bodyPr>
-            <a:normAutofit/>
-          </a:bodyPr>
-          <a:lstStyle/>
-          <a:p>
-            <a:pPr algn="just"/>
-            <a:r>
-              <a:rPr lang="en-US" sz="2000" dirty="0">
-                <a:latin typeface="Bell MT" panose="02020503060305020303" pitchFamily="18" charset="0"/>
-                <a:cs typeface="Arial" panose="020B0604020202020204" pitchFamily="34" charset="0"/>
-              </a:rPr>
-              <a:t>A data structure is a way of organizing and storing data in a computer or a programming language, enabling efficient access, manipulation, and management of the information it contains.</a:t>
-            </a:r>
+            <a:pPr algn="ctr"/>
+            <a:endParaRPr lang="en-US">
+              <a:solidFill>
+                <a:prstClr val="white"/>
+              </a:solidFill>
+              <a:latin typeface="Calibri" panose="020F0502020204030204"/>
+            </a:endParaRPr>
           </a:p>
         </p:txBody>
       </p:sp>
@@ -7166,8 +9987,8 @@
         </p:nvSpPr>
         <p:spPr>
           <a:xfrm>
-            <a:off x="838200" y="3953022"/>
-            <a:ext cx="10515600" cy="1525074"/>
+            <a:off x="1115568" y="2481943"/>
+            <a:ext cx="10168128" cy="3695020"/>
           </a:xfrm>
           <a:prstGeom prst="rect">
             <a:avLst/>
@@ -7342,459 +10163,26 @@
             </a:lvl9pPr>
           </a:lstStyle>
           <a:p>
-            <a:pPr marL="457200" indent="-457200" algn="just">
-              <a:buFont typeface="+mj-lt"/>
-              <a:buAutoNum type="arabicPeriod"/>
-            </a:pPr>
-            <a:r>
-              <a:rPr lang="en-US" sz="2000" dirty="0">
-                <a:latin typeface="Bell MT" panose="02020503060305020303" pitchFamily="18" charset="0"/>
-                <a:cs typeface="Arial" panose="020B0604020202020204" pitchFamily="34" charset="0"/>
-              </a:rPr>
-              <a:t>Data structures are essential in computer science and programming because they provide a </a:t>
-            </a:r>
-            <a:r>
-              <a:rPr lang="en-US" sz="2000" b="1" dirty="0">
-                <a:latin typeface="Bell MT" panose="02020503060305020303" pitchFamily="18" charset="0"/>
-                <a:cs typeface="Arial" panose="020B0604020202020204" pitchFamily="34" charset="0"/>
-              </a:rPr>
-              <a:t>systematic</a:t>
-            </a:r>
-            <a:r>
-              <a:rPr lang="en-US" sz="2000" dirty="0">
-                <a:latin typeface="Bell MT" panose="02020503060305020303" pitchFamily="18" charset="0"/>
-                <a:cs typeface="Arial" panose="020B0604020202020204" pitchFamily="34" charset="0"/>
-              </a:rPr>
-              <a:t> and </a:t>
-            </a:r>
-            <a:r>
-              <a:rPr lang="en-US" sz="2000" b="1" dirty="0">
-                <a:latin typeface="Bell MT" panose="02020503060305020303" pitchFamily="18" charset="0"/>
-                <a:cs typeface="Arial" panose="020B0604020202020204" pitchFamily="34" charset="0"/>
-              </a:rPr>
-              <a:t>organized approach </a:t>
-            </a:r>
-            <a:r>
-              <a:rPr lang="en-US" sz="2000" dirty="0">
-                <a:latin typeface="Bell MT" panose="02020503060305020303" pitchFamily="18" charset="0"/>
-                <a:cs typeface="Arial" panose="020B0604020202020204" pitchFamily="34" charset="0"/>
-              </a:rPr>
-              <a:t>to storing and managing data, allowing for efficient operations and problem-solving. Without data structures, the handling of information would be chaotic and inefficient, leading to significant challenges in designing algorithms, </a:t>
-            </a:r>
-            <a:r>
-              <a:rPr lang="en-US" sz="2000" b="1" dirty="0">
-                <a:latin typeface="Bell MT" panose="02020503060305020303" pitchFamily="18" charset="0"/>
-                <a:cs typeface="Arial" panose="020B0604020202020204" pitchFamily="34" charset="0"/>
-              </a:rPr>
-              <a:t>managing memory</a:t>
-            </a:r>
-            <a:r>
-              <a:rPr lang="en-US" sz="2000" dirty="0">
-                <a:latin typeface="Bell MT" panose="02020503060305020303" pitchFamily="18" charset="0"/>
-                <a:cs typeface="Arial" panose="020B0604020202020204" pitchFamily="34" charset="0"/>
-              </a:rPr>
-              <a:t>, and </a:t>
-            </a:r>
-            <a:r>
-              <a:rPr lang="en-US" sz="2000" b="1" dirty="0">
-                <a:latin typeface="Bell MT" panose="02020503060305020303" pitchFamily="18" charset="0"/>
-                <a:cs typeface="Arial" panose="020B0604020202020204" pitchFamily="34" charset="0"/>
-              </a:rPr>
-              <a:t>processing data</a:t>
-            </a:r>
-            <a:r>
-              <a:rPr lang="en-US" sz="2000" dirty="0">
-                <a:latin typeface="Bell MT" panose="02020503060305020303" pitchFamily="18" charset="0"/>
-                <a:cs typeface="Arial" panose="020B0604020202020204" pitchFamily="34" charset="0"/>
-              </a:rPr>
-              <a:t>.</a:t>
-            </a:r>
-          </a:p>
-        </p:txBody>
-      </p:sp>
-      <p:sp>
-        <p:nvSpPr>
-          <p:cNvPr id="7" name="Title 1">
-            <a:extLst>
-              <a:ext uri="{FF2B5EF4-FFF2-40B4-BE49-F238E27FC236}">
-                <a16:creationId xmlns:a16="http://schemas.microsoft.com/office/drawing/2014/main" id="{9D71E5D7-0ABA-46A8-9CF0-4E4D26AF9BE7}"/>
-              </a:ext>
-            </a:extLst>
-          </p:cNvPr>
-          <p:cNvSpPr txBox="1">
-            <a:spLocks/>
-          </p:cNvSpPr>
-          <p:nvPr/>
-        </p:nvSpPr>
-        <p:spPr>
-          <a:xfrm>
-            <a:off x="1063284" y="2732685"/>
-            <a:ext cx="6673948" cy="1325563"/>
-          </a:xfrm>
-          <a:prstGeom prst="rect">
-            <a:avLst/>
-          </a:prstGeom>
-        </p:spPr>
-        <p:txBody>
-          <a:bodyPr vert="horz" lIns="91440" tIns="45720" rIns="91440" bIns="45720" rtlCol="0" anchor="ctr">
-            <a:normAutofit/>
-          </a:bodyPr>
-          <a:lstStyle>
-            <a:lvl1pPr algn="l" defTabSz="914400" rtl="0" eaLnBrk="1" latinLnBrk="0" hangingPunct="1">
-              <a:lnSpc>
-                <a:spcPct val="90000"/>
-              </a:lnSpc>
-              <a:spcBef>
-                <a:spcPct val="0"/>
-              </a:spcBef>
-              <a:buNone/>
-              <a:defRPr sz="4400" kern="1200">
-                <a:solidFill>
-                  <a:schemeClr val="tx1"/>
-                </a:solidFill>
-                <a:latin typeface="+mj-lt"/>
-                <a:ea typeface="+mj-ea"/>
-                <a:cs typeface="+mj-cs"/>
-              </a:defRPr>
-            </a:lvl1pPr>
-          </a:lstStyle>
-          <a:p>
-            <a:r>
-              <a:rPr lang="en-US" sz="2800" b="1" dirty="0">
-                <a:latin typeface="Bell MT" panose="02020503060305020303" pitchFamily="18" charset="0"/>
-                <a:cs typeface="Arial" panose="020B0604020202020204" pitchFamily="34" charset="0"/>
-              </a:rPr>
-              <a:t>Why we need data structure?</a:t>
-            </a:r>
-          </a:p>
-        </p:txBody>
-      </p:sp>
-    </p:spTree>
-    <p:extLst>
-      <p:ext uri="{BB962C8B-B14F-4D97-AF65-F5344CB8AC3E}">
-        <p14:creationId xmlns:p14="http://schemas.microsoft.com/office/powerpoint/2010/main" val="445043124"/>
-      </p:ext>
-    </p:extLst>
-  </p:cSld>
-  <p:clrMapOvr>
-    <a:masterClrMapping/>
-  </p:clrMapOvr>
-</p:sld>
-</file>
-
-<file path=ppt/slides/slide5.xml><?xml version="1.0" encoding="utf-8"?>
-<p:sld xmlns:a="http://schemas.openxmlformats.org/drawingml/2006/main" xmlns:r="http://schemas.openxmlformats.org/officeDocument/2006/relationships" xmlns:p="http://schemas.openxmlformats.org/presentationml/2006/main">
-  <p:cSld>
-    <p:spTree>
-      <p:nvGrpSpPr>
-        <p:cNvPr id="1" name=""/>
-        <p:cNvGrpSpPr/>
-        <p:nvPr/>
-      </p:nvGrpSpPr>
-      <p:grpSpPr>
-        <a:xfrm>
-          <a:off x="0" y="0"/>
-          <a:ext cx="0" cy="0"/>
-          <a:chOff x="0" y="0"/>
-          <a:chExt cx="0" cy="0"/>
-        </a:xfrm>
-      </p:grpSpPr>
-      <p:sp>
-        <p:nvSpPr>
-          <p:cNvPr id="6" name="Content Placeholder 2">
-            <a:extLst>
-              <a:ext uri="{FF2B5EF4-FFF2-40B4-BE49-F238E27FC236}">
-                <a16:creationId xmlns:a16="http://schemas.microsoft.com/office/drawing/2014/main" id="{772EE466-CDA9-4290-98F9-4A4CEC0A1E73}"/>
-              </a:ext>
-            </a:extLst>
-          </p:cNvPr>
-          <p:cNvSpPr txBox="1">
-            <a:spLocks/>
-          </p:cNvSpPr>
-          <p:nvPr/>
-        </p:nvSpPr>
-        <p:spPr>
-          <a:xfrm>
-            <a:off x="1049216" y="1652672"/>
-            <a:ext cx="10515600" cy="4878218"/>
-          </a:xfrm>
-          <a:prstGeom prst="rect">
-            <a:avLst/>
-          </a:prstGeom>
-        </p:spPr>
-        <p:txBody>
-          <a:bodyPr vert="horz" lIns="91440" tIns="45720" rIns="91440" bIns="45720" rtlCol="0">
-            <a:normAutofit lnSpcReduction="10000"/>
-          </a:bodyPr>
-          <a:lstStyle>
-            <a:lvl1pPr marL="228600" indent="-228600" algn="l" defTabSz="914400" rtl="0" eaLnBrk="1" latinLnBrk="0" hangingPunct="1">
-              <a:lnSpc>
-                <a:spcPct val="90000"/>
-              </a:lnSpc>
-              <a:spcBef>
-                <a:spcPts val="1000"/>
-              </a:spcBef>
-              <a:buFont typeface="Arial" panose="020B0604020202020204" pitchFamily="34" charset="0"/>
-              <a:buChar char="•"/>
-              <a:defRPr sz="2800" kern="1200">
-                <a:solidFill>
-                  <a:schemeClr val="tx1"/>
-                </a:solidFill>
-                <a:latin typeface="+mn-lt"/>
-                <a:ea typeface="+mn-ea"/>
-                <a:cs typeface="+mn-cs"/>
-              </a:defRPr>
-            </a:lvl1pPr>
-            <a:lvl2pPr marL="685800" indent="-228600" algn="l" defTabSz="914400" rtl="0" eaLnBrk="1" latinLnBrk="0" hangingPunct="1">
-              <a:lnSpc>
-                <a:spcPct val="90000"/>
-              </a:lnSpc>
-              <a:spcBef>
-                <a:spcPts val="500"/>
-              </a:spcBef>
-              <a:buFont typeface="Arial" panose="020B0604020202020204" pitchFamily="34" charset="0"/>
-              <a:buChar char="•"/>
-              <a:defRPr sz="2400" kern="1200">
-                <a:solidFill>
-                  <a:schemeClr val="tx1"/>
-                </a:solidFill>
-                <a:latin typeface="+mn-lt"/>
-                <a:ea typeface="+mn-ea"/>
-                <a:cs typeface="+mn-cs"/>
-              </a:defRPr>
-            </a:lvl2pPr>
-            <a:lvl3pPr marL="1143000" indent="-228600" algn="l" defTabSz="914400" rtl="0" eaLnBrk="1" latinLnBrk="0" hangingPunct="1">
-              <a:lnSpc>
-                <a:spcPct val="90000"/>
-              </a:lnSpc>
-              <a:spcBef>
-                <a:spcPts val="500"/>
-              </a:spcBef>
-              <a:buFont typeface="Arial" panose="020B0604020202020204" pitchFamily="34" charset="0"/>
-              <a:buChar char="•"/>
-              <a:defRPr sz="2000" kern="1200">
-                <a:solidFill>
-                  <a:schemeClr val="tx1"/>
-                </a:solidFill>
-                <a:latin typeface="+mn-lt"/>
-                <a:ea typeface="+mn-ea"/>
-                <a:cs typeface="+mn-cs"/>
-              </a:defRPr>
-            </a:lvl3pPr>
-            <a:lvl4pPr marL="1600200" indent="-228600" algn="l" defTabSz="914400" rtl="0" eaLnBrk="1" latinLnBrk="0" hangingPunct="1">
-              <a:lnSpc>
-                <a:spcPct val="90000"/>
-              </a:lnSpc>
-              <a:spcBef>
-                <a:spcPts val="500"/>
-              </a:spcBef>
-              <a:buFont typeface="Arial" panose="020B0604020202020204" pitchFamily="34" charset="0"/>
-              <a:buChar char="•"/>
-              <a:defRPr sz="1800" kern="1200">
-                <a:solidFill>
-                  <a:schemeClr val="tx1"/>
-                </a:solidFill>
-                <a:latin typeface="+mn-lt"/>
-                <a:ea typeface="+mn-ea"/>
-                <a:cs typeface="+mn-cs"/>
-              </a:defRPr>
-            </a:lvl4pPr>
-            <a:lvl5pPr marL="2057400" indent="-228600" algn="l" defTabSz="914400" rtl="0" eaLnBrk="1" latinLnBrk="0" hangingPunct="1">
-              <a:lnSpc>
-                <a:spcPct val="90000"/>
-              </a:lnSpc>
-              <a:spcBef>
-                <a:spcPts val="500"/>
-              </a:spcBef>
-              <a:buFont typeface="Arial" panose="020B0604020202020204" pitchFamily="34" charset="0"/>
-              <a:buChar char="•"/>
-              <a:defRPr sz="1800" kern="1200">
-                <a:solidFill>
-                  <a:schemeClr val="tx1"/>
-                </a:solidFill>
-                <a:latin typeface="+mn-lt"/>
-                <a:ea typeface="+mn-ea"/>
-                <a:cs typeface="+mn-cs"/>
-              </a:defRPr>
-            </a:lvl5pPr>
-            <a:lvl6pPr marL="2514600" indent="-228600" algn="l" defTabSz="914400" rtl="0" eaLnBrk="1" latinLnBrk="0" hangingPunct="1">
-              <a:lnSpc>
-                <a:spcPct val="90000"/>
-              </a:lnSpc>
-              <a:spcBef>
-                <a:spcPts val="500"/>
-              </a:spcBef>
-              <a:buFont typeface="Arial" panose="020B0604020202020204" pitchFamily="34" charset="0"/>
-              <a:buChar char="•"/>
-              <a:defRPr sz="1800" kern="1200">
-                <a:solidFill>
-                  <a:schemeClr val="tx1"/>
-                </a:solidFill>
-                <a:latin typeface="+mn-lt"/>
-                <a:ea typeface="+mn-ea"/>
-                <a:cs typeface="+mn-cs"/>
-              </a:defRPr>
-            </a:lvl6pPr>
-            <a:lvl7pPr marL="2971800" indent="-228600" algn="l" defTabSz="914400" rtl="0" eaLnBrk="1" latinLnBrk="0" hangingPunct="1">
-              <a:lnSpc>
-                <a:spcPct val="90000"/>
-              </a:lnSpc>
-              <a:spcBef>
-                <a:spcPts val="500"/>
-              </a:spcBef>
-              <a:buFont typeface="Arial" panose="020B0604020202020204" pitchFamily="34" charset="0"/>
-              <a:buChar char="•"/>
-              <a:defRPr sz="1800" kern="1200">
-                <a:solidFill>
-                  <a:schemeClr val="tx1"/>
-                </a:solidFill>
-                <a:latin typeface="+mn-lt"/>
-                <a:ea typeface="+mn-ea"/>
-                <a:cs typeface="+mn-cs"/>
-              </a:defRPr>
-            </a:lvl7pPr>
-            <a:lvl8pPr marL="3429000" indent="-228600" algn="l" defTabSz="914400" rtl="0" eaLnBrk="1" latinLnBrk="0" hangingPunct="1">
-              <a:lnSpc>
-                <a:spcPct val="90000"/>
-              </a:lnSpc>
-              <a:spcBef>
-                <a:spcPts val="500"/>
-              </a:spcBef>
-              <a:buFont typeface="Arial" panose="020B0604020202020204" pitchFamily="34" charset="0"/>
-              <a:buChar char="•"/>
-              <a:defRPr sz="1800" kern="1200">
-                <a:solidFill>
-                  <a:schemeClr val="tx1"/>
-                </a:solidFill>
-                <a:latin typeface="+mn-lt"/>
-                <a:ea typeface="+mn-ea"/>
-                <a:cs typeface="+mn-cs"/>
-              </a:defRPr>
-            </a:lvl8pPr>
-            <a:lvl9pPr marL="3886200" indent="-228600" algn="l" defTabSz="914400" rtl="0" eaLnBrk="1" latinLnBrk="0" hangingPunct="1">
-              <a:lnSpc>
-                <a:spcPct val="90000"/>
-              </a:lnSpc>
-              <a:spcBef>
-                <a:spcPts val="500"/>
-              </a:spcBef>
-              <a:buFont typeface="Arial" panose="020B0604020202020204" pitchFamily="34" charset="0"/>
-              <a:buChar char="•"/>
-              <a:defRPr sz="1800" kern="1200">
-                <a:solidFill>
-                  <a:schemeClr val="tx1"/>
-                </a:solidFill>
-                <a:latin typeface="+mn-lt"/>
-                <a:ea typeface="+mn-ea"/>
-                <a:cs typeface="+mn-cs"/>
-              </a:defRPr>
-            </a:lvl9pPr>
-          </a:lstStyle>
-          <a:p>
-            <a:pPr marL="457200" indent="-457200" algn="just">
-              <a:buFont typeface="+mj-lt"/>
-              <a:buAutoNum type="arabicPeriod" startAt="2"/>
-            </a:pPr>
-            <a:r>
-              <a:rPr lang="en-US" sz="2000" dirty="0">
-                <a:latin typeface="Bell MT" panose="02020503060305020303" pitchFamily="18" charset="0"/>
-                <a:cs typeface="Arial" panose="020B0604020202020204" pitchFamily="34" charset="0"/>
-              </a:rPr>
+            <a:r>
+              <a:rPr lang="en-US" sz="1700"/>
               <a:t>Imagine a scenario where data is randomly scattered throughout the computer's memory with no specific order or structure. In such a situation, searching for a specific piece of information or performing common operations like insertion, deletion, or sorting would be extremely time-consuming and error-prone. Data structures address this problem by defining rules and techniques for organizing data in a logical manner, ensuring that the data can be accessed and modified with ease and speed.</a:t>
             </a:r>
           </a:p>
           <a:p>
-            <a:pPr marL="457200" indent="-457200" algn="just">
-              <a:buFont typeface="+mj-lt"/>
-              <a:buAutoNum type="arabicPeriod" startAt="2"/>
-            </a:pPr>
-            <a:r>
-              <a:rPr lang="en-US" sz="2000" dirty="0">
-                <a:latin typeface="Bell MT" panose="02020503060305020303" pitchFamily="18" charset="0"/>
-                <a:cs typeface="Arial" panose="020B0604020202020204" pitchFamily="34" charset="0"/>
-              </a:rPr>
+            <a:r>
+              <a:rPr lang="en-US" sz="1700"/>
               <a:t>By utilizing data structures, programmers can optimize their algorithms and design efficient solutions for various computational problems. For instance, using an appropriate data structure, such as arrays, linked lists, trees, or hash tables, allows for faster searching, sorting, and retrieval of data, reducing the time and resources needed to perform specific tasks. Additionally, data structures help manage memory efficiently by allocating memory space as required and deallocating it when no longer needed, preventing memory wastage and fragmentation.</a:t>
             </a:r>
           </a:p>
           <a:p>
-            <a:pPr marL="457200" indent="-457200" algn="just">
-              <a:buFont typeface="+mj-lt"/>
-              <a:buAutoNum type="arabicPeriod" startAt="2"/>
-            </a:pPr>
-            <a:r>
-              <a:rPr lang="en-US" sz="2000" dirty="0">
-                <a:latin typeface="Bell MT" panose="02020503060305020303" pitchFamily="18" charset="0"/>
-                <a:cs typeface="Arial" panose="020B0604020202020204" pitchFamily="34" charset="0"/>
-              </a:rPr>
+            <a:r>
+              <a:rPr lang="en-US" sz="1700"/>
               <a:t>Furthermore, data structures facilitate the creation of reusable and modular code, as they provide standardized methods for interacting with the stored data. This modularity enhances code readability and maintainability, making it easier for developers to collaborate and improve software over time.</a:t>
             </a:r>
           </a:p>
           <a:p>
-            <a:pPr marL="457200" indent="-457200" algn="just">
-              <a:buFont typeface="+mj-lt"/>
-              <a:buAutoNum type="arabicPeriod" startAt="2"/>
-            </a:pPr>
-            <a:endParaRPr lang="en-US" sz="2000" dirty="0">
-              <a:latin typeface="Bell MT" panose="02020503060305020303" pitchFamily="18" charset="0"/>
-              <a:cs typeface="Arial" panose="020B0604020202020204" pitchFamily="34" charset="0"/>
-            </a:endParaRPr>
-          </a:p>
-        </p:txBody>
-      </p:sp>
-      <p:sp>
-        <p:nvSpPr>
-          <p:cNvPr id="7" name="Title 1">
-            <a:extLst>
-              <a:ext uri="{FF2B5EF4-FFF2-40B4-BE49-F238E27FC236}">
-                <a16:creationId xmlns:a16="http://schemas.microsoft.com/office/drawing/2014/main" id="{9D71E5D7-0ABA-46A8-9CF0-4E4D26AF9BE7}"/>
-              </a:ext>
-            </a:extLst>
-          </p:cNvPr>
-          <p:cNvSpPr txBox="1">
-            <a:spLocks/>
-          </p:cNvSpPr>
-          <p:nvPr/>
-        </p:nvSpPr>
-        <p:spPr>
-          <a:xfrm>
-            <a:off x="1358706" y="330663"/>
-            <a:ext cx="6673948" cy="1325563"/>
-          </a:xfrm>
-          <a:prstGeom prst="rect">
-            <a:avLst/>
-          </a:prstGeom>
-        </p:spPr>
-        <p:txBody>
-          <a:bodyPr vert="horz" lIns="91440" tIns="45720" rIns="91440" bIns="45720" rtlCol="0" anchor="ctr">
-            <a:normAutofit/>
-          </a:bodyPr>
-          <a:lstStyle>
-            <a:lvl1pPr algn="l" defTabSz="914400" rtl="0" eaLnBrk="1" latinLnBrk="0" hangingPunct="1">
-              <a:lnSpc>
-                <a:spcPct val="90000"/>
-              </a:lnSpc>
-              <a:spcBef>
-                <a:spcPct val="0"/>
-              </a:spcBef>
-              <a:buNone/>
-              <a:defRPr sz="4400" kern="1200">
-                <a:solidFill>
-                  <a:schemeClr val="tx1"/>
-                </a:solidFill>
-                <a:latin typeface="+mj-lt"/>
-                <a:ea typeface="+mj-ea"/>
-                <a:cs typeface="+mj-cs"/>
-              </a:defRPr>
-            </a:lvl1pPr>
-          </a:lstStyle>
-          <a:p>
-            <a:r>
-              <a:rPr lang="en-US" sz="2800" b="1" dirty="0">
-                <a:latin typeface="Bell MT" panose="02020503060305020303" pitchFamily="18" charset="0"/>
-                <a:cs typeface="Arial" panose="020B0604020202020204" pitchFamily="34" charset="0"/>
-              </a:rPr>
-              <a:t>Why we need data structure?</a:t>
-            </a:r>
+            <a:pPr marL="457200"/>
+            <a:endParaRPr lang="en-US" sz="1700"/>
           </a:p>
         </p:txBody>
       </p:sp>
@@ -8492,6 +10880,14 @@
 <file path=ppt/slides/slide7.xml><?xml version="1.0" encoding="utf-8"?>
 <p:sld xmlns:a="http://schemas.openxmlformats.org/drawingml/2006/main" xmlns:r="http://schemas.openxmlformats.org/officeDocument/2006/relationships" xmlns:p="http://schemas.openxmlformats.org/presentationml/2006/main">
   <p:cSld>
+    <p:bg>
+      <p:bgPr>
+        <a:solidFill>
+          <a:schemeClr val="bg1"/>
+        </a:solidFill>
+        <a:effectLst/>
+      </p:bgPr>
+    </p:bg>
     <p:spTree>
       <p:nvGrpSpPr>
         <p:cNvPr id="1" name=""/>
@@ -8506,12 +10902,261 @@
           <a:chExt cx="0" cy="0"/>
         </a:xfrm>
       </p:grpSpPr>
+      <p:sp useBgFill="1">
+        <p:nvSpPr>
+          <p:cNvPr id="12" name="Rectangle 11">
+            <a:extLst>
+              <a:ext uri="{FF2B5EF4-FFF2-40B4-BE49-F238E27FC236}">
+                <a16:creationId xmlns:a16="http://schemas.microsoft.com/office/drawing/2014/main" id="{DAF1966E-FD40-4A4A-B61B-C4DF7FA05F06}"/>
+              </a:ext>
+              <a:ext uri="{C183D7F6-B498-43B3-948B-1728B52AA6E4}">
+                <adec:decorative xmlns:adec="http://schemas.microsoft.com/office/drawing/2017/decorative" val="1"/>
+              </a:ext>
+            </a:extLst>
+          </p:cNvPr>
+          <p:cNvSpPr>
+            <a:spLocks noGrp="1" noRot="1" noChangeAspect="1" noMove="1" noResize="1" noEditPoints="1" noAdjustHandles="1" noChangeArrowheads="1" noChangeShapeType="1" noTextEdit="1"/>
+          </p:cNvSpPr>
+          <p:nvPr>
+            <p:extLst>
+              <p:ext uri="{386F3935-93C4-4BCD-93E2-E3B085C9AB24}">
+                <p16:designElem xmlns:p16="http://schemas.microsoft.com/office/powerpoint/2015/main" val="1"/>
+              </p:ext>
+            </p:extLst>
+          </p:nvPr>
+        </p:nvSpPr>
+        <p:spPr>
+          <a:xfrm>
+            <a:off x="0" y="0"/>
+            <a:ext cx="12192000" cy="6858000"/>
+          </a:xfrm>
+          <a:prstGeom prst="rect">
+            <a:avLst/>
+          </a:prstGeom>
+          <a:ln>
+            <a:noFill/>
+          </a:ln>
+        </p:spPr>
+        <p:style>
+          <a:lnRef idx="2">
+            <a:schemeClr val="accent1">
+              <a:shade val="50000"/>
+            </a:schemeClr>
+          </a:lnRef>
+          <a:fillRef idx="1">
+            <a:schemeClr val="accent1"/>
+          </a:fillRef>
+          <a:effectRef idx="0">
+            <a:schemeClr val="accent1"/>
+          </a:effectRef>
+          <a:fontRef idx="minor">
+            <a:schemeClr val="lt1"/>
+          </a:fontRef>
+        </p:style>
+        <p:txBody>
+          <a:bodyPr rtlCol="0" anchor="ctr"/>
+          <a:lstStyle/>
+          <a:p>
+            <a:pPr algn="ctr"/>
+            <a:endParaRPr lang="en-US"/>
+          </a:p>
+        </p:txBody>
+      </p:sp>
+      <p:sp useBgFill="1">
+        <p:nvSpPr>
+          <p:cNvPr id="14" name="Rectangle 13">
+            <a:extLst>
+              <a:ext uri="{FF2B5EF4-FFF2-40B4-BE49-F238E27FC236}">
+                <a16:creationId xmlns:a16="http://schemas.microsoft.com/office/drawing/2014/main" id="{047BFA19-D45E-416B-A404-7AF2F3F27017}"/>
+              </a:ext>
+              <a:ext uri="{C183D7F6-B498-43B3-948B-1728B52AA6E4}">
+                <adec:decorative xmlns:adec="http://schemas.microsoft.com/office/drawing/2017/decorative" val="1"/>
+              </a:ext>
+            </a:extLst>
+          </p:cNvPr>
+          <p:cNvSpPr>
+            <a:spLocks noGrp="1" noRot="1" noChangeAspect="1" noMove="1" noResize="1" noEditPoints="1" noAdjustHandles="1" noChangeArrowheads="1" noChangeShapeType="1" noTextEdit="1"/>
+          </p:cNvSpPr>
+          <p:nvPr>
+            <p:extLst>
+              <p:ext uri="{386F3935-93C4-4BCD-93E2-E3B085C9AB24}">
+                <p16:designElem xmlns:p16="http://schemas.microsoft.com/office/powerpoint/2015/main" val="1"/>
+              </p:ext>
+            </p:extLst>
+          </p:nvPr>
+        </p:nvSpPr>
+        <p:spPr>
+          <a:xfrm>
+            <a:off x="558209" y="0"/>
+            <a:ext cx="11167447" cy="2018806"/>
+          </a:xfrm>
+          <a:prstGeom prst="rect">
+            <a:avLst/>
+          </a:prstGeom>
+          <a:ln w="9525">
+            <a:solidFill>
+              <a:srgbClr val="E1E1E1"/>
+            </a:solidFill>
+          </a:ln>
+          <a:effectLst>
+            <a:outerShdw blurRad="50800" dist="38100" dir="2700000" algn="tl" rotWithShape="0">
+              <a:schemeClr val="bg1">
+                <a:lumMod val="85000"/>
+                <a:alpha val="50000"/>
+              </a:schemeClr>
+            </a:outerShdw>
+          </a:effectLst>
+        </p:spPr>
+        <p:style>
+          <a:lnRef idx="2">
+            <a:schemeClr val="accent1">
+              <a:shade val="50000"/>
+            </a:schemeClr>
+          </a:lnRef>
+          <a:fillRef idx="1">
+            <a:schemeClr val="accent1"/>
+          </a:fillRef>
+          <a:effectRef idx="0">
+            <a:schemeClr val="accent1"/>
+          </a:effectRef>
+          <a:fontRef idx="minor">
+            <a:schemeClr val="lt1"/>
+          </a:fontRef>
+        </p:style>
+        <p:txBody>
+          <a:bodyPr rtlCol="0" anchor="ctr"/>
+          <a:lstStyle/>
+          <a:p>
+            <a:pPr marL="0" marR="0" lvl="0" indent="0" algn="ctr" defTabSz="914400" rtl="0" eaLnBrk="1" fontAlgn="auto" latinLnBrk="0" hangingPunct="1">
+              <a:lnSpc>
+                <a:spcPct val="100000"/>
+              </a:lnSpc>
+              <a:spcBef>
+                <a:spcPts val="0"/>
+              </a:spcBef>
+              <a:spcAft>
+                <a:spcPts val="0"/>
+              </a:spcAft>
+              <a:buClrTx/>
+              <a:buSzTx/>
+              <a:buFontTx/>
+              <a:buNone/>
+              <a:tabLst/>
+              <a:defRPr/>
+            </a:pPr>
+            <a:endParaRPr kumimoji="0" lang="en-US" sz="1800" b="0" i="0" u="none" strike="noStrike" kern="1200" cap="none" spc="0" normalizeH="0" baseline="0" noProof="0">
+              <a:ln>
+                <a:noFill/>
+              </a:ln>
+              <a:solidFill>
+                <a:prstClr val="white"/>
+              </a:solidFill>
+              <a:effectLst/>
+              <a:uLnTx/>
+              <a:uFillTx/>
+              <a:latin typeface="Calibri" panose="020F0502020204030204"/>
+              <a:ea typeface="+mn-ea"/>
+              <a:cs typeface="+mn-cs"/>
+            </a:endParaRPr>
+          </a:p>
+        </p:txBody>
+      </p:sp>
+      <p:sp useBgFill="1">
+        <p:nvSpPr>
+          <p:cNvPr id="16" name="Rectangle 15">
+            <a:extLst>
+              <a:ext uri="{FF2B5EF4-FFF2-40B4-BE49-F238E27FC236}">
+                <a16:creationId xmlns:a16="http://schemas.microsoft.com/office/drawing/2014/main" id="{8E0105E7-23DB-4CF2-8258-FF47C7620F6E}"/>
+              </a:ext>
+              <a:ext uri="{C183D7F6-B498-43B3-948B-1728B52AA6E4}">
+                <adec:decorative xmlns:adec="http://schemas.microsoft.com/office/drawing/2017/decorative" val="1"/>
+              </a:ext>
+            </a:extLst>
+          </p:cNvPr>
+          <p:cNvSpPr>
+            <a:spLocks noGrp="1" noRot="1" noChangeAspect="1" noMove="1" noResize="1" noEditPoints="1" noAdjustHandles="1" noChangeArrowheads="1" noChangeShapeType="1" noTextEdit="1"/>
+          </p:cNvSpPr>
+          <p:nvPr>
+            <p:extLst>
+              <p:ext uri="{386F3935-93C4-4BCD-93E2-E3B085C9AB24}">
+                <p16:designElem xmlns:p16="http://schemas.microsoft.com/office/powerpoint/2015/main" val="1"/>
+              </p:ext>
+            </p:extLst>
+          </p:nvPr>
+        </p:nvSpPr>
+        <p:spPr>
+          <a:xfrm>
+            <a:off x="566928" y="0"/>
+            <a:ext cx="11155680" cy="2011680"/>
+          </a:xfrm>
+          <a:prstGeom prst="rect">
+            <a:avLst/>
+          </a:prstGeom>
+          <a:ln w="9525">
+            <a:noFill/>
+          </a:ln>
+          <a:effectLst/>
+        </p:spPr>
+        <p:style>
+          <a:lnRef idx="2">
+            <a:schemeClr val="accent1">
+              <a:shade val="50000"/>
+            </a:schemeClr>
+          </a:lnRef>
+          <a:fillRef idx="1">
+            <a:schemeClr val="accent1"/>
+          </a:fillRef>
+          <a:effectRef idx="0">
+            <a:schemeClr val="accent1"/>
+          </a:effectRef>
+          <a:fontRef idx="minor">
+            <a:schemeClr val="lt1"/>
+          </a:fontRef>
+        </p:style>
+        <p:txBody>
+          <a:bodyPr rtlCol="0" anchor="ctr"/>
+          <a:lstStyle/>
+          <a:p>
+            <a:pPr marL="0" marR="0" lvl="0" indent="0" algn="ctr" defTabSz="914400" rtl="0" eaLnBrk="1" fontAlgn="auto" latinLnBrk="0" hangingPunct="1">
+              <a:lnSpc>
+                <a:spcPct val="100000"/>
+              </a:lnSpc>
+              <a:spcBef>
+                <a:spcPts val="0"/>
+              </a:spcBef>
+              <a:spcAft>
+                <a:spcPts val="0"/>
+              </a:spcAft>
+              <a:buClrTx/>
+              <a:buSzTx/>
+              <a:buFontTx/>
+              <a:buNone/>
+              <a:tabLst/>
+              <a:defRPr/>
+            </a:pPr>
+            <a:endParaRPr kumimoji="0" lang="en-US" sz="1800" b="0" i="0" u="none" strike="noStrike" kern="1200" cap="none" spc="0" normalizeH="0" baseline="0" noProof="0">
+              <a:ln>
+                <a:noFill/>
+              </a:ln>
+              <a:solidFill>
+                <a:prstClr val="white"/>
+              </a:solidFill>
+              <a:effectLst/>
+              <a:uLnTx/>
+              <a:uFillTx/>
+              <a:latin typeface="Calibri" panose="020F0502020204030204"/>
+              <a:ea typeface="+mn-ea"/>
+              <a:cs typeface="+mn-cs"/>
+            </a:endParaRPr>
+          </a:p>
+        </p:txBody>
+      </p:sp>
       <p:sp>
         <p:nvSpPr>
-          <p:cNvPr id="6" name="Content Placeholder 2">
+          <p:cNvPr id="7" name="Title 1">
             <a:extLst>
               <a:ext uri="{FF2B5EF4-FFF2-40B4-BE49-F238E27FC236}">
-                <a16:creationId xmlns:a16="http://schemas.microsoft.com/office/drawing/2014/main" id="{772EE466-CDA9-4290-98F9-4A4CEC0A1E73}"/>
+                <a16:creationId xmlns:a16="http://schemas.microsoft.com/office/drawing/2014/main" id="{9D71E5D7-0ABA-46A8-9CF0-4E4D26AF9BE7}"/>
               </a:ext>
             </a:extLst>
           </p:cNvPr>
@@ -8522,8 +11167,142 @@
         </p:nvSpPr>
         <p:spPr>
           <a:xfrm>
-            <a:off x="1049216" y="1652672"/>
-            <a:ext cx="10515600" cy="4878218"/>
+            <a:off x="1115568" y="548640"/>
+            <a:ext cx="10168128" cy="1179576"/>
+          </a:xfrm>
+          <a:prstGeom prst="rect">
+            <a:avLst/>
+          </a:prstGeom>
+        </p:spPr>
+        <p:txBody>
+          <a:bodyPr vert="horz" lIns="91440" tIns="45720" rIns="91440" bIns="45720" rtlCol="0" anchor="ctr">
+            <a:normAutofit/>
+          </a:bodyPr>
+          <a:lstStyle>
+            <a:lvl1pPr algn="l" defTabSz="914400" rtl="0" eaLnBrk="1" latinLnBrk="0" hangingPunct="1">
+              <a:lnSpc>
+                <a:spcPct val="90000"/>
+              </a:lnSpc>
+              <a:spcBef>
+                <a:spcPct val="0"/>
+              </a:spcBef>
+              <a:buNone/>
+              <a:defRPr sz="4400" kern="1200">
+                <a:solidFill>
+                  <a:schemeClr val="tx1"/>
+                </a:solidFill>
+                <a:latin typeface="+mj-lt"/>
+                <a:ea typeface="+mj-ea"/>
+                <a:cs typeface="+mj-cs"/>
+              </a:defRPr>
+            </a:lvl1pPr>
+          </a:lstStyle>
+          <a:p>
+            <a:pPr>
+              <a:spcAft>
+                <a:spcPts val="600"/>
+              </a:spcAft>
+            </a:pPr>
+            <a:r>
+              <a:rPr lang="en-US" sz="4000" b="1" kern="1200">
+                <a:solidFill>
+                  <a:schemeClr val="tx1"/>
+                </a:solidFill>
+                <a:latin typeface="+mj-lt"/>
+                <a:ea typeface="+mj-ea"/>
+                <a:cs typeface="+mj-cs"/>
+              </a:rPr>
+              <a:t>Types of data structure?</a:t>
+            </a:r>
+          </a:p>
+        </p:txBody>
+      </p:sp>
+      <p:sp>
+        <p:nvSpPr>
+          <p:cNvPr id="18" name="Rectangle 17">
+            <a:extLst>
+              <a:ext uri="{FF2B5EF4-FFF2-40B4-BE49-F238E27FC236}">
+                <a16:creationId xmlns:a16="http://schemas.microsoft.com/office/drawing/2014/main" id="{074B4F7D-14B2-478B-8BF5-01E4E0C5D263}"/>
+              </a:ext>
+              <a:ext uri="{C183D7F6-B498-43B3-948B-1728B52AA6E4}">
+                <adec:decorative xmlns:adec="http://schemas.microsoft.com/office/drawing/2017/decorative" val="1"/>
+              </a:ext>
+            </a:extLst>
+          </p:cNvPr>
+          <p:cNvSpPr>
+            <a:spLocks noGrp="1" noRot="1" noChangeAspect="1" noMove="1" noResize="1" noEditPoints="1" noAdjustHandles="1" noChangeArrowheads="1" noChangeShapeType="1" noTextEdit="1"/>
+          </p:cNvSpPr>
+          <p:nvPr>
+            <p:extLst>
+              <p:ext uri="{386F3935-93C4-4BCD-93E2-E3B085C9AB24}">
+                <p16:designElem xmlns:p16="http://schemas.microsoft.com/office/powerpoint/2015/main" val="1"/>
+              </p:ext>
+            </p:extLst>
+          </p:nvPr>
+        </p:nvSpPr>
+        <p:spPr>
+          <a:xfrm>
+            <a:off x="498834" y="758952"/>
+            <a:ext cx="128016" cy="704088"/>
+          </a:xfrm>
+          <a:prstGeom prst="rect">
+            <a:avLst/>
+          </a:prstGeom>
+          <a:solidFill>
+            <a:schemeClr val="accent2"/>
+          </a:solidFill>
+          <a:ln>
+            <a:noFill/>
+          </a:ln>
+        </p:spPr>
+        <p:style>
+          <a:lnRef idx="2">
+            <a:schemeClr val="accent1">
+              <a:shade val="50000"/>
+            </a:schemeClr>
+          </a:lnRef>
+          <a:fillRef idx="1">
+            <a:schemeClr val="accent1"/>
+          </a:fillRef>
+          <a:effectRef idx="0">
+            <a:schemeClr val="accent1"/>
+          </a:effectRef>
+          <a:fontRef idx="minor">
+            <a:schemeClr val="lt1"/>
+          </a:fontRef>
+        </p:style>
+        <p:txBody>
+          <a:bodyPr rtlCol="0" anchor="ctr"/>
+          <a:lstStyle/>
+          <a:p>
+            <a:pPr algn="ctr"/>
+            <a:endParaRPr lang="en-US">
+              <a:solidFill>
+                <a:prstClr val="white"/>
+              </a:solidFill>
+              <a:latin typeface="Calibri" panose="020F0502020204030204"/>
+            </a:endParaRPr>
+          </a:p>
+        </p:txBody>
+      </p:sp>
+      <p:sp>
+        <p:nvSpPr>
+          <p:cNvPr id="6" name="Content Placeholder 2">
+            <a:extLst>
+              <a:ext uri="{FF2B5EF4-FFF2-40B4-BE49-F238E27FC236}">
+                <a16:creationId xmlns:a16="http://schemas.microsoft.com/office/drawing/2014/main" id="{772EE466-CDA9-4290-98F9-4A4CEC0A1E73}"/>
+              </a:ext>
+            </a:extLst>
+          </p:cNvPr>
+          <p:cNvSpPr txBox="1">
+            <a:spLocks/>
+          </p:cNvSpPr>
+          <p:nvPr/>
+        </p:nvSpPr>
+        <p:spPr>
+          <a:xfrm>
+            <a:off x="1115568" y="2481943"/>
+            <a:ext cx="10168128" cy="3695020"/>
           </a:xfrm>
           <a:prstGeom prst="rect">
             <a:avLst/>
@@ -8698,153 +11477,393 @@
             </a:lvl9pPr>
           </a:lstStyle>
           <a:p>
-            <a:pPr marL="0" indent="0" algn="just">
-              <a:buNone/>
+            <a:pPr marL="0"/>
+            <a:r>
+              <a:rPr lang="en-US" sz="1500" b="1" dirty="0"/>
+              <a:t>Linear data structure: </a:t>
+            </a:r>
+            <a:r>
+              <a:rPr lang="en-US" sz="1500" dirty="0"/>
+              <a:t>Data structure in which data elements are arranged sequentially or linearly, where each element is attached to its previous and next adjacent elements, is called a linear data structure. </a:t>
+            </a:r>
+            <a:r>
+              <a:rPr lang="en-US" sz="1500" b="1" dirty="0"/>
+              <a:t>Examples of linear data structures are array, stack, queue, linked list, etc.</a:t>
+            </a:r>
+          </a:p>
+          <a:p>
+            <a:pPr marL="0"/>
+            <a:endParaRPr lang="en-US" sz="1500" b="1" dirty="0"/>
+          </a:p>
+          <a:p>
+            <a:pPr lvl="1"/>
+            <a:r>
+              <a:rPr lang="en-US" sz="1500" b="1" dirty="0"/>
+              <a:t>Static data structure: </a:t>
+            </a:r>
+            <a:r>
+              <a:rPr lang="en-US" sz="1500" dirty="0"/>
+              <a:t>Static data structure has a fixed memory size. It is easier to access the elements in a static data structure. </a:t>
+            </a:r>
+            <a:r>
+              <a:rPr lang="en-US" sz="1500" b="1" dirty="0"/>
+              <a:t>An example of this data structure is an array.</a:t>
+            </a:r>
+          </a:p>
+          <a:p>
+            <a:pPr marL="457200" lvl="1"/>
+            <a:endParaRPr lang="en-US" sz="1500" b="1" dirty="0"/>
+          </a:p>
+          <a:p>
+            <a:pPr lvl="1"/>
+            <a:r>
+              <a:rPr lang="en-US" sz="1500" b="1" dirty="0"/>
+              <a:t>Dynamic data structure: </a:t>
+            </a:r>
+            <a:r>
+              <a:rPr lang="en-US" sz="1500" dirty="0"/>
+              <a:t>In dynamic data structure, the size is not fixed. It can be randomly updated during the runtime which may be considered efficient concerning the memory (space) complexity of the code. </a:t>
+            </a:r>
+            <a:r>
+              <a:rPr lang="en-US" sz="1500" b="1" dirty="0"/>
+              <a:t>Examples of this data structure are queue, stack, etc.</a:t>
+            </a:r>
+          </a:p>
+          <a:p>
+            <a:pPr lvl="1"/>
+            <a:endParaRPr lang="en-US" sz="1500" dirty="0"/>
+          </a:p>
+          <a:p>
+            <a:pPr marL="0"/>
+            <a:r>
+              <a:rPr lang="en-US" sz="1500" b="1" dirty="0"/>
+              <a:t>Non-linear data structure: </a:t>
+            </a:r>
+            <a:r>
+              <a:rPr lang="en-US" sz="1500" dirty="0"/>
+              <a:t>Data structures where data elements are not placed sequentially or linearly are called non-linear data structures. In a non-linear data structure, we can’t traverse all the elements in a single run only. </a:t>
+            </a:r>
+          </a:p>
+          <a:p>
+            <a:pPr marL="457200" lvl="1">
+              <a:buFont typeface="Wingdings" panose="05000000000000000000" pitchFamily="2" charset="2"/>
+              <a:buChar char="ü"/>
             </a:pPr>
             <a:r>
-              <a:rPr lang="en-US" sz="2000" b="1" dirty="0">
-                <a:solidFill>
-                  <a:srgbClr val="00B050"/>
-                </a:solidFill>
-                <a:latin typeface="Bell MT" panose="02020503060305020303" pitchFamily="18" charset="0"/>
-                <a:cs typeface="Arial" panose="020B0604020202020204" pitchFamily="34" charset="0"/>
-              </a:rPr>
-              <a:t>Linear data structure: </a:t>
-            </a:r>
-            <a:r>
-              <a:rPr lang="en-US" sz="2000" dirty="0">
-                <a:latin typeface="Bell MT" panose="02020503060305020303" pitchFamily="18" charset="0"/>
-                <a:cs typeface="Arial" panose="020B0604020202020204" pitchFamily="34" charset="0"/>
-              </a:rPr>
-              <a:t>Data structure in which data elements are arranged sequentially or linearly, where each element is attached to its previous and next adjacent elements, is called a linear data structure. </a:t>
-            </a:r>
-            <a:r>
-              <a:rPr lang="en-US" sz="2000" b="1" dirty="0">
-                <a:latin typeface="Bell MT" panose="02020503060305020303" pitchFamily="18" charset="0"/>
-                <a:cs typeface="Arial" panose="020B0604020202020204" pitchFamily="34" charset="0"/>
-              </a:rPr>
-              <a:t>Examples of linear data structures are array, stack, queue, linked list, etc.</a:t>
-            </a:r>
-          </a:p>
-          <a:p>
-            <a:pPr marL="0" indent="0" algn="just">
-              <a:buNone/>
-            </a:pPr>
-            <a:endParaRPr lang="en-US" sz="2000" b="1" dirty="0">
-              <a:latin typeface="Bell MT" panose="02020503060305020303" pitchFamily="18" charset="0"/>
-              <a:cs typeface="Arial" panose="020B0604020202020204" pitchFamily="34" charset="0"/>
-            </a:endParaRPr>
-          </a:p>
-          <a:p>
-            <a:pPr lvl="1" algn="just"/>
-            <a:r>
-              <a:rPr lang="en-US" sz="2000" b="1" dirty="0">
+              <a:rPr lang="en-US" sz="1200" b="1" dirty="0"/>
+              <a:t>Examples of non-linear data structures are </a:t>
+            </a:r>
+            <a:r>
+              <a:rPr lang="en-US" sz="1200" b="1" dirty="0">
                 <a:solidFill>
                   <a:srgbClr val="FF0000"/>
                 </a:solidFill>
-                <a:latin typeface="Bell MT" panose="02020503060305020303" pitchFamily="18" charset="0"/>
-                <a:cs typeface="Arial" panose="020B0604020202020204" pitchFamily="34" charset="0"/>
               </a:rPr>
-              <a:t>Static data structure: </a:t>
-            </a:r>
-            <a:r>
-              <a:rPr lang="en-US" sz="2000" dirty="0">
-                <a:latin typeface="Bell MT" panose="02020503060305020303" pitchFamily="18" charset="0"/>
-                <a:cs typeface="Arial" panose="020B0604020202020204" pitchFamily="34" charset="0"/>
-              </a:rPr>
-              <a:t>Static data structure has a fixed memory size. It is easier to access the elements in a static data structure. </a:t>
-            </a:r>
-            <a:r>
-              <a:rPr lang="en-US" sz="2000" b="1" dirty="0">
-                <a:latin typeface="Bell MT" panose="02020503060305020303" pitchFamily="18" charset="0"/>
-                <a:cs typeface="Arial" panose="020B0604020202020204" pitchFamily="34" charset="0"/>
-              </a:rPr>
-              <a:t>An example of this data structure is an array.</a:t>
-            </a:r>
-          </a:p>
-          <a:p>
-            <a:pPr marL="457200" lvl="1" indent="0" algn="just">
-              <a:buNone/>
-            </a:pPr>
-            <a:endParaRPr lang="en-US" sz="2000" b="1" dirty="0">
-              <a:latin typeface="Bell MT" panose="02020503060305020303" pitchFamily="18" charset="0"/>
-              <a:cs typeface="Arial" panose="020B0604020202020204" pitchFamily="34" charset="0"/>
-            </a:endParaRPr>
-          </a:p>
-          <a:p>
-            <a:pPr lvl="1" algn="just"/>
-            <a:r>
-              <a:rPr lang="en-US" sz="2000" b="1" dirty="0">
+              <a:t>trees</a:t>
+            </a:r>
+            <a:r>
+              <a:rPr lang="en-US" sz="1200" b="1" dirty="0"/>
+              <a:t> and </a:t>
+            </a:r>
+            <a:r>
+              <a:rPr lang="en-US" sz="1200" b="1" dirty="0">
                 <a:solidFill>
                   <a:srgbClr val="FF0000"/>
                 </a:solidFill>
-                <a:latin typeface="Bell MT" panose="02020503060305020303" pitchFamily="18" charset="0"/>
-                <a:cs typeface="Arial" panose="020B0604020202020204" pitchFamily="34" charset="0"/>
               </a:rPr>
-              <a:t>Dynamic data structure: </a:t>
-            </a:r>
-            <a:r>
-              <a:rPr lang="en-US" sz="2000" dirty="0">
-                <a:latin typeface="Bell MT" panose="02020503060305020303" pitchFamily="18" charset="0"/>
-                <a:cs typeface="Arial" panose="020B0604020202020204" pitchFamily="34" charset="0"/>
-              </a:rPr>
-              <a:t>In dynamic data structure, the size is not fixed. It can be randomly updated during the runtime which may be considered efficient concerning the memory (space) complexity of the code.</a:t>
-            </a:r>
-            <a:r>
-              <a:rPr lang="en-US" sz="1600" dirty="0">
-                <a:latin typeface="Bell MT" panose="02020503060305020303" pitchFamily="18" charset="0"/>
-                <a:cs typeface="Arial" panose="020B0604020202020204" pitchFamily="34" charset="0"/>
-              </a:rPr>
-              <a:t> </a:t>
-            </a:r>
-            <a:r>
-              <a:rPr lang="en-US" sz="2000" b="1" dirty="0">
-                <a:latin typeface="Bell MT" panose="02020503060305020303" pitchFamily="18" charset="0"/>
-                <a:cs typeface="Arial" panose="020B0604020202020204" pitchFamily="34" charset="0"/>
-              </a:rPr>
-              <a:t>Examples of this data structure are queue, stack, etc.</a:t>
-            </a:r>
-          </a:p>
-          <a:p>
-            <a:pPr lvl="1" algn="just"/>
-            <a:endParaRPr lang="en-US" sz="2000" dirty="0">
-              <a:latin typeface="Bell MT" panose="02020503060305020303" pitchFamily="18" charset="0"/>
-              <a:cs typeface="Arial" panose="020B0604020202020204" pitchFamily="34" charset="0"/>
+              <a:t>graphs</a:t>
+            </a:r>
+            <a:r>
+              <a:rPr lang="en-US" sz="1200" b="1" dirty="0"/>
+              <a:t>.</a:t>
+            </a:r>
+          </a:p>
+        </p:txBody>
+      </p:sp>
+    </p:spTree>
+    <p:extLst>
+      <p:ext uri="{BB962C8B-B14F-4D97-AF65-F5344CB8AC3E}">
+        <p14:creationId xmlns:p14="http://schemas.microsoft.com/office/powerpoint/2010/main" val="1077663233"/>
+      </p:ext>
+    </p:extLst>
+  </p:cSld>
+  <p:clrMapOvr>
+    <a:masterClrMapping/>
+  </p:clrMapOvr>
+</p:sld>
+</file>
+
+<file path=ppt/slides/slide8.xml><?xml version="1.0" encoding="utf-8"?>
+<p:sld xmlns:a="http://schemas.openxmlformats.org/drawingml/2006/main" xmlns:r="http://schemas.openxmlformats.org/officeDocument/2006/relationships" xmlns:p="http://schemas.openxmlformats.org/presentationml/2006/main">
+  <p:cSld>
+    <p:bg>
+      <p:bgPr>
+        <a:solidFill>
+          <a:schemeClr val="bg1"/>
+        </a:solidFill>
+        <a:effectLst/>
+      </p:bgPr>
+    </p:bg>
+    <p:spTree>
+      <p:nvGrpSpPr>
+        <p:cNvPr id="1" name=""/>
+        <p:cNvGrpSpPr/>
+        <p:nvPr/>
+      </p:nvGrpSpPr>
+      <p:grpSpPr>
+        <a:xfrm>
+          <a:off x="0" y="0"/>
+          <a:ext cx="0" cy="0"/>
+          <a:chOff x="0" y="0"/>
+          <a:chExt cx="0" cy="0"/>
+        </a:xfrm>
+      </p:grpSpPr>
+      <p:sp useBgFill="1">
+        <p:nvSpPr>
+          <p:cNvPr id="12" name="Rectangle 11">
+            <a:extLst>
+              <a:ext uri="{FF2B5EF4-FFF2-40B4-BE49-F238E27FC236}">
+                <a16:creationId xmlns:a16="http://schemas.microsoft.com/office/drawing/2014/main" id="{DAF1966E-FD40-4A4A-B61B-C4DF7FA05F06}"/>
+              </a:ext>
+              <a:ext uri="{C183D7F6-B498-43B3-948B-1728B52AA6E4}">
+                <adec:decorative xmlns:adec="http://schemas.microsoft.com/office/drawing/2017/decorative" val="1"/>
+              </a:ext>
+            </a:extLst>
+          </p:cNvPr>
+          <p:cNvSpPr>
+            <a:spLocks noGrp="1" noRot="1" noChangeAspect="1" noMove="1" noResize="1" noEditPoints="1" noAdjustHandles="1" noChangeArrowheads="1" noChangeShapeType="1" noTextEdit="1"/>
+          </p:cNvSpPr>
+          <p:nvPr>
+            <p:extLst>
+              <p:ext uri="{386F3935-93C4-4BCD-93E2-E3B085C9AB24}">
+                <p16:designElem xmlns:p16="http://schemas.microsoft.com/office/powerpoint/2015/main" val="1"/>
+              </p:ext>
+            </p:extLst>
+          </p:nvPr>
+        </p:nvSpPr>
+        <p:spPr>
+          <a:xfrm>
+            <a:off x="0" y="0"/>
+            <a:ext cx="12192000" cy="6858000"/>
+          </a:xfrm>
+          <a:prstGeom prst="rect">
+            <a:avLst/>
+          </a:prstGeom>
+          <a:ln>
+            <a:noFill/>
+          </a:ln>
+        </p:spPr>
+        <p:style>
+          <a:lnRef idx="2">
+            <a:schemeClr val="accent1">
+              <a:shade val="50000"/>
+            </a:schemeClr>
+          </a:lnRef>
+          <a:fillRef idx="1">
+            <a:schemeClr val="accent1"/>
+          </a:fillRef>
+          <a:effectRef idx="0">
+            <a:schemeClr val="accent1"/>
+          </a:effectRef>
+          <a:fontRef idx="minor">
+            <a:schemeClr val="lt1"/>
+          </a:fontRef>
+        </p:style>
+        <p:txBody>
+          <a:bodyPr rtlCol="0" anchor="ctr"/>
+          <a:lstStyle/>
+          <a:p>
+            <a:pPr algn="ctr"/>
+            <a:endParaRPr lang="en-US"/>
+          </a:p>
+        </p:txBody>
+      </p:sp>
+      <p:sp useBgFill="1">
+        <p:nvSpPr>
+          <p:cNvPr id="14" name="Rectangle 13">
+            <a:extLst>
+              <a:ext uri="{FF2B5EF4-FFF2-40B4-BE49-F238E27FC236}">
+                <a16:creationId xmlns:a16="http://schemas.microsoft.com/office/drawing/2014/main" id="{047BFA19-D45E-416B-A404-7AF2F3F27017}"/>
+              </a:ext>
+              <a:ext uri="{C183D7F6-B498-43B3-948B-1728B52AA6E4}">
+                <adec:decorative xmlns:adec="http://schemas.microsoft.com/office/drawing/2017/decorative" val="1"/>
+              </a:ext>
+            </a:extLst>
+          </p:cNvPr>
+          <p:cNvSpPr>
+            <a:spLocks noGrp="1" noRot="1" noChangeAspect="1" noMove="1" noResize="1" noEditPoints="1" noAdjustHandles="1" noChangeArrowheads="1" noChangeShapeType="1" noTextEdit="1"/>
+          </p:cNvSpPr>
+          <p:nvPr>
+            <p:extLst>
+              <p:ext uri="{386F3935-93C4-4BCD-93E2-E3B085C9AB24}">
+                <p16:designElem xmlns:p16="http://schemas.microsoft.com/office/powerpoint/2015/main" val="1"/>
+              </p:ext>
+            </p:extLst>
+          </p:nvPr>
+        </p:nvSpPr>
+        <p:spPr>
+          <a:xfrm>
+            <a:off x="558209" y="0"/>
+            <a:ext cx="11167447" cy="2018806"/>
+          </a:xfrm>
+          <a:prstGeom prst="rect">
+            <a:avLst/>
+          </a:prstGeom>
+          <a:ln w="9525">
+            <a:solidFill>
+              <a:srgbClr val="E1E1E1"/>
+            </a:solidFill>
+          </a:ln>
+          <a:effectLst>
+            <a:outerShdw blurRad="50800" dist="38100" dir="2700000" algn="tl" rotWithShape="0">
+              <a:schemeClr val="bg1">
+                <a:lumMod val="85000"/>
+                <a:alpha val="50000"/>
+              </a:schemeClr>
+            </a:outerShdw>
+          </a:effectLst>
+        </p:spPr>
+        <p:style>
+          <a:lnRef idx="2">
+            <a:schemeClr val="accent1">
+              <a:shade val="50000"/>
+            </a:schemeClr>
+          </a:lnRef>
+          <a:fillRef idx="1">
+            <a:schemeClr val="accent1"/>
+          </a:fillRef>
+          <a:effectRef idx="0">
+            <a:schemeClr val="accent1"/>
+          </a:effectRef>
+          <a:fontRef idx="minor">
+            <a:schemeClr val="lt1"/>
+          </a:fontRef>
+        </p:style>
+        <p:txBody>
+          <a:bodyPr rtlCol="0" anchor="ctr"/>
+          <a:lstStyle/>
+          <a:p>
+            <a:pPr marL="0" marR="0" lvl="0" indent="0" algn="ctr" defTabSz="914400" rtl="0" eaLnBrk="1" fontAlgn="auto" latinLnBrk="0" hangingPunct="1">
+              <a:lnSpc>
+                <a:spcPct val="100000"/>
+              </a:lnSpc>
+              <a:spcBef>
+                <a:spcPts val="0"/>
+              </a:spcBef>
+              <a:spcAft>
+                <a:spcPts val="0"/>
+              </a:spcAft>
+              <a:buClrTx/>
+              <a:buSzTx/>
+              <a:buFontTx/>
+              <a:buNone/>
+              <a:tabLst/>
+              <a:defRPr/>
+            </a:pPr>
+            <a:endParaRPr kumimoji="0" lang="en-US" sz="1800" b="0" i="0" u="none" strike="noStrike" kern="1200" cap="none" spc="0" normalizeH="0" baseline="0" noProof="0">
+              <a:ln>
+                <a:noFill/>
+              </a:ln>
+              <a:solidFill>
+                <a:prstClr val="white"/>
+              </a:solidFill>
+              <a:effectLst/>
+              <a:uLnTx/>
+              <a:uFillTx/>
+              <a:latin typeface="Calibri" panose="020F0502020204030204"/>
+              <a:ea typeface="+mn-ea"/>
+              <a:cs typeface="+mn-cs"/>
             </a:endParaRPr>
           </a:p>
-          <a:p>
-            <a:pPr marL="0" indent="0" algn="just">
+        </p:txBody>
+      </p:sp>
+      <p:sp useBgFill="1">
+        <p:nvSpPr>
+          <p:cNvPr id="16" name="Rectangle 15">
+            <a:extLst>
+              <a:ext uri="{FF2B5EF4-FFF2-40B4-BE49-F238E27FC236}">
+                <a16:creationId xmlns:a16="http://schemas.microsoft.com/office/drawing/2014/main" id="{8E0105E7-23DB-4CF2-8258-FF47C7620F6E}"/>
+              </a:ext>
+              <a:ext uri="{C183D7F6-B498-43B3-948B-1728B52AA6E4}">
+                <adec:decorative xmlns:adec="http://schemas.microsoft.com/office/drawing/2017/decorative" val="1"/>
+              </a:ext>
+            </a:extLst>
+          </p:cNvPr>
+          <p:cNvSpPr>
+            <a:spLocks noGrp="1" noRot="1" noChangeAspect="1" noMove="1" noResize="1" noEditPoints="1" noAdjustHandles="1" noChangeArrowheads="1" noChangeShapeType="1" noTextEdit="1"/>
+          </p:cNvSpPr>
+          <p:nvPr>
+            <p:extLst>
+              <p:ext uri="{386F3935-93C4-4BCD-93E2-E3B085C9AB24}">
+                <p16:designElem xmlns:p16="http://schemas.microsoft.com/office/powerpoint/2015/main" val="1"/>
+              </p:ext>
+            </p:extLst>
+          </p:nvPr>
+        </p:nvSpPr>
+        <p:spPr>
+          <a:xfrm>
+            <a:off x="566928" y="0"/>
+            <a:ext cx="11155680" cy="2011680"/>
+          </a:xfrm>
+          <a:prstGeom prst="rect">
+            <a:avLst/>
+          </a:prstGeom>
+          <a:ln w="9525">
+            <a:noFill/>
+          </a:ln>
+          <a:effectLst/>
+        </p:spPr>
+        <p:style>
+          <a:lnRef idx="2">
+            <a:schemeClr val="accent1">
+              <a:shade val="50000"/>
+            </a:schemeClr>
+          </a:lnRef>
+          <a:fillRef idx="1">
+            <a:schemeClr val="accent1"/>
+          </a:fillRef>
+          <a:effectRef idx="0">
+            <a:schemeClr val="accent1"/>
+          </a:effectRef>
+          <a:fontRef idx="minor">
+            <a:schemeClr val="lt1"/>
+          </a:fontRef>
+        </p:style>
+        <p:txBody>
+          <a:bodyPr rtlCol="0" anchor="ctr"/>
+          <a:lstStyle/>
+          <a:p>
+            <a:pPr marL="0" marR="0" lvl="0" indent="0" algn="ctr" defTabSz="914400" rtl="0" eaLnBrk="1" fontAlgn="auto" latinLnBrk="0" hangingPunct="1">
+              <a:lnSpc>
+                <a:spcPct val="100000"/>
+              </a:lnSpc>
+              <a:spcBef>
+                <a:spcPts val="0"/>
+              </a:spcBef>
+              <a:spcAft>
+                <a:spcPts val="0"/>
+              </a:spcAft>
+              <a:buClrTx/>
+              <a:buSzTx/>
+              <a:buFontTx/>
               <a:buNone/>
+              <a:tabLst/>
+              <a:defRPr/>
             </a:pPr>
-            <a:r>
-              <a:rPr lang="en-US" sz="2000" b="1" dirty="0">
-                <a:solidFill>
-                  <a:srgbClr val="00B050"/>
-                </a:solidFill>
-                <a:latin typeface="Bell MT" panose="02020503060305020303" pitchFamily="18" charset="0"/>
-                <a:cs typeface="Arial" panose="020B0604020202020204" pitchFamily="34" charset="0"/>
-              </a:rPr>
-              <a:t>Non-linear data structure: </a:t>
-            </a:r>
-            <a:r>
-              <a:rPr lang="en-US" sz="2000" dirty="0">
-                <a:latin typeface="Bell MT" panose="02020503060305020303" pitchFamily="18" charset="0"/>
-                <a:cs typeface="Arial" panose="020B0604020202020204" pitchFamily="34" charset="0"/>
-              </a:rPr>
-              <a:t>Data structures where data elements are not placed sequentially or linearly are called non-linear data structures. In a non-linear data structure, we can’t traverse all the elements in a single run only. </a:t>
-            </a:r>
-          </a:p>
-          <a:p>
-            <a:pPr marL="0" indent="0" algn="just">
-              <a:buNone/>
-            </a:pPr>
-            <a:r>
-              <a:rPr lang="en-US" sz="2000" b="1" dirty="0">
-                <a:latin typeface="Bell MT" panose="02020503060305020303" pitchFamily="18" charset="0"/>
-                <a:cs typeface="Arial" panose="020B0604020202020204" pitchFamily="34" charset="0"/>
-              </a:rPr>
-              <a:t>Examples of non-linear data structures are trees and graphs.</a:t>
-            </a:r>
+            <a:endParaRPr kumimoji="0" lang="en-US" sz="1800" b="0" i="0" u="none" strike="noStrike" kern="1200" cap="none" spc="0" normalizeH="0" baseline="0" noProof="0">
+              <a:ln>
+                <a:noFill/>
+              </a:ln>
+              <a:solidFill>
+                <a:prstClr val="white"/>
+              </a:solidFill>
+              <a:effectLst/>
+              <a:uLnTx/>
+              <a:uFillTx/>
+              <a:latin typeface="Calibri" panose="020F0502020204030204"/>
+              <a:ea typeface="+mn-ea"/>
+              <a:cs typeface="+mn-cs"/>
+            </a:endParaRPr>
           </a:p>
         </p:txBody>
       </p:sp>
@@ -8864,8 +11883,8 @@
         </p:nvSpPr>
         <p:spPr>
           <a:xfrm>
-            <a:off x="1049216" y="327110"/>
-            <a:ext cx="6673948" cy="1325563"/>
+            <a:off x="1115568" y="548640"/>
+            <a:ext cx="10168128" cy="1179576"/>
           </a:xfrm>
           <a:prstGeom prst="rect">
             <a:avLst/>
@@ -8895,46 +11914,93 @@
             </a:lvl1pPr>
           </a:lstStyle>
           <a:p>
-            <a:r>
-              <a:rPr lang="en-US" sz="2800" b="1" dirty="0">
-                <a:latin typeface="Bell MT" panose="02020503060305020303" pitchFamily="18" charset="0"/>
-                <a:cs typeface="Arial" panose="020B0604020202020204" pitchFamily="34" charset="0"/>
+            <a:pPr>
+              <a:spcAft>
+                <a:spcPts val="600"/>
+              </a:spcAft>
+            </a:pPr>
+            <a:r>
+              <a:rPr lang="en-US" sz="4000" b="1" kern="1200">
+                <a:solidFill>
+                  <a:schemeClr val="tx1"/>
+                </a:solidFill>
+                <a:latin typeface="+mj-lt"/>
+                <a:ea typeface="+mj-ea"/>
+                <a:cs typeface="+mj-cs"/>
               </a:rPr>
-              <a:t>Types of data structure?</a:t>
+              <a:t>Where to use which data structure?</a:t>
             </a:r>
           </a:p>
         </p:txBody>
       </p:sp>
-    </p:spTree>
-    <p:extLst>
-      <p:ext uri="{BB962C8B-B14F-4D97-AF65-F5344CB8AC3E}">
-        <p14:creationId xmlns:p14="http://schemas.microsoft.com/office/powerpoint/2010/main" val="1077663233"/>
-      </p:ext>
-    </p:extLst>
-  </p:cSld>
-  <p:clrMapOvr>
-    <a:masterClrMapping/>
-  </p:clrMapOvr>
-</p:sld>
-</file>
-
-<file path=ppt/slides/slide8.xml><?xml version="1.0" encoding="utf-8"?>
-<p:sld xmlns:a="http://schemas.openxmlformats.org/drawingml/2006/main" xmlns:r="http://schemas.openxmlformats.org/officeDocument/2006/relationships" xmlns:p="http://schemas.openxmlformats.org/presentationml/2006/main">
-  <p:cSld>
-    <p:spTree>
-      <p:nvGrpSpPr>
-        <p:cNvPr id="1" name=""/>
-        <p:cNvGrpSpPr/>
-        <p:nvPr/>
-      </p:nvGrpSpPr>
-      <p:grpSpPr>
-        <a:xfrm>
-          <a:off x="0" y="0"/>
-          <a:ext cx="0" cy="0"/>
-          <a:chOff x="0" y="0"/>
-          <a:chExt cx="0" cy="0"/>
-        </a:xfrm>
-      </p:grpSpPr>
+      <p:sp>
+        <p:nvSpPr>
+          <p:cNvPr id="18" name="Rectangle 17">
+            <a:extLst>
+              <a:ext uri="{FF2B5EF4-FFF2-40B4-BE49-F238E27FC236}">
+                <a16:creationId xmlns:a16="http://schemas.microsoft.com/office/drawing/2014/main" id="{074B4F7D-14B2-478B-8BF5-01E4E0C5D263}"/>
+              </a:ext>
+              <a:ext uri="{C183D7F6-B498-43B3-948B-1728B52AA6E4}">
+                <adec:decorative xmlns:adec="http://schemas.microsoft.com/office/drawing/2017/decorative" val="1"/>
+              </a:ext>
+            </a:extLst>
+          </p:cNvPr>
+          <p:cNvSpPr>
+            <a:spLocks noGrp="1" noRot="1" noChangeAspect="1" noMove="1" noResize="1" noEditPoints="1" noAdjustHandles="1" noChangeArrowheads="1" noChangeShapeType="1" noTextEdit="1"/>
+          </p:cNvSpPr>
+          <p:nvPr>
+            <p:extLst>
+              <p:ext uri="{386F3935-93C4-4BCD-93E2-E3B085C9AB24}">
+                <p16:designElem xmlns:p16="http://schemas.microsoft.com/office/powerpoint/2015/main" val="1"/>
+              </p:ext>
+            </p:extLst>
+          </p:nvPr>
+        </p:nvSpPr>
+        <p:spPr>
+          <a:xfrm>
+            <a:off x="498834" y="758952"/>
+            <a:ext cx="128016" cy="704088"/>
+          </a:xfrm>
+          <a:prstGeom prst="rect">
+            <a:avLst/>
+          </a:prstGeom>
+          <a:solidFill>
+            <a:schemeClr val="accent2"/>
+          </a:solidFill>
+          <a:ln>
+            <a:noFill/>
+          </a:ln>
+        </p:spPr>
+        <p:style>
+          <a:lnRef idx="2">
+            <a:schemeClr val="accent1">
+              <a:shade val="50000"/>
+            </a:schemeClr>
+          </a:lnRef>
+          <a:fillRef idx="1">
+            <a:schemeClr val="accent1"/>
+          </a:fillRef>
+          <a:effectRef idx="0">
+            <a:schemeClr val="accent1"/>
+          </a:effectRef>
+          <a:fontRef idx="minor">
+            <a:schemeClr val="lt1"/>
+          </a:fontRef>
+        </p:style>
+        <p:txBody>
+          <a:bodyPr rtlCol="0" anchor="ctr"/>
+          <a:lstStyle/>
+          <a:p>
+            <a:pPr algn="ctr"/>
+            <a:endParaRPr lang="en-US">
+              <a:solidFill>
+                <a:prstClr val="white"/>
+              </a:solidFill>
+              <a:latin typeface="Calibri" panose="020F0502020204030204"/>
+            </a:endParaRPr>
+          </a:p>
+        </p:txBody>
+      </p:sp>
       <p:sp>
         <p:nvSpPr>
           <p:cNvPr id="6" name="Content Placeholder 2">
@@ -8951,8 +12017,8 @@
         </p:nvSpPr>
         <p:spPr>
           <a:xfrm>
-            <a:off x="1049216" y="1652672"/>
-            <a:ext cx="10515600" cy="4878218"/>
+            <a:off x="1115568" y="2481943"/>
+            <a:ext cx="10168128" cy="3695020"/>
           </a:xfrm>
           <a:prstGeom prst="rect">
             <a:avLst/>
@@ -9127,90 +12193,347 @@
             </a:lvl9pPr>
           </a:lstStyle>
           <a:p>
-            <a:pPr marL="0" indent="0" algn="just">
+            <a:pPr marL="0"/>
+            <a:r>
+              <a:rPr lang="en-US" sz="1500" dirty="0"/>
+              <a:t>The choice of data structure depends on the specific requirements and characteristics of the problem or task you are trying to solve. Each data structure has its own strengths and weaknesses, and selecting the right one can significantly impact the efficiency and performance of your program. Here are some guidelines on where to use which data structure:</a:t>
+            </a:r>
+          </a:p>
+          <a:p>
+            <a:pPr marL="0"/>
+            <a:r>
+              <a:rPr lang="en-US" sz="1500" b="1" dirty="0"/>
+              <a:t>Arrays:</a:t>
+            </a:r>
+          </a:p>
+          <a:p>
+            <a:pPr lvl="1"/>
+            <a:r>
+              <a:rPr lang="en-US" sz="1200" dirty="0"/>
+              <a:t>Use arrays when you have a fixed size of data and need direct access to elements using an index.</a:t>
+            </a:r>
+          </a:p>
+          <a:p>
+            <a:pPr lvl="1"/>
+            <a:r>
+              <a:rPr lang="en-US" sz="1200" dirty="0"/>
+              <a:t>Suitable for simple lists or collections where elements are accessed frequently by their positions.</a:t>
+            </a:r>
+          </a:p>
+          <a:p>
+            <a:pPr lvl="1"/>
+            <a:r>
+              <a:rPr lang="en-US" sz="1200" dirty="0"/>
+              <a:t>They offer constant time access to elements, but insertion and deletion can be inefficient.</a:t>
+            </a:r>
+          </a:p>
+          <a:p>
+            <a:pPr marL="0"/>
+            <a:r>
+              <a:rPr lang="en-US" sz="1500" b="1" dirty="0"/>
+              <a:t>Linked-List:</a:t>
+            </a:r>
+          </a:p>
+          <a:p>
+            <a:pPr lvl="1"/>
+            <a:r>
+              <a:rPr lang="en-US" sz="1200" dirty="0"/>
+              <a:t>Use linked lists when you require dynamic memory allocation and can tolerate slower element access but faster insertion and deletion.</a:t>
+            </a:r>
+          </a:p>
+          <a:p>
+            <a:pPr lvl="1"/>
+            <a:r>
+              <a:rPr lang="en-US" sz="1200" dirty="0"/>
+              <a:t>Suitable for situations where you frequently insert or remove elements from the beginning, middle, or end of the list.</a:t>
+            </a:r>
+          </a:p>
+        </p:txBody>
+      </p:sp>
+    </p:spTree>
+    <p:extLst>
+      <p:ext uri="{BB962C8B-B14F-4D97-AF65-F5344CB8AC3E}">
+        <p14:creationId xmlns:p14="http://schemas.microsoft.com/office/powerpoint/2010/main" val="1326413243"/>
+      </p:ext>
+    </p:extLst>
+  </p:cSld>
+  <p:clrMapOvr>
+    <a:masterClrMapping/>
+  </p:clrMapOvr>
+</p:sld>
+</file>
+
+<file path=ppt/slides/slide9.xml><?xml version="1.0" encoding="utf-8"?>
+<p:sld xmlns:a="http://schemas.openxmlformats.org/drawingml/2006/main" xmlns:r="http://schemas.openxmlformats.org/officeDocument/2006/relationships" xmlns:p="http://schemas.openxmlformats.org/presentationml/2006/main">
+  <p:cSld>
+    <p:bg>
+      <p:bgPr>
+        <a:solidFill>
+          <a:schemeClr val="bg1"/>
+        </a:solidFill>
+        <a:effectLst/>
+      </p:bgPr>
+    </p:bg>
+    <p:spTree>
+      <p:nvGrpSpPr>
+        <p:cNvPr id="1" name=""/>
+        <p:cNvGrpSpPr/>
+        <p:nvPr/>
+      </p:nvGrpSpPr>
+      <p:grpSpPr>
+        <a:xfrm>
+          <a:off x="0" y="0"/>
+          <a:ext cx="0" cy="0"/>
+          <a:chOff x="0" y="0"/>
+          <a:chExt cx="0" cy="0"/>
+        </a:xfrm>
+      </p:grpSpPr>
+      <p:sp useBgFill="1">
+        <p:nvSpPr>
+          <p:cNvPr id="12" name="Rectangle 11">
+            <a:extLst>
+              <a:ext uri="{FF2B5EF4-FFF2-40B4-BE49-F238E27FC236}">
+                <a16:creationId xmlns:a16="http://schemas.microsoft.com/office/drawing/2014/main" id="{DAF1966E-FD40-4A4A-B61B-C4DF7FA05F06}"/>
+              </a:ext>
+              <a:ext uri="{C183D7F6-B498-43B3-948B-1728B52AA6E4}">
+                <adec:decorative xmlns:adec="http://schemas.microsoft.com/office/drawing/2017/decorative" val="1"/>
+              </a:ext>
+            </a:extLst>
+          </p:cNvPr>
+          <p:cNvSpPr>
+            <a:spLocks noGrp="1" noRot="1" noChangeAspect="1" noMove="1" noResize="1" noEditPoints="1" noAdjustHandles="1" noChangeArrowheads="1" noChangeShapeType="1" noTextEdit="1"/>
+          </p:cNvSpPr>
+          <p:nvPr>
+            <p:extLst>
+              <p:ext uri="{386F3935-93C4-4BCD-93E2-E3B085C9AB24}">
+                <p16:designElem xmlns:p16="http://schemas.microsoft.com/office/powerpoint/2015/main" val="1"/>
+              </p:ext>
+            </p:extLst>
+          </p:nvPr>
+        </p:nvSpPr>
+        <p:spPr>
+          <a:xfrm>
+            <a:off x="0" y="0"/>
+            <a:ext cx="12192000" cy="6858000"/>
+          </a:xfrm>
+          <a:prstGeom prst="rect">
+            <a:avLst/>
+          </a:prstGeom>
+          <a:ln>
+            <a:noFill/>
+          </a:ln>
+        </p:spPr>
+        <p:style>
+          <a:lnRef idx="2">
+            <a:schemeClr val="accent1">
+              <a:shade val="50000"/>
+            </a:schemeClr>
+          </a:lnRef>
+          <a:fillRef idx="1">
+            <a:schemeClr val="accent1"/>
+          </a:fillRef>
+          <a:effectRef idx="0">
+            <a:schemeClr val="accent1"/>
+          </a:effectRef>
+          <a:fontRef idx="minor">
+            <a:schemeClr val="lt1"/>
+          </a:fontRef>
+        </p:style>
+        <p:txBody>
+          <a:bodyPr rtlCol="0" anchor="ctr"/>
+          <a:lstStyle/>
+          <a:p>
+            <a:pPr algn="ctr"/>
+            <a:endParaRPr lang="en-US"/>
+          </a:p>
+        </p:txBody>
+      </p:sp>
+      <p:sp useBgFill="1">
+        <p:nvSpPr>
+          <p:cNvPr id="14" name="Rectangle 13">
+            <a:extLst>
+              <a:ext uri="{FF2B5EF4-FFF2-40B4-BE49-F238E27FC236}">
+                <a16:creationId xmlns:a16="http://schemas.microsoft.com/office/drawing/2014/main" id="{047BFA19-D45E-416B-A404-7AF2F3F27017}"/>
+              </a:ext>
+              <a:ext uri="{C183D7F6-B498-43B3-948B-1728B52AA6E4}">
+                <adec:decorative xmlns:adec="http://schemas.microsoft.com/office/drawing/2017/decorative" val="1"/>
+              </a:ext>
+            </a:extLst>
+          </p:cNvPr>
+          <p:cNvSpPr>
+            <a:spLocks noGrp="1" noRot="1" noChangeAspect="1" noMove="1" noResize="1" noEditPoints="1" noAdjustHandles="1" noChangeArrowheads="1" noChangeShapeType="1" noTextEdit="1"/>
+          </p:cNvSpPr>
+          <p:nvPr>
+            <p:extLst>
+              <p:ext uri="{386F3935-93C4-4BCD-93E2-E3B085C9AB24}">
+                <p16:designElem xmlns:p16="http://schemas.microsoft.com/office/powerpoint/2015/main" val="1"/>
+              </p:ext>
+            </p:extLst>
+          </p:nvPr>
+        </p:nvSpPr>
+        <p:spPr>
+          <a:xfrm>
+            <a:off x="558209" y="0"/>
+            <a:ext cx="11167447" cy="2018806"/>
+          </a:xfrm>
+          <a:prstGeom prst="rect">
+            <a:avLst/>
+          </a:prstGeom>
+          <a:ln w="9525">
+            <a:solidFill>
+              <a:srgbClr val="E1E1E1"/>
+            </a:solidFill>
+          </a:ln>
+          <a:effectLst>
+            <a:outerShdw blurRad="50800" dist="38100" dir="2700000" algn="tl" rotWithShape="0">
+              <a:schemeClr val="bg1">
+                <a:lumMod val="85000"/>
+                <a:alpha val="50000"/>
+              </a:schemeClr>
+            </a:outerShdw>
+          </a:effectLst>
+        </p:spPr>
+        <p:style>
+          <a:lnRef idx="2">
+            <a:schemeClr val="accent1">
+              <a:shade val="50000"/>
+            </a:schemeClr>
+          </a:lnRef>
+          <a:fillRef idx="1">
+            <a:schemeClr val="accent1"/>
+          </a:fillRef>
+          <a:effectRef idx="0">
+            <a:schemeClr val="accent1"/>
+          </a:effectRef>
+          <a:fontRef idx="minor">
+            <a:schemeClr val="lt1"/>
+          </a:fontRef>
+        </p:style>
+        <p:txBody>
+          <a:bodyPr rtlCol="0" anchor="ctr"/>
+          <a:lstStyle/>
+          <a:p>
+            <a:pPr marL="0" marR="0" lvl="0" indent="0" algn="ctr" defTabSz="914400" rtl="0" eaLnBrk="1" fontAlgn="auto" latinLnBrk="0" hangingPunct="1">
+              <a:lnSpc>
+                <a:spcPct val="100000"/>
+              </a:lnSpc>
+              <a:spcBef>
+                <a:spcPts val="0"/>
+              </a:spcBef>
+              <a:spcAft>
+                <a:spcPts val="0"/>
+              </a:spcAft>
+              <a:buClrTx/>
+              <a:buSzTx/>
+              <a:buFontTx/>
               <a:buNone/>
+              <a:tabLst/>
+              <a:defRPr/>
             </a:pPr>
-            <a:r>
-              <a:rPr lang="en-US" sz="2000" dirty="0">
-                <a:latin typeface="Bell MT" panose="02020503060305020303" pitchFamily="18" charset="0"/>
-                <a:cs typeface="Arial" panose="020B0604020202020204" pitchFamily="34" charset="0"/>
-              </a:rPr>
-              <a:t>The choice of data structure depends on the specific requirements and characteristics of the problem or task you are trying to solve. Each data structure has its own strengths and weaknesses, and selecting the right one can significantly impact the efficiency and performance of your program. Here are some guidelines on where to use which data structure:</a:t>
-            </a:r>
-          </a:p>
-          <a:p>
-            <a:pPr marL="0" indent="0" algn="just">
+            <a:endParaRPr kumimoji="0" lang="en-US" sz="1800" b="0" i="0" u="none" strike="noStrike" kern="1200" cap="none" spc="0" normalizeH="0" baseline="0" noProof="0">
+              <a:ln>
+                <a:noFill/>
+              </a:ln>
+              <a:solidFill>
+                <a:prstClr val="white"/>
+              </a:solidFill>
+              <a:effectLst/>
+              <a:uLnTx/>
+              <a:uFillTx/>
+              <a:latin typeface="Calibri" panose="020F0502020204030204"/>
+              <a:ea typeface="+mn-ea"/>
+              <a:cs typeface="+mn-cs"/>
+            </a:endParaRPr>
+          </a:p>
+        </p:txBody>
+      </p:sp>
+      <p:sp useBgFill="1">
+        <p:nvSpPr>
+          <p:cNvPr id="16" name="Rectangle 15">
+            <a:extLst>
+              <a:ext uri="{FF2B5EF4-FFF2-40B4-BE49-F238E27FC236}">
+                <a16:creationId xmlns:a16="http://schemas.microsoft.com/office/drawing/2014/main" id="{8E0105E7-23DB-4CF2-8258-FF47C7620F6E}"/>
+              </a:ext>
+              <a:ext uri="{C183D7F6-B498-43B3-948B-1728B52AA6E4}">
+                <adec:decorative xmlns:adec="http://schemas.microsoft.com/office/drawing/2017/decorative" val="1"/>
+              </a:ext>
+            </a:extLst>
+          </p:cNvPr>
+          <p:cNvSpPr>
+            <a:spLocks noGrp="1" noRot="1" noChangeAspect="1" noMove="1" noResize="1" noEditPoints="1" noAdjustHandles="1" noChangeArrowheads="1" noChangeShapeType="1" noTextEdit="1"/>
+          </p:cNvSpPr>
+          <p:nvPr>
+            <p:extLst>
+              <p:ext uri="{386F3935-93C4-4BCD-93E2-E3B085C9AB24}">
+                <p16:designElem xmlns:p16="http://schemas.microsoft.com/office/powerpoint/2015/main" val="1"/>
+              </p:ext>
+            </p:extLst>
+          </p:nvPr>
+        </p:nvSpPr>
+        <p:spPr>
+          <a:xfrm>
+            <a:off x="566928" y="0"/>
+            <a:ext cx="11155680" cy="2011680"/>
+          </a:xfrm>
+          <a:prstGeom prst="rect">
+            <a:avLst/>
+          </a:prstGeom>
+          <a:ln w="9525">
+            <a:noFill/>
+          </a:ln>
+          <a:effectLst/>
+        </p:spPr>
+        <p:style>
+          <a:lnRef idx="2">
+            <a:schemeClr val="accent1">
+              <a:shade val="50000"/>
+            </a:schemeClr>
+          </a:lnRef>
+          <a:fillRef idx="1">
+            <a:schemeClr val="accent1"/>
+          </a:fillRef>
+          <a:effectRef idx="0">
+            <a:schemeClr val="accent1"/>
+          </a:effectRef>
+          <a:fontRef idx="minor">
+            <a:schemeClr val="lt1"/>
+          </a:fontRef>
+        </p:style>
+        <p:txBody>
+          <a:bodyPr rtlCol="0" anchor="ctr"/>
+          <a:lstStyle/>
+          <a:p>
+            <a:pPr marL="0" marR="0" lvl="0" indent="0" algn="ctr" defTabSz="914400" rtl="0" eaLnBrk="1" fontAlgn="auto" latinLnBrk="0" hangingPunct="1">
+              <a:lnSpc>
+                <a:spcPct val="100000"/>
+              </a:lnSpc>
+              <a:spcBef>
+                <a:spcPts val="0"/>
+              </a:spcBef>
+              <a:spcAft>
+                <a:spcPts val="0"/>
+              </a:spcAft>
+              <a:buClrTx/>
+              <a:buSzTx/>
+              <a:buFontTx/>
               <a:buNone/>
+              <a:tabLst/>
+              <a:defRPr/>
             </a:pPr>
-            <a:r>
-              <a:rPr lang="en-US" sz="2000" b="1" dirty="0">
-                <a:latin typeface="Bell MT" panose="02020503060305020303" pitchFamily="18" charset="0"/>
-                <a:cs typeface="Arial" panose="020B0604020202020204" pitchFamily="34" charset="0"/>
-              </a:rPr>
-              <a:t>Arrays:</a:t>
-            </a:r>
-          </a:p>
-          <a:p>
-            <a:pPr algn="just"/>
-            <a:r>
-              <a:rPr lang="en-US" sz="2000" dirty="0">
-                <a:latin typeface="Bell MT" panose="02020503060305020303" pitchFamily="18" charset="0"/>
-                <a:cs typeface="Arial" panose="020B0604020202020204" pitchFamily="34" charset="0"/>
-              </a:rPr>
-              <a:t>Use arrays when you have a fixed size of data and need direct access to elements using an index.</a:t>
-            </a:r>
-          </a:p>
-          <a:p>
-            <a:pPr algn="just"/>
-            <a:r>
-              <a:rPr lang="en-US" sz="2000" dirty="0">
-                <a:latin typeface="Bell MT" panose="02020503060305020303" pitchFamily="18" charset="0"/>
-                <a:cs typeface="Arial" panose="020B0604020202020204" pitchFamily="34" charset="0"/>
-              </a:rPr>
-              <a:t>Suitable for simple lists or collections where elements are accessed frequently by their positions.</a:t>
-            </a:r>
-          </a:p>
-          <a:p>
-            <a:pPr algn="just"/>
-            <a:r>
-              <a:rPr lang="en-US" sz="2000" dirty="0">
-                <a:latin typeface="Bell MT" panose="02020503060305020303" pitchFamily="18" charset="0"/>
-                <a:cs typeface="Arial" panose="020B0604020202020204" pitchFamily="34" charset="0"/>
-              </a:rPr>
-              <a:t>They offer constant time access to elements, but insertion and deletion can be inefficient.</a:t>
-            </a:r>
-          </a:p>
-          <a:p>
-            <a:pPr marL="0" indent="0" algn="just">
-              <a:buNone/>
-            </a:pPr>
-            <a:r>
-              <a:rPr lang="en-US" sz="2000" b="1" dirty="0">
-                <a:latin typeface="Bell MT" panose="02020503060305020303" pitchFamily="18" charset="0"/>
-                <a:cs typeface="Arial" panose="020B0604020202020204" pitchFamily="34" charset="0"/>
-              </a:rPr>
-              <a:t>Linked-List:</a:t>
-            </a:r>
-          </a:p>
-          <a:p>
-            <a:pPr algn="just"/>
-            <a:r>
-              <a:rPr lang="en-US" sz="2000" dirty="0">
-                <a:latin typeface="Bell MT" panose="02020503060305020303" pitchFamily="18" charset="0"/>
-                <a:cs typeface="Arial" panose="020B0604020202020204" pitchFamily="34" charset="0"/>
-              </a:rPr>
-              <a:t>Use linked lists when you require dynamic memory allocation and can tolerate slower element access but faster insertion and deletion.</a:t>
-            </a:r>
-          </a:p>
-          <a:p>
-            <a:pPr algn="just"/>
-            <a:r>
-              <a:rPr lang="en-US" sz="2000" dirty="0">
-                <a:latin typeface="Bell MT" panose="02020503060305020303" pitchFamily="18" charset="0"/>
-                <a:cs typeface="Arial" panose="020B0604020202020204" pitchFamily="34" charset="0"/>
-              </a:rPr>
-              <a:t> Suitable for situations where you frequently insert or remove elements from the beginning, middle, or end of the list.</a:t>
-            </a:r>
+            <a:endParaRPr kumimoji="0" lang="en-US" sz="1800" b="0" i="0" u="none" strike="noStrike" kern="1200" cap="none" spc="0" normalizeH="0" baseline="0" noProof="0">
+              <a:ln>
+                <a:noFill/>
+              </a:ln>
+              <a:solidFill>
+                <a:prstClr val="white"/>
+              </a:solidFill>
+              <a:effectLst/>
+              <a:uLnTx/>
+              <a:uFillTx/>
+              <a:latin typeface="Calibri" panose="020F0502020204030204"/>
+              <a:ea typeface="+mn-ea"/>
+              <a:cs typeface="+mn-cs"/>
+            </a:endParaRPr>
           </a:p>
         </p:txBody>
       </p:sp>
@@ -9230,8 +12553,8 @@
         </p:nvSpPr>
         <p:spPr>
           <a:xfrm>
-            <a:off x="1049216" y="327110"/>
-            <a:ext cx="6673948" cy="1325563"/>
+            <a:off x="1115568" y="548640"/>
+            <a:ext cx="10168128" cy="1179576"/>
           </a:xfrm>
           <a:prstGeom prst="rect">
             <a:avLst/>
@@ -9261,46 +12584,93 @@
             </a:lvl1pPr>
           </a:lstStyle>
           <a:p>
-            <a:r>
-              <a:rPr lang="en-US" sz="2800" b="1" dirty="0">
-                <a:latin typeface="Bell MT" panose="02020503060305020303" pitchFamily="18" charset="0"/>
-                <a:cs typeface="Arial" panose="020B0604020202020204" pitchFamily="34" charset="0"/>
+            <a:pPr>
+              <a:spcAft>
+                <a:spcPts val="600"/>
+              </a:spcAft>
+            </a:pPr>
+            <a:r>
+              <a:rPr lang="en-US" sz="4000" b="1" kern="1200">
+                <a:solidFill>
+                  <a:schemeClr val="tx1"/>
+                </a:solidFill>
+                <a:latin typeface="+mj-lt"/>
+                <a:ea typeface="+mj-ea"/>
+                <a:cs typeface="+mj-cs"/>
               </a:rPr>
               <a:t>Where to use which data structure?</a:t>
             </a:r>
           </a:p>
         </p:txBody>
       </p:sp>
-    </p:spTree>
-    <p:extLst>
-      <p:ext uri="{BB962C8B-B14F-4D97-AF65-F5344CB8AC3E}">
-        <p14:creationId xmlns:p14="http://schemas.microsoft.com/office/powerpoint/2010/main" val="1326413243"/>
-      </p:ext>
-    </p:extLst>
-  </p:cSld>
-  <p:clrMapOvr>
-    <a:masterClrMapping/>
-  </p:clrMapOvr>
-</p:sld>
-</file>
-
-<file path=ppt/slides/slide9.xml><?xml version="1.0" encoding="utf-8"?>
-<p:sld xmlns:a="http://schemas.openxmlformats.org/drawingml/2006/main" xmlns:r="http://schemas.openxmlformats.org/officeDocument/2006/relationships" xmlns:p="http://schemas.openxmlformats.org/presentationml/2006/main">
-  <p:cSld>
-    <p:spTree>
-      <p:nvGrpSpPr>
-        <p:cNvPr id="1" name=""/>
-        <p:cNvGrpSpPr/>
-        <p:nvPr/>
-      </p:nvGrpSpPr>
-      <p:grpSpPr>
-        <a:xfrm>
-          <a:off x="0" y="0"/>
-          <a:ext cx="0" cy="0"/>
-          <a:chOff x="0" y="0"/>
-          <a:chExt cx="0" cy="0"/>
-        </a:xfrm>
-      </p:grpSpPr>
+      <p:sp>
+        <p:nvSpPr>
+          <p:cNvPr id="18" name="Rectangle 17">
+            <a:extLst>
+              <a:ext uri="{FF2B5EF4-FFF2-40B4-BE49-F238E27FC236}">
+                <a16:creationId xmlns:a16="http://schemas.microsoft.com/office/drawing/2014/main" id="{074B4F7D-14B2-478B-8BF5-01E4E0C5D263}"/>
+              </a:ext>
+              <a:ext uri="{C183D7F6-B498-43B3-948B-1728B52AA6E4}">
+                <adec:decorative xmlns:adec="http://schemas.microsoft.com/office/drawing/2017/decorative" val="1"/>
+              </a:ext>
+            </a:extLst>
+          </p:cNvPr>
+          <p:cNvSpPr>
+            <a:spLocks noGrp="1" noRot="1" noChangeAspect="1" noMove="1" noResize="1" noEditPoints="1" noAdjustHandles="1" noChangeArrowheads="1" noChangeShapeType="1" noTextEdit="1"/>
+          </p:cNvSpPr>
+          <p:nvPr>
+            <p:extLst>
+              <p:ext uri="{386F3935-93C4-4BCD-93E2-E3B085C9AB24}">
+                <p16:designElem xmlns:p16="http://schemas.microsoft.com/office/powerpoint/2015/main" val="1"/>
+              </p:ext>
+            </p:extLst>
+          </p:nvPr>
+        </p:nvSpPr>
+        <p:spPr>
+          <a:xfrm>
+            <a:off x="498834" y="758952"/>
+            <a:ext cx="128016" cy="704088"/>
+          </a:xfrm>
+          <a:prstGeom prst="rect">
+            <a:avLst/>
+          </a:prstGeom>
+          <a:solidFill>
+            <a:schemeClr val="accent2"/>
+          </a:solidFill>
+          <a:ln>
+            <a:noFill/>
+          </a:ln>
+        </p:spPr>
+        <p:style>
+          <a:lnRef idx="2">
+            <a:schemeClr val="accent1">
+              <a:shade val="50000"/>
+            </a:schemeClr>
+          </a:lnRef>
+          <a:fillRef idx="1">
+            <a:schemeClr val="accent1"/>
+          </a:fillRef>
+          <a:effectRef idx="0">
+            <a:schemeClr val="accent1"/>
+          </a:effectRef>
+          <a:fontRef idx="minor">
+            <a:schemeClr val="lt1"/>
+          </a:fontRef>
+        </p:style>
+        <p:txBody>
+          <a:bodyPr rtlCol="0" anchor="ctr"/>
+          <a:lstStyle/>
+          <a:p>
+            <a:pPr algn="ctr"/>
+            <a:endParaRPr lang="en-US">
+              <a:solidFill>
+                <a:prstClr val="white"/>
+              </a:solidFill>
+              <a:latin typeface="Calibri" panose="020F0502020204030204"/>
+            </a:endParaRPr>
+          </a:p>
+        </p:txBody>
+      </p:sp>
       <p:sp>
         <p:nvSpPr>
           <p:cNvPr id="6" name="Content Placeholder 2">
@@ -9317,8 +12687,8 @@
         </p:nvSpPr>
         <p:spPr>
           <a:xfrm>
-            <a:off x="1049216" y="1526063"/>
-            <a:ext cx="10515600" cy="4517550"/>
+            <a:off x="1115568" y="2481943"/>
+            <a:ext cx="10168128" cy="3695020"/>
           </a:xfrm>
           <a:prstGeom prst="rect">
             <a:avLst/>
@@ -9493,166 +12863,65 @@
             </a:lvl9pPr>
           </a:lstStyle>
           <a:p>
-            <a:pPr marL="0" indent="0" algn="just">
-              <a:buNone/>
-            </a:pPr>
-            <a:r>
-              <a:rPr lang="en-US" sz="2000" b="1" dirty="0">
-                <a:latin typeface="Bell MT" panose="02020503060305020303" pitchFamily="18" charset="0"/>
-                <a:cs typeface="Arial" panose="020B0604020202020204" pitchFamily="34" charset="0"/>
-              </a:rPr>
+            <a:pPr marL="0"/>
+            <a:r>
+              <a:rPr lang="en-US" sz="1700" b="1"/>
               <a:t>Stack:</a:t>
             </a:r>
           </a:p>
           <a:p>
-            <a:pPr algn="just"/>
-            <a:r>
-              <a:rPr lang="en-US" sz="2000" dirty="0">
-                <a:latin typeface="Bell MT" panose="02020503060305020303" pitchFamily="18" charset="0"/>
-                <a:cs typeface="Arial" panose="020B0604020202020204" pitchFamily="34" charset="0"/>
-              </a:rPr>
+            <a:r>
+              <a:rPr lang="en-US" sz="1700"/>
               <a:t>Use stacks when you need a Last-In-First-Out (LIFO) data structure.</a:t>
             </a:r>
           </a:p>
           <a:p>
-            <a:pPr algn="just"/>
-            <a:r>
-              <a:rPr lang="en-US" sz="2000" dirty="0">
-                <a:latin typeface="Bell MT" panose="02020503060305020303" pitchFamily="18" charset="0"/>
-                <a:cs typeface="Arial" panose="020B0604020202020204" pitchFamily="34" charset="0"/>
-              </a:rPr>
+            <a:r>
+              <a:rPr lang="en-US" sz="1700"/>
               <a:t>Suitable for implementing function calls, parsing expressions, and undo functionalities.</a:t>
             </a:r>
           </a:p>
           <a:p>
-            <a:pPr marL="0" indent="0" algn="just">
-              <a:buNone/>
-            </a:pPr>
-            <a:r>
-              <a:rPr lang="en-US" sz="2000" b="1" dirty="0">
-                <a:latin typeface="Bell MT" panose="02020503060305020303" pitchFamily="18" charset="0"/>
-                <a:cs typeface="Arial" panose="020B0604020202020204" pitchFamily="34" charset="0"/>
-              </a:rPr>
+            <a:pPr marL="0"/>
+            <a:r>
+              <a:rPr lang="en-US" sz="1700" b="1"/>
               <a:t>Queues:</a:t>
             </a:r>
           </a:p>
           <a:p>
-            <a:pPr algn="just"/>
-            <a:r>
-              <a:rPr lang="en-US" sz="2000" dirty="0">
-                <a:latin typeface="Bell MT" panose="02020503060305020303" pitchFamily="18" charset="0"/>
-                <a:cs typeface="Arial" panose="020B0604020202020204" pitchFamily="34" charset="0"/>
-              </a:rPr>
+            <a:r>
+              <a:rPr lang="en-US" sz="1700"/>
               <a:t>Use queues when you need a First-In-First-Out (FIFO) data structure.</a:t>
             </a:r>
           </a:p>
           <a:p>
-            <a:pPr algn="just"/>
-            <a:r>
-              <a:rPr lang="en-US" sz="2000" dirty="0">
-                <a:latin typeface="Bell MT" panose="02020503060305020303" pitchFamily="18" charset="0"/>
-                <a:cs typeface="Arial" panose="020B0604020202020204" pitchFamily="34" charset="0"/>
-              </a:rPr>
+            <a:r>
+              <a:rPr lang="en-US" sz="1700"/>
               <a:t>Suitable for tasks like scheduling, task management, breadth-first search, etc.</a:t>
             </a:r>
           </a:p>
           <a:p>
-            <a:pPr marL="0" indent="0" algn="just">
-              <a:buNone/>
-            </a:pPr>
-            <a:r>
-              <a:rPr lang="en-US" sz="2000" b="1" dirty="0">
-                <a:latin typeface="Bell MT" panose="02020503060305020303" pitchFamily="18" charset="0"/>
-                <a:cs typeface="Arial" panose="020B0604020202020204" pitchFamily="34" charset="0"/>
-              </a:rPr>
+            <a:pPr marL="0"/>
+            <a:r>
+              <a:rPr lang="en-US" sz="1700" b="1"/>
               <a:t>Trees:</a:t>
             </a:r>
           </a:p>
           <a:p>
-            <a:pPr algn="just"/>
-            <a:r>
-              <a:rPr lang="en-US" sz="2000" dirty="0">
-                <a:latin typeface="Bell MT" panose="02020503060305020303" pitchFamily="18" charset="0"/>
-                <a:cs typeface="Arial" panose="020B0604020202020204" pitchFamily="34" charset="0"/>
-              </a:rPr>
+            <a:r>
+              <a:rPr lang="en-US" sz="1700"/>
               <a:t>Use trees when you need hierarchical data representation, like in directory structures, hierarchical databases, or parsing expressions.</a:t>
             </a:r>
           </a:p>
           <a:p>
-            <a:pPr algn="just"/>
-            <a:r>
-              <a:rPr lang="en-US" sz="2000" dirty="0">
-                <a:latin typeface="Bell MT" panose="02020503060305020303" pitchFamily="18" charset="0"/>
-                <a:cs typeface="Arial" panose="020B0604020202020204" pitchFamily="34" charset="0"/>
-              </a:rPr>
+            <a:r>
+              <a:rPr lang="en-US" sz="1700"/>
               <a:t>Suitable for implementing binary search trees (BST) for efficient searching, insertion, and deletion.</a:t>
             </a:r>
           </a:p>
           <a:p>
-            <a:pPr marL="0" indent="0" algn="just">
-              <a:buNone/>
-            </a:pPr>
-            <a:endParaRPr lang="en-US" sz="2000" dirty="0">
-              <a:latin typeface="Bell MT" panose="02020503060305020303" pitchFamily="18" charset="0"/>
-              <a:cs typeface="Arial" panose="020B0604020202020204" pitchFamily="34" charset="0"/>
-            </a:endParaRPr>
-          </a:p>
-        </p:txBody>
-      </p:sp>
-      <p:sp>
-        <p:nvSpPr>
-          <p:cNvPr id="7" name="Title 1">
-            <a:extLst>
-              <a:ext uri="{FF2B5EF4-FFF2-40B4-BE49-F238E27FC236}">
-                <a16:creationId xmlns:a16="http://schemas.microsoft.com/office/drawing/2014/main" id="{9D71E5D7-0ABA-46A8-9CF0-4E4D26AF9BE7}"/>
-              </a:ext>
-            </a:extLst>
-          </p:cNvPr>
-          <p:cNvSpPr txBox="1">
-            <a:spLocks/>
-          </p:cNvSpPr>
-          <p:nvPr/>
-        </p:nvSpPr>
-        <p:spPr>
-          <a:xfrm>
-            <a:off x="1049216" y="327110"/>
-            <a:ext cx="6673948" cy="1325563"/>
-          </a:xfrm>
-          <a:prstGeom prst="rect">
-            <a:avLst/>
-          </a:prstGeom>
-        </p:spPr>
-        <p:txBody>
-          <a:bodyPr vert="horz" lIns="91440" tIns="45720" rIns="91440" bIns="45720" rtlCol="0" anchor="ctr">
-            <a:normAutofit/>
-          </a:bodyPr>
-          <a:lstStyle>
-            <a:lvl1pPr algn="l" defTabSz="914400" rtl="0" eaLnBrk="1" latinLnBrk="0" hangingPunct="1">
-              <a:lnSpc>
-                <a:spcPct val="90000"/>
-              </a:lnSpc>
-              <a:spcBef>
-                <a:spcPct val="0"/>
-              </a:spcBef>
-              <a:buNone/>
-              <a:defRPr sz="4400" kern="1200">
-                <a:solidFill>
-                  <a:schemeClr val="tx1"/>
-                </a:solidFill>
-                <a:latin typeface="+mj-lt"/>
-                <a:ea typeface="+mj-ea"/>
-                <a:cs typeface="+mj-cs"/>
-              </a:defRPr>
-            </a:lvl1pPr>
-          </a:lstStyle>
-          <a:p>
-            <a:r>
-              <a:rPr lang="en-US" sz="2800" b="1" dirty="0">
-                <a:latin typeface="Bell MT" panose="02020503060305020303" pitchFamily="18" charset="0"/>
-                <a:cs typeface="Arial" panose="020B0604020202020204" pitchFamily="34" charset="0"/>
-              </a:rPr>
-              <a:t>Where to use which data structure?</a:t>
-            </a:r>
+            <a:pPr marL="0"/>
+            <a:endParaRPr lang="en-US" sz="1700"/>
           </a:p>
         </p:txBody>
       </p:sp>
